--- a/PROIECT FINAL - GORODETCHI DAVID.pptx
+++ b/PROIECT FINAL - GORODETCHI DAVID.pptx
@@ -217,7 +217,7 @@
           <a:p>
             <a:fld id="{ECE55240-91AF-4248-BB6C-64FDE017B1F4}" type="datetimeFigureOut">
               <a:rPr lang="en-US" smtClean="0"/>
-              <a:t>5/7/2023</a:t>
+              <a:t>5/9/2023</a:t>
             </a:fld>
             <a:endParaRPr lang="en-US"/>
           </a:p>
@@ -348,7 +348,7 @@
           <a:p>
             <a:fld id="{0AF76C85-58D2-4542-8F2A-226C15F1FA28}" type="datetimeFigureOut">
               <a:rPr lang="en-US" smtClean="0"/>
-              <a:t>5/7/2023</a:t>
+              <a:t>5/9/2023</a:t>
             </a:fld>
             <a:endParaRPr lang="en-US"/>
           </a:p>
@@ -2800,7 +2800,7 @@
           <a:p>
             <a:fld id="{363DCB64-5090-461D-9AD2-20C99028C471}" type="datetimeFigureOut">
               <a:rPr lang="en-US" smtClean="0"/>
-              <a:t>5/7/2023</a:t>
+              <a:t>5/9/2023</a:t>
             </a:fld>
             <a:endParaRPr lang="en-US"/>
           </a:p>
@@ -3354,7 +3354,7 @@
         </p:spPr>
         <p:txBody>
           <a:bodyPr>
-            <a:normAutofit fontScale="90000"/>
+            <a:noAutofit/>
           </a:bodyPr>
           <a:lstStyle/>
           <a:p>
@@ -3364,7 +3364,7 @@
               </a:lnSpc>
             </a:pPr>
             <a:r>
-              <a:rPr lang="en-US" b="1" dirty="0">
+              <a:rPr lang="en-US" sz="3200" b="1" dirty="0">
                 <a:solidFill>
                   <a:srgbClr val="002060"/>
                 </a:solidFill>
@@ -3375,7 +3375,7 @@
               <a:t>FRAMEWORK DE </a:t>
             </a:r>
             <a:br>
-              <a:rPr lang="en-US" b="1" dirty="0">
+              <a:rPr lang="en-US" sz="3200" b="1" dirty="0">
                 <a:solidFill>
                   <a:srgbClr val="002060"/>
                 </a:solidFill>
@@ -3385,7 +3385,7 @@
               </a:rPr>
             </a:br>
             <a:r>
-              <a:rPr lang="en-US" b="1" dirty="0">
+              <a:rPr lang="en-US" sz="3200" b="1" dirty="0">
                 <a:solidFill>
                   <a:srgbClr val="002060"/>
                 </a:solidFill>
@@ -3396,7 +3396,7 @@
               <a:t>TESTAREA AUTOMATA</a:t>
             </a:r>
             <a:br>
-              <a:rPr lang="en-US" b="1" dirty="0">
+              <a:rPr lang="en-US" sz="3200" b="1" dirty="0">
                 <a:solidFill>
                   <a:srgbClr val="002060"/>
                 </a:solidFill>
@@ -3449,14 +3449,6 @@
               </a:rPr>
               <a:t> web ‘https://medtinker.ro/’</a:t>
             </a:r>
-            <a:endParaRPr lang="en-US" b="1" dirty="0">
-              <a:solidFill>
-                <a:srgbClr val="002060"/>
-              </a:solidFill>
-              <a:latin typeface="Times New Roman"/>
-              <a:ea typeface="Times New Roman"/>
-              <a:cs typeface="Times New Roman"/>
-            </a:endParaRPr>
           </a:p>
         </p:txBody>
       </p:sp>
@@ -3472,19 +3464,19 @@
         </p:nvSpPr>
         <p:spPr>
           <a:xfrm>
-            <a:off x="3826707" y="5025293"/>
-            <a:ext cx="6858000" cy="1498120"/>
+            <a:off x="3826707" y="5095631"/>
+            <a:ext cx="6958523" cy="1498120"/>
           </a:xfrm>
         </p:spPr>
         <p:txBody>
           <a:bodyPr>
-            <a:normAutofit fontScale="92500" lnSpcReduction="10000"/>
+            <a:normAutofit/>
           </a:bodyPr>
           <a:lstStyle/>
           <a:p>
             <a:pPr algn="r"/>
             <a:r>
-              <a:rPr lang="en-US" sz="3200" b="1" dirty="0">
+              <a:rPr lang="en-US" sz="2000" b="1" dirty="0">
                 <a:solidFill>
                   <a:srgbClr val="002060"/>
                 </a:solidFill>
@@ -3497,7 +3489,7 @@
           </a:p>
           <a:p>
             <a:pPr algn="r"/>
-            <a:endParaRPr lang="en-US" sz="3200" b="1" dirty="0">
+            <a:endParaRPr lang="en-US" sz="2000" b="1" dirty="0">
               <a:solidFill>
                 <a:srgbClr val="002060"/>
               </a:solidFill>
@@ -3509,7 +3501,7 @@
           <a:p>
             <a:pPr algn="r"/>
             <a:r>
-              <a:rPr lang="en-US" sz="3200" b="1" dirty="0">
+              <a:rPr lang="en-US" sz="2000" b="1" dirty="0">
                 <a:solidFill>
                   <a:srgbClr val="002060"/>
                 </a:solidFill>
@@ -3522,7 +3514,7 @@
           </a:p>
           <a:p>
             <a:pPr algn="r"/>
-            <a:endParaRPr lang="en-US" sz="3200" b="1" dirty="0">
+            <a:endParaRPr lang="en-US" sz="2000" b="1" dirty="0">
               <a:solidFill>
                 <a:srgbClr val="002060"/>
               </a:solidFill>
@@ -3612,45 +3604,6 @@
       </p:grpSpPr>
       <p:sp>
         <p:nvSpPr>
-          <p:cNvPr id="2" name="Titre 1">
-            <a:extLst>
-              <a:ext uri="{FF2B5EF4-FFF2-40B4-BE49-F238E27FC236}">
-                <a16:creationId xmlns:a16="http://schemas.microsoft.com/office/drawing/2014/main" id="{70E2FC19-529D-7421-74AB-5C009804345A}"/>
-              </a:ext>
-            </a:extLst>
-          </p:cNvPr>
-          <p:cNvSpPr>
-            <a:spLocks noGrp="1"/>
-          </p:cNvSpPr>
-          <p:nvPr>
-            <p:ph type="title"/>
-          </p:nvPr>
-        </p:nvSpPr>
-        <p:spPr>
-          <a:xfrm>
-            <a:off x="697758" y="1473547"/>
-            <a:ext cx="3856597" cy="455275"/>
-          </a:xfrm>
-        </p:spPr>
-        <p:txBody>
-          <a:bodyPr>
-            <a:normAutofit fontScale="90000"/>
-          </a:bodyPr>
-          <a:lstStyle/>
-          <a:p>
-            <a:r>
-              <a:rPr lang="en-US" dirty="0" err="1"/>
-              <a:t>Continuare</a:t>
-            </a:r>
-            <a:r>
-              <a:rPr lang="en-US" dirty="0"/>
-              <a:t>…</a:t>
-            </a:r>
-          </a:p>
-        </p:txBody>
-      </p:sp>
-      <p:sp>
-        <p:nvSpPr>
           <p:cNvPr id="4" name="Espace réservé du texte 3">
             <a:extLst>
               <a:ext uri="{FF2B5EF4-FFF2-40B4-BE49-F238E27FC236}">
@@ -3667,47 +3620,477 @@
         </p:nvSpPr>
         <p:spPr>
           <a:xfrm>
-            <a:off x="785740" y="1928822"/>
-            <a:ext cx="3563521" cy="4407595"/>
+            <a:off x="782053" y="1473547"/>
+            <a:ext cx="3284621" cy="4862870"/>
           </a:xfrm>
         </p:spPr>
         <p:txBody>
-          <a:bodyPr/>
+          <a:bodyPr>
+            <a:normAutofit/>
+          </a:bodyPr>
           <a:lstStyle/>
           <a:p>
-            <a:r>
-              <a:rPr lang="en-US" dirty="0" err="1">
+            <a:pPr>
+              <a:lnSpc>
+                <a:spcPct val="150000"/>
+              </a:lnSpc>
+            </a:pPr>
+            <a:r>
+              <a:rPr lang="en-US" sz="1400" dirty="0" err="1">
                 <a:latin typeface="Times New Roman" panose="02020603050405020304" pitchFamily="18" charset="0"/>
                 <a:cs typeface="Times New Roman" panose="02020603050405020304" pitchFamily="18" charset="0"/>
               </a:rPr>
               <a:t>Testul</a:t>
             </a:r>
             <a:r>
-              <a:rPr lang="en-US" dirty="0">
-                <a:latin typeface="Times New Roman" panose="02020603050405020304" pitchFamily="18" charset="0"/>
-                <a:cs typeface="Times New Roman" panose="02020603050405020304" pitchFamily="18" charset="0"/>
-              </a:rPr>
-              <a:t> 6 – </a:t>
+              <a:rPr lang="en-US" sz="1400" dirty="0">
+                <a:latin typeface="Times New Roman" panose="02020603050405020304" pitchFamily="18" charset="0"/>
+                <a:cs typeface="Times New Roman" panose="02020603050405020304" pitchFamily="18" charset="0"/>
+              </a:rPr>
+              <a:t> 6 – In </a:t>
+            </a:r>
+            <a:r>
+              <a:rPr lang="en-US" sz="1400" dirty="0" err="1">
+                <a:latin typeface="Times New Roman" panose="02020603050405020304" pitchFamily="18" charset="0"/>
+                <a:cs typeface="Times New Roman" panose="02020603050405020304" pitchFamily="18" charset="0"/>
+              </a:rPr>
+              <a:t>acest</a:t>
+            </a:r>
+            <a:r>
+              <a:rPr lang="en-US" sz="1400" dirty="0">
+                <a:latin typeface="Times New Roman" panose="02020603050405020304" pitchFamily="18" charset="0"/>
+                <a:cs typeface="Times New Roman" panose="02020603050405020304" pitchFamily="18" charset="0"/>
+              </a:rPr>
+              <a:t> test </a:t>
+            </a:r>
+            <a:r>
+              <a:rPr lang="en-US" sz="1400" dirty="0" err="1">
+                <a:latin typeface="Times New Roman" panose="02020603050405020304" pitchFamily="18" charset="0"/>
+                <a:cs typeface="Times New Roman" panose="02020603050405020304" pitchFamily="18" charset="0"/>
+              </a:rPr>
+              <a:t>vrem</a:t>
+            </a:r>
+            <a:r>
+              <a:rPr lang="en-US" sz="1400" dirty="0">
+                <a:latin typeface="Times New Roman" panose="02020603050405020304" pitchFamily="18" charset="0"/>
+                <a:cs typeface="Times New Roman" panose="02020603050405020304" pitchFamily="18" charset="0"/>
+              </a:rPr>
+              <a:t> </a:t>
+            </a:r>
+            <a:r>
+              <a:rPr lang="en-US" sz="1400" dirty="0" err="1">
+                <a:latin typeface="Times New Roman" panose="02020603050405020304" pitchFamily="18" charset="0"/>
+                <a:cs typeface="Times New Roman" panose="02020603050405020304" pitchFamily="18" charset="0"/>
+              </a:rPr>
+              <a:t>sa</a:t>
+            </a:r>
+            <a:r>
+              <a:rPr lang="en-US" sz="1400" dirty="0">
+                <a:latin typeface="Times New Roman" panose="02020603050405020304" pitchFamily="18" charset="0"/>
+                <a:cs typeface="Times New Roman" panose="02020603050405020304" pitchFamily="18" charset="0"/>
+              </a:rPr>
+              <a:t> ne </a:t>
+            </a:r>
+            <a:r>
+              <a:rPr lang="en-US" sz="1400" dirty="0" err="1">
+                <a:latin typeface="Times New Roman" panose="02020603050405020304" pitchFamily="18" charset="0"/>
+                <a:cs typeface="Times New Roman" panose="02020603050405020304" pitchFamily="18" charset="0"/>
+              </a:rPr>
+              <a:t>inregistram</a:t>
+            </a:r>
+            <a:r>
+              <a:rPr lang="en-US" sz="1400" dirty="0">
+                <a:latin typeface="Times New Roman" panose="02020603050405020304" pitchFamily="18" charset="0"/>
+                <a:cs typeface="Times New Roman" panose="02020603050405020304" pitchFamily="18" charset="0"/>
+              </a:rPr>
+              <a:t> </a:t>
+            </a:r>
+            <a:r>
+              <a:rPr lang="en-US" sz="1400" dirty="0" err="1">
+                <a:latin typeface="Times New Roman" panose="02020603050405020304" pitchFamily="18" charset="0"/>
+                <a:cs typeface="Times New Roman" panose="02020603050405020304" pitchFamily="18" charset="0"/>
+              </a:rPr>
+              <a:t>fara</a:t>
+            </a:r>
+            <a:r>
+              <a:rPr lang="en-US" sz="1400" dirty="0">
+                <a:latin typeface="Times New Roman" panose="02020603050405020304" pitchFamily="18" charset="0"/>
+                <a:cs typeface="Times New Roman" panose="02020603050405020304" pitchFamily="18" charset="0"/>
+              </a:rPr>
+              <a:t> a </a:t>
+            </a:r>
+            <a:r>
+              <a:rPr lang="en-US" sz="1400" dirty="0" err="1">
+                <a:latin typeface="Times New Roman" panose="02020603050405020304" pitchFamily="18" charset="0"/>
+                <a:cs typeface="Times New Roman" panose="02020603050405020304" pitchFamily="18" charset="0"/>
+              </a:rPr>
+              <a:t>accepta</a:t>
+            </a:r>
+            <a:r>
+              <a:rPr lang="en-US" sz="1400" dirty="0">
+                <a:latin typeface="Times New Roman" panose="02020603050405020304" pitchFamily="18" charset="0"/>
+                <a:cs typeface="Times New Roman" panose="02020603050405020304" pitchFamily="18" charset="0"/>
+              </a:rPr>
+              <a:t> </a:t>
+            </a:r>
+            <a:r>
+              <a:rPr lang="en-US" sz="1400" dirty="0" err="1">
+                <a:latin typeface="Times New Roman" panose="02020603050405020304" pitchFamily="18" charset="0"/>
+                <a:cs typeface="Times New Roman" panose="02020603050405020304" pitchFamily="18" charset="0"/>
+              </a:rPr>
+              <a:t>conditiile</a:t>
+            </a:r>
+            <a:r>
+              <a:rPr lang="en-US" sz="1400" dirty="0">
+                <a:latin typeface="Times New Roman" panose="02020603050405020304" pitchFamily="18" charset="0"/>
+                <a:cs typeface="Times New Roman" panose="02020603050405020304" pitchFamily="18" charset="0"/>
+              </a:rPr>
+              <a:t> de </a:t>
+            </a:r>
+            <a:r>
+              <a:rPr lang="en-US" sz="1400" dirty="0" err="1">
+                <a:latin typeface="Times New Roman" panose="02020603050405020304" pitchFamily="18" charset="0"/>
+                <a:cs typeface="Times New Roman" panose="02020603050405020304" pitchFamily="18" charset="0"/>
+              </a:rPr>
+              <a:t>inregistrare</a:t>
+            </a:r>
+            <a:r>
+              <a:rPr lang="en-US" sz="1400" dirty="0">
+                <a:latin typeface="Times New Roman" panose="02020603050405020304" pitchFamily="18" charset="0"/>
+                <a:cs typeface="Times New Roman" panose="02020603050405020304" pitchFamily="18" charset="0"/>
+              </a:rPr>
+              <a:t> </a:t>
+            </a:r>
+            <a:r>
+              <a:rPr lang="en-US" sz="1400" dirty="0" err="1">
+                <a:latin typeface="Times New Roman" panose="02020603050405020304" pitchFamily="18" charset="0"/>
+                <a:cs typeface="Times New Roman" panose="02020603050405020304" pitchFamily="18" charset="0"/>
+              </a:rPr>
+              <a:t>si</a:t>
+            </a:r>
+            <a:r>
+              <a:rPr lang="en-US" sz="1400" dirty="0">
+                <a:latin typeface="Times New Roman" panose="02020603050405020304" pitchFamily="18" charset="0"/>
+                <a:cs typeface="Times New Roman" panose="02020603050405020304" pitchFamily="18" charset="0"/>
+              </a:rPr>
+              <a:t> </a:t>
+            </a:r>
+            <a:r>
+              <a:rPr lang="en-US" sz="1400" dirty="0" err="1">
+                <a:latin typeface="Times New Roman" panose="02020603050405020304" pitchFamily="18" charset="0"/>
+                <a:cs typeface="Times New Roman" panose="02020603050405020304" pitchFamily="18" charset="0"/>
+              </a:rPr>
+              <a:t>verificam</a:t>
+            </a:r>
+            <a:r>
+              <a:rPr lang="en-US" sz="1400" dirty="0">
+                <a:latin typeface="Times New Roman" panose="02020603050405020304" pitchFamily="18" charset="0"/>
+                <a:cs typeface="Times New Roman" panose="02020603050405020304" pitchFamily="18" charset="0"/>
+              </a:rPr>
+              <a:t> </a:t>
+            </a:r>
+            <a:r>
+              <a:rPr lang="en-US" sz="1400" dirty="0" err="1">
+                <a:latin typeface="Times New Roman" panose="02020603050405020304" pitchFamily="18" charset="0"/>
+                <a:cs typeface="Times New Roman" panose="02020603050405020304" pitchFamily="18" charset="0"/>
+              </a:rPr>
+              <a:t>daca</a:t>
+            </a:r>
+            <a:r>
+              <a:rPr lang="en-US" sz="1400" dirty="0">
+                <a:latin typeface="Times New Roman" panose="02020603050405020304" pitchFamily="18" charset="0"/>
+                <a:cs typeface="Times New Roman" panose="02020603050405020304" pitchFamily="18" charset="0"/>
+              </a:rPr>
+              <a:t> </a:t>
+            </a:r>
+            <a:r>
+              <a:rPr lang="en-US" sz="1400" dirty="0" err="1">
+                <a:latin typeface="Times New Roman" panose="02020603050405020304" pitchFamily="18" charset="0"/>
+                <a:cs typeface="Times New Roman" panose="02020603050405020304" pitchFamily="18" charset="0"/>
+              </a:rPr>
+              <a:t>este</a:t>
+            </a:r>
+            <a:r>
+              <a:rPr lang="en-US" sz="1400" dirty="0">
+                <a:latin typeface="Times New Roman" panose="02020603050405020304" pitchFamily="18" charset="0"/>
+                <a:cs typeface="Times New Roman" panose="02020603050405020304" pitchFamily="18" charset="0"/>
+              </a:rPr>
+              <a:t> </a:t>
+            </a:r>
+            <a:r>
+              <a:rPr lang="en-US" sz="1400" dirty="0" err="1">
+                <a:latin typeface="Times New Roman" panose="02020603050405020304" pitchFamily="18" charset="0"/>
+                <a:cs typeface="Times New Roman" panose="02020603050405020304" pitchFamily="18" charset="0"/>
+              </a:rPr>
+              <a:t>afisat</a:t>
+            </a:r>
+            <a:r>
+              <a:rPr lang="en-US" sz="1400" dirty="0">
+                <a:latin typeface="Times New Roman" panose="02020603050405020304" pitchFamily="18" charset="0"/>
+                <a:cs typeface="Times New Roman" panose="02020603050405020304" pitchFamily="18" charset="0"/>
+              </a:rPr>
+              <a:t> </a:t>
+            </a:r>
+            <a:r>
+              <a:rPr lang="en-US" sz="1400" dirty="0" err="1">
+                <a:latin typeface="Times New Roman" panose="02020603050405020304" pitchFamily="18" charset="0"/>
+                <a:cs typeface="Times New Roman" panose="02020603050405020304" pitchFamily="18" charset="0"/>
+              </a:rPr>
+              <a:t>mesajul</a:t>
+            </a:r>
+            <a:r>
+              <a:rPr lang="en-US" sz="1400" dirty="0">
+                <a:latin typeface="Times New Roman" panose="02020603050405020304" pitchFamily="18" charset="0"/>
+                <a:cs typeface="Times New Roman" panose="02020603050405020304" pitchFamily="18" charset="0"/>
+              </a:rPr>
+              <a:t> de </a:t>
+            </a:r>
+            <a:r>
+              <a:rPr lang="en-US" sz="1400" dirty="0" err="1">
+                <a:latin typeface="Times New Roman" panose="02020603050405020304" pitchFamily="18" charset="0"/>
+                <a:cs typeface="Times New Roman" panose="02020603050405020304" pitchFamily="18" charset="0"/>
+              </a:rPr>
+              <a:t>eroare</a:t>
+            </a:r>
+            <a:r>
+              <a:rPr lang="en-US" sz="1400" dirty="0">
+                <a:latin typeface="Times New Roman" panose="02020603050405020304" pitchFamily="18" charset="0"/>
+                <a:cs typeface="Times New Roman" panose="02020603050405020304" pitchFamily="18" charset="0"/>
+              </a:rPr>
+              <a:t>.</a:t>
             </a:r>
           </a:p>
           <a:p>
-            <a:r>
-              <a:rPr lang="en-US" dirty="0" err="1">
+            <a:pPr>
+              <a:lnSpc>
+                <a:spcPct val="150000"/>
+              </a:lnSpc>
+            </a:pPr>
+            <a:r>
+              <a:rPr lang="en-US" sz="1400" dirty="0" err="1">
                 <a:latin typeface="Times New Roman" panose="02020603050405020304" pitchFamily="18" charset="0"/>
                 <a:cs typeface="Times New Roman" panose="02020603050405020304" pitchFamily="18" charset="0"/>
               </a:rPr>
               <a:t>Testul</a:t>
             </a:r>
             <a:r>
-              <a:rPr lang="en-US" dirty="0">
-                <a:latin typeface="Times New Roman" panose="02020603050405020304" pitchFamily="18" charset="0"/>
-                <a:cs typeface="Times New Roman" panose="02020603050405020304" pitchFamily="18" charset="0"/>
-              </a:rPr>
-              <a:t> 7 – </a:t>
+              <a:rPr lang="en-US" sz="1400" dirty="0">
+                <a:latin typeface="Times New Roman" panose="02020603050405020304" pitchFamily="18" charset="0"/>
+                <a:cs typeface="Times New Roman" panose="02020603050405020304" pitchFamily="18" charset="0"/>
+              </a:rPr>
+              <a:t> 7 – In </a:t>
+            </a:r>
+            <a:r>
+              <a:rPr lang="en-US" sz="1400" dirty="0" err="1">
+                <a:latin typeface="Times New Roman" panose="02020603050405020304" pitchFamily="18" charset="0"/>
+                <a:cs typeface="Times New Roman" panose="02020603050405020304" pitchFamily="18" charset="0"/>
+              </a:rPr>
+              <a:t>acest</a:t>
+            </a:r>
+            <a:r>
+              <a:rPr lang="en-US" sz="1400" dirty="0">
+                <a:latin typeface="Times New Roman" panose="02020603050405020304" pitchFamily="18" charset="0"/>
+                <a:cs typeface="Times New Roman" panose="02020603050405020304" pitchFamily="18" charset="0"/>
+              </a:rPr>
+              <a:t> test </a:t>
+            </a:r>
+            <a:r>
+              <a:rPr lang="en-US" sz="1400" dirty="0" err="1">
+                <a:latin typeface="Times New Roman" panose="02020603050405020304" pitchFamily="18" charset="0"/>
+                <a:cs typeface="Times New Roman" panose="02020603050405020304" pitchFamily="18" charset="0"/>
+              </a:rPr>
+              <a:t>verificam</a:t>
+            </a:r>
+            <a:r>
+              <a:rPr lang="en-US" sz="1400" dirty="0">
+                <a:latin typeface="Times New Roman" panose="02020603050405020304" pitchFamily="18" charset="0"/>
+                <a:cs typeface="Times New Roman" panose="02020603050405020304" pitchFamily="18" charset="0"/>
+              </a:rPr>
+              <a:t> </a:t>
+            </a:r>
+            <a:r>
+              <a:rPr lang="en-US" sz="1400" dirty="0" err="1">
+                <a:latin typeface="Times New Roman" panose="02020603050405020304" pitchFamily="18" charset="0"/>
+                <a:cs typeface="Times New Roman" panose="02020603050405020304" pitchFamily="18" charset="0"/>
+              </a:rPr>
+              <a:t>daca</a:t>
+            </a:r>
+            <a:r>
+              <a:rPr lang="en-US" sz="1400" dirty="0">
+                <a:latin typeface="Times New Roman" panose="02020603050405020304" pitchFamily="18" charset="0"/>
+                <a:cs typeface="Times New Roman" panose="02020603050405020304" pitchFamily="18" charset="0"/>
+              </a:rPr>
+              <a:t> </a:t>
+            </a:r>
+            <a:r>
+              <a:rPr lang="en-US" sz="1400" dirty="0" err="1">
+                <a:latin typeface="Times New Roman" panose="02020603050405020304" pitchFamily="18" charset="0"/>
+                <a:cs typeface="Times New Roman" panose="02020603050405020304" pitchFamily="18" charset="0"/>
+              </a:rPr>
+              <a:t>putem</a:t>
+            </a:r>
+            <a:r>
+              <a:rPr lang="en-US" sz="1400" dirty="0">
+                <a:latin typeface="Times New Roman" panose="02020603050405020304" pitchFamily="18" charset="0"/>
+                <a:cs typeface="Times New Roman" panose="02020603050405020304" pitchFamily="18" charset="0"/>
+              </a:rPr>
+              <a:t> </a:t>
+            </a:r>
+            <a:r>
+              <a:rPr lang="en-US" sz="1400" dirty="0" err="1">
+                <a:latin typeface="Times New Roman" panose="02020603050405020304" pitchFamily="18" charset="0"/>
+                <a:cs typeface="Times New Roman" panose="02020603050405020304" pitchFamily="18" charset="0"/>
+              </a:rPr>
+              <a:t>sa</a:t>
+            </a:r>
+            <a:r>
+              <a:rPr lang="en-US" sz="1400" dirty="0">
+                <a:latin typeface="Times New Roman" panose="02020603050405020304" pitchFamily="18" charset="0"/>
+                <a:cs typeface="Times New Roman" panose="02020603050405020304" pitchFamily="18" charset="0"/>
+              </a:rPr>
+              <a:t> ne </a:t>
+            </a:r>
+            <a:r>
+              <a:rPr lang="en-US" sz="1400" dirty="0" err="1">
+                <a:latin typeface="Times New Roman" panose="02020603050405020304" pitchFamily="18" charset="0"/>
+                <a:cs typeface="Times New Roman" panose="02020603050405020304" pitchFamily="18" charset="0"/>
+              </a:rPr>
+              <a:t>inregistram</a:t>
+            </a:r>
+            <a:r>
+              <a:rPr lang="en-US" sz="1400" dirty="0">
+                <a:latin typeface="Times New Roman" panose="02020603050405020304" pitchFamily="18" charset="0"/>
+                <a:cs typeface="Times New Roman" panose="02020603050405020304" pitchFamily="18" charset="0"/>
+              </a:rPr>
+              <a:t> cu un </a:t>
+            </a:r>
+            <a:r>
+              <a:rPr lang="en-US" sz="1400" dirty="0" err="1">
+                <a:latin typeface="Times New Roman" panose="02020603050405020304" pitchFamily="18" charset="0"/>
+                <a:cs typeface="Times New Roman" panose="02020603050405020304" pitchFamily="18" charset="0"/>
+              </a:rPr>
+              <a:t>cont</a:t>
+            </a:r>
+            <a:r>
+              <a:rPr lang="en-US" sz="1400" dirty="0">
+                <a:latin typeface="Times New Roman" panose="02020603050405020304" pitchFamily="18" charset="0"/>
+                <a:cs typeface="Times New Roman" panose="02020603050405020304" pitchFamily="18" charset="0"/>
+              </a:rPr>
+              <a:t> valid </a:t>
+            </a:r>
+            <a:r>
+              <a:rPr lang="en-US" sz="1400" dirty="0" err="1">
+                <a:latin typeface="Times New Roman" panose="02020603050405020304" pitchFamily="18" charset="0"/>
+                <a:cs typeface="Times New Roman" panose="02020603050405020304" pitchFamily="18" charset="0"/>
+              </a:rPr>
+              <a:t>deja</a:t>
+            </a:r>
+            <a:r>
+              <a:rPr lang="en-US" sz="1400" dirty="0">
+                <a:latin typeface="Times New Roman" panose="02020603050405020304" pitchFamily="18" charset="0"/>
+                <a:cs typeface="Times New Roman" panose="02020603050405020304" pitchFamily="18" charset="0"/>
+              </a:rPr>
+              <a:t> existent. </a:t>
+            </a:r>
+            <a:r>
+              <a:rPr lang="en-US" sz="1400" dirty="0" err="1">
+                <a:latin typeface="Times New Roman" panose="02020603050405020304" pitchFamily="18" charset="0"/>
+                <a:cs typeface="Times New Roman" panose="02020603050405020304" pitchFamily="18" charset="0"/>
+              </a:rPr>
+              <a:t>Trebuie</a:t>
+            </a:r>
+            <a:r>
+              <a:rPr lang="en-US" sz="1400" dirty="0">
+                <a:latin typeface="Times New Roman" panose="02020603050405020304" pitchFamily="18" charset="0"/>
+                <a:cs typeface="Times New Roman" panose="02020603050405020304" pitchFamily="18" charset="0"/>
+              </a:rPr>
+              <a:t> </a:t>
+            </a:r>
+            <a:r>
+              <a:rPr lang="en-US" sz="1400" dirty="0" err="1">
+                <a:latin typeface="Times New Roman" panose="02020603050405020304" pitchFamily="18" charset="0"/>
+                <a:cs typeface="Times New Roman" panose="02020603050405020304" pitchFamily="18" charset="0"/>
+              </a:rPr>
+              <a:t>sa</a:t>
+            </a:r>
+            <a:r>
+              <a:rPr lang="en-US" sz="1400" dirty="0">
+                <a:latin typeface="Times New Roman" panose="02020603050405020304" pitchFamily="18" charset="0"/>
+                <a:cs typeface="Times New Roman" panose="02020603050405020304" pitchFamily="18" charset="0"/>
+              </a:rPr>
+              <a:t> </a:t>
+            </a:r>
+            <a:r>
+              <a:rPr lang="en-US" sz="1400" dirty="0" err="1">
+                <a:latin typeface="Times New Roman" panose="02020603050405020304" pitchFamily="18" charset="0"/>
+                <a:cs typeface="Times New Roman" panose="02020603050405020304" pitchFamily="18" charset="0"/>
+              </a:rPr>
+              <a:t>gasim</a:t>
+            </a:r>
+            <a:r>
+              <a:rPr lang="en-US" sz="1400" dirty="0">
+                <a:latin typeface="Times New Roman" panose="02020603050405020304" pitchFamily="18" charset="0"/>
+                <a:cs typeface="Times New Roman" panose="02020603050405020304" pitchFamily="18" charset="0"/>
+              </a:rPr>
+              <a:t> </a:t>
+            </a:r>
+            <a:r>
+              <a:rPr lang="en-US" sz="1400" dirty="0" err="1">
+                <a:latin typeface="Times New Roman" panose="02020603050405020304" pitchFamily="18" charset="0"/>
+                <a:cs typeface="Times New Roman" panose="02020603050405020304" pitchFamily="18" charset="0"/>
+              </a:rPr>
+              <a:t>mesajele</a:t>
+            </a:r>
+            <a:r>
+              <a:rPr lang="en-US" sz="1400" dirty="0">
+                <a:latin typeface="Times New Roman" panose="02020603050405020304" pitchFamily="18" charset="0"/>
+                <a:cs typeface="Times New Roman" panose="02020603050405020304" pitchFamily="18" charset="0"/>
+              </a:rPr>
+              <a:t> de </a:t>
+            </a:r>
+            <a:r>
+              <a:rPr lang="en-US" sz="1400" dirty="0" err="1">
+                <a:latin typeface="Times New Roman" panose="02020603050405020304" pitchFamily="18" charset="0"/>
+                <a:cs typeface="Times New Roman" panose="02020603050405020304" pitchFamily="18" charset="0"/>
+              </a:rPr>
+              <a:t>eroare</a:t>
+            </a:r>
+            <a:r>
+              <a:rPr lang="en-US" sz="1400" dirty="0">
+                <a:latin typeface="Times New Roman" panose="02020603050405020304" pitchFamily="18" charset="0"/>
+                <a:cs typeface="Times New Roman" panose="02020603050405020304" pitchFamily="18" charset="0"/>
+              </a:rPr>
+              <a:t>.</a:t>
             </a:r>
           </a:p>
           <a:p>
-            <a:endParaRPr lang="en-US" dirty="0">
+            <a:pPr>
+              <a:lnSpc>
+                <a:spcPct val="150000"/>
+              </a:lnSpc>
+            </a:pPr>
+            <a:r>
+              <a:rPr lang="en-US" sz="1400" dirty="0" err="1">
+                <a:latin typeface="Times New Roman" panose="02020603050405020304" pitchFamily="18" charset="0"/>
+                <a:cs typeface="Times New Roman" panose="02020603050405020304" pitchFamily="18" charset="0"/>
+              </a:rPr>
+              <a:t>Testele</a:t>
+            </a:r>
+            <a:r>
+              <a:rPr lang="en-US" sz="1400" dirty="0">
+                <a:latin typeface="Times New Roman" panose="02020603050405020304" pitchFamily="18" charset="0"/>
+                <a:cs typeface="Times New Roman" panose="02020603050405020304" pitchFamily="18" charset="0"/>
+              </a:rPr>
+              <a:t> = PASS</a:t>
+            </a:r>
+          </a:p>
+          <a:p>
+            <a:pPr>
+              <a:lnSpc>
+                <a:spcPct val="150000"/>
+              </a:lnSpc>
+            </a:pPr>
+            <a:endParaRPr lang="en-US" sz="1400" dirty="0">
               <a:latin typeface="Times New Roman" panose="02020603050405020304" pitchFamily="18" charset="0"/>
               <a:cs typeface="Times New Roman" panose="02020603050405020304" pitchFamily="18" charset="0"/>
             </a:endParaRPr>
@@ -3732,8 +4115,8 @@
         </p:nvSpPr>
         <p:spPr bwMode="auto">
           <a:xfrm>
-            <a:off x="5029078" y="1473547"/>
-            <a:ext cx="6869846" cy="4862870"/>
+            <a:off x="4343400" y="1473547"/>
+            <a:ext cx="7547810" cy="4862870"/>
           </a:xfrm>
           <a:prstGeom prst="rect">
             <a:avLst/>
@@ -6914,41 +7297,6 @@
       </p:grpSpPr>
       <p:sp>
         <p:nvSpPr>
-          <p:cNvPr id="2" name="Titre 1">
-            <a:extLst>
-              <a:ext uri="{FF2B5EF4-FFF2-40B4-BE49-F238E27FC236}">
-                <a16:creationId xmlns:a16="http://schemas.microsoft.com/office/drawing/2014/main" id="{A16E0962-0CB4-AE2B-60FF-D74AD47DA09C}"/>
-              </a:ext>
-            </a:extLst>
-          </p:cNvPr>
-          <p:cNvSpPr>
-            <a:spLocks noGrp="1"/>
-          </p:cNvSpPr>
-          <p:nvPr>
-            <p:ph type="title"/>
-          </p:nvPr>
-        </p:nvSpPr>
-        <p:spPr>
-          <a:xfrm>
-            <a:off x="668215" y="1521728"/>
-            <a:ext cx="3441849" cy="529174"/>
-          </a:xfrm>
-        </p:spPr>
-        <p:txBody>
-          <a:bodyPr>
-            <a:normAutofit fontScale="90000"/>
-          </a:bodyPr>
-          <a:lstStyle/>
-          <a:p>
-            <a:r>
-              <a:rPr lang="en-US" dirty="0"/>
-              <a:t>Test ‘login page’</a:t>
-            </a:r>
-          </a:p>
-        </p:txBody>
-      </p:sp>
-      <p:sp>
-        <p:nvSpPr>
           <p:cNvPr id="4" name="Espace réservé du texte 3">
             <a:extLst>
               <a:ext uri="{FF2B5EF4-FFF2-40B4-BE49-F238E27FC236}">
@@ -6965,35 +7313,480 @@
         </p:nvSpPr>
         <p:spPr>
           <a:xfrm>
-            <a:off x="668215" y="2050902"/>
-            <a:ext cx="3809999" cy="3932071"/>
+            <a:off x="782054" y="1521728"/>
+            <a:ext cx="3031958" cy="4794851"/>
           </a:xfrm>
         </p:spPr>
         <p:txBody>
-          <a:bodyPr/>
+          <a:bodyPr>
+            <a:normAutofit/>
+          </a:bodyPr>
           <a:lstStyle/>
           <a:p>
-            <a:r>
-              <a:rPr lang="en-US" dirty="0" err="1"/>
-              <a:t>Testul</a:t>
-            </a:r>
-            <a:r>
-              <a:rPr lang="en-US" dirty="0"/>
-              <a:t> 8 – </a:t>
+            <a:pPr>
+              <a:lnSpc>
+                <a:spcPct val="150000"/>
+              </a:lnSpc>
+            </a:pPr>
+            <a:r>
+              <a:rPr lang="en-US" sz="1400" b="1" dirty="0">
+                <a:latin typeface="Times New Roman" panose="02020603050405020304" pitchFamily="18" charset="0"/>
+                <a:cs typeface="Times New Roman" panose="02020603050405020304" pitchFamily="18" charset="0"/>
+              </a:rPr>
+              <a:t>TEST PAGINA: ‘LOGIN’</a:t>
             </a:r>
           </a:p>
           <a:p>
-            <a:r>
-              <a:rPr lang="en-US" dirty="0" err="1"/>
+            <a:pPr>
+              <a:lnSpc>
+                <a:spcPct val="150000"/>
+              </a:lnSpc>
+            </a:pPr>
+            <a:r>
+              <a:rPr lang="en-US" sz="1400" dirty="0" err="1">
+                <a:latin typeface="Times New Roman" panose="02020603050405020304" pitchFamily="18" charset="0"/>
+                <a:cs typeface="Times New Roman" panose="02020603050405020304" pitchFamily="18" charset="0"/>
+              </a:rPr>
               <a:t>Testul</a:t>
             </a:r>
             <a:r>
-              <a:rPr lang="en-US" dirty="0"/>
-              <a:t> 9 – </a:t>
-            </a:r>
+              <a:rPr lang="en-US" sz="1400" dirty="0">
+                <a:latin typeface="Times New Roman" panose="02020603050405020304" pitchFamily="18" charset="0"/>
+                <a:cs typeface="Times New Roman" panose="02020603050405020304" pitchFamily="18" charset="0"/>
+              </a:rPr>
+              <a:t> 8 – </a:t>
+            </a:r>
+            <a:r>
+              <a:rPr lang="en-US" sz="1400" dirty="0" err="1">
+                <a:latin typeface="Times New Roman" panose="02020603050405020304" pitchFamily="18" charset="0"/>
+                <a:cs typeface="Times New Roman" panose="02020603050405020304" pitchFamily="18" charset="0"/>
+              </a:rPr>
+              <a:t>Aici</a:t>
+            </a:r>
+            <a:r>
+              <a:rPr lang="en-US" sz="1400" dirty="0">
+                <a:latin typeface="Times New Roman" panose="02020603050405020304" pitchFamily="18" charset="0"/>
+                <a:cs typeface="Times New Roman" panose="02020603050405020304" pitchFamily="18" charset="0"/>
+              </a:rPr>
+              <a:t> </a:t>
+            </a:r>
+            <a:r>
+              <a:rPr lang="en-US" sz="1400" dirty="0" err="1">
+                <a:latin typeface="Times New Roman" panose="02020603050405020304" pitchFamily="18" charset="0"/>
+                <a:cs typeface="Times New Roman" panose="02020603050405020304" pitchFamily="18" charset="0"/>
+              </a:rPr>
+              <a:t>testam</a:t>
+            </a:r>
+            <a:r>
+              <a:rPr lang="en-US" sz="1400" dirty="0">
+                <a:latin typeface="Times New Roman" panose="02020603050405020304" pitchFamily="18" charset="0"/>
+                <a:cs typeface="Times New Roman" panose="02020603050405020304" pitchFamily="18" charset="0"/>
+              </a:rPr>
+              <a:t> </a:t>
+            </a:r>
+            <a:r>
+              <a:rPr lang="en-US" sz="1400" dirty="0" err="1">
+                <a:latin typeface="Times New Roman" panose="02020603050405020304" pitchFamily="18" charset="0"/>
+                <a:cs typeface="Times New Roman" panose="02020603050405020304" pitchFamily="18" charset="0"/>
+              </a:rPr>
+              <a:t>daca</a:t>
+            </a:r>
+            <a:r>
+              <a:rPr lang="en-US" sz="1400" dirty="0">
+                <a:latin typeface="Times New Roman" panose="02020603050405020304" pitchFamily="18" charset="0"/>
+                <a:cs typeface="Times New Roman" panose="02020603050405020304" pitchFamily="18" charset="0"/>
+              </a:rPr>
+              <a:t> </a:t>
+            </a:r>
+            <a:r>
+              <a:rPr lang="en-US" sz="1400" dirty="0" err="1">
+                <a:latin typeface="Times New Roman" panose="02020603050405020304" pitchFamily="18" charset="0"/>
+                <a:cs typeface="Times New Roman" panose="02020603050405020304" pitchFamily="18" charset="0"/>
+              </a:rPr>
+              <a:t>putem</a:t>
+            </a:r>
+            <a:r>
+              <a:rPr lang="en-US" sz="1400" dirty="0">
+                <a:latin typeface="Times New Roman" panose="02020603050405020304" pitchFamily="18" charset="0"/>
+                <a:cs typeface="Times New Roman" panose="02020603050405020304" pitchFamily="18" charset="0"/>
+              </a:rPr>
+              <a:t> </a:t>
+            </a:r>
+            <a:r>
+              <a:rPr lang="en-US" sz="1400" dirty="0" err="1">
+                <a:latin typeface="Times New Roman" panose="02020603050405020304" pitchFamily="18" charset="0"/>
+                <a:cs typeface="Times New Roman" panose="02020603050405020304" pitchFamily="18" charset="0"/>
+              </a:rPr>
+              <a:t>sa</a:t>
+            </a:r>
+            <a:r>
+              <a:rPr lang="en-US" sz="1400" dirty="0">
+                <a:latin typeface="Times New Roman" panose="02020603050405020304" pitchFamily="18" charset="0"/>
+                <a:cs typeface="Times New Roman" panose="02020603050405020304" pitchFamily="18" charset="0"/>
+              </a:rPr>
+              <a:t> ne </a:t>
+            </a:r>
+            <a:r>
+              <a:rPr lang="en-US" sz="1400" dirty="0" err="1">
+                <a:latin typeface="Times New Roman" panose="02020603050405020304" pitchFamily="18" charset="0"/>
+                <a:cs typeface="Times New Roman" panose="02020603050405020304" pitchFamily="18" charset="0"/>
+              </a:rPr>
+              <a:t>logam</a:t>
+            </a:r>
+            <a:r>
+              <a:rPr lang="en-US" sz="1400" dirty="0">
+                <a:latin typeface="Times New Roman" panose="02020603050405020304" pitchFamily="18" charset="0"/>
+                <a:cs typeface="Times New Roman" panose="02020603050405020304" pitchFamily="18" charset="0"/>
+              </a:rPr>
+              <a:t> cu un email invalid. </a:t>
+            </a:r>
+            <a:r>
+              <a:rPr lang="en-US" sz="1400" dirty="0" err="1">
+                <a:latin typeface="Times New Roman" panose="02020603050405020304" pitchFamily="18" charset="0"/>
+                <a:cs typeface="Times New Roman" panose="02020603050405020304" pitchFamily="18" charset="0"/>
+              </a:rPr>
+              <a:t>Asteptam</a:t>
+            </a:r>
+            <a:r>
+              <a:rPr lang="en-US" sz="1400" dirty="0">
+                <a:latin typeface="Times New Roman" panose="02020603050405020304" pitchFamily="18" charset="0"/>
+                <a:cs typeface="Times New Roman" panose="02020603050405020304" pitchFamily="18" charset="0"/>
+              </a:rPr>
+              <a:t> ca </a:t>
+            </a:r>
+            <a:r>
+              <a:rPr lang="en-US" sz="1400" dirty="0" err="1">
+                <a:latin typeface="Times New Roman" panose="02020603050405020304" pitchFamily="18" charset="0"/>
+                <a:cs typeface="Times New Roman" panose="02020603050405020304" pitchFamily="18" charset="0"/>
+              </a:rPr>
+              <a:t>sa</a:t>
+            </a:r>
+            <a:r>
+              <a:rPr lang="en-US" sz="1400" dirty="0">
+                <a:latin typeface="Times New Roman" panose="02020603050405020304" pitchFamily="18" charset="0"/>
+                <a:cs typeface="Times New Roman" panose="02020603050405020304" pitchFamily="18" charset="0"/>
+              </a:rPr>
+              <a:t> </a:t>
+            </a:r>
+            <a:r>
+              <a:rPr lang="en-US" sz="1400" dirty="0" err="1">
+                <a:latin typeface="Times New Roman" panose="02020603050405020304" pitchFamily="18" charset="0"/>
+                <a:cs typeface="Times New Roman" panose="02020603050405020304" pitchFamily="18" charset="0"/>
+              </a:rPr>
+              <a:t>intampinam</a:t>
+            </a:r>
+            <a:r>
+              <a:rPr lang="en-US" sz="1400" dirty="0">
+                <a:latin typeface="Times New Roman" panose="02020603050405020304" pitchFamily="18" charset="0"/>
+                <a:cs typeface="Times New Roman" panose="02020603050405020304" pitchFamily="18" charset="0"/>
+              </a:rPr>
+              <a:t> </a:t>
+            </a:r>
+            <a:r>
+              <a:rPr lang="en-US" sz="1400" dirty="0" err="1">
+                <a:latin typeface="Times New Roman" panose="02020603050405020304" pitchFamily="18" charset="0"/>
+                <a:cs typeface="Times New Roman" panose="02020603050405020304" pitchFamily="18" charset="0"/>
+              </a:rPr>
+              <a:t>mesajul</a:t>
+            </a:r>
+            <a:r>
+              <a:rPr lang="en-US" sz="1400" dirty="0">
+                <a:latin typeface="Times New Roman" panose="02020603050405020304" pitchFamily="18" charset="0"/>
+                <a:cs typeface="Times New Roman" panose="02020603050405020304" pitchFamily="18" charset="0"/>
+              </a:rPr>
+              <a:t> de </a:t>
+            </a:r>
+            <a:r>
+              <a:rPr lang="en-US" sz="1400" dirty="0" err="1">
+                <a:latin typeface="Times New Roman" panose="02020603050405020304" pitchFamily="18" charset="0"/>
+                <a:cs typeface="Times New Roman" panose="02020603050405020304" pitchFamily="18" charset="0"/>
+              </a:rPr>
+              <a:t>eroare</a:t>
+            </a:r>
+            <a:r>
+              <a:rPr lang="en-US" sz="1400" dirty="0">
+                <a:latin typeface="Times New Roman" panose="02020603050405020304" pitchFamily="18" charset="0"/>
+                <a:cs typeface="Times New Roman" panose="02020603050405020304" pitchFamily="18" charset="0"/>
+              </a:rPr>
+              <a:t> </a:t>
+            </a:r>
+            <a:r>
+              <a:rPr lang="en-US" sz="1400" dirty="0" err="1">
+                <a:latin typeface="Times New Roman" panose="02020603050405020304" pitchFamily="18" charset="0"/>
+                <a:cs typeface="Times New Roman" panose="02020603050405020304" pitchFamily="18" charset="0"/>
+              </a:rPr>
+              <a:t>corect</a:t>
+            </a:r>
+            <a:endParaRPr lang="en-US" sz="1400" dirty="0">
+              <a:latin typeface="Times New Roman" panose="02020603050405020304" pitchFamily="18" charset="0"/>
+              <a:cs typeface="Times New Roman" panose="02020603050405020304" pitchFamily="18" charset="0"/>
+            </a:endParaRPr>
           </a:p>
           <a:p>
-            <a:endParaRPr lang="en-US" dirty="0"/>
+            <a:pPr>
+              <a:lnSpc>
+                <a:spcPct val="150000"/>
+              </a:lnSpc>
+            </a:pPr>
+            <a:r>
+              <a:rPr lang="en-US" sz="1400" dirty="0" err="1">
+                <a:latin typeface="Times New Roman" panose="02020603050405020304" pitchFamily="18" charset="0"/>
+                <a:cs typeface="Times New Roman" panose="02020603050405020304" pitchFamily="18" charset="0"/>
+              </a:rPr>
+              <a:t>Testul</a:t>
+            </a:r>
+            <a:r>
+              <a:rPr lang="en-US" sz="1400" dirty="0">
+                <a:latin typeface="Times New Roman" panose="02020603050405020304" pitchFamily="18" charset="0"/>
+                <a:cs typeface="Times New Roman" panose="02020603050405020304" pitchFamily="18" charset="0"/>
+              </a:rPr>
+              <a:t> 9 –</a:t>
+            </a:r>
+            <a:r>
+              <a:rPr lang="en-US" sz="1400" dirty="0" err="1">
+                <a:latin typeface="Times New Roman" panose="02020603050405020304" pitchFamily="18" charset="0"/>
+                <a:cs typeface="Times New Roman" panose="02020603050405020304" pitchFamily="18" charset="0"/>
+              </a:rPr>
+              <a:t>Aici</a:t>
+            </a:r>
+            <a:r>
+              <a:rPr lang="en-US" sz="1400" dirty="0">
+                <a:latin typeface="Times New Roman" panose="02020603050405020304" pitchFamily="18" charset="0"/>
+                <a:cs typeface="Times New Roman" panose="02020603050405020304" pitchFamily="18" charset="0"/>
+              </a:rPr>
+              <a:t> </a:t>
+            </a:r>
+            <a:r>
+              <a:rPr lang="en-US" sz="1400" dirty="0" err="1">
+                <a:latin typeface="Times New Roman" panose="02020603050405020304" pitchFamily="18" charset="0"/>
+                <a:cs typeface="Times New Roman" panose="02020603050405020304" pitchFamily="18" charset="0"/>
+              </a:rPr>
+              <a:t>vrem</a:t>
+            </a:r>
+            <a:r>
+              <a:rPr lang="en-US" sz="1400" dirty="0">
+                <a:latin typeface="Times New Roman" panose="02020603050405020304" pitchFamily="18" charset="0"/>
+                <a:cs typeface="Times New Roman" panose="02020603050405020304" pitchFamily="18" charset="0"/>
+              </a:rPr>
+              <a:t> </a:t>
+            </a:r>
+            <a:r>
+              <a:rPr lang="en-US" sz="1400" dirty="0" err="1">
+                <a:latin typeface="Times New Roman" panose="02020603050405020304" pitchFamily="18" charset="0"/>
+                <a:cs typeface="Times New Roman" panose="02020603050405020304" pitchFamily="18" charset="0"/>
+              </a:rPr>
+              <a:t>sa</a:t>
+            </a:r>
+            <a:r>
+              <a:rPr lang="en-US" sz="1400" dirty="0">
+                <a:latin typeface="Times New Roman" panose="02020603050405020304" pitchFamily="18" charset="0"/>
+                <a:cs typeface="Times New Roman" panose="02020603050405020304" pitchFamily="18" charset="0"/>
+              </a:rPr>
+              <a:t> </a:t>
+            </a:r>
+            <a:r>
+              <a:rPr lang="en-US" sz="1400" dirty="0" err="1">
+                <a:latin typeface="Times New Roman" panose="02020603050405020304" pitchFamily="18" charset="0"/>
+                <a:cs typeface="Times New Roman" panose="02020603050405020304" pitchFamily="18" charset="0"/>
+              </a:rPr>
+              <a:t>testam</a:t>
+            </a:r>
+            <a:r>
+              <a:rPr lang="en-US" sz="1400" dirty="0">
+                <a:latin typeface="Times New Roman" panose="02020603050405020304" pitchFamily="18" charset="0"/>
+                <a:cs typeface="Times New Roman" panose="02020603050405020304" pitchFamily="18" charset="0"/>
+              </a:rPr>
+              <a:t> </a:t>
+            </a:r>
+            <a:r>
+              <a:rPr lang="en-US" sz="1400" dirty="0" err="1">
+                <a:latin typeface="Times New Roman" panose="02020603050405020304" pitchFamily="18" charset="0"/>
+                <a:cs typeface="Times New Roman" panose="02020603050405020304" pitchFamily="18" charset="0"/>
+              </a:rPr>
+              <a:t>daca</a:t>
+            </a:r>
+            <a:r>
+              <a:rPr lang="en-US" sz="1400" dirty="0">
+                <a:latin typeface="Times New Roman" panose="02020603050405020304" pitchFamily="18" charset="0"/>
+                <a:cs typeface="Times New Roman" panose="02020603050405020304" pitchFamily="18" charset="0"/>
+              </a:rPr>
+              <a:t> ne </a:t>
+            </a:r>
+            <a:r>
+              <a:rPr lang="en-US" sz="1400" dirty="0" err="1">
+                <a:latin typeface="Times New Roman" panose="02020603050405020304" pitchFamily="18" charset="0"/>
+                <a:cs typeface="Times New Roman" panose="02020603050405020304" pitchFamily="18" charset="0"/>
+              </a:rPr>
+              <a:t>putem</a:t>
+            </a:r>
+            <a:r>
+              <a:rPr lang="en-US" sz="1400" dirty="0">
+                <a:latin typeface="Times New Roman" panose="02020603050405020304" pitchFamily="18" charset="0"/>
+                <a:cs typeface="Times New Roman" panose="02020603050405020304" pitchFamily="18" charset="0"/>
+              </a:rPr>
+              <a:t> </a:t>
+            </a:r>
+            <a:r>
+              <a:rPr lang="en-US" sz="1400" dirty="0" err="1">
+                <a:latin typeface="Times New Roman" panose="02020603050405020304" pitchFamily="18" charset="0"/>
+                <a:cs typeface="Times New Roman" panose="02020603050405020304" pitchFamily="18" charset="0"/>
+              </a:rPr>
+              <a:t>loga</a:t>
+            </a:r>
+            <a:r>
+              <a:rPr lang="en-US" sz="1400" dirty="0">
+                <a:latin typeface="Times New Roman" panose="02020603050405020304" pitchFamily="18" charset="0"/>
+                <a:cs typeface="Times New Roman" panose="02020603050405020304" pitchFamily="18" charset="0"/>
+              </a:rPr>
+              <a:t> cu </a:t>
+            </a:r>
+            <a:r>
+              <a:rPr lang="en-US" sz="1400" dirty="0" err="1">
+                <a:latin typeface="Times New Roman" panose="02020603050405020304" pitchFamily="18" charset="0"/>
+                <a:cs typeface="Times New Roman" panose="02020603050405020304" pitchFamily="18" charset="0"/>
+              </a:rPr>
+              <a:t>toate</a:t>
+            </a:r>
+            <a:r>
+              <a:rPr lang="en-US" sz="1400" dirty="0">
+                <a:latin typeface="Times New Roman" panose="02020603050405020304" pitchFamily="18" charset="0"/>
+                <a:cs typeface="Times New Roman" panose="02020603050405020304" pitchFamily="18" charset="0"/>
+              </a:rPr>
+              <a:t> </a:t>
+            </a:r>
+            <a:r>
+              <a:rPr lang="en-US" sz="1400" dirty="0" err="1">
+                <a:latin typeface="Times New Roman" panose="02020603050405020304" pitchFamily="18" charset="0"/>
+                <a:cs typeface="Times New Roman" panose="02020603050405020304" pitchFamily="18" charset="0"/>
+              </a:rPr>
+              <a:t>valorile</a:t>
+            </a:r>
+            <a:r>
+              <a:rPr lang="en-US" sz="1400" dirty="0">
+                <a:latin typeface="Times New Roman" panose="02020603050405020304" pitchFamily="18" charset="0"/>
+                <a:cs typeface="Times New Roman" panose="02020603050405020304" pitchFamily="18" charset="0"/>
+              </a:rPr>
+              <a:t> </a:t>
+            </a:r>
+            <a:r>
+              <a:rPr lang="en-US" sz="1400" dirty="0" err="1">
+                <a:latin typeface="Times New Roman" panose="02020603050405020304" pitchFamily="18" charset="0"/>
+                <a:cs typeface="Times New Roman" panose="02020603050405020304" pitchFamily="18" charset="0"/>
+              </a:rPr>
+              <a:t>corecte</a:t>
+            </a:r>
+            <a:r>
+              <a:rPr lang="en-US" sz="1400" dirty="0">
+                <a:latin typeface="Times New Roman" panose="02020603050405020304" pitchFamily="18" charset="0"/>
+                <a:cs typeface="Times New Roman" panose="02020603050405020304" pitchFamily="18" charset="0"/>
+              </a:rPr>
+              <a:t> </a:t>
+            </a:r>
+            <a:r>
+              <a:rPr lang="en-US" sz="1400" dirty="0" err="1">
+                <a:latin typeface="Times New Roman" panose="02020603050405020304" pitchFamily="18" charset="0"/>
+                <a:cs typeface="Times New Roman" panose="02020603050405020304" pitchFamily="18" charset="0"/>
+              </a:rPr>
+              <a:t>si</a:t>
+            </a:r>
+            <a:r>
+              <a:rPr lang="en-US" sz="1400" dirty="0">
+                <a:latin typeface="Times New Roman" panose="02020603050405020304" pitchFamily="18" charset="0"/>
+                <a:cs typeface="Times New Roman" panose="02020603050405020304" pitchFamily="18" charset="0"/>
+              </a:rPr>
+              <a:t> </a:t>
+            </a:r>
+            <a:r>
+              <a:rPr lang="en-US" sz="1400" dirty="0" err="1">
+                <a:latin typeface="Times New Roman" panose="02020603050405020304" pitchFamily="18" charset="0"/>
+                <a:cs typeface="Times New Roman" panose="02020603050405020304" pitchFamily="18" charset="0"/>
+              </a:rPr>
+              <a:t>intalnim</a:t>
+            </a:r>
+            <a:r>
+              <a:rPr lang="en-US" sz="1400" dirty="0">
+                <a:latin typeface="Times New Roman" panose="02020603050405020304" pitchFamily="18" charset="0"/>
+                <a:cs typeface="Times New Roman" panose="02020603050405020304" pitchFamily="18" charset="0"/>
+              </a:rPr>
+              <a:t> </a:t>
+            </a:r>
+            <a:r>
+              <a:rPr lang="en-US" sz="1400" dirty="0" err="1">
+                <a:latin typeface="Times New Roman" panose="02020603050405020304" pitchFamily="18" charset="0"/>
+                <a:cs typeface="Times New Roman" panose="02020603050405020304" pitchFamily="18" charset="0"/>
+              </a:rPr>
+              <a:t>mesajul</a:t>
+            </a:r>
+            <a:r>
+              <a:rPr lang="en-US" sz="1400" dirty="0">
+                <a:latin typeface="Times New Roman" panose="02020603050405020304" pitchFamily="18" charset="0"/>
+                <a:cs typeface="Times New Roman" panose="02020603050405020304" pitchFamily="18" charset="0"/>
+              </a:rPr>
+              <a:t> de bun </a:t>
+            </a:r>
+            <a:r>
+              <a:rPr lang="en-US" sz="1400" dirty="0" err="1">
+                <a:latin typeface="Times New Roman" panose="02020603050405020304" pitchFamily="18" charset="0"/>
+                <a:cs typeface="Times New Roman" panose="02020603050405020304" pitchFamily="18" charset="0"/>
+              </a:rPr>
+              <a:t>venit</a:t>
+            </a:r>
+            <a:r>
+              <a:rPr lang="en-US" sz="1400" dirty="0">
+                <a:latin typeface="Times New Roman" panose="02020603050405020304" pitchFamily="18" charset="0"/>
+                <a:cs typeface="Times New Roman" panose="02020603050405020304" pitchFamily="18" charset="0"/>
+              </a:rPr>
+              <a:t> pe </a:t>
+            </a:r>
+            <a:r>
+              <a:rPr lang="en-US" sz="1400" dirty="0" err="1">
+                <a:latin typeface="Times New Roman" panose="02020603050405020304" pitchFamily="18" charset="0"/>
+                <a:cs typeface="Times New Roman" panose="02020603050405020304" pitchFamily="18" charset="0"/>
+              </a:rPr>
+              <a:t>pagina</a:t>
+            </a:r>
+            <a:r>
+              <a:rPr lang="en-US" sz="1400" dirty="0">
+                <a:latin typeface="Times New Roman" panose="02020603050405020304" pitchFamily="18" charset="0"/>
+                <a:cs typeface="Times New Roman" panose="02020603050405020304" pitchFamily="18" charset="0"/>
+              </a:rPr>
+              <a:t> </a:t>
+            </a:r>
+            <a:r>
+              <a:rPr lang="en-US" sz="1400" dirty="0" err="1">
+                <a:latin typeface="Times New Roman" panose="02020603050405020304" pitchFamily="18" charset="0"/>
+                <a:cs typeface="Times New Roman" panose="02020603050405020304" pitchFamily="18" charset="0"/>
+              </a:rPr>
+              <a:t>noastra</a:t>
+            </a:r>
+            <a:r>
+              <a:rPr lang="en-US" sz="1400" dirty="0">
+                <a:latin typeface="Times New Roman" panose="02020603050405020304" pitchFamily="18" charset="0"/>
+                <a:cs typeface="Times New Roman" panose="02020603050405020304" pitchFamily="18" charset="0"/>
+              </a:rPr>
+              <a:t> de cont.</a:t>
+            </a:r>
+          </a:p>
+          <a:p>
+            <a:pPr>
+              <a:lnSpc>
+                <a:spcPct val="150000"/>
+              </a:lnSpc>
+            </a:pPr>
+            <a:r>
+              <a:rPr lang="en-US" sz="1400" dirty="0" err="1">
+                <a:latin typeface="Times New Roman" panose="02020603050405020304" pitchFamily="18" charset="0"/>
+                <a:cs typeface="Times New Roman" panose="02020603050405020304" pitchFamily="18" charset="0"/>
+              </a:rPr>
+              <a:t>Testele</a:t>
+            </a:r>
+            <a:r>
+              <a:rPr lang="en-US" sz="1400" dirty="0">
+                <a:latin typeface="Times New Roman" panose="02020603050405020304" pitchFamily="18" charset="0"/>
+                <a:cs typeface="Times New Roman" panose="02020603050405020304" pitchFamily="18" charset="0"/>
+              </a:rPr>
+              <a:t> = PASS</a:t>
+            </a:r>
           </a:p>
         </p:txBody>
       </p:sp>
@@ -7015,8 +7808,8 @@
         </p:nvSpPr>
         <p:spPr bwMode="auto">
           <a:xfrm>
-            <a:off x="5169999" y="1521728"/>
-            <a:ext cx="6635139" cy="3293209"/>
+            <a:off x="4199021" y="1521728"/>
+            <a:ext cx="7606117" cy="3293209"/>
           </a:xfrm>
           <a:prstGeom prst="rect">
             <a:avLst/>
@@ -9194,41 +9987,6 @@
       </p:grpSpPr>
       <p:sp>
         <p:nvSpPr>
-          <p:cNvPr id="2" name="Titre 1">
-            <a:extLst>
-              <a:ext uri="{FF2B5EF4-FFF2-40B4-BE49-F238E27FC236}">
-                <a16:creationId xmlns:a16="http://schemas.microsoft.com/office/drawing/2014/main" id="{98E95199-735F-24D3-0B45-D8EA8E5BD9E8}"/>
-              </a:ext>
-            </a:extLst>
-          </p:cNvPr>
-          <p:cNvSpPr>
-            <a:spLocks noGrp="1"/>
-          </p:cNvSpPr>
-          <p:nvPr>
-            <p:ph type="title"/>
-          </p:nvPr>
-        </p:nvSpPr>
-        <p:spPr>
-          <a:xfrm>
-            <a:off x="679938" y="1484923"/>
-            <a:ext cx="3369263" cy="529174"/>
-          </a:xfrm>
-        </p:spPr>
-        <p:txBody>
-          <a:bodyPr>
-            <a:normAutofit fontScale="90000"/>
-          </a:bodyPr>
-          <a:lstStyle/>
-          <a:p>
-            <a:r>
-              <a:rPr lang="en-US" dirty="0"/>
-              <a:t>Test ‘search page’</a:t>
-            </a:r>
-          </a:p>
-        </p:txBody>
-      </p:sp>
-      <p:sp>
-        <p:nvSpPr>
           <p:cNvPr id="4" name="Espace réservé du texte 3">
             <a:extLst>
               <a:ext uri="{FF2B5EF4-FFF2-40B4-BE49-F238E27FC236}">
@@ -9245,12 +10003,14 @@
         </p:nvSpPr>
         <p:spPr>
           <a:xfrm>
-            <a:off x="679938" y="2014097"/>
-            <a:ext cx="3270740" cy="3968875"/>
+            <a:off x="679938" y="1484923"/>
+            <a:ext cx="3270740" cy="4498049"/>
           </a:xfrm>
         </p:spPr>
         <p:txBody>
-          <a:bodyPr/>
+          <a:bodyPr>
+            <a:normAutofit/>
+          </a:bodyPr>
           <a:lstStyle/>
           <a:p>
             <a:pPr>
@@ -9259,17 +10019,34 @@
               </a:lnSpc>
             </a:pPr>
             <a:r>
-              <a:rPr lang="en-US" dirty="0" err="1">
+              <a:rPr lang="en-US" sz="1400" b="1" dirty="0">
                 <a:solidFill>
                   <a:schemeClr val="tx1"/>
                 </a:solidFill>
                 <a:latin typeface="Times New Roman" panose="02020603050405020304" pitchFamily="18" charset="0"/>
                 <a:cs typeface="Times New Roman" panose="02020603050405020304" pitchFamily="18" charset="0"/>
               </a:rPr>
+              <a:t>TEST PAGINA: ‘SEARCH”</a:t>
+            </a:r>
+          </a:p>
+          <a:p>
+            <a:pPr>
+              <a:lnSpc>
+                <a:spcPct val="150000"/>
+              </a:lnSpc>
+            </a:pPr>
+            <a:r>
+              <a:rPr lang="en-US" sz="1400" dirty="0" err="1">
+                <a:solidFill>
+                  <a:schemeClr val="tx1"/>
+                </a:solidFill>
+                <a:latin typeface="Times New Roman" panose="02020603050405020304" pitchFamily="18" charset="0"/>
+                <a:cs typeface="Times New Roman" panose="02020603050405020304" pitchFamily="18" charset="0"/>
+              </a:rPr>
               <a:t>Testul</a:t>
             </a:r>
             <a:r>
-              <a:rPr lang="en-US" dirty="0">
+              <a:rPr lang="en-US" sz="1400" dirty="0">
                 <a:solidFill>
                   <a:schemeClr val="tx1"/>
                 </a:solidFill>
@@ -9279,7 +10056,7 @@
               <a:t> 10 – </a:t>
             </a:r>
             <a:r>
-              <a:rPr lang="en-US" dirty="0" err="1">
+              <a:rPr lang="en-US" sz="1400" dirty="0" err="1">
                 <a:solidFill>
                   <a:schemeClr val="tx1"/>
                 </a:solidFill>
@@ -9289,7 +10066,7 @@
               <a:t>I</a:t>
             </a:r>
             <a:r>
-              <a:rPr kumimoji="0" lang="en-US" altLang="en-US" sz="1600" b="0" i="0" u="none" strike="noStrike" cap="none" normalizeH="0" baseline="0" dirty="0" err="1">
+              <a:rPr kumimoji="0" lang="en-US" altLang="en-US" sz="1400" b="0" i="0" u="none" strike="noStrike" cap="none" normalizeH="0" baseline="0" dirty="0" err="1">
                 <a:ln>
                   <a:noFill/>
                 </a:ln>
@@ -9303,7 +10080,7 @@
               <a:t>ntram</a:t>
             </a:r>
             <a:r>
-              <a:rPr kumimoji="0" lang="en-US" altLang="en-US" sz="1600" b="0" i="0" u="none" strike="noStrike" cap="none" normalizeH="0" baseline="0" dirty="0">
+              <a:rPr kumimoji="0" lang="en-US" altLang="en-US" sz="1400" b="0" i="0" u="none" strike="noStrike" cap="none" normalizeH="0" baseline="0" dirty="0">
                 <a:ln>
                   <a:noFill/>
                 </a:ln>
@@ -9317,7 +10094,7 @@
               <a:t> pe site, </a:t>
             </a:r>
             <a:r>
-              <a:rPr kumimoji="0" lang="en-US" altLang="en-US" sz="1600" b="0" i="0" u="none" strike="noStrike" cap="none" normalizeH="0" baseline="0" dirty="0" err="1">
+              <a:rPr kumimoji="0" lang="en-US" altLang="en-US" sz="1400" b="0" i="0" u="none" strike="noStrike" cap="none" normalizeH="0" baseline="0" dirty="0" err="1">
                 <a:ln>
                   <a:noFill/>
                 </a:ln>
@@ -9331,7 +10108,7 @@
               <a:t>indetificam</a:t>
             </a:r>
             <a:r>
-              <a:rPr kumimoji="0" lang="en-US" altLang="en-US" sz="1600" b="0" i="0" u="none" strike="noStrike" cap="none" normalizeH="0" baseline="0" dirty="0">
+              <a:rPr kumimoji="0" lang="en-US" altLang="en-US" sz="1400" b="0" i="0" u="none" strike="noStrike" cap="none" normalizeH="0" baseline="0" dirty="0">
                 <a:ln>
                   <a:noFill/>
                 </a:ln>
@@ -9345,7 +10122,7 @@
               <a:t> </a:t>
             </a:r>
             <a:r>
-              <a:rPr kumimoji="0" lang="en-US" altLang="en-US" sz="1600" b="0" i="0" u="none" strike="noStrike" cap="none" normalizeH="0" baseline="0" dirty="0" err="1">
+              <a:rPr kumimoji="0" lang="en-US" altLang="en-US" sz="1400" b="0" i="0" u="none" strike="noStrike" cap="none" normalizeH="0" baseline="0" dirty="0" err="1">
                 <a:ln>
                   <a:noFill/>
                 </a:ln>
@@ -9359,7 +10136,7 @@
               <a:t>elementul</a:t>
             </a:r>
             <a:r>
-              <a:rPr kumimoji="0" lang="en-US" altLang="en-US" sz="1600" b="0" i="0" u="none" strike="noStrike" cap="none" normalizeH="0" baseline="0" dirty="0">
+              <a:rPr kumimoji="0" lang="en-US" altLang="en-US" sz="1400" b="0" i="0" u="none" strike="noStrike" cap="none" normalizeH="0" baseline="0" dirty="0">
                 <a:ln>
                   <a:noFill/>
                 </a:ln>
@@ -9373,7 +10150,7 @@
               <a:t> bara de </a:t>
             </a:r>
             <a:r>
-              <a:rPr kumimoji="0" lang="en-US" altLang="en-US" sz="1600" b="0" i="0" u="none" strike="noStrike" cap="none" normalizeH="0" baseline="0" dirty="0" err="1">
+              <a:rPr kumimoji="0" lang="en-US" altLang="en-US" sz="1400" b="0" i="0" u="none" strike="noStrike" cap="none" normalizeH="0" baseline="0" dirty="0" err="1">
                 <a:ln>
                   <a:noFill/>
                 </a:ln>
@@ -9387,7 +10164,7 @@
               <a:t>cautare</a:t>
             </a:r>
             <a:r>
-              <a:rPr kumimoji="0" lang="en-US" altLang="en-US" sz="1600" b="0" i="0" u="none" strike="noStrike" cap="none" normalizeH="0" baseline="0" dirty="0">
+              <a:rPr kumimoji="0" lang="en-US" altLang="en-US" sz="1400" b="0" i="0" u="none" strike="noStrike" cap="none" normalizeH="0" baseline="0" dirty="0">
                 <a:ln>
                   <a:noFill/>
                 </a:ln>
@@ -9401,7 +10178,7 @@
               <a:t> </a:t>
             </a:r>
             <a:r>
-              <a:rPr kumimoji="0" lang="en-US" altLang="en-US" sz="1600" b="0" i="0" u="none" strike="noStrike" cap="none" normalizeH="0" baseline="0" dirty="0" err="1">
+              <a:rPr kumimoji="0" lang="en-US" altLang="en-US" sz="1400" b="0" i="0" u="none" strike="noStrike" cap="none" normalizeH="0" baseline="0" dirty="0" err="1">
                 <a:ln>
                   <a:noFill/>
                 </a:ln>
@@ -9415,7 +10192,7 @@
               <a:t>si</a:t>
             </a:r>
             <a:r>
-              <a:rPr kumimoji="0" lang="en-US" altLang="en-US" sz="1600" b="0" i="0" u="none" strike="noStrike" cap="none" normalizeH="0" baseline="0" dirty="0">
+              <a:rPr kumimoji="0" lang="en-US" altLang="en-US" sz="1400" b="0" i="0" u="none" strike="noStrike" cap="none" normalizeH="0" baseline="0" dirty="0">
                 <a:ln>
                   <a:noFill/>
                 </a:ln>
@@ -9429,7 +10206,7 @@
               <a:t> </a:t>
             </a:r>
             <a:r>
-              <a:rPr kumimoji="0" lang="en-US" altLang="en-US" sz="1600" b="0" i="0" u="none" strike="noStrike" cap="none" normalizeH="0" baseline="0" dirty="0" err="1">
+              <a:rPr kumimoji="0" lang="en-US" altLang="en-US" sz="1400" b="0" i="0" u="none" strike="noStrike" cap="none" normalizeH="0" baseline="0" dirty="0" err="1">
                 <a:ln>
                   <a:noFill/>
                 </a:ln>
@@ -9443,7 +10220,7 @@
               <a:t>inseram</a:t>
             </a:r>
             <a:r>
-              <a:rPr kumimoji="0" lang="en-US" altLang="en-US" sz="1600" b="0" i="0" u="none" strike="noStrike" cap="none" normalizeH="0" baseline="0" dirty="0">
+              <a:rPr kumimoji="0" lang="en-US" altLang="en-US" sz="1400" b="0" i="0" u="none" strike="noStrike" cap="none" normalizeH="0" baseline="0" dirty="0">
                 <a:ln>
                   <a:noFill/>
                 </a:ln>
@@ -9457,7 +10234,7 @@
               <a:t> o </a:t>
             </a:r>
             <a:r>
-              <a:rPr kumimoji="0" lang="en-US" altLang="en-US" sz="1600" b="0" i="0" u="none" strike="noStrike" cap="none" normalizeH="0" baseline="0" dirty="0" err="1">
+              <a:rPr kumimoji="0" lang="en-US" altLang="en-US" sz="1400" b="0" i="0" u="none" strike="noStrike" cap="none" normalizeH="0" baseline="0" dirty="0" err="1">
                 <a:ln>
                   <a:noFill/>
                 </a:ln>
@@ -9471,7 +10248,7 @@
               <a:t>cautare</a:t>
             </a:r>
             <a:r>
-              <a:rPr kumimoji="0" lang="en-US" altLang="en-US" sz="1600" b="0" i="0" u="none" strike="noStrike" cap="none" normalizeH="0" baseline="0" dirty="0">
+              <a:rPr kumimoji="0" lang="en-US" altLang="en-US" sz="1400" b="0" i="0" u="none" strike="noStrike" cap="none" normalizeH="0" baseline="0" dirty="0">
                 <a:ln>
                   <a:noFill/>
                 </a:ln>
@@ -9485,7 +10262,7 @@
               <a:t> </a:t>
             </a:r>
             <a:r>
-              <a:rPr kumimoji="0" lang="en-US" altLang="en-US" sz="1600" b="0" i="0" u="none" strike="noStrike" cap="none" normalizeH="0" baseline="0" dirty="0" err="1">
+              <a:rPr kumimoji="0" lang="en-US" altLang="en-US" sz="1400" b="0" i="0" u="none" strike="noStrike" cap="none" normalizeH="0" baseline="0" dirty="0" err="1">
                 <a:ln>
                   <a:noFill/>
                 </a:ln>
@@ -9499,7 +10276,7 @@
               <a:t>inexistenta</a:t>
             </a:r>
             <a:r>
-              <a:rPr kumimoji="0" lang="en-US" altLang="en-US" sz="1600" b="0" i="0" u="none" strike="noStrike" cap="none" normalizeH="0" baseline="0" dirty="0">
+              <a:rPr kumimoji="0" lang="en-US" altLang="en-US" sz="1400" b="0" i="0" u="none" strike="noStrike" cap="none" normalizeH="0" baseline="0" dirty="0">
                 <a:ln>
                   <a:noFill/>
                 </a:ln>
@@ -9513,7 +10290,7 @@
               <a:t>. </a:t>
             </a:r>
             <a:r>
-              <a:rPr kumimoji="0" lang="en-US" altLang="en-US" sz="1600" b="0" i="0" u="none" strike="noStrike" cap="none" normalizeH="0" baseline="0" dirty="0" err="1">
+              <a:rPr kumimoji="0" lang="en-US" altLang="en-US" sz="1400" b="0" i="0" u="none" strike="noStrike" cap="none" normalizeH="0" baseline="0" dirty="0" err="1">
                 <a:ln>
                   <a:noFill/>
                 </a:ln>
@@ -9527,7 +10304,7 @@
               <a:t>Apoi</a:t>
             </a:r>
             <a:r>
-              <a:rPr kumimoji="0" lang="en-US" altLang="en-US" sz="1600" b="0" i="0" u="none" strike="noStrike" cap="none" normalizeH="0" baseline="0" dirty="0">
+              <a:rPr kumimoji="0" lang="en-US" altLang="en-US" sz="1400" b="0" i="0" u="none" strike="noStrike" cap="none" normalizeH="0" baseline="0" dirty="0">
                 <a:ln>
                   <a:noFill/>
                 </a:ln>
@@ -9541,7 +10318,7 @@
               <a:t> click pe submit</a:t>
             </a:r>
             <a:r>
-              <a:rPr lang="en-US" altLang="en-US" dirty="0">
+              <a:rPr lang="en-US" altLang="en-US" sz="1400" dirty="0">
                 <a:solidFill>
                   <a:schemeClr val="tx1"/>
                 </a:solidFill>
@@ -9551,7 +10328,7 @@
               <a:t> </a:t>
             </a:r>
             <a:r>
-              <a:rPr kumimoji="0" lang="en-US" altLang="en-US" sz="1600" b="0" i="0" u="none" strike="noStrike" cap="none" normalizeH="0" baseline="0" dirty="0" err="1">
+              <a:rPr kumimoji="0" lang="en-US" altLang="en-US" sz="1400" b="0" i="0" u="none" strike="noStrike" cap="none" normalizeH="0" baseline="0" dirty="0" err="1">
                 <a:ln>
                   <a:noFill/>
                 </a:ln>
@@ -9565,7 +10342,7 @@
               <a:t>si</a:t>
             </a:r>
             <a:r>
-              <a:rPr kumimoji="0" lang="en-US" altLang="en-US" sz="1600" b="0" i="0" u="none" strike="noStrike" cap="none" normalizeH="0" baseline="0" dirty="0">
+              <a:rPr kumimoji="0" lang="en-US" altLang="en-US" sz="1400" b="0" i="0" u="none" strike="noStrike" cap="none" normalizeH="0" baseline="0" dirty="0">
                 <a:ln>
                   <a:noFill/>
                 </a:ln>
@@ -9579,7 +10356,7 @@
               <a:t> </a:t>
             </a:r>
             <a:r>
-              <a:rPr kumimoji="0" lang="en-US" altLang="en-US" sz="1600" b="0" i="0" u="none" strike="noStrike" cap="none" normalizeH="0" baseline="0" dirty="0" err="1">
+              <a:rPr kumimoji="0" lang="en-US" altLang="en-US" sz="1400" b="0" i="0" u="none" strike="noStrike" cap="none" normalizeH="0" baseline="0" dirty="0" err="1">
                 <a:ln>
                   <a:noFill/>
                 </a:ln>
@@ -9593,7 +10370,7 @@
               <a:t>verificam</a:t>
             </a:r>
             <a:r>
-              <a:rPr kumimoji="0" lang="en-US" altLang="en-US" sz="1600" b="0" i="0" u="none" strike="noStrike" cap="none" normalizeH="0" baseline="0" dirty="0">
+              <a:rPr kumimoji="0" lang="en-US" altLang="en-US" sz="1400" b="0" i="0" u="none" strike="noStrike" cap="none" normalizeH="0" baseline="0" dirty="0">
                 <a:ln>
                   <a:noFill/>
                 </a:ln>
@@ -9607,7 +10384,7 @@
               <a:t> ca: se </a:t>
             </a:r>
             <a:r>
-              <a:rPr kumimoji="0" lang="en-US" altLang="en-US" sz="1600" b="0" i="0" u="none" strike="noStrike" cap="none" normalizeH="0" baseline="0" dirty="0" err="1">
+              <a:rPr kumimoji="0" lang="en-US" altLang="en-US" sz="1400" b="0" i="0" u="none" strike="noStrike" cap="none" normalizeH="0" baseline="0" dirty="0" err="1">
                 <a:ln>
                   <a:noFill/>
                 </a:ln>
@@ -9621,7 +10398,7 @@
               <a:t>returneaza</a:t>
             </a:r>
             <a:r>
-              <a:rPr kumimoji="0" lang="en-US" altLang="en-US" sz="1600" b="0" i="0" u="none" strike="noStrike" cap="none" normalizeH="0" baseline="0" dirty="0">
+              <a:rPr kumimoji="0" lang="en-US" altLang="en-US" sz="1400" b="0" i="0" u="none" strike="noStrike" cap="none" normalizeH="0" baseline="0" dirty="0">
                 <a:ln>
                   <a:noFill/>
                 </a:ln>
@@ -9635,7 +10412,7 @@
               <a:t> </a:t>
             </a:r>
             <a:r>
-              <a:rPr kumimoji="0" lang="en-US" altLang="en-US" sz="1600" b="0" i="0" u="none" strike="noStrike" cap="none" normalizeH="0" baseline="0" dirty="0" err="1">
+              <a:rPr kumimoji="0" lang="en-US" altLang="en-US" sz="1400" b="0" i="0" u="none" strike="noStrike" cap="none" normalizeH="0" baseline="0" dirty="0" err="1">
                 <a:ln>
                   <a:noFill/>
                 </a:ln>
@@ -9649,7 +10426,7 @@
               <a:t>eroarea</a:t>
             </a:r>
             <a:r>
-              <a:rPr kumimoji="0" lang="en-US" altLang="en-US" sz="1600" b="0" i="0" u="none" strike="noStrike" cap="none" normalizeH="0" baseline="0" dirty="0">
+              <a:rPr kumimoji="0" lang="en-US" altLang="en-US" sz="1400" b="0" i="0" u="none" strike="noStrike" cap="none" normalizeH="0" baseline="0" dirty="0">
                 <a:ln>
                   <a:noFill/>
                 </a:ln>
@@ -9663,7 +10440,7 @@
               <a:t> </a:t>
             </a:r>
             <a:r>
-              <a:rPr kumimoji="0" lang="en-US" altLang="en-US" sz="1600" b="0" i="0" u="none" strike="noStrike" cap="none" normalizeH="0" baseline="0" dirty="0" err="1">
+              <a:rPr kumimoji="0" lang="en-US" altLang="en-US" sz="1400" b="0" i="0" u="none" strike="noStrike" cap="none" normalizeH="0" baseline="0" dirty="0" err="1">
                 <a:ln>
                   <a:noFill/>
                 </a:ln>
@@ -9677,7 +10454,7 @@
               <a:t>corecta</a:t>
             </a:r>
             <a:r>
-              <a:rPr kumimoji="0" lang="en-US" altLang="en-US" sz="1600" b="0" i="0" u="none" strike="noStrike" cap="none" normalizeH="0" baseline="0" dirty="0">
+              <a:rPr kumimoji="0" lang="en-US" altLang="en-US" sz="1400" b="0" i="0" u="none" strike="noStrike" cap="none" normalizeH="0" baseline="0" dirty="0">
                 <a:ln>
                   <a:noFill/>
                 </a:ln>
@@ -9690,7 +10467,7 @@
               </a:rPr>
               <a:t>.</a:t>
             </a:r>
-            <a:endParaRPr lang="en-US" dirty="0">
+            <a:endParaRPr lang="en-US" sz="1400" dirty="0">
               <a:solidFill>
                 <a:schemeClr val="tx1"/>
               </a:solidFill>
@@ -9705,7 +10482,7 @@
               </a:lnSpc>
             </a:pPr>
             <a:r>
-              <a:rPr lang="en-US" dirty="0" err="1">
+              <a:rPr lang="en-US" sz="1400" dirty="0" err="1">
                 <a:solidFill>
                   <a:schemeClr val="tx1"/>
                 </a:solidFill>
@@ -9715,7 +10492,7 @@
               <a:t>Testul</a:t>
             </a:r>
             <a:r>
-              <a:rPr lang="en-US" dirty="0">
+              <a:rPr lang="en-US" sz="1400" dirty="0">
                 <a:solidFill>
                   <a:schemeClr val="tx1"/>
                 </a:solidFill>
@@ -9725,7 +10502,7 @@
               <a:t> 11 – </a:t>
             </a:r>
             <a:r>
-              <a:rPr kumimoji="0" lang="en-US" altLang="en-US" sz="1600" b="0" i="0" u="none" strike="noStrike" cap="none" normalizeH="0" baseline="0" dirty="0">
+              <a:rPr kumimoji="0" lang="en-US" altLang="en-US" sz="1400" b="0" i="0" u="none" strike="noStrike" cap="none" normalizeH="0" baseline="0" dirty="0">
                 <a:ln>
                   <a:noFill/>
                 </a:ln>
@@ -9739,7 +10516,7 @@
               <a:t> </a:t>
             </a:r>
             <a:r>
-              <a:rPr kumimoji="0" lang="en-US" altLang="en-US" sz="1600" b="0" i="0" u="none" strike="noStrike" cap="none" normalizeH="0" baseline="0" dirty="0" err="1">
+              <a:rPr kumimoji="0" lang="en-US" altLang="en-US" sz="1400" b="0" i="0" u="none" strike="noStrike" cap="none" normalizeH="0" baseline="0" dirty="0" err="1">
                 <a:ln>
                   <a:noFill/>
                 </a:ln>
@@ -9753,7 +10530,7 @@
               <a:t>Aici</a:t>
             </a:r>
             <a:r>
-              <a:rPr kumimoji="0" lang="en-US" altLang="en-US" sz="1600" b="0" i="0" u="none" strike="noStrike" cap="none" normalizeH="0" baseline="0" dirty="0">
+              <a:rPr kumimoji="0" lang="en-US" altLang="en-US" sz="1400" b="0" i="0" u="none" strike="noStrike" cap="none" normalizeH="0" baseline="0" dirty="0">
                 <a:ln>
                   <a:noFill/>
                 </a:ln>
@@ -9767,7 +10544,7 @@
               <a:t> </a:t>
             </a:r>
             <a:r>
-              <a:rPr kumimoji="0" lang="en-US" altLang="en-US" sz="1600" b="0" i="0" u="none" strike="noStrike" cap="none" normalizeH="0" baseline="0" dirty="0" err="1">
+              <a:rPr kumimoji="0" lang="en-US" altLang="en-US" sz="1400" b="0" i="0" u="none" strike="noStrike" cap="none" normalizeH="0" baseline="0" dirty="0" err="1">
                 <a:ln>
                   <a:noFill/>
                 </a:ln>
@@ -9781,7 +10558,7 @@
               <a:t>testam</a:t>
             </a:r>
             <a:r>
-              <a:rPr kumimoji="0" lang="en-US" altLang="en-US" sz="1600" b="0" i="0" u="none" strike="noStrike" cap="none" normalizeH="0" baseline="0" dirty="0">
+              <a:rPr kumimoji="0" lang="en-US" altLang="en-US" sz="1400" b="0" i="0" u="none" strike="noStrike" cap="none" normalizeH="0" baseline="0" dirty="0">
                 <a:ln>
                   <a:noFill/>
                 </a:ln>
@@ -9795,7 +10572,7 @@
               <a:t> un </a:t>
             </a:r>
             <a:r>
-              <a:rPr kumimoji="0" lang="en-US" altLang="en-US" sz="1600" b="0" i="0" u="none" strike="noStrike" cap="none" normalizeH="0" baseline="0" dirty="0" err="1">
+              <a:rPr kumimoji="0" lang="en-US" altLang="en-US" sz="1400" b="0" i="0" u="none" strike="noStrike" cap="none" normalizeH="0" baseline="0" dirty="0" err="1">
                 <a:ln>
                   <a:noFill/>
                 </a:ln>
@@ -9809,7 +10586,7 @@
               <a:t>produs</a:t>
             </a:r>
             <a:r>
-              <a:rPr kumimoji="0" lang="en-US" altLang="en-US" sz="1600" b="0" i="0" u="none" strike="noStrike" cap="none" normalizeH="0" baseline="0" dirty="0">
+              <a:rPr kumimoji="0" lang="en-US" altLang="en-US" sz="1400" b="0" i="0" u="none" strike="noStrike" cap="none" normalizeH="0" baseline="0" dirty="0">
                 <a:ln>
                   <a:noFill/>
                 </a:ln>
@@ -9823,7 +10600,7 @@
               <a:t> existent </a:t>
             </a:r>
             <a:r>
-              <a:rPr kumimoji="0" lang="en-US" altLang="en-US" sz="1600" b="0" i="0" u="none" strike="noStrike" cap="none" normalizeH="0" baseline="0" dirty="0" err="1">
+              <a:rPr kumimoji="0" lang="en-US" altLang="en-US" sz="1400" b="0" i="0" u="none" strike="noStrike" cap="none" normalizeH="0" baseline="0" dirty="0" err="1">
                 <a:ln>
                   <a:noFill/>
                 </a:ln>
@@ -9837,7 +10614,7 @@
               <a:t>si</a:t>
             </a:r>
             <a:r>
-              <a:rPr kumimoji="0" lang="en-US" altLang="en-US" sz="1600" b="0" i="0" u="none" strike="noStrike" cap="none" normalizeH="0" baseline="0" dirty="0">
+              <a:rPr kumimoji="0" lang="en-US" altLang="en-US" sz="1400" b="0" i="0" u="none" strike="noStrike" cap="none" normalizeH="0" baseline="0" dirty="0">
                 <a:ln>
                   <a:noFill/>
                 </a:ln>
@@ -9851,7 +10628,7 @@
               <a:t> </a:t>
             </a:r>
             <a:r>
-              <a:rPr kumimoji="0" lang="en-US" altLang="en-US" sz="1600" b="0" i="0" u="none" strike="noStrike" cap="none" normalizeH="0" baseline="0" dirty="0" err="1">
+              <a:rPr kumimoji="0" lang="en-US" altLang="en-US" sz="1400" b="0" i="0" u="none" strike="noStrike" cap="none" normalizeH="0" baseline="0" dirty="0" err="1">
                 <a:ln>
                   <a:noFill/>
                 </a:ln>
@@ -9865,7 +10642,7 @@
               <a:t>urmarim</a:t>
             </a:r>
             <a:r>
-              <a:rPr kumimoji="0" lang="en-US" altLang="en-US" sz="1600" b="0" i="0" u="none" strike="noStrike" cap="none" normalizeH="0" baseline="0" dirty="0">
+              <a:rPr kumimoji="0" lang="en-US" altLang="en-US" sz="1400" b="0" i="0" u="none" strike="noStrike" cap="none" normalizeH="0" baseline="0" dirty="0">
                 <a:ln>
                   <a:noFill/>
                 </a:ln>
@@ -9879,7 +10656,7 @@
               <a:t> </a:t>
             </a:r>
             <a:r>
-              <a:rPr kumimoji="0" lang="en-US" altLang="en-US" sz="1600" b="0" i="0" u="none" strike="noStrike" cap="none" normalizeH="0" baseline="0" dirty="0" err="1">
+              <a:rPr kumimoji="0" lang="en-US" altLang="en-US" sz="1400" b="0" i="0" u="none" strike="noStrike" cap="none" normalizeH="0" baseline="0" dirty="0" err="1">
                 <a:ln>
                   <a:noFill/>
                 </a:ln>
@@ -9893,7 +10670,7 @@
               <a:t>sa</a:t>
             </a:r>
             <a:r>
-              <a:rPr kumimoji="0" lang="en-US" altLang="en-US" sz="1600" b="0" i="0" u="none" strike="noStrike" cap="none" normalizeH="0" baseline="0" dirty="0">
+              <a:rPr kumimoji="0" lang="en-US" altLang="en-US" sz="1400" b="0" i="0" u="none" strike="noStrike" cap="none" normalizeH="0" baseline="0" dirty="0">
                 <a:ln>
                   <a:noFill/>
                 </a:ln>
@@ -9907,7 +10684,7 @@
               <a:t> </a:t>
             </a:r>
             <a:r>
-              <a:rPr kumimoji="0" lang="en-US" altLang="en-US" sz="1600" b="0" i="0" u="none" strike="noStrike" cap="none" normalizeH="0" baseline="0" dirty="0" err="1">
+              <a:rPr kumimoji="0" lang="en-US" altLang="en-US" sz="1400" b="0" i="0" u="none" strike="noStrike" cap="none" normalizeH="0" baseline="0" dirty="0" err="1">
                 <a:ln>
                   <a:noFill/>
                 </a:ln>
@@ -9921,7 +10698,7 @@
               <a:t>avem</a:t>
             </a:r>
             <a:r>
-              <a:rPr kumimoji="0" lang="en-US" altLang="en-US" sz="1600" b="0" i="0" u="none" strike="noStrike" cap="none" normalizeH="0" baseline="0" dirty="0">
+              <a:rPr kumimoji="0" lang="en-US" altLang="en-US" sz="1400" b="0" i="0" u="none" strike="noStrike" cap="none" normalizeH="0" baseline="0" dirty="0">
                 <a:ln>
                   <a:noFill/>
                 </a:ln>
@@ -9935,7 +10712,7 @@
               <a:t> </a:t>
             </a:r>
             <a:r>
-              <a:rPr kumimoji="0" lang="en-US" altLang="en-US" sz="1600" b="0" i="0" u="none" strike="noStrike" cap="none" normalizeH="0" baseline="0" dirty="0" err="1">
+              <a:rPr kumimoji="0" lang="en-US" altLang="en-US" sz="1400" b="0" i="0" u="none" strike="noStrike" cap="none" normalizeH="0" baseline="0" dirty="0" err="1">
                 <a:ln>
                   <a:noFill/>
                 </a:ln>
@@ -9949,7 +10726,7 @@
               <a:t>cel</a:t>
             </a:r>
             <a:r>
-              <a:rPr kumimoji="0" lang="en-US" altLang="en-US" sz="1600" b="0" i="0" u="none" strike="noStrike" cap="none" normalizeH="0" baseline="0" dirty="0">
+              <a:rPr kumimoji="0" lang="en-US" altLang="en-US" sz="1400" b="0" i="0" u="none" strike="noStrike" cap="none" normalizeH="0" baseline="0" dirty="0">
                 <a:ln>
                   <a:noFill/>
                 </a:ln>
@@ -9963,7 +10740,7 @@
               <a:t> </a:t>
             </a:r>
             <a:r>
-              <a:rPr kumimoji="0" lang="en-US" altLang="en-US" sz="1600" b="0" i="0" u="none" strike="noStrike" cap="none" normalizeH="0" baseline="0" dirty="0" err="1">
+              <a:rPr kumimoji="0" lang="en-US" altLang="en-US" sz="1400" b="0" i="0" u="none" strike="noStrike" cap="none" normalizeH="0" baseline="0" dirty="0" err="1">
                 <a:ln>
                   <a:noFill/>
                 </a:ln>
@@ -9977,7 +10754,7 @@
               <a:t>putin</a:t>
             </a:r>
             <a:r>
-              <a:rPr kumimoji="0" lang="en-US" altLang="en-US" sz="1600" b="0" i="0" u="none" strike="noStrike" cap="none" normalizeH="0" baseline="0" dirty="0">
+              <a:rPr kumimoji="0" lang="en-US" altLang="en-US" sz="1400" b="0" i="0" u="none" strike="noStrike" cap="none" normalizeH="0" baseline="0" dirty="0">
                 <a:ln>
                   <a:noFill/>
                 </a:ln>
@@ -9991,7 +10768,7 @@
               <a:t> 2 </a:t>
             </a:r>
             <a:r>
-              <a:rPr kumimoji="0" lang="en-US" altLang="en-US" sz="1600" b="0" i="0" u="none" strike="noStrike" cap="none" normalizeH="0" baseline="0" dirty="0" err="1">
+              <a:rPr kumimoji="0" lang="en-US" altLang="en-US" sz="1400" b="0" i="0" u="none" strike="noStrike" cap="none" normalizeH="0" baseline="0" dirty="0" err="1">
                 <a:ln>
                   <a:noFill/>
                 </a:ln>
@@ -10004,21 +10781,7 @@
               </a:rPr>
               <a:t>rezultate</a:t>
             </a:r>
-            <a:r>
-              <a:rPr kumimoji="0" lang="en-US" altLang="en-US" sz="1600" b="0" i="0" u="none" strike="noStrike" cap="none" normalizeH="0" baseline="0" dirty="0">
-                <a:ln>
-                  <a:noFill/>
-                </a:ln>
-                <a:solidFill>
-                  <a:schemeClr val="tx1"/>
-                </a:solidFill>
-                <a:effectLst/>
-                <a:latin typeface="Times New Roman" panose="02020603050405020304" pitchFamily="18" charset="0"/>
-                <a:cs typeface="Times New Roman" panose="02020603050405020304" pitchFamily="18" charset="0"/>
-              </a:rPr>
-              <a:t>:</a:t>
-            </a:r>
-            <a:endParaRPr lang="en-US" dirty="0">
+            <a:endParaRPr lang="en-US" altLang="en-US" sz="1400" dirty="0">
               <a:solidFill>
                 <a:schemeClr val="tx1"/>
               </a:solidFill>
@@ -10032,7 +10795,34 @@
                 <a:spcPct val="150000"/>
               </a:lnSpc>
             </a:pPr>
-            <a:endParaRPr lang="en-US" dirty="0">
+            <a:r>
+              <a:rPr lang="en-US" sz="1400" dirty="0" err="1">
+                <a:solidFill>
+                  <a:schemeClr val="tx1"/>
+                </a:solidFill>
+                <a:latin typeface="Times New Roman" panose="02020603050405020304" pitchFamily="18" charset="0"/>
+                <a:cs typeface="Times New Roman" panose="02020603050405020304" pitchFamily="18" charset="0"/>
+              </a:rPr>
+              <a:t>Testele</a:t>
+            </a:r>
+            <a:r>
+              <a:rPr lang="en-US" sz="1400" dirty="0">
+                <a:solidFill>
+                  <a:schemeClr val="tx1"/>
+                </a:solidFill>
+                <a:latin typeface="Times New Roman" panose="02020603050405020304" pitchFamily="18" charset="0"/>
+                <a:cs typeface="Times New Roman" panose="02020603050405020304" pitchFamily="18" charset="0"/>
+              </a:rPr>
+              <a:t> = PASS</a:t>
+            </a:r>
+          </a:p>
+          <a:p>
+            <a:pPr>
+              <a:lnSpc>
+                <a:spcPct val="150000"/>
+              </a:lnSpc>
+            </a:pPr>
+            <a:endParaRPr lang="en-US" sz="1400" dirty="0">
               <a:solidFill>
                 <a:schemeClr val="tx1"/>
               </a:solidFill>
@@ -10060,8 +10850,8 @@
         </p:nvSpPr>
         <p:spPr bwMode="auto">
           <a:xfrm>
-            <a:off x="4648652" y="1707897"/>
-            <a:ext cx="5371983" cy="4216539"/>
+            <a:off x="4235117" y="1484923"/>
+            <a:ext cx="7676148" cy="4216539"/>
           </a:xfrm>
           <a:prstGeom prst="rect">
             <a:avLst/>
@@ -10096,7 +10886,7 @@
           </a:extLst>
         </p:spPr>
         <p:txBody>
-          <a:bodyPr vert="horz" wrap="none" lIns="91440" tIns="45720" rIns="91440" bIns="45720" numCol="1" anchor="ctr" anchorCtr="0" compatLnSpc="1">
+          <a:bodyPr vert="horz" wrap="square" lIns="91440" tIns="45720" rIns="91440" bIns="45720" numCol="1" anchor="ctr" anchorCtr="0" compatLnSpc="1">
             <a:prstTxWarp prst="textNoShape">
               <a:avLst/>
             </a:prstTxWarp>
@@ -12389,39 +13179,6 @@
       </p:grpSpPr>
       <p:sp>
         <p:nvSpPr>
-          <p:cNvPr id="2" name="Titre 1">
-            <a:extLst>
-              <a:ext uri="{FF2B5EF4-FFF2-40B4-BE49-F238E27FC236}">
-                <a16:creationId xmlns:a16="http://schemas.microsoft.com/office/drawing/2014/main" id="{3ABB7E35-FD51-21A6-D528-70057EF0AF7F}"/>
-              </a:ext>
-            </a:extLst>
-          </p:cNvPr>
-          <p:cNvSpPr>
-            <a:spLocks noGrp="1"/>
-          </p:cNvSpPr>
-          <p:nvPr>
-            <p:ph type="title"/>
-          </p:nvPr>
-        </p:nvSpPr>
-        <p:spPr>
-          <a:xfrm>
-            <a:off x="691662" y="1446238"/>
-            <a:ext cx="3470033" cy="611236"/>
-          </a:xfrm>
-        </p:spPr>
-        <p:txBody>
-          <a:bodyPr/>
-          <a:lstStyle/>
-          <a:p>
-            <a:r>
-              <a:rPr lang="en-US" dirty="0"/>
-              <a:t>Suite de tests</a:t>
-            </a:r>
-          </a:p>
-        </p:txBody>
-      </p:sp>
-      <p:sp>
-        <p:nvSpPr>
           <p:cNvPr id="4" name="Espace réservé du texte 3">
             <a:extLst>
               <a:ext uri="{FF2B5EF4-FFF2-40B4-BE49-F238E27FC236}">
@@ -12438,12 +13195,14 @@
         </p:nvSpPr>
         <p:spPr>
           <a:xfrm>
-            <a:off x="691663" y="2057474"/>
-            <a:ext cx="4548552" cy="3925498"/>
+            <a:off x="691663" y="1446239"/>
+            <a:ext cx="3206569" cy="4536734"/>
           </a:xfrm>
         </p:spPr>
         <p:txBody>
-          <a:bodyPr/>
+          <a:bodyPr>
+            <a:normAutofit/>
+          </a:bodyPr>
           <a:lstStyle/>
           <a:p>
             <a:pPr>
@@ -12452,7 +13211,7 @@
               </a:lnSpc>
             </a:pPr>
             <a:r>
-              <a:rPr kumimoji="0" lang="en-US" altLang="en-US" sz="1600" b="0" u="none" strike="noStrike" cap="none" normalizeH="0" baseline="0" dirty="0" err="1">
+              <a:rPr kumimoji="0" lang="en-US" altLang="en-US" sz="1400" b="1" u="none" strike="noStrike" cap="none" normalizeH="0" baseline="0" dirty="0">
                 <a:ln>
                   <a:noFill/>
                 </a:ln>
@@ -12463,10 +13222,31 @@
                 <a:latin typeface="Times New Roman" panose="02020603050405020304" pitchFamily="18" charset="0"/>
                 <a:cs typeface="Times New Roman" panose="02020603050405020304" pitchFamily="18" charset="0"/>
               </a:rPr>
+              <a:t>SUITELE DE TESTE</a:t>
+            </a:r>
+          </a:p>
+          <a:p>
+            <a:pPr>
+              <a:lnSpc>
+                <a:spcPct val="150000"/>
+              </a:lnSpc>
+            </a:pPr>
+            <a:r>
+              <a:rPr kumimoji="0" lang="en-US" altLang="en-US" sz="1400" b="0" u="none" strike="noStrike" cap="none" normalizeH="0" baseline="0" dirty="0" err="1">
+                <a:ln>
+                  <a:noFill/>
+                </a:ln>
+                <a:solidFill>
+                  <a:schemeClr val="tx1"/>
+                </a:solidFill>
+                <a:effectLst/>
+                <a:latin typeface="Times New Roman" panose="02020603050405020304" pitchFamily="18" charset="0"/>
+                <a:cs typeface="Times New Roman" panose="02020603050405020304" pitchFamily="18" charset="0"/>
+              </a:rPr>
               <a:t>Instalam</a:t>
             </a:r>
             <a:r>
-              <a:rPr kumimoji="0" lang="en-US" altLang="en-US" sz="1600" b="0" u="none" strike="noStrike" cap="none" normalizeH="0" baseline="0" dirty="0">
+              <a:rPr kumimoji="0" lang="en-US" altLang="en-US" sz="1400" b="0" u="none" strike="noStrike" cap="none" normalizeH="0" baseline="0" dirty="0">
                 <a:ln>
                   <a:noFill/>
                 </a:ln>
@@ -12480,7 +13260,7 @@
               <a:t> ‘</a:t>
             </a:r>
             <a:r>
-              <a:rPr lang="en-US" sz="1600" dirty="0">
+              <a:rPr lang="en-US" sz="1400" dirty="0">
                 <a:solidFill>
                   <a:schemeClr val="tx1"/>
                 </a:solidFill>
@@ -12491,7 +13271,7 @@
               <a:t>html-</a:t>
             </a:r>
             <a:r>
-              <a:rPr lang="en-US" sz="1600" dirty="0" err="1">
+              <a:rPr lang="en-US" sz="1400" dirty="0" err="1">
                 <a:solidFill>
                   <a:schemeClr val="tx1"/>
                 </a:solidFill>
@@ -12502,7 +13282,7 @@
               <a:t>testRunner</a:t>
             </a:r>
             <a:r>
-              <a:rPr lang="en-US" sz="1600" dirty="0">
+              <a:rPr lang="en-US" sz="1400" dirty="0">
                 <a:solidFill>
                   <a:schemeClr val="tx1"/>
                 </a:solidFill>
@@ -12513,7 +13293,7 @@
               <a:t>’</a:t>
             </a:r>
             <a:br>
-              <a:rPr kumimoji="0" lang="en-US" altLang="en-US" sz="1600" b="0" u="none" strike="noStrike" cap="none" normalizeH="0" baseline="0" dirty="0">
+              <a:rPr kumimoji="0" lang="en-US" altLang="en-US" sz="1400" b="0" u="none" strike="noStrike" cap="none" normalizeH="0" baseline="0" dirty="0">
                 <a:ln>
                   <a:noFill/>
                 </a:ln>
@@ -12526,7 +13306,7 @@
               </a:rPr>
             </a:br>
             <a:r>
-              <a:rPr kumimoji="0" lang="en-US" altLang="en-US" sz="1600" b="0" u="none" strike="noStrike" cap="none" normalizeH="0" baseline="0" dirty="0" err="1">
+              <a:rPr kumimoji="0" lang="en-US" altLang="en-US" sz="1400" b="0" u="none" strike="noStrike" cap="none" normalizeH="0" baseline="0" dirty="0" err="1">
                 <a:ln>
                   <a:noFill/>
                 </a:ln>
@@ -12540,7 +13320,7 @@
               <a:t>Adaugam</a:t>
             </a:r>
             <a:r>
-              <a:rPr kumimoji="0" lang="en-US" altLang="en-US" sz="1600" b="0" u="none" strike="noStrike" cap="none" normalizeH="0" baseline="0" dirty="0">
+              <a:rPr kumimoji="0" lang="en-US" altLang="en-US" sz="1400" b="0" u="none" strike="noStrike" cap="none" normalizeH="0" baseline="0" dirty="0">
                 <a:ln>
                   <a:noFill/>
                 </a:ln>
@@ -12554,7 +13334,7 @@
               <a:t> </a:t>
             </a:r>
             <a:r>
-              <a:rPr kumimoji="0" lang="en-US" altLang="en-US" sz="1600" b="0" u="none" strike="noStrike" cap="none" normalizeH="0" baseline="0" dirty="0" err="1">
+              <a:rPr kumimoji="0" lang="en-US" altLang="en-US" sz="1400" b="0" u="none" strike="noStrike" cap="none" normalizeH="0" baseline="0" dirty="0" err="1">
                 <a:ln>
                   <a:noFill/>
                 </a:ln>
@@ -12568,7 +13348,7 @@
               <a:t>toate</a:t>
             </a:r>
             <a:r>
-              <a:rPr kumimoji="0" lang="en-US" altLang="en-US" sz="1600" b="0" u="none" strike="noStrike" cap="none" normalizeH="0" baseline="0" dirty="0">
+              <a:rPr kumimoji="0" lang="en-US" altLang="en-US" sz="1400" b="0" u="none" strike="noStrike" cap="none" normalizeH="0" baseline="0" dirty="0">
                 <a:ln>
                   <a:noFill/>
                 </a:ln>
@@ -12582,7 +13362,7 @@
               <a:t> </a:t>
             </a:r>
             <a:r>
-              <a:rPr kumimoji="0" lang="en-US" altLang="en-US" sz="1600" b="0" u="none" strike="noStrike" cap="none" normalizeH="0" baseline="0" dirty="0" err="1">
+              <a:rPr kumimoji="0" lang="en-US" altLang="en-US" sz="1400" b="0" u="none" strike="noStrike" cap="none" normalizeH="0" baseline="0" dirty="0" err="1">
                 <a:ln>
                   <a:noFill/>
                 </a:ln>
@@ -12596,7 +13376,7 @@
               <a:t>clasele</a:t>
             </a:r>
             <a:r>
-              <a:rPr kumimoji="0" lang="en-US" altLang="en-US" sz="1600" b="0" u="none" strike="noStrike" cap="none" normalizeH="0" baseline="0" dirty="0">
+              <a:rPr kumimoji="0" lang="en-US" altLang="en-US" sz="1400" b="0" u="none" strike="noStrike" cap="none" normalizeH="0" baseline="0" dirty="0">
                 <a:ln>
                   <a:noFill/>
                 </a:ln>
@@ -12610,7 +13390,7 @@
               <a:t> de test create </a:t>
             </a:r>
             <a:r>
-              <a:rPr kumimoji="0" lang="en-US" altLang="en-US" sz="1600" b="0" u="none" strike="noStrike" cap="none" normalizeH="0" baseline="0" dirty="0" err="1">
+              <a:rPr kumimoji="0" lang="en-US" altLang="en-US" sz="1400" b="0" u="none" strike="noStrike" cap="none" normalizeH="0" baseline="0" dirty="0" err="1">
                 <a:ln>
                   <a:noFill/>
                 </a:ln>
@@ -12624,7 +13404,7 @@
               <a:t>intr</a:t>
             </a:r>
             <a:r>
-              <a:rPr kumimoji="0" lang="en-US" altLang="en-US" sz="1600" b="0" u="none" strike="noStrike" cap="none" normalizeH="0" baseline="0" dirty="0">
+              <a:rPr kumimoji="0" lang="en-US" altLang="en-US" sz="1400" b="0" u="none" strike="noStrike" cap="none" normalizeH="0" baseline="0" dirty="0">
                 <a:ln>
                   <a:noFill/>
                 </a:ln>
@@ -12638,7 +13418,7 @@
               <a:t>-o </a:t>
             </a:r>
             <a:r>
-              <a:rPr kumimoji="0" lang="en-US" altLang="en-US" sz="1600" b="0" u="none" strike="noStrike" cap="none" normalizeH="0" baseline="0" dirty="0" err="1">
+              <a:rPr kumimoji="0" lang="en-US" altLang="en-US" sz="1400" b="0" u="none" strike="noStrike" cap="none" normalizeH="0" baseline="0" dirty="0" err="1">
                 <a:ln>
                   <a:noFill/>
                 </a:ln>
@@ -12652,7 +13432,7 @@
               <a:t>suita</a:t>
             </a:r>
             <a:r>
-              <a:rPr kumimoji="0" lang="en-US" altLang="en-US" sz="1600" b="0" u="none" strike="noStrike" cap="none" normalizeH="0" baseline="0" dirty="0">
+              <a:rPr kumimoji="0" lang="en-US" altLang="en-US" sz="1400" b="0" u="none" strike="noStrike" cap="none" normalizeH="0" baseline="0" dirty="0">
                 <a:ln>
                   <a:noFill/>
                 </a:ln>
@@ -12666,7 +13446,7 @@
               <a:t> de teste</a:t>
             </a:r>
             <a:br>
-              <a:rPr kumimoji="0" lang="en-US" altLang="en-US" sz="1600" b="0" u="none" strike="noStrike" cap="none" normalizeH="0" baseline="0" dirty="0">
+              <a:rPr kumimoji="0" lang="en-US" altLang="en-US" sz="1400" b="0" u="none" strike="noStrike" cap="none" normalizeH="0" baseline="0" dirty="0">
                 <a:ln>
                   <a:noFill/>
                 </a:ln>
@@ -12679,7 +13459,7 @@
               </a:rPr>
             </a:br>
             <a:r>
-              <a:rPr kumimoji="0" lang="en-US" altLang="en-US" sz="1600" b="0" u="none" strike="noStrike" cap="none" normalizeH="0" baseline="0" dirty="0" err="1">
+              <a:rPr kumimoji="0" lang="en-US" altLang="en-US" sz="1400" b="0" u="none" strike="noStrike" cap="none" normalizeH="0" baseline="0" dirty="0" err="1">
                 <a:ln>
                   <a:noFill/>
                 </a:ln>
@@ -12693,7 +13473,7 @@
               <a:t>Definim</a:t>
             </a:r>
             <a:r>
-              <a:rPr kumimoji="0" lang="en-US" altLang="en-US" sz="1600" b="0" u="none" strike="noStrike" cap="none" normalizeH="0" baseline="0" dirty="0">
+              <a:rPr kumimoji="0" lang="en-US" altLang="en-US" sz="1400" b="0" u="none" strike="noStrike" cap="none" normalizeH="0" baseline="0" dirty="0">
                 <a:ln>
                   <a:noFill/>
                 </a:ln>
@@ -12707,7 +13487,7 @@
               <a:t> in </a:t>
             </a:r>
             <a:r>
-              <a:rPr kumimoji="0" lang="en-US" altLang="en-US" sz="1600" b="0" u="none" strike="noStrike" cap="none" normalizeH="0" baseline="0" dirty="0" err="1">
+              <a:rPr kumimoji="0" lang="en-US" altLang="en-US" sz="1400" b="0" u="none" strike="noStrike" cap="none" normalizeH="0" baseline="0" dirty="0" err="1">
                 <a:ln>
                   <a:noFill/>
                 </a:ln>
@@ -12721,7 +13501,7 @@
               <a:t>aceasta</a:t>
             </a:r>
             <a:r>
-              <a:rPr kumimoji="0" lang="en-US" altLang="en-US" sz="1600" b="0" u="none" strike="noStrike" cap="none" normalizeH="0" baseline="0" dirty="0">
+              <a:rPr kumimoji="0" lang="en-US" altLang="en-US" sz="1400" b="0" u="none" strike="noStrike" cap="none" normalizeH="0" baseline="0" dirty="0">
                 <a:ln>
                   <a:noFill/>
                 </a:ln>
@@ -12735,7 +13515,7 @@
               <a:t> </a:t>
             </a:r>
             <a:r>
-              <a:rPr kumimoji="0" lang="en-US" altLang="en-US" sz="1600" b="0" u="none" strike="noStrike" cap="none" normalizeH="0" baseline="0" dirty="0" err="1">
+              <a:rPr kumimoji="0" lang="en-US" altLang="en-US" sz="1400" b="0" u="none" strike="noStrike" cap="none" normalizeH="0" baseline="0" dirty="0" err="1">
                 <a:ln>
                   <a:noFill/>
                 </a:ln>
@@ -12749,7 +13529,7 @@
               <a:t>suita</a:t>
             </a:r>
             <a:r>
-              <a:rPr kumimoji="0" lang="en-US" altLang="en-US" sz="1600" b="0" u="none" strike="noStrike" cap="none" normalizeH="0" baseline="0" dirty="0">
+              <a:rPr kumimoji="0" lang="en-US" altLang="en-US" sz="1400" b="0" u="none" strike="noStrike" cap="none" normalizeH="0" baseline="0" dirty="0">
                 <a:ln>
                   <a:noFill/>
                 </a:ln>
@@ -12763,7 +13543,7 @@
               <a:t> </a:t>
             </a:r>
             <a:r>
-              <a:rPr kumimoji="0" lang="en-US" altLang="en-US" sz="1600" b="0" u="none" strike="noStrike" cap="none" normalizeH="0" baseline="0" dirty="0" err="1">
+              <a:rPr kumimoji="0" lang="en-US" altLang="en-US" sz="1400" b="0" u="none" strike="noStrike" cap="none" normalizeH="0" baseline="0" dirty="0" err="1">
                 <a:ln>
                   <a:noFill/>
                 </a:ln>
@@ -12777,7 +13557,7 @@
               <a:t>raportul</a:t>
             </a:r>
             <a:r>
-              <a:rPr kumimoji="0" lang="en-US" altLang="en-US" sz="1600" b="0" u="none" strike="noStrike" cap="none" normalizeH="0" baseline="0" dirty="0">
+              <a:rPr kumimoji="0" lang="en-US" altLang="en-US" sz="1400" b="0" u="none" strike="noStrike" cap="none" normalizeH="0" baseline="0" dirty="0">
                 <a:ln>
                   <a:noFill/>
                 </a:ln>
@@ -12791,7 +13571,7 @@
               <a:t> html</a:t>
             </a:r>
             <a:br>
-              <a:rPr kumimoji="0" lang="en-US" altLang="en-US" sz="1600" b="0" u="none" strike="noStrike" cap="none" normalizeH="0" baseline="0" dirty="0">
+              <a:rPr kumimoji="0" lang="en-US" altLang="en-US" sz="1400" b="0" u="none" strike="noStrike" cap="none" normalizeH="0" baseline="0" dirty="0">
                 <a:ln>
                   <a:noFill/>
                 </a:ln>
@@ -12804,7 +13584,7 @@
               </a:rPr>
             </a:br>
             <a:r>
-              <a:rPr kumimoji="0" lang="en-US" altLang="en-US" sz="1600" b="0" u="none" strike="noStrike" cap="none" normalizeH="0" baseline="0" dirty="0" err="1">
+              <a:rPr kumimoji="0" lang="en-US" altLang="en-US" sz="1400" b="0" u="none" strike="noStrike" cap="none" normalizeH="0" baseline="0" dirty="0" err="1">
                 <a:ln>
                   <a:noFill/>
                 </a:ln>
@@ -12818,7 +13598,7 @@
               <a:t>Rulam</a:t>
             </a:r>
             <a:r>
-              <a:rPr kumimoji="0" lang="en-US" altLang="en-US" sz="1600" b="0" u="none" strike="noStrike" cap="none" normalizeH="0" baseline="0" dirty="0">
+              <a:rPr kumimoji="0" lang="en-US" altLang="en-US" sz="1400" b="0" u="none" strike="noStrike" cap="none" normalizeH="0" baseline="0" dirty="0">
                 <a:ln>
                   <a:noFill/>
                 </a:ln>
@@ -12832,7 +13612,7 @@
               <a:t> </a:t>
             </a:r>
             <a:r>
-              <a:rPr kumimoji="0" lang="en-US" altLang="en-US" sz="1600" b="0" u="none" strike="noStrike" cap="none" normalizeH="0" baseline="0" dirty="0" err="1">
+              <a:rPr kumimoji="0" lang="en-US" altLang="en-US" sz="1400" b="0" u="none" strike="noStrike" cap="none" normalizeH="0" baseline="0" dirty="0" err="1">
                 <a:ln>
                   <a:noFill/>
                 </a:ln>
@@ -12846,7 +13626,7 @@
               <a:t>suita</a:t>
             </a:r>
             <a:r>
-              <a:rPr kumimoji="0" lang="en-US" altLang="en-US" sz="1600" b="0" u="none" strike="noStrike" cap="none" normalizeH="0" baseline="0" dirty="0">
+              <a:rPr kumimoji="0" lang="en-US" altLang="en-US" sz="1400" b="0" u="none" strike="noStrike" cap="none" normalizeH="0" baseline="0" dirty="0">
                 <a:ln>
                   <a:noFill/>
                 </a:ln>
@@ -12860,7 +13640,7 @@
               <a:t> de teste </a:t>
             </a:r>
             <a:r>
-              <a:rPr kumimoji="0" lang="en-US" altLang="en-US" sz="1600" b="0" u="none" strike="noStrike" cap="none" normalizeH="0" baseline="0" dirty="0" err="1">
+              <a:rPr kumimoji="0" lang="en-US" altLang="en-US" sz="1400" b="0" u="none" strike="noStrike" cap="none" normalizeH="0" baseline="0" dirty="0" err="1">
                 <a:ln>
                   <a:noFill/>
                 </a:ln>
@@ -12874,7 +13654,7 @@
               <a:t>si</a:t>
             </a:r>
             <a:r>
-              <a:rPr kumimoji="0" lang="en-US" altLang="en-US" sz="1600" b="0" u="none" strike="noStrike" cap="none" normalizeH="0" baseline="0" dirty="0">
+              <a:rPr kumimoji="0" lang="en-US" altLang="en-US" sz="1400" b="0" u="none" strike="noStrike" cap="none" normalizeH="0" baseline="0" dirty="0">
                 <a:ln>
                   <a:noFill/>
                 </a:ln>
@@ -12888,7 +13668,7 @@
               <a:t> </a:t>
             </a:r>
             <a:r>
-              <a:rPr kumimoji="0" lang="en-US" altLang="en-US" sz="1600" b="0" u="none" strike="noStrike" cap="none" normalizeH="0" baseline="0" dirty="0" err="1">
+              <a:rPr kumimoji="0" lang="en-US" altLang="en-US" sz="1400" b="0" u="none" strike="noStrike" cap="none" normalizeH="0" baseline="0" dirty="0" err="1">
                 <a:ln>
                   <a:noFill/>
                 </a:ln>
@@ -12902,7 +13682,7 @@
               <a:t>analizam</a:t>
             </a:r>
             <a:r>
-              <a:rPr kumimoji="0" lang="en-US" altLang="en-US" sz="1600" b="0" u="none" strike="noStrike" cap="none" normalizeH="0" baseline="0" dirty="0">
+              <a:rPr kumimoji="0" lang="en-US" altLang="en-US" sz="1400" b="0" u="none" strike="noStrike" cap="none" normalizeH="0" baseline="0" dirty="0">
                 <a:ln>
                   <a:noFill/>
                 </a:ln>
@@ -12916,7 +13696,7 @@
               <a:t> </a:t>
             </a:r>
             <a:r>
-              <a:rPr kumimoji="0" lang="en-US" altLang="en-US" sz="1600" b="0" u="none" strike="noStrike" cap="none" normalizeH="0" baseline="0" dirty="0" err="1">
+              <a:rPr kumimoji="0" lang="en-US" altLang="en-US" sz="1400" b="0" u="none" strike="noStrike" cap="none" normalizeH="0" baseline="0" dirty="0" err="1">
                 <a:ln>
                   <a:noFill/>
                 </a:ln>
@@ -12929,7 +13709,7 @@
               </a:rPr>
               <a:t>rezultatele</a:t>
             </a:r>
-            <a:endParaRPr lang="en-US" dirty="0">
+            <a:endParaRPr lang="en-US" sz="1400" dirty="0">
               <a:solidFill>
                 <a:schemeClr val="tx1"/>
               </a:solidFill>
@@ -12957,8 +13737,8 @@
         </p:nvSpPr>
         <p:spPr bwMode="auto">
           <a:xfrm>
-            <a:off x="6096000" y="1446238"/>
-            <a:ext cx="5826368" cy="4216539"/>
+            <a:off x="4186989" y="1446238"/>
+            <a:ext cx="7735379" cy="4216539"/>
           </a:xfrm>
           <a:prstGeom prst="rect">
             <a:avLst/>
@@ -14702,7 +15482,7 @@
             <p:ph idx="1"/>
             <p:extLst>
               <p:ext uri="{D42A27DB-BD31-4B8C-83A1-F6EECF244321}">
-                <p14:modId xmlns:p14="http://schemas.microsoft.com/office/powerpoint/2010/main" val="1978545808"/>
+                <p14:modId xmlns:p14="http://schemas.microsoft.com/office/powerpoint/2010/main" val="19649174"/>
               </p:ext>
             </p:extLst>
           </p:nvPr>
@@ -14747,12 +15527,22 @@
                       <a:pPr algn="l" fontAlgn="b"/>
                       <a:r>
                         <a:rPr lang="en-US" sz="1400" dirty="0" err="1">
+                          <a:solidFill>
+                            <a:schemeClr val="tx1"/>
+                          </a:solidFill>
                           <a:effectLst/>
+                          <a:latin typeface="Times New Roman" panose="02020603050405020304" pitchFamily="18" charset="0"/>
+                          <a:cs typeface="Times New Roman" panose="02020603050405020304" pitchFamily="18" charset="0"/>
                         </a:rPr>
                         <a:t>proiect_unittest.ce_merita_page.CeMeritaPage</a:t>
                       </a:r>
                       <a:endParaRPr lang="en-US" sz="1400" dirty="0">
+                        <a:solidFill>
+                          <a:schemeClr val="tx1"/>
+                        </a:solidFill>
                         <a:effectLst/>
+                        <a:latin typeface="Times New Roman" panose="02020603050405020304" pitchFamily="18" charset="0"/>
+                        <a:cs typeface="Times New Roman" panose="02020603050405020304" pitchFamily="18" charset="0"/>
                       </a:endParaRPr>
                     </a:p>
                   </a:txBody>
@@ -14809,7 +15599,12 @@
                       <a:pPr algn="l" fontAlgn="b"/>
                       <a:r>
                         <a:rPr lang="en-US" sz="1400">
+                          <a:solidFill>
+                            <a:schemeClr val="tx1"/>
+                          </a:solidFill>
                           <a:effectLst/>
+                          <a:latin typeface="Times New Roman" panose="02020603050405020304" pitchFamily="18" charset="0"/>
+                          <a:cs typeface="Times New Roman" panose="02020603050405020304" pitchFamily="18" charset="0"/>
                         </a:rPr>
                         <a:t>Status</a:t>
                       </a:r>
@@ -14867,7 +15662,12 @@
                     <a:p>
                       <a:pPr algn="l" fontAlgn="b"/>
                       <a:endParaRPr lang="en-US" sz="1400">
+                        <a:solidFill>
+                          <a:schemeClr val="tx1"/>
+                        </a:solidFill>
                         <a:effectLst/>
+                        <a:latin typeface="Times New Roman" panose="02020603050405020304" pitchFamily="18" charset="0"/>
+                        <a:cs typeface="Times New Roman" panose="02020603050405020304" pitchFamily="18" charset="0"/>
                       </a:endParaRPr>
                     </a:p>
                   </a:txBody>
@@ -14931,7 +15731,12 @@
                       <a:pPr fontAlgn="t"/>
                       <a:r>
                         <a:rPr lang="en-US" sz="1400" dirty="0">
+                          <a:solidFill>
+                            <a:schemeClr val="tx1"/>
+                          </a:solidFill>
                           <a:effectLst/>
+                          <a:latin typeface="Times New Roman" panose="02020603050405020304" pitchFamily="18" charset="0"/>
+                          <a:cs typeface="Times New Roman" panose="02020603050405020304" pitchFamily="18" charset="0"/>
                         </a:rPr>
                         <a:t>test_1_abonare_la_ce_merita_cu_invalid_email</a:t>
                       </a:r>
@@ -14989,16 +15794,23 @@
                     <a:p>
                       <a:pPr fontAlgn="t"/>
                       <a:r>
-                        <a:rPr lang="en-US" sz="1400" b="1">
+                        <a:rPr lang="en-US" sz="1400" b="1" dirty="0">
                           <a:solidFill>
-                            <a:srgbClr val="FFFFFF"/>
+                            <a:schemeClr val="tx1"/>
                           </a:solidFill>
                           <a:effectLst/>
+                          <a:latin typeface="Times New Roman" panose="02020603050405020304" pitchFamily="18" charset="0"/>
+                          <a:cs typeface="Times New Roman" panose="02020603050405020304" pitchFamily="18" charset="0"/>
                         </a:rPr>
                         <a:t>Pass</a:t>
                       </a:r>
-                      <a:endParaRPr lang="en-US" sz="1400">
+                      <a:endParaRPr lang="en-US" sz="1400" dirty="0">
+                        <a:solidFill>
+                          <a:schemeClr val="tx1"/>
+                        </a:solidFill>
                         <a:effectLst/>
+                        <a:latin typeface="Times New Roman" panose="02020603050405020304" pitchFamily="18" charset="0"/>
+                        <a:cs typeface="Times New Roman" panose="02020603050405020304" pitchFamily="18" charset="0"/>
                       </a:endParaRPr>
                     </a:p>
                   </a:txBody>
@@ -15054,7 +15866,12 @@
                     <a:p>
                       <a:pPr fontAlgn="t"/>
                       <a:endParaRPr lang="en-US" sz="1400" dirty="0">
+                        <a:solidFill>
+                          <a:schemeClr val="tx1"/>
+                        </a:solidFill>
                         <a:effectLst/>
+                        <a:latin typeface="Times New Roman" panose="02020603050405020304" pitchFamily="18" charset="0"/>
+                        <a:cs typeface="Times New Roman" panose="02020603050405020304" pitchFamily="18" charset="0"/>
                       </a:endParaRPr>
                     </a:p>
                   </a:txBody>
@@ -15118,7 +15935,12 @@
                       <a:pPr fontAlgn="t"/>
                       <a:r>
                         <a:rPr lang="en-US" sz="1400" dirty="0">
+                          <a:solidFill>
+                            <a:schemeClr val="tx1"/>
+                          </a:solidFill>
                           <a:effectLst/>
+                          <a:latin typeface="Times New Roman" panose="02020603050405020304" pitchFamily="18" charset="0"/>
+                          <a:cs typeface="Times New Roman" panose="02020603050405020304" pitchFamily="18" charset="0"/>
                         </a:rPr>
                         <a:t>test_2_abonare_la_ce_merita_cu_valid_email</a:t>
                       </a:r>
@@ -15178,14 +16000,21 @@
                       <a:r>
                         <a:rPr lang="en-US" sz="1400" b="1" dirty="0">
                           <a:solidFill>
-                            <a:srgbClr val="FFFFFF"/>
+                            <a:schemeClr val="tx1"/>
                           </a:solidFill>
                           <a:effectLst/>
+                          <a:latin typeface="Times New Roman" panose="02020603050405020304" pitchFamily="18" charset="0"/>
+                          <a:cs typeface="Times New Roman" panose="02020603050405020304" pitchFamily="18" charset="0"/>
                         </a:rPr>
                         <a:t>Pass</a:t>
                       </a:r>
                       <a:endParaRPr lang="en-US" sz="1400" dirty="0">
+                        <a:solidFill>
+                          <a:schemeClr val="tx1"/>
+                        </a:solidFill>
                         <a:effectLst/>
+                        <a:latin typeface="Times New Roman" panose="02020603050405020304" pitchFamily="18" charset="0"/>
+                        <a:cs typeface="Times New Roman" panose="02020603050405020304" pitchFamily="18" charset="0"/>
                       </a:endParaRPr>
                     </a:p>
                   </a:txBody>
@@ -15241,7 +16070,12 @@
                     <a:p>
                       <a:pPr fontAlgn="t"/>
                       <a:endParaRPr lang="en-US" sz="1400">
+                        <a:solidFill>
+                          <a:schemeClr val="tx1"/>
+                        </a:solidFill>
                         <a:effectLst/>
+                        <a:latin typeface="Times New Roman" panose="02020603050405020304" pitchFamily="18" charset="0"/>
+                        <a:cs typeface="Times New Roman" panose="02020603050405020304" pitchFamily="18" charset="0"/>
                       </a:endParaRPr>
                     </a:p>
                   </a:txBody>
@@ -15305,7 +16139,12 @@
                       <a:pPr fontAlgn="t"/>
                       <a:r>
                         <a:rPr lang="en-US" sz="1400" dirty="0">
+                          <a:solidFill>
+                            <a:schemeClr val="tx1"/>
+                          </a:solidFill>
                           <a:effectLst/>
+                          <a:latin typeface="Times New Roman" panose="02020603050405020304" pitchFamily="18" charset="0"/>
+                          <a:cs typeface="Times New Roman" panose="02020603050405020304" pitchFamily="18" charset="0"/>
                         </a:rPr>
                         <a:t>Total: 2, Pass: 2 -- Duration: 62.68 s</a:t>
                       </a:r>
@@ -15401,7 +16240,7 @@
           <p:nvPr>
             <p:extLst>
               <p:ext uri="{D42A27DB-BD31-4B8C-83A1-F6EECF244321}">
-                <p14:modId xmlns:p14="http://schemas.microsoft.com/office/powerpoint/2010/main" val="3784417404"/>
+                <p14:modId xmlns:p14="http://schemas.microsoft.com/office/powerpoint/2010/main" val="2755952897"/>
               </p:ext>
             </p:extLst>
           </p:nvPr>
@@ -15448,12 +16287,22 @@
                       <a:pPr algn="l" fontAlgn="b"/>
                       <a:r>
                         <a:rPr lang="fr-FR" sz="1400" dirty="0" err="1">
+                          <a:solidFill>
+                            <a:schemeClr val="tx1"/>
+                          </a:solidFill>
                           <a:effectLst/>
+                          <a:latin typeface="Times New Roman" panose="02020603050405020304" pitchFamily="18" charset="0"/>
+                          <a:cs typeface="Times New Roman" panose="02020603050405020304" pitchFamily="18" charset="0"/>
                         </a:rPr>
                         <a:t>proiect_unittest.contact_page.ContactPage</a:t>
                       </a:r>
                       <a:endParaRPr lang="fr-FR" sz="1400" dirty="0">
+                        <a:solidFill>
+                          <a:schemeClr val="tx1"/>
+                        </a:solidFill>
                         <a:effectLst/>
+                        <a:latin typeface="Times New Roman" panose="02020603050405020304" pitchFamily="18" charset="0"/>
+                        <a:cs typeface="Times New Roman" panose="02020603050405020304" pitchFamily="18" charset="0"/>
                       </a:endParaRPr>
                     </a:p>
                   </a:txBody>
@@ -15474,7 +16323,12 @@
                       <a:pPr algn="l" fontAlgn="b"/>
                       <a:r>
                         <a:rPr lang="en-US" sz="1400">
+                          <a:solidFill>
+                            <a:schemeClr val="tx1"/>
+                          </a:solidFill>
                           <a:effectLst/>
+                          <a:latin typeface="Times New Roman" panose="02020603050405020304" pitchFamily="18" charset="0"/>
+                          <a:cs typeface="Times New Roman" panose="02020603050405020304" pitchFamily="18" charset="0"/>
                         </a:rPr>
                         <a:t>Status</a:t>
                       </a:r>
@@ -15496,7 +16350,12 @@
                     <a:p>
                       <a:pPr algn="l" fontAlgn="b"/>
                       <a:endParaRPr lang="en-US" sz="1400">
+                        <a:solidFill>
+                          <a:schemeClr val="tx1"/>
+                        </a:solidFill>
                         <a:effectLst/>
+                        <a:latin typeface="Times New Roman" panose="02020603050405020304" pitchFamily="18" charset="0"/>
+                        <a:cs typeface="Times New Roman" panose="02020603050405020304" pitchFamily="18" charset="0"/>
                       </a:endParaRPr>
                     </a:p>
                   </a:txBody>
@@ -15524,7 +16383,12 @@
                       <a:pPr fontAlgn="t"/>
                       <a:r>
                         <a:rPr lang="en-US" sz="1400" dirty="0">
+                          <a:solidFill>
+                            <a:schemeClr val="tx1"/>
+                          </a:solidFill>
                           <a:effectLst/>
+                          <a:latin typeface="Times New Roman" panose="02020603050405020304" pitchFamily="18" charset="0"/>
+                          <a:cs typeface="Times New Roman" panose="02020603050405020304" pitchFamily="18" charset="0"/>
                         </a:rPr>
                         <a:t>test_3_trimite_mesaj</a:t>
                       </a:r>
@@ -15548,14 +16412,21 @@
                       <a:r>
                         <a:rPr lang="en-US" sz="1400" b="1">
                           <a:solidFill>
-                            <a:srgbClr val="FFFFFF"/>
+                            <a:schemeClr val="tx1"/>
                           </a:solidFill>
                           <a:effectLst/>
+                          <a:latin typeface="Times New Roman" panose="02020603050405020304" pitchFamily="18" charset="0"/>
+                          <a:cs typeface="Times New Roman" panose="02020603050405020304" pitchFamily="18" charset="0"/>
                         </a:rPr>
                         <a:t>Pass</a:t>
                       </a:r>
                       <a:endParaRPr lang="en-US" sz="1400">
+                        <a:solidFill>
+                          <a:schemeClr val="tx1"/>
+                        </a:solidFill>
                         <a:effectLst/>
+                        <a:latin typeface="Times New Roman" panose="02020603050405020304" pitchFamily="18" charset="0"/>
+                        <a:cs typeface="Times New Roman" panose="02020603050405020304" pitchFamily="18" charset="0"/>
                       </a:endParaRPr>
                     </a:p>
                   </a:txBody>
@@ -15575,7 +16446,12 @@
                     <a:p>
                       <a:pPr fontAlgn="t"/>
                       <a:endParaRPr lang="en-US" sz="1400">
+                        <a:solidFill>
+                          <a:schemeClr val="tx1"/>
+                        </a:solidFill>
                         <a:effectLst/>
+                        <a:latin typeface="Times New Roman" panose="02020603050405020304" pitchFamily="18" charset="0"/>
+                        <a:cs typeface="Times New Roman" panose="02020603050405020304" pitchFamily="18" charset="0"/>
                       </a:endParaRPr>
                     </a:p>
                   </a:txBody>
@@ -15603,7 +16479,12 @@
                       <a:pPr fontAlgn="t"/>
                       <a:r>
                         <a:rPr lang="en-US" sz="1400" dirty="0">
+                          <a:solidFill>
+                            <a:schemeClr val="tx1"/>
+                          </a:solidFill>
                           <a:effectLst/>
+                          <a:latin typeface="Times New Roman" panose="02020603050405020304" pitchFamily="18" charset="0"/>
+                          <a:cs typeface="Times New Roman" panose="02020603050405020304" pitchFamily="18" charset="0"/>
                         </a:rPr>
                         <a:t>Total: 1, Pass: 1 -- Duration: 24.50 s</a:t>
                       </a:r>
@@ -15663,7 +16544,7 @@
           <p:nvPr>
             <p:extLst>
               <p:ext uri="{D42A27DB-BD31-4B8C-83A1-F6EECF244321}">
-                <p14:modId xmlns:p14="http://schemas.microsoft.com/office/powerpoint/2010/main" val="2811027085"/>
+                <p14:modId xmlns:p14="http://schemas.microsoft.com/office/powerpoint/2010/main" val="3745174921"/>
               </p:ext>
             </p:extLst>
           </p:nvPr>
@@ -15708,7 +16589,12 @@
                       <a:pPr algn="l" fontAlgn="b"/>
                       <a:r>
                         <a:rPr lang="it-IT" sz="1400" dirty="0">
+                          <a:solidFill>
+                            <a:schemeClr val="tx1"/>
+                          </a:solidFill>
                           <a:effectLst/>
+                          <a:latin typeface="Times New Roman" panose="02020603050405020304" pitchFamily="18" charset="0"/>
+                          <a:cs typeface="Times New Roman" panose="02020603050405020304" pitchFamily="18" charset="0"/>
                         </a:rPr>
                         <a:t>proiect_unittest.inregistrare_page.InregistrarePage</a:t>
                       </a:r>
@@ -15767,7 +16653,12 @@
                       <a:pPr algn="l" fontAlgn="b"/>
                       <a:r>
                         <a:rPr lang="en-US" sz="1400" dirty="0">
+                          <a:solidFill>
+                            <a:schemeClr val="tx1"/>
+                          </a:solidFill>
                           <a:effectLst/>
+                          <a:latin typeface="Times New Roman" panose="02020603050405020304" pitchFamily="18" charset="0"/>
+                          <a:cs typeface="Times New Roman" panose="02020603050405020304" pitchFamily="18" charset="0"/>
                         </a:rPr>
                         <a:t>Status</a:t>
                       </a:r>
@@ -15825,7 +16716,12 @@
                     <a:p>
                       <a:pPr algn="l" fontAlgn="b"/>
                       <a:endParaRPr lang="en-US" sz="1400">
+                        <a:solidFill>
+                          <a:schemeClr val="tx1"/>
+                        </a:solidFill>
                         <a:effectLst/>
+                        <a:latin typeface="Times New Roman" panose="02020603050405020304" pitchFamily="18" charset="0"/>
+                        <a:cs typeface="Times New Roman" panose="02020603050405020304" pitchFamily="18" charset="0"/>
                       </a:endParaRPr>
                     </a:p>
                   </a:txBody>
@@ -15889,7 +16785,12 @@
                       <a:pPr fontAlgn="t"/>
                       <a:r>
                         <a:rPr lang="en-US" sz="1400" dirty="0">
+                          <a:solidFill>
+                            <a:schemeClr val="tx1"/>
+                          </a:solidFill>
                           <a:effectLst/>
+                          <a:latin typeface="Times New Roman" panose="02020603050405020304" pitchFamily="18" charset="0"/>
+                          <a:cs typeface="Times New Roman" panose="02020603050405020304" pitchFamily="18" charset="0"/>
                         </a:rPr>
                         <a:t>test_4_creare_cont_cu_email_fara_aron</a:t>
                       </a:r>
@@ -15949,14 +16850,21 @@
                       <a:r>
                         <a:rPr lang="en-US" sz="1400" b="1" dirty="0">
                           <a:solidFill>
-                            <a:srgbClr val="FFFFFF"/>
+                            <a:schemeClr val="tx1"/>
                           </a:solidFill>
                           <a:effectLst/>
+                          <a:latin typeface="Times New Roman" panose="02020603050405020304" pitchFamily="18" charset="0"/>
+                          <a:cs typeface="Times New Roman" panose="02020603050405020304" pitchFamily="18" charset="0"/>
                         </a:rPr>
                         <a:t>Pass</a:t>
                       </a:r>
                       <a:endParaRPr lang="en-US" sz="1400" dirty="0">
+                        <a:solidFill>
+                          <a:schemeClr val="tx1"/>
+                        </a:solidFill>
                         <a:effectLst/>
+                        <a:latin typeface="Times New Roman" panose="02020603050405020304" pitchFamily="18" charset="0"/>
+                        <a:cs typeface="Times New Roman" panose="02020603050405020304" pitchFamily="18" charset="0"/>
                       </a:endParaRPr>
                     </a:p>
                   </a:txBody>
@@ -16012,7 +16920,12 @@
                     <a:p>
                       <a:pPr fontAlgn="t"/>
                       <a:endParaRPr lang="en-US" sz="1400">
+                        <a:solidFill>
+                          <a:schemeClr val="tx1"/>
+                        </a:solidFill>
                         <a:effectLst/>
+                        <a:latin typeface="Times New Roman" panose="02020603050405020304" pitchFamily="18" charset="0"/>
+                        <a:cs typeface="Times New Roman" panose="02020603050405020304" pitchFamily="18" charset="0"/>
                       </a:endParaRPr>
                     </a:p>
                   </a:txBody>
@@ -16076,7 +16989,12 @@
                       <a:pPr fontAlgn="t"/>
                       <a:r>
                         <a:rPr lang="en-US" sz="1400" dirty="0">
+                          <a:solidFill>
+                            <a:schemeClr val="tx1"/>
+                          </a:solidFill>
                           <a:effectLst/>
+                          <a:latin typeface="Times New Roman" panose="02020603050405020304" pitchFamily="18" charset="0"/>
+                          <a:cs typeface="Times New Roman" panose="02020603050405020304" pitchFamily="18" charset="0"/>
                         </a:rPr>
                         <a:t>test_5_creare_cont_fara_parola</a:t>
                       </a:r>
@@ -16136,14 +17054,21 @@
                       <a:r>
                         <a:rPr lang="en-US" sz="1400" b="1">
                           <a:solidFill>
-                            <a:srgbClr val="FFFFFF"/>
+                            <a:schemeClr val="tx1"/>
                           </a:solidFill>
                           <a:effectLst/>
+                          <a:latin typeface="Times New Roman" panose="02020603050405020304" pitchFamily="18" charset="0"/>
+                          <a:cs typeface="Times New Roman" panose="02020603050405020304" pitchFamily="18" charset="0"/>
                         </a:rPr>
                         <a:t>Pass</a:t>
                       </a:r>
                       <a:endParaRPr lang="en-US" sz="1400">
+                        <a:solidFill>
+                          <a:schemeClr val="tx1"/>
+                        </a:solidFill>
                         <a:effectLst/>
+                        <a:latin typeface="Times New Roman" panose="02020603050405020304" pitchFamily="18" charset="0"/>
+                        <a:cs typeface="Times New Roman" panose="02020603050405020304" pitchFamily="18" charset="0"/>
                       </a:endParaRPr>
                     </a:p>
                   </a:txBody>
@@ -16199,7 +17124,12 @@
                     <a:p>
                       <a:pPr fontAlgn="t"/>
                       <a:endParaRPr lang="en-US" sz="1400">
+                        <a:solidFill>
+                          <a:schemeClr val="tx1"/>
+                        </a:solidFill>
                         <a:effectLst/>
+                        <a:latin typeface="Times New Roman" panose="02020603050405020304" pitchFamily="18" charset="0"/>
+                        <a:cs typeface="Times New Roman" panose="02020603050405020304" pitchFamily="18" charset="0"/>
                       </a:endParaRPr>
                     </a:p>
                   </a:txBody>
@@ -16263,7 +17193,12 @@
                       <a:pPr fontAlgn="t"/>
                       <a:r>
                         <a:rPr lang="en-US" sz="1400" dirty="0">
+                          <a:solidFill>
+                            <a:schemeClr val="tx1"/>
+                          </a:solidFill>
                           <a:effectLst/>
+                          <a:latin typeface="Times New Roman" panose="02020603050405020304" pitchFamily="18" charset="0"/>
+                          <a:cs typeface="Times New Roman" panose="02020603050405020304" pitchFamily="18" charset="0"/>
                         </a:rPr>
                         <a:t>test_6_creare_cont_fara_acceptare_conditii</a:t>
                       </a:r>
@@ -16323,14 +17258,21 @@
                       <a:r>
                         <a:rPr lang="en-US" sz="1400" b="1">
                           <a:solidFill>
-                            <a:srgbClr val="FFFFFF"/>
+                            <a:schemeClr val="tx1"/>
                           </a:solidFill>
                           <a:effectLst/>
+                          <a:latin typeface="Times New Roman" panose="02020603050405020304" pitchFamily="18" charset="0"/>
+                          <a:cs typeface="Times New Roman" panose="02020603050405020304" pitchFamily="18" charset="0"/>
                         </a:rPr>
                         <a:t>Pass</a:t>
                       </a:r>
                       <a:endParaRPr lang="en-US" sz="1400">
+                        <a:solidFill>
+                          <a:schemeClr val="tx1"/>
+                        </a:solidFill>
                         <a:effectLst/>
+                        <a:latin typeface="Times New Roman" panose="02020603050405020304" pitchFamily="18" charset="0"/>
+                        <a:cs typeface="Times New Roman" panose="02020603050405020304" pitchFamily="18" charset="0"/>
                       </a:endParaRPr>
                     </a:p>
                   </a:txBody>
@@ -16386,7 +17328,12 @@
                     <a:p>
                       <a:pPr fontAlgn="t"/>
                       <a:endParaRPr lang="en-US" sz="1400">
+                        <a:solidFill>
+                          <a:schemeClr val="tx1"/>
+                        </a:solidFill>
                         <a:effectLst/>
+                        <a:latin typeface="Times New Roman" panose="02020603050405020304" pitchFamily="18" charset="0"/>
+                        <a:cs typeface="Times New Roman" panose="02020603050405020304" pitchFamily="18" charset="0"/>
                       </a:endParaRPr>
                     </a:p>
                   </a:txBody>
@@ -16450,7 +17397,12 @@
                       <a:pPr fontAlgn="t"/>
                       <a:r>
                         <a:rPr lang="en-US" sz="1400" dirty="0">
+                          <a:solidFill>
+                            <a:schemeClr val="tx1"/>
+                          </a:solidFill>
                           <a:effectLst/>
+                          <a:latin typeface="Times New Roman" panose="02020603050405020304" pitchFamily="18" charset="0"/>
+                          <a:cs typeface="Times New Roman" panose="02020603050405020304" pitchFamily="18" charset="0"/>
                         </a:rPr>
                         <a:t>test_7_creare_cont_valid_deja_existent</a:t>
                       </a:r>
@@ -16510,14 +17462,21 @@
                       <a:r>
                         <a:rPr lang="en-US" sz="1400" b="1">
                           <a:solidFill>
-                            <a:srgbClr val="FFFFFF"/>
+                            <a:schemeClr val="tx1"/>
                           </a:solidFill>
                           <a:effectLst/>
+                          <a:latin typeface="Times New Roman" panose="02020603050405020304" pitchFamily="18" charset="0"/>
+                          <a:cs typeface="Times New Roman" panose="02020603050405020304" pitchFamily="18" charset="0"/>
                         </a:rPr>
                         <a:t>Pass</a:t>
                       </a:r>
                       <a:endParaRPr lang="en-US" sz="1400">
+                        <a:solidFill>
+                          <a:schemeClr val="tx1"/>
+                        </a:solidFill>
                         <a:effectLst/>
+                        <a:latin typeface="Times New Roman" panose="02020603050405020304" pitchFamily="18" charset="0"/>
+                        <a:cs typeface="Times New Roman" panose="02020603050405020304" pitchFamily="18" charset="0"/>
                       </a:endParaRPr>
                     </a:p>
                   </a:txBody>
@@ -16573,7 +17532,12 @@
                     <a:p>
                       <a:pPr fontAlgn="t"/>
                       <a:endParaRPr lang="en-US" sz="1400">
+                        <a:solidFill>
+                          <a:schemeClr val="tx1"/>
+                        </a:solidFill>
                         <a:effectLst/>
+                        <a:latin typeface="Times New Roman" panose="02020603050405020304" pitchFamily="18" charset="0"/>
+                        <a:cs typeface="Times New Roman" panose="02020603050405020304" pitchFamily="18" charset="0"/>
                       </a:endParaRPr>
                     </a:p>
                   </a:txBody>
@@ -16637,7 +17601,12 @@
                       <a:pPr fontAlgn="t"/>
                       <a:r>
                         <a:rPr lang="en-US" sz="1400" dirty="0">
+                          <a:solidFill>
+                            <a:schemeClr val="tx1"/>
+                          </a:solidFill>
                           <a:effectLst/>
+                          <a:latin typeface="Times New Roman" panose="02020603050405020304" pitchFamily="18" charset="0"/>
+                          <a:cs typeface="Times New Roman" panose="02020603050405020304" pitchFamily="18" charset="0"/>
                         </a:rPr>
                         <a:t>Total: 4, Pass: 4 -- Duration: 103.60 s</a:t>
                       </a:r>
@@ -16733,7 +17702,7 @@
           <p:nvPr>
             <p:extLst>
               <p:ext uri="{D42A27DB-BD31-4B8C-83A1-F6EECF244321}">
-                <p14:modId xmlns:p14="http://schemas.microsoft.com/office/powerpoint/2010/main" val="404169949"/>
+                <p14:modId xmlns:p14="http://schemas.microsoft.com/office/powerpoint/2010/main" val="1568737168"/>
               </p:ext>
             </p:extLst>
           </p:nvPr>
@@ -16778,12 +17747,22 @@
                       <a:pPr algn="l" fontAlgn="b"/>
                       <a:r>
                         <a:rPr lang="en-US" sz="1400" dirty="0" err="1">
+                          <a:solidFill>
+                            <a:schemeClr val="tx1"/>
+                          </a:solidFill>
                           <a:effectLst/>
+                          <a:latin typeface="Times New Roman" panose="02020603050405020304" pitchFamily="18" charset="0"/>
+                          <a:cs typeface="Times New Roman" panose="02020603050405020304" pitchFamily="18" charset="0"/>
                         </a:rPr>
                         <a:t>proiect_unittest.login_page.LoginPage</a:t>
                       </a:r>
                       <a:endParaRPr lang="en-US" sz="1400" dirty="0">
+                        <a:solidFill>
+                          <a:schemeClr val="tx1"/>
+                        </a:solidFill>
                         <a:effectLst/>
+                        <a:latin typeface="Times New Roman" panose="02020603050405020304" pitchFamily="18" charset="0"/>
+                        <a:cs typeface="Times New Roman" panose="02020603050405020304" pitchFamily="18" charset="0"/>
                       </a:endParaRPr>
                     </a:p>
                   </a:txBody>
@@ -16840,7 +17819,12 @@
                       <a:pPr algn="l" fontAlgn="b"/>
                       <a:r>
                         <a:rPr lang="en-US" sz="1400">
+                          <a:solidFill>
+                            <a:schemeClr val="tx1"/>
+                          </a:solidFill>
                           <a:effectLst/>
+                          <a:latin typeface="Times New Roman" panose="02020603050405020304" pitchFamily="18" charset="0"/>
+                          <a:cs typeface="Times New Roman" panose="02020603050405020304" pitchFamily="18" charset="0"/>
                         </a:rPr>
                         <a:t>Status</a:t>
                       </a:r>
@@ -16898,7 +17882,12 @@
                     <a:p>
                       <a:pPr algn="l" fontAlgn="b"/>
                       <a:endParaRPr lang="en-US" sz="1400">
+                        <a:solidFill>
+                          <a:schemeClr val="tx1"/>
+                        </a:solidFill>
                         <a:effectLst/>
+                        <a:latin typeface="Times New Roman" panose="02020603050405020304" pitchFamily="18" charset="0"/>
+                        <a:cs typeface="Times New Roman" panose="02020603050405020304" pitchFamily="18" charset="0"/>
                       </a:endParaRPr>
                     </a:p>
                   </a:txBody>
@@ -16962,7 +17951,12 @@
                       <a:pPr fontAlgn="t"/>
                       <a:r>
                         <a:rPr lang="en-US" sz="1400" dirty="0">
+                          <a:solidFill>
+                            <a:schemeClr val="tx1"/>
+                          </a:solidFill>
                           <a:effectLst/>
+                          <a:latin typeface="Times New Roman" panose="02020603050405020304" pitchFamily="18" charset="0"/>
+                          <a:cs typeface="Times New Roman" panose="02020603050405020304" pitchFamily="18" charset="0"/>
                         </a:rPr>
                         <a:t>test_8_logare_cu_valori_incorecte</a:t>
                       </a:r>
@@ -17022,14 +18016,21 @@
                       <a:r>
                         <a:rPr lang="en-US" sz="1400" b="1">
                           <a:solidFill>
-                            <a:srgbClr val="FFFFFF"/>
+                            <a:schemeClr val="tx1"/>
                           </a:solidFill>
                           <a:effectLst/>
+                          <a:latin typeface="Times New Roman" panose="02020603050405020304" pitchFamily="18" charset="0"/>
+                          <a:cs typeface="Times New Roman" panose="02020603050405020304" pitchFamily="18" charset="0"/>
                         </a:rPr>
                         <a:t>Pass</a:t>
                       </a:r>
                       <a:endParaRPr lang="en-US" sz="1400">
+                        <a:solidFill>
+                          <a:schemeClr val="tx1"/>
+                        </a:solidFill>
                         <a:effectLst/>
+                        <a:latin typeface="Times New Roman" panose="02020603050405020304" pitchFamily="18" charset="0"/>
+                        <a:cs typeface="Times New Roman" panose="02020603050405020304" pitchFamily="18" charset="0"/>
                       </a:endParaRPr>
                     </a:p>
                   </a:txBody>
@@ -17085,7 +18086,12 @@
                     <a:p>
                       <a:pPr fontAlgn="t"/>
                       <a:endParaRPr lang="en-US" sz="1400">
+                        <a:solidFill>
+                          <a:schemeClr val="tx1"/>
+                        </a:solidFill>
                         <a:effectLst/>
+                        <a:latin typeface="Times New Roman" panose="02020603050405020304" pitchFamily="18" charset="0"/>
+                        <a:cs typeface="Times New Roman" panose="02020603050405020304" pitchFamily="18" charset="0"/>
                       </a:endParaRPr>
                     </a:p>
                   </a:txBody>
@@ -17149,7 +18155,12 @@
                       <a:pPr fontAlgn="t"/>
                       <a:r>
                         <a:rPr lang="en-US" sz="1400" dirty="0">
+                          <a:solidFill>
+                            <a:schemeClr val="tx1"/>
+                          </a:solidFill>
                           <a:effectLst/>
+                          <a:latin typeface="Times New Roman" panose="02020603050405020304" pitchFamily="18" charset="0"/>
+                          <a:cs typeface="Times New Roman" panose="02020603050405020304" pitchFamily="18" charset="0"/>
                         </a:rPr>
                         <a:t>test_9_logare_cu_valori_corecte</a:t>
                       </a:r>
@@ -17209,14 +18220,21 @@
                       <a:r>
                         <a:rPr lang="en-US" sz="1400" b="1">
                           <a:solidFill>
-                            <a:srgbClr val="FFFFFF"/>
+                            <a:schemeClr val="tx1"/>
                           </a:solidFill>
                           <a:effectLst/>
+                          <a:latin typeface="Times New Roman" panose="02020603050405020304" pitchFamily="18" charset="0"/>
+                          <a:cs typeface="Times New Roman" panose="02020603050405020304" pitchFamily="18" charset="0"/>
                         </a:rPr>
                         <a:t>Pass</a:t>
                       </a:r>
                       <a:endParaRPr lang="en-US" sz="1400">
+                        <a:solidFill>
+                          <a:schemeClr val="tx1"/>
+                        </a:solidFill>
                         <a:effectLst/>
+                        <a:latin typeface="Times New Roman" panose="02020603050405020304" pitchFamily="18" charset="0"/>
+                        <a:cs typeface="Times New Roman" panose="02020603050405020304" pitchFamily="18" charset="0"/>
                       </a:endParaRPr>
                     </a:p>
                   </a:txBody>
@@ -17272,7 +18290,12 @@
                     <a:p>
                       <a:pPr fontAlgn="t"/>
                       <a:endParaRPr lang="en-US" sz="1400">
+                        <a:solidFill>
+                          <a:schemeClr val="tx1"/>
+                        </a:solidFill>
                         <a:effectLst/>
+                        <a:latin typeface="Times New Roman" panose="02020603050405020304" pitchFamily="18" charset="0"/>
+                        <a:cs typeface="Times New Roman" panose="02020603050405020304" pitchFamily="18" charset="0"/>
                       </a:endParaRPr>
                     </a:p>
                   </a:txBody>
@@ -17336,7 +18359,12 @@
                       <a:pPr fontAlgn="t"/>
                       <a:r>
                         <a:rPr lang="en-US" sz="1400" dirty="0">
+                          <a:solidFill>
+                            <a:schemeClr val="tx1"/>
+                          </a:solidFill>
                           <a:effectLst/>
+                          <a:latin typeface="Times New Roman" panose="02020603050405020304" pitchFamily="18" charset="0"/>
+                          <a:cs typeface="Times New Roman" panose="02020603050405020304" pitchFamily="18" charset="0"/>
                         </a:rPr>
                         <a:t>Total: 2, Pass: 2 -- Duration: 36.77 s</a:t>
                       </a:r>
@@ -17432,7 +18460,7 @@
           <p:nvPr>
             <p:extLst>
               <p:ext uri="{D42A27DB-BD31-4B8C-83A1-F6EECF244321}">
-                <p14:modId xmlns:p14="http://schemas.microsoft.com/office/powerpoint/2010/main" val="85555716"/>
+                <p14:modId xmlns:p14="http://schemas.microsoft.com/office/powerpoint/2010/main" val="2091013376"/>
               </p:ext>
             </p:extLst>
           </p:nvPr>
@@ -17477,12 +18505,22 @@
                       <a:pPr algn="l" fontAlgn="b"/>
                       <a:r>
                         <a:rPr lang="en-US" sz="1400" dirty="0" err="1">
+                          <a:solidFill>
+                            <a:schemeClr val="tx1"/>
+                          </a:solidFill>
                           <a:effectLst/>
+                          <a:latin typeface="Times New Roman" panose="02020603050405020304" pitchFamily="18" charset="0"/>
+                          <a:cs typeface="Times New Roman" panose="02020603050405020304" pitchFamily="18" charset="0"/>
                         </a:rPr>
                         <a:t>proiect_unittest.search_page.SearchPage</a:t>
                       </a:r>
                       <a:endParaRPr lang="en-US" sz="1400" dirty="0">
+                        <a:solidFill>
+                          <a:schemeClr val="tx1"/>
+                        </a:solidFill>
                         <a:effectLst/>
+                        <a:latin typeface="Times New Roman" panose="02020603050405020304" pitchFamily="18" charset="0"/>
+                        <a:cs typeface="Times New Roman" panose="02020603050405020304" pitchFamily="18" charset="0"/>
                       </a:endParaRPr>
                     </a:p>
                   </a:txBody>
@@ -17539,7 +18577,12 @@
                       <a:pPr algn="l" fontAlgn="b"/>
                       <a:r>
                         <a:rPr lang="en-US" sz="1400">
+                          <a:solidFill>
+                            <a:schemeClr val="tx1"/>
+                          </a:solidFill>
                           <a:effectLst/>
+                          <a:latin typeface="Times New Roman" panose="02020603050405020304" pitchFamily="18" charset="0"/>
+                          <a:cs typeface="Times New Roman" panose="02020603050405020304" pitchFamily="18" charset="0"/>
                         </a:rPr>
                         <a:t>Status</a:t>
                       </a:r>
@@ -17597,7 +18640,12 @@
                     <a:p>
                       <a:pPr algn="l" fontAlgn="b"/>
                       <a:endParaRPr lang="en-US" sz="1400">
+                        <a:solidFill>
+                          <a:schemeClr val="tx1"/>
+                        </a:solidFill>
                         <a:effectLst/>
+                        <a:latin typeface="Times New Roman" panose="02020603050405020304" pitchFamily="18" charset="0"/>
+                        <a:cs typeface="Times New Roman" panose="02020603050405020304" pitchFamily="18" charset="0"/>
                       </a:endParaRPr>
                     </a:p>
                   </a:txBody>
@@ -17661,7 +18709,12 @@
                       <a:pPr fontAlgn="t"/>
                       <a:r>
                         <a:rPr lang="en-US" sz="1400" dirty="0">
+                          <a:solidFill>
+                            <a:schemeClr val="tx1"/>
+                          </a:solidFill>
                           <a:effectLst/>
+                          <a:latin typeface="Times New Roman" panose="02020603050405020304" pitchFamily="18" charset="0"/>
+                          <a:cs typeface="Times New Roman" panose="02020603050405020304" pitchFamily="18" charset="0"/>
                         </a:rPr>
                         <a:t>test_10_search_omida</a:t>
                       </a:r>
@@ -17721,14 +18774,21 @@
                       <a:r>
                         <a:rPr lang="en-US" sz="1400" b="1" dirty="0">
                           <a:solidFill>
-                            <a:srgbClr val="FFFFFF"/>
+                            <a:schemeClr val="tx1"/>
                           </a:solidFill>
                           <a:effectLst/>
+                          <a:latin typeface="Times New Roman" panose="02020603050405020304" pitchFamily="18" charset="0"/>
+                          <a:cs typeface="Times New Roman" panose="02020603050405020304" pitchFamily="18" charset="0"/>
                         </a:rPr>
                         <a:t>Pass</a:t>
                       </a:r>
                       <a:endParaRPr lang="en-US" sz="1400" dirty="0">
+                        <a:solidFill>
+                          <a:schemeClr val="tx1"/>
+                        </a:solidFill>
                         <a:effectLst/>
+                        <a:latin typeface="Times New Roman" panose="02020603050405020304" pitchFamily="18" charset="0"/>
+                        <a:cs typeface="Times New Roman" panose="02020603050405020304" pitchFamily="18" charset="0"/>
                       </a:endParaRPr>
                     </a:p>
                   </a:txBody>
@@ -17784,7 +18844,12 @@
                     <a:p>
                       <a:pPr fontAlgn="t"/>
                       <a:endParaRPr lang="en-US" sz="1400" dirty="0">
+                        <a:solidFill>
+                          <a:schemeClr val="tx1"/>
+                        </a:solidFill>
                         <a:effectLst/>
+                        <a:latin typeface="Times New Roman" panose="02020603050405020304" pitchFamily="18" charset="0"/>
+                        <a:cs typeface="Times New Roman" panose="02020603050405020304" pitchFamily="18" charset="0"/>
                       </a:endParaRPr>
                     </a:p>
                   </a:txBody>
@@ -17848,7 +18913,12 @@
                       <a:pPr fontAlgn="t"/>
                       <a:r>
                         <a:rPr lang="en-US" sz="1400" dirty="0">
+                          <a:solidFill>
+                            <a:schemeClr val="tx1"/>
+                          </a:solidFill>
                           <a:effectLst/>
+                          <a:latin typeface="Times New Roman" panose="02020603050405020304" pitchFamily="18" charset="0"/>
+                          <a:cs typeface="Times New Roman" panose="02020603050405020304" pitchFamily="18" charset="0"/>
                         </a:rPr>
                         <a:t>test_11_search_analize</a:t>
                       </a:r>
@@ -17908,14 +18978,21 @@
                       <a:r>
                         <a:rPr lang="en-US" sz="1400" b="1">
                           <a:solidFill>
-                            <a:srgbClr val="FFFFFF"/>
+                            <a:schemeClr val="tx1"/>
                           </a:solidFill>
                           <a:effectLst/>
+                          <a:latin typeface="Times New Roman" panose="02020603050405020304" pitchFamily="18" charset="0"/>
+                          <a:cs typeface="Times New Roman" panose="02020603050405020304" pitchFamily="18" charset="0"/>
                         </a:rPr>
                         <a:t>Pass</a:t>
                       </a:r>
                       <a:endParaRPr lang="en-US" sz="1400">
+                        <a:solidFill>
+                          <a:schemeClr val="tx1"/>
+                        </a:solidFill>
                         <a:effectLst/>
+                        <a:latin typeface="Times New Roman" panose="02020603050405020304" pitchFamily="18" charset="0"/>
+                        <a:cs typeface="Times New Roman" panose="02020603050405020304" pitchFamily="18" charset="0"/>
                       </a:endParaRPr>
                     </a:p>
                   </a:txBody>
@@ -17971,7 +19048,12 @@
                     <a:p>
                       <a:pPr fontAlgn="t"/>
                       <a:endParaRPr lang="en-US" sz="1400">
+                        <a:solidFill>
+                          <a:schemeClr val="tx1"/>
+                        </a:solidFill>
                         <a:effectLst/>
+                        <a:latin typeface="Times New Roman" panose="02020603050405020304" pitchFamily="18" charset="0"/>
+                        <a:cs typeface="Times New Roman" panose="02020603050405020304" pitchFamily="18" charset="0"/>
                       </a:endParaRPr>
                     </a:p>
                   </a:txBody>
@@ -18035,7 +19117,12 @@
                       <a:pPr fontAlgn="t"/>
                       <a:r>
                         <a:rPr lang="en-US" sz="1400" dirty="0">
+                          <a:solidFill>
+                            <a:schemeClr val="tx1"/>
+                          </a:solidFill>
                           <a:effectLst/>
+                          <a:latin typeface="Times New Roman" panose="02020603050405020304" pitchFamily="18" charset="0"/>
+                          <a:cs typeface="Times New Roman" panose="02020603050405020304" pitchFamily="18" charset="0"/>
                         </a:rPr>
                         <a:t>Total: 2, Pass: 2 -- Duration: 39.26 s</a:t>
                       </a:r>
@@ -18325,7 +19412,8 @@
                   <a:noFill/>
                 </a:ln>
                 <a:effectLst/>
-                <a:latin typeface="inherit"/>
+                <a:latin typeface="Times New Roman" panose="02020603050405020304" pitchFamily="18" charset="0"/>
+                <a:cs typeface="Times New Roman" panose="02020603050405020304" pitchFamily="18" charset="0"/>
               </a:rPr>
               <a:t>Report1</a:t>
             </a:r>
@@ -18353,7 +19441,8 @@
                   <a:noFill/>
                 </a:ln>
                 <a:effectLst/>
-                <a:latin typeface="Helvetica Neue"/>
+                <a:latin typeface="Times New Roman" panose="02020603050405020304" pitchFamily="18" charset="0"/>
+                <a:cs typeface="Times New Roman" panose="02020603050405020304" pitchFamily="18" charset="0"/>
               </a:rPr>
               <a:t>Start Time: </a:t>
             </a:r>
@@ -18363,7 +19452,8 @@
                   <a:noFill/>
                 </a:ln>
                 <a:effectLst/>
-                <a:latin typeface="Helvetica Neue"/>
+                <a:latin typeface="Times New Roman" panose="02020603050405020304" pitchFamily="18" charset="0"/>
+                <a:cs typeface="Times New Roman" panose="02020603050405020304" pitchFamily="18" charset="0"/>
               </a:rPr>
               <a:t>2023-05-07 08:06:43</a:t>
             </a:r>
@@ -18391,7 +19481,8 @@
                   <a:noFill/>
                 </a:ln>
                 <a:effectLst/>
-                <a:latin typeface="Helvetica Neue"/>
+                <a:latin typeface="Times New Roman" panose="02020603050405020304" pitchFamily="18" charset="0"/>
+                <a:cs typeface="Times New Roman" panose="02020603050405020304" pitchFamily="18" charset="0"/>
               </a:rPr>
               <a:t>Duration: </a:t>
             </a:r>
@@ -18401,7 +19492,8 @@
                   <a:noFill/>
                 </a:ln>
                 <a:effectLst/>
-                <a:latin typeface="Helvetica Neue"/>
+                <a:latin typeface="Times New Roman" panose="02020603050405020304" pitchFamily="18" charset="0"/>
+                <a:cs typeface="Times New Roman" panose="02020603050405020304" pitchFamily="18" charset="0"/>
               </a:rPr>
               <a:t>266.82 s</a:t>
             </a:r>
@@ -18429,7 +19521,8 @@
                   <a:noFill/>
                 </a:ln>
                 <a:effectLst/>
-                <a:latin typeface="Helvetica Neue"/>
+                <a:latin typeface="Times New Roman" panose="02020603050405020304" pitchFamily="18" charset="0"/>
+                <a:cs typeface="Times New Roman" panose="02020603050405020304" pitchFamily="18" charset="0"/>
               </a:rPr>
               <a:t>Summary: </a:t>
             </a:r>
@@ -18439,12 +19532,14 @@
                   <a:noFill/>
                 </a:ln>
                 <a:effectLst/>
-                <a:latin typeface="Helvetica Neue"/>
+                <a:latin typeface="Times New Roman" panose="02020603050405020304" pitchFamily="18" charset="0"/>
+                <a:cs typeface="Times New Roman" panose="02020603050405020304" pitchFamily="18" charset="0"/>
               </a:rPr>
               <a:t>Total: 11, Pass: 11</a:t>
             </a:r>
             <a:endParaRPr lang="en-US" altLang="en-US" sz="1600" dirty="0">
-              <a:latin typeface="Helvetica Neue"/>
+              <a:latin typeface="Times New Roman" panose="02020603050405020304" pitchFamily="18" charset="0"/>
+              <a:cs typeface="Times New Roman" panose="02020603050405020304" pitchFamily="18" charset="0"/>
             </a:endParaRPr>
           </a:p>
           <a:p>
@@ -18469,6 +19564,8 @@
                 <a:noFill/>
               </a:ln>
               <a:effectLst/>
+              <a:latin typeface="Times New Roman" panose="02020603050405020304" pitchFamily="18" charset="0"/>
+              <a:cs typeface="Times New Roman" panose="02020603050405020304" pitchFamily="18" charset="0"/>
             </a:endParaRPr>
           </a:p>
         </p:txBody>
@@ -18609,7 +19706,7 @@
         <p:spPr/>
         <p:txBody>
           <a:bodyPr>
-            <a:normAutofit lnSpcReduction="10000"/>
+            <a:normAutofit/>
           </a:bodyPr>
           <a:lstStyle/>
           <a:p>
@@ -18619,7 +19716,7 @@
               </a:lnSpc>
               <a:buNone/>
             </a:pPr>
-            <a:endParaRPr lang="en-US" sz="2800" b="1" dirty="0">
+            <a:endParaRPr lang="en-US" sz="1400" b="1" dirty="0">
               <a:latin typeface="Times New Roman"/>
               <a:ea typeface="Times New Roman"/>
               <a:cs typeface="Times New Roman"/>
@@ -18632,7 +19729,7 @@
               </a:lnSpc>
               <a:buNone/>
             </a:pPr>
-            <a:endParaRPr lang="en-US" b="1" dirty="0">
+            <a:endParaRPr lang="en-US" sz="1400" b="1" dirty="0">
               <a:latin typeface="Times New Roman"/>
               <a:ea typeface="Times New Roman"/>
               <a:cs typeface="Times New Roman"/>
@@ -18645,7 +19742,7 @@
               </a:lnSpc>
               <a:buNone/>
             </a:pPr>
-            <a:endParaRPr lang="en-US" sz="2800" b="1" dirty="0">
+            <a:endParaRPr lang="en-US" sz="1400" b="1" dirty="0">
               <a:latin typeface="Times New Roman"/>
               <a:ea typeface="Times New Roman"/>
               <a:cs typeface="Times New Roman"/>
@@ -18658,7 +19755,7 @@
               </a:lnSpc>
               <a:buNone/>
             </a:pPr>
-            <a:endParaRPr lang="en-US" b="1" dirty="0">
+            <a:endParaRPr lang="en-US" sz="1400" b="1" dirty="0">
               <a:latin typeface="Times New Roman"/>
               <a:ea typeface="Times New Roman"/>
               <a:cs typeface="Times New Roman"/>
@@ -18671,7 +19768,7 @@
               </a:lnSpc>
               <a:buNone/>
             </a:pPr>
-            <a:endParaRPr lang="en-US" sz="2800" b="1" dirty="0">
+            <a:endParaRPr lang="en-US" sz="1400" b="1" dirty="0">
               <a:latin typeface="Times New Roman"/>
               <a:ea typeface="Times New Roman"/>
               <a:cs typeface="Times New Roman"/>
@@ -18684,8 +19781,47 @@
               </a:lnSpc>
               <a:buNone/>
             </a:pPr>
-            <a:r>
-              <a:rPr lang="en-US" sz="2800" b="1" dirty="0" err="1">
+            <a:endParaRPr lang="en-US" sz="1400" b="1" dirty="0">
+              <a:latin typeface="Times New Roman"/>
+              <a:ea typeface="Times New Roman"/>
+              <a:cs typeface="Times New Roman"/>
+            </a:endParaRPr>
+          </a:p>
+          <a:p>
+            <a:pPr marL="0" indent="0">
+              <a:lnSpc>
+                <a:spcPct val="100000"/>
+              </a:lnSpc>
+              <a:buNone/>
+            </a:pPr>
+            <a:endParaRPr lang="en-US" sz="1400" b="1" dirty="0">
+              <a:latin typeface="Times New Roman"/>
+              <a:ea typeface="Times New Roman"/>
+              <a:cs typeface="Times New Roman"/>
+            </a:endParaRPr>
+          </a:p>
+          <a:p>
+            <a:pPr marL="0" indent="0">
+              <a:lnSpc>
+                <a:spcPct val="100000"/>
+              </a:lnSpc>
+              <a:buNone/>
+            </a:pPr>
+            <a:endParaRPr lang="en-US" sz="1400" b="1" dirty="0">
+              <a:latin typeface="Times New Roman"/>
+              <a:ea typeface="Times New Roman"/>
+              <a:cs typeface="Times New Roman"/>
+            </a:endParaRPr>
+          </a:p>
+          <a:p>
+            <a:pPr marL="0" indent="0">
+              <a:lnSpc>
+                <a:spcPct val="100000"/>
+              </a:lnSpc>
+              <a:buNone/>
+            </a:pPr>
+            <a:r>
+              <a:rPr lang="en-US" sz="1400" b="1" dirty="0" err="1">
                 <a:latin typeface="Times New Roman"/>
                 <a:ea typeface="Times New Roman"/>
                 <a:cs typeface="Times New Roman"/>
@@ -18693,7 +19829,7 @@
               <a:t>Adresa</a:t>
             </a:r>
             <a:r>
-              <a:rPr lang="en-US" sz="2800" b="1" dirty="0">
+              <a:rPr lang="en-US" sz="1400" b="1" dirty="0">
                 <a:latin typeface="Times New Roman"/>
                 <a:ea typeface="Times New Roman"/>
                 <a:cs typeface="Times New Roman"/>
@@ -18701,14 +19837,14 @@
               <a:t> </a:t>
             </a:r>
             <a:r>
-              <a:rPr lang="en-US" sz="2800" b="1" dirty="0" err="1">
+              <a:rPr lang="en-US" sz="1400" b="1" dirty="0" err="1">
                 <a:latin typeface="Times New Roman"/>
                 <a:ea typeface="Times New Roman"/>
                 <a:cs typeface="Times New Roman"/>
               </a:rPr>
               <a:t>proiectului</a:t>
             </a:r>
-            <a:endParaRPr lang="en-US" sz="2800" b="1" dirty="0">
+            <a:endParaRPr lang="en-US" sz="1400" b="1" dirty="0">
               <a:latin typeface="Times New Roman"/>
               <a:ea typeface="Times New Roman"/>
               <a:cs typeface="Times New Roman"/>
@@ -18723,7 +19859,7 @@
               <a:buChar char="Ø"/>
             </a:pPr>
             <a:r>
-              <a:rPr lang="en-US" sz="1600" b="1" dirty="0">
+              <a:rPr lang="en-US" sz="1400" b="1" dirty="0">
                 <a:latin typeface="Times New Roman"/>
                 <a:ea typeface="Times New Roman"/>
                 <a:cs typeface="Times New Roman"/>
@@ -18731,20 +19867,7 @@
               </a:rPr>
               <a:t>https://github.com/godavid128/Test_Website_medtinker</a:t>
             </a:r>
-            <a:endParaRPr lang="en-US" sz="1600" b="1" dirty="0">
-              <a:latin typeface="Times New Roman"/>
-              <a:ea typeface="Times New Roman"/>
-              <a:cs typeface="Times New Roman"/>
-            </a:endParaRPr>
-          </a:p>
-          <a:p>
-            <a:pPr marL="0" indent="0">
-              <a:lnSpc>
-                <a:spcPct val="100000"/>
-              </a:lnSpc>
-              <a:buNone/>
-            </a:pPr>
-            <a:endParaRPr lang="en-US" sz="1600" b="1" dirty="0">
+            <a:endParaRPr lang="en-US" sz="1400" b="1" dirty="0">
               <a:latin typeface="Times New Roman"/>
               <a:ea typeface="Times New Roman"/>
               <a:cs typeface="Times New Roman"/>
@@ -25625,7 +26748,7 @@
                 <a:ea typeface="Times New Roman"/>
                 <a:cs typeface="Times New Roman"/>
               </a:rPr>
-              <a:t>; </a:t>
+              <a:t>; Selenium – ‘pip install selenium’; pip install </a:t>
             </a:r>
             <a:r>
               <a:rPr lang="en-US" sz="1200" dirty="0" err="1">
@@ -25633,7 +26756,7 @@
                 <a:ea typeface="Times New Roman"/>
                 <a:cs typeface="Times New Roman"/>
               </a:rPr>
-              <a:t>daca</a:t>
+              <a:t>webdriver</a:t>
             </a:r>
             <a:r>
               <a:rPr lang="en-US" sz="1200" dirty="0">
@@ -25641,6 +26764,86 @@
                 <a:ea typeface="Times New Roman"/>
                 <a:cs typeface="Times New Roman"/>
               </a:rPr>
+              <a:t>-manager; </a:t>
+            </a:r>
+            <a:r>
+              <a:rPr lang="en-US" sz="1200" dirty="0" err="1">
+                <a:latin typeface="Times New Roman"/>
+                <a:ea typeface="Times New Roman"/>
+                <a:cs typeface="Times New Roman"/>
+              </a:rPr>
+              <a:t>Unittest</a:t>
+            </a:r>
+            <a:r>
+              <a:rPr lang="en-US" sz="1200" dirty="0">
+                <a:latin typeface="Times New Roman"/>
+                <a:ea typeface="Times New Roman"/>
+                <a:cs typeface="Times New Roman"/>
+              </a:rPr>
+              <a:t> –  ‘pip install </a:t>
+            </a:r>
+            <a:r>
+              <a:rPr lang="en-US" sz="1200" dirty="0" err="1">
+                <a:latin typeface="Times New Roman"/>
+                <a:ea typeface="Times New Roman"/>
+                <a:cs typeface="Times New Roman"/>
+              </a:rPr>
+              <a:t>unittest</a:t>
+            </a:r>
+            <a:r>
+              <a:rPr lang="en-US" sz="1200" dirty="0">
+                <a:latin typeface="Times New Roman"/>
+                <a:ea typeface="Times New Roman"/>
+                <a:cs typeface="Times New Roman"/>
+              </a:rPr>
+              <a:t>’; </a:t>
+            </a:r>
+            <a:r>
+              <a:rPr lang="en-US" sz="1200" dirty="0" err="1">
+                <a:latin typeface="Times New Roman"/>
+                <a:ea typeface="Times New Roman"/>
+                <a:cs typeface="Times New Roman"/>
+              </a:rPr>
+              <a:t>HtmlTestRunner</a:t>
+            </a:r>
+            <a:r>
+              <a:rPr lang="en-US" sz="1200" dirty="0">
+                <a:latin typeface="Times New Roman"/>
+                <a:ea typeface="Times New Roman"/>
+                <a:cs typeface="Times New Roman"/>
+              </a:rPr>
+              <a:t> –  ‘pip install html-</a:t>
+            </a:r>
+            <a:r>
+              <a:rPr lang="en-US" sz="1200" dirty="0" err="1">
+                <a:latin typeface="Times New Roman"/>
+                <a:ea typeface="Times New Roman"/>
+                <a:cs typeface="Times New Roman"/>
+              </a:rPr>
+              <a:t>testRunner</a:t>
+            </a:r>
+            <a:r>
+              <a:rPr lang="en-US" sz="1200" dirty="0">
+                <a:latin typeface="Times New Roman"/>
+                <a:ea typeface="Times New Roman"/>
+                <a:cs typeface="Times New Roman"/>
+              </a:rPr>
+              <a:t>’. Daca </a:t>
+            </a:r>
+            <a:r>
+              <a:rPr lang="en-US" sz="1200" dirty="0" err="1">
+                <a:latin typeface="Times New Roman"/>
+                <a:ea typeface="Times New Roman"/>
+                <a:cs typeface="Times New Roman"/>
+              </a:rPr>
+              <a:t>instalarea</a:t>
+            </a:r>
+            <a:r>
+              <a:rPr lang="en-US" sz="1200" dirty="0">
+                <a:latin typeface="Times New Roman"/>
+                <a:ea typeface="Times New Roman"/>
+                <a:cs typeface="Times New Roman"/>
+              </a:rPr>
               <a:t> </a:t>
             </a:r>
             <a:r>
@@ -25649,7 +26852,7 @@
                 <a:ea typeface="Times New Roman"/>
                 <a:cs typeface="Times New Roman"/>
               </a:rPr>
-              <a:t>instalarea</a:t>
+              <a:t>esueaza</a:t>
             </a:r>
             <a:r>
               <a:rPr lang="en-US" sz="1200" dirty="0">
@@ -25657,6 +26860,38 @@
                 <a:ea typeface="Times New Roman"/>
                 <a:cs typeface="Times New Roman"/>
               </a:rPr>
+              <a:t>, </a:t>
+            </a:r>
+            <a:r>
+              <a:rPr lang="en-US" sz="1200" dirty="0" err="1">
+                <a:latin typeface="Times New Roman"/>
+                <a:ea typeface="Times New Roman"/>
+                <a:cs typeface="Times New Roman"/>
+              </a:rPr>
+              <a:t>incercam</a:t>
+            </a:r>
+            <a:r>
+              <a:rPr lang="en-US" sz="1200" dirty="0">
+                <a:latin typeface="Times New Roman"/>
+                <a:ea typeface="Times New Roman"/>
+                <a:cs typeface="Times New Roman"/>
+              </a:rPr>
+              <a:t> in Python Packages le </a:t>
+            </a:r>
+            <a:r>
+              <a:rPr lang="en-US" sz="1200" dirty="0" err="1">
+                <a:latin typeface="Times New Roman"/>
+                <a:ea typeface="Times New Roman"/>
+                <a:cs typeface="Times New Roman"/>
+              </a:rPr>
+              <a:t>cautam</a:t>
+            </a:r>
+            <a:r>
+              <a:rPr lang="en-US" sz="1200" dirty="0">
+                <a:latin typeface="Times New Roman"/>
+                <a:ea typeface="Times New Roman"/>
+                <a:cs typeface="Times New Roman"/>
+              </a:rPr>
               <a:t> </a:t>
             </a:r>
             <a:r>
@@ -25665,7 +26900,7 @@
                 <a:ea typeface="Times New Roman"/>
                 <a:cs typeface="Times New Roman"/>
               </a:rPr>
-              <a:t>esueaza</a:t>
+              <a:t>si</a:t>
             </a:r>
             <a:r>
               <a:rPr lang="en-US" sz="1200" dirty="0">
@@ -25673,7 +26908,7 @@
                 <a:ea typeface="Times New Roman"/>
                 <a:cs typeface="Times New Roman"/>
               </a:rPr>
-              <a:t>, </a:t>
+              <a:t> </a:t>
             </a:r>
             <a:r>
               <a:rPr lang="en-US" sz="1200" dirty="0" err="1">
@@ -25681,7 +26916,7 @@
                 <a:ea typeface="Times New Roman"/>
                 <a:cs typeface="Times New Roman"/>
               </a:rPr>
-              <a:t>incercam</a:t>
+              <a:t>instalam</a:t>
             </a:r>
             <a:r>
               <a:rPr lang="en-US" sz="1200" dirty="0">
@@ -25689,7 +26924,7 @@
                 <a:ea typeface="Times New Roman"/>
                 <a:cs typeface="Times New Roman"/>
               </a:rPr>
-              <a:t> in Python Packages </a:t>
+              <a:t> de </a:t>
             </a:r>
             <a:r>
               <a:rPr lang="en-US" sz="1200" dirty="0" err="1">
@@ -25697,7 +26932,7 @@
                 <a:ea typeface="Times New Roman"/>
                 <a:cs typeface="Times New Roman"/>
               </a:rPr>
-              <a:t>sa</a:t>
+              <a:t>acolo</a:t>
             </a:r>
             <a:r>
               <a:rPr lang="en-US" sz="1200" dirty="0">
@@ -25705,6 +26940,22 @@
                 <a:ea typeface="Times New Roman"/>
                 <a:cs typeface="Times New Roman"/>
               </a:rPr>
+              <a:t>. Daca </a:t>
+            </a:r>
+            <a:r>
+              <a:rPr lang="en-US" sz="1200" dirty="0" err="1">
+                <a:latin typeface="Times New Roman"/>
+                <a:ea typeface="Times New Roman"/>
+                <a:cs typeface="Times New Roman"/>
+              </a:rPr>
+              <a:t>nici</a:t>
+            </a:r>
+            <a:r>
+              <a:rPr lang="en-US" sz="1200" dirty="0">
+                <a:latin typeface="Times New Roman"/>
+                <a:ea typeface="Times New Roman"/>
+                <a:cs typeface="Times New Roman"/>
+              </a:rPr>
               <a:t> </a:t>
             </a:r>
             <a:r>
@@ -25713,7 +26964,7 @@
                 <a:ea typeface="Times New Roman"/>
                 <a:cs typeface="Times New Roman"/>
               </a:rPr>
-              <a:t>cautam</a:t>
+              <a:t>asa</a:t>
             </a:r>
             <a:r>
               <a:rPr lang="en-US" sz="1200" dirty="0">
@@ -25721,6 +26972,38 @@
                 <a:ea typeface="Times New Roman"/>
                 <a:cs typeface="Times New Roman"/>
               </a:rPr>
+              <a:t> nu merge, direct pe </a:t>
+            </a:r>
+            <a:r>
+              <a:rPr lang="en-US" sz="1200" dirty="0" err="1">
+                <a:latin typeface="Times New Roman"/>
+                <a:ea typeface="Times New Roman"/>
+                <a:cs typeface="Times New Roman"/>
+              </a:rPr>
+              <a:t>pagina</a:t>
+            </a:r>
+            <a:r>
+              <a:rPr lang="en-US" sz="1200" dirty="0">
+                <a:latin typeface="Times New Roman"/>
+                <a:ea typeface="Times New Roman"/>
+                <a:cs typeface="Times New Roman"/>
+              </a:rPr>
+              <a:t> de </a:t>
+            </a:r>
+            <a:r>
+              <a:rPr lang="en-US" sz="1200" dirty="0" err="1">
+                <a:latin typeface="Times New Roman"/>
+                <a:ea typeface="Times New Roman"/>
+                <a:cs typeface="Times New Roman"/>
+              </a:rPr>
+              <a:t>lucru</a:t>
+            </a:r>
+            <a:r>
+              <a:rPr lang="en-US" sz="1200" dirty="0">
+                <a:latin typeface="Times New Roman"/>
+                <a:ea typeface="Times New Roman"/>
+                <a:cs typeface="Times New Roman"/>
+              </a:rPr>
               <a:t> </a:t>
             </a:r>
             <a:r>
@@ -25729,6 +27012,86 @@
                 <a:ea typeface="Times New Roman"/>
                 <a:cs typeface="Times New Roman"/>
               </a:rPr>
+              <a:t>scriem</a:t>
+            </a:r>
+            <a:r>
+              <a:rPr lang="en-US" sz="1200" dirty="0">
+                <a:latin typeface="Times New Roman"/>
+                <a:ea typeface="Times New Roman"/>
+                <a:cs typeface="Times New Roman"/>
+              </a:rPr>
+              <a:t>, de </a:t>
+            </a:r>
+            <a:r>
+              <a:rPr lang="en-US" sz="1200" dirty="0" err="1">
+                <a:latin typeface="Times New Roman"/>
+                <a:ea typeface="Times New Roman"/>
+                <a:cs typeface="Times New Roman"/>
+              </a:rPr>
+              <a:t>exemplu</a:t>
+            </a:r>
+            <a:r>
+              <a:rPr lang="en-US" sz="1200" dirty="0">
+                <a:latin typeface="Times New Roman"/>
+                <a:ea typeface="Times New Roman"/>
+                <a:cs typeface="Times New Roman"/>
+              </a:rPr>
+              <a:t>: ‘from selenium’, </a:t>
+            </a:r>
+            <a:r>
+              <a:rPr lang="en-US" sz="1200" dirty="0" err="1">
+                <a:latin typeface="Times New Roman"/>
+                <a:ea typeface="Times New Roman"/>
+                <a:cs typeface="Times New Roman"/>
+              </a:rPr>
+              <a:t>apoi</a:t>
+            </a:r>
+            <a:r>
+              <a:rPr lang="en-US" sz="1200" dirty="0">
+                <a:latin typeface="Times New Roman"/>
+                <a:ea typeface="Times New Roman"/>
+                <a:cs typeface="Times New Roman"/>
+              </a:rPr>
+              <a:t> click pe </a:t>
+            </a:r>
+            <a:r>
+              <a:rPr lang="en-US" sz="1200" dirty="0" err="1">
+                <a:latin typeface="Times New Roman"/>
+                <a:ea typeface="Times New Roman"/>
+                <a:cs typeface="Times New Roman"/>
+              </a:rPr>
+              <a:t>bec</a:t>
+            </a:r>
+            <a:r>
+              <a:rPr lang="en-US" sz="1200" dirty="0">
+                <a:latin typeface="Times New Roman"/>
+                <a:ea typeface="Times New Roman"/>
+                <a:cs typeface="Times New Roman"/>
+              </a:rPr>
+              <a:t> </a:t>
+            </a:r>
+            <a:r>
+              <a:rPr lang="en-US" sz="1200" dirty="0" err="1">
+                <a:latin typeface="Times New Roman"/>
+                <a:ea typeface="Times New Roman"/>
+                <a:cs typeface="Times New Roman"/>
+              </a:rPr>
+              <a:t>rosu</a:t>
+            </a:r>
+            <a:r>
+              <a:rPr lang="en-US" sz="1200" dirty="0">
+                <a:latin typeface="Times New Roman"/>
+                <a:ea typeface="Times New Roman"/>
+                <a:cs typeface="Times New Roman"/>
+              </a:rPr>
+              <a:t> </a:t>
+            </a:r>
+            <a:r>
+              <a:rPr lang="en-US" sz="1200" dirty="0" err="1">
+                <a:latin typeface="Times New Roman"/>
+                <a:ea typeface="Times New Roman"/>
+                <a:cs typeface="Times New Roman"/>
+              </a:rPr>
               <a:t>si</a:t>
             </a:r>
             <a:r>
@@ -25737,6 +27100,22 @@
                 <a:ea typeface="Times New Roman"/>
                 <a:cs typeface="Times New Roman"/>
               </a:rPr>
+              <a:t> dam install. </a:t>
+            </a:r>
+            <a:r>
+              <a:rPr lang="en-US" sz="1200" dirty="0" err="1">
+                <a:latin typeface="Times New Roman"/>
+                <a:ea typeface="Times New Roman"/>
+                <a:cs typeface="Times New Roman"/>
+              </a:rPr>
+              <a:t>Uneori</a:t>
+            </a:r>
+            <a:r>
+              <a:rPr lang="en-US" sz="1200" dirty="0">
+                <a:latin typeface="Times New Roman"/>
+                <a:ea typeface="Times New Roman"/>
+                <a:cs typeface="Times New Roman"/>
+              </a:rPr>
               <a:t> </a:t>
             </a:r>
             <a:r>
@@ -25745,7 +27124,7 @@
                 <a:ea typeface="Times New Roman"/>
                 <a:cs typeface="Times New Roman"/>
               </a:rPr>
-              <a:t>instalam</a:t>
+              <a:t>este</a:t>
             </a:r>
             <a:r>
               <a:rPr lang="en-US" sz="1200" dirty="0">
@@ -25753,6 +27132,22 @@
                 <a:ea typeface="Times New Roman"/>
                 <a:cs typeface="Times New Roman"/>
               </a:rPr>
+              <a:t> </a:t>
+            </a:r>
+            <a:r>
+              <a:rPr lang="en-US" sz="1200" dirty="0" err="1">
+                <a:latin typeface="Times New Roman"/>
+                <a:ea typeface="Times New Roman"/>
+                <a:cs typeface="Times New Roman"/>
+              </a:rPr>
+              <a:t>nevoie</a:t>
+            </a:r>
+            <a:r>
+              <a:rPr lang="en-US" sz="1200" dirty="0">
+                <a:latin typeface="Times New Roman"/>
+                <a:ea typeface="Times New Roman"/>
+                <a:cs typeface="Times New Roman"/>
+              </a:rPr>
               <a:t> de </a:t>
             </a:r>
             <a:r>
@@ -25761,7 +27156,7 @@
                 <a:ea typeface="Times New Roman"/>
                 <a:cs typeface="Times New Roman"/>
               </a:rPr>
-              <a:t>acolo</a:t>
+              <a:t>restartare</a:t>
             </a:r>
             <a:r>
               <a:rPr lang="en-US" sz="1200" dirty="0">
@@ -25769,7 +27164,7 @@
                 <a:ea typeface="Times New Roman"/>
                 <a:cs typeface="Times New Roman"/>
               </a:rPr>
-              <a:t>. Daca </a:t>
+              <a:t> a </a:t>
             </a:r>
             <a:r>
               <a:rPr lang="en-US" sz="1200" dirty="0" err="1">
@@ -25777,7 +27172,7 @@
                 <a:ea typeface="Times New Roman"/>
                 <a:cs typeface="Times New Roman"/>
               </a:rPr>
-              <a:t>nici</a:t>
+              <a:t>paginii</a:t>
             </a:r>
             <a:r>
               <a:rPr lang="en-US" sz="1200" dirty="0">
@@ -25785,6 +27180,54 @@
                 <a:ea typeface="Times New Roman"/>
                 <a:cs typeface="Times New Roman"/>
               </a:rPr>
+              <a:t> ‘</a:t>
+            </a:r>
+            <a:r>
+              <a:rPr lang="en-US" sz="1200" dirty="0" err="1">
+                <a:latin typeface="Times New Roman"/>
+                <a:ea typeface="Times New Roman"/>
+                <a:cs typeface="Times New Roman"/>
+              </a:rPr>
+              <a:t>pycharm</a:t>
+            </a:r>
+            <a:r>
+              <a:rPr lang="en-US" sz="1200" dirty="0">
+                <a:latin typeface="Times New Roman"/>
+                <a:ea typeface="Times New Roman"/>
+                <a:cs typeface="Times New Roman"/>
+              </a:rPr>
+              <a:t>’ </a:t>
+            </a:r>
+            <a:r>
+              <a:rPr lang="en-US" sz="1200" dirty="0" err="1">
+                <a:latin typeface="Times New Roman"/>
+                <a:ea typeface="Times New Roman"/>
+                <a:cs typeface="Times New Roman"/>
+              </a:rPr>
+              <a:t>pentru</a:t>
+            </a:r>
+            <a:r>
+              <a:rPr lang="en-US" sz="1200" dirty="0">
+                <a:latin typeface="Times New Roman"/>
+                <a:ea typeface="Times New Roman"/>
+                <a:cs typeface="Times New Roman"/>
+              </a:rPr>
+              <a:t> a </a:t>
+            </a:r>
+            <a:r>
+              <a:rPr lang="en-US" sz="1200" dirty="0" err="1">
+                <a:latin typeface="Times New Roman"/>
+                <a:ea typeface="Times New Roman"/>
+                <a:cs typeface="Times New Roman"/>
+              </a:rPr>
+              <a:t>accesa</a:t>
+            </a:r>
+            <a:r>
+              <a:rPr lang="en-US" sz="1200" dirty="0">
+                <a:latin typeface="Times New Roman"/>
+                <a:ea typeface="Times New Roman"/>
+                <a:cs typeface="Times New Roman"/>
+              </a:rPr>
               <a:t> </a:t>
             </a:r>
             <a:r>
@@ -25793,7 +27236,7 @@
                 <a:ea typeface="Times New Roman"/>
                 <a:cs typeface="Times New Roman"/>
               </a:rPr>
-              <a:t>asa</a:t>
+              <a:t>librariile</a:t>
             </a:r>
             <a:r>
               <a:rPr lang="en-US" sz="1200" dirty="0">
@@ -25801,7 +27244,7 @@
                 <a:ea typeface="Times New Roman"/>
                 <a:cs typeface="Times New Roman"/>
               </a:rPr>
-              <a:t> nu merge, direct pe </a:t>
+              <a:t> </a:t>
             </a:r>
             <a:r>
               <a:rPr lang="en-US" sz="1200" dirty="0" err="1">
@@ -25809,7 +27252,7 @@
                 <a:ea typeface="Times New Roman"/>
                 <a:cs typeface="Times New Roman"/>
               </a:rPr>
-              <a:t>pagina</a:t>
+              <a:t>instalate</a:t>
             </a:r>
             <a:r>
               <a:rPr lang="en-US" sz="1200" dirty="0">
@@ -25817,343 +27260,7 @@
                 <a:ea typeface="Times New Roman"/>
                 <a:cs typeface="Times New Roman"/>
               </a:rPr>
-              <a:t> de </a:t>
-            </a:r>
-            <a:r>
-              <a:rPr lang="en-US" sz="1200" dirty="0" err="1">
-                <a:latin typeface="Times New Roman"/>
-                <a:ea typeface="Times New Roman"/>
-                <a:cs typeface="Times New Roman"/>
-              </a:rPr>
-              <a:t>lucru</a:t>
-            </a:r>
-            <a:r>
-              <a:rPr lang="en-US" sz="1200" dirty="0">
-                <a:latin typeface="Times New Roman"/>
-                <a:ea typeface="Times New Roman"/>
-                <a:cs typeface="Times New Roman"/>
-              </a:rPr>
-              <a:t> </a:t>
-            </a:r>
-            <a:r>
-              <a:rPr lang="en-US" sz="1200" dirty="0" err="1">
-                <a:latin typeface="Times New Roman"/>
-                <a:ea typeface="Times New Roman"/>
-                <a:cs typeface="Times New Roman"/>
-              </a:rPr>
-              <a:t>scriem</a:t>
-            </a:r>
-            <a:r>
-              <a:rPr lang="en-US" sz="1200" dirty="0">
-                <a:latin typeface="Times New Roman"/>
-                <a:ea typeface="Times New Roman"/>
-                <a:cs typeface="Times New Roman"/>
-              </a:rPr>
-              <a:t>, de </a:t>
-            </a:r>
-            <a:r>
-              <a:rPr lang="en-US" sz="1200" dirty="0" err="1">
-                <a:latin typeface="Times New Roman"/>
-                <a:ea typeface="Times New Roman"/>
-                <a:cs typeface="Times New Roman"/>
-              </a:rPr>
-              <a:t>exemplu</a:t>
-            </a:r>
-            <a:r>
-              <a:rPr lang="en-US" sz="1200" dirty="0">
-                <a:latin typeface="Times New Roman"/>
-                <a:ea typeface="Times New Roman"/>
-                <a:cs typeface="Times New Roman"/>
-              </a:rPr>
-              <a:t>: ‘from selenium’, </a:t>
-            </a:r>
-            <a:r>
-              <a:rPr lang="en-US" sz="1200" dirty="0" err="1">
-                <a:latin typeface="Times New Roman"/>
-                <a:ea typeface="Times New Roman"/>
-                <a:cs typeface="Times New Roman"/>
-              </a:rPr>
-              <a:t>apoi</a:t>
-            </a:r>
-            <a:r>
-              <a:rPr lang="en-US" sz="1200" dirty="0">
-                <a:latin typeface="Times New Roman"/>
-                <a:ea typeface="Times New Roman"/>
-                <a:cs typeface="Times New Roman"/>
-              </a:rPr>
-              <a:t> click pe </a:t>
-            </a:r>
-            <a:r>
-              <a:rPr lang="en-US" sz="1200" dirty="0" err="1">
-                <a:latin typeface="Times New Roman"/>
-                <a:ea typeface="Times New Roman"/>
-                <a:cs typeface="Times New Roman"/>
-              </a:rPr>
-              <a:t>bec</a:t>
-            </a:r>
-            <a:r>
-              <a:rPr lang="en-US" sz="1200" dirty="0">
-                <a:latin typeface="Times New Roman"/>
-                <a:ea typeface="Times New Roman"/>
-                <a:cs typeface="Times New Roman"/>
-              </a:rPr>
-              <a:t> </a:t>
-            </a:r>
-            <a:r>
-              <a:rPr lang="en-US" sz="1200" dirty="0" err="1">
-                <a:latin typeface="Times New Roman"/>
-                <a:ea typeface="Times New Roman"/>
-                <a:cs typeface="Times New Roman"/>
-              </a:rPr>
-              <a:t>rosu</a:t>
-            </a:r>
-            <a:r>
-              <a:rPr lang="en-US" sz="1200" dirty="0">
-                <a:latin typeface="Times New Roman"/>
-                <a:ea typeface="Times New Roman"/>
-                <a:cs typeface="Times New Roman"/>
-              </a:rPr>
-              <a:t> </a:t>
-            </a:r>
-            <a:r>
-              <a:rPr lang="en-US" sz="1200" dirty="0" err="1">
-                <a:latin typeface="Times New Roman"/>
-                <a:ea typeface="Times New Roman"/>
-                <a:cs typeface="Times New Roman"/>
-              </a:rPr>
-              <a:t>si</a:t>
-            </a:r>
-            <a:r>
-              <a:rPr lang="en-US" sz="1200" dirty="0">
-                <a:latin typeface="Times New Roman"/>
-                <a:ea typeface="Times New Roman"/>
-                <a:cs typeface="Times New Roman"/>
-              </a:rPr>
-              <a:t> dam install. </a:t>
-            </a:r>
-            <a:r>
-              <a:rPr lang="en-US" sz="1200" dirty="0" err="1">
-                <a:latin typeface="Times New Roman"/>
-                <a:ea typeface="Times New Roman"/>
-                <a:cs typeface="Times New Roman"/>
-              </a:rPr>
-              <a:t>Uneori</a:t>
-            </a:r>
-            <a:r>
-              <a:rPr lang="en-US" sz="1200" dirty="0">
-                <a:latin typeface="Times New Roman"/>
-                <a:ea typeface="Times New Roman"/>
-                <a:cs typeface="Times New Roman"/>
-              </a:rPr>
-              <a:t> </a:t>
-            </a:r>
-            <a:r>
-              <a:rPr lang="en-US" sz="1200" dirty="0" err="1">
-                <a:latin typeface="Times New Roman"/>
-                <a:ea typeface="Times New Roman"/>
-                <a:cs typeface="Times New Roman"/>
-              </a:rPr>
-              <a:t>este</a:t>
-            </a:r>
-            <a:r>
-              <a:rPr lang="en-US" sz="1200" dirty="0">
-                <a:latin typeface="Times New Roman"/>
-                <a:ea typeface="Times New Roman"/>
-                <a:cs typeface="Times New Roman"/>
-              </a:rPr>
-              <a:t> </a:t>
-            </a:r>
-            <a:r>
-              <a:rPr lang="en-US" sz="1200" dirty="0" err="1">
-                <a:latin typeface="Times New Roman"/>
-                <a:ea typeface="Times New Roman"/>
-                <a:cs typeface="Times New Roman"/>
-              </a:rPr>
-              <a:t>nevoie</a:t>
-            </a:r>
-            <a:r>
-              <a:rPr lang="en-US" sz="1200" dirty="0">
-                <a:latin typeface="Times New Roman"/>
-                <a:ea typeface="Times New Roman"/>
-                <a:cs typeface="Times New Roman"/>
-              </a:rPr>
-              <a:t> de </a:t>
-            </a:r>
-            <a:r>
-              <a:rPr lang="en-US" sz="1200" dirty="0" err="1">
-                <a:latin typeface="Times New Roman"/>
-                <a:ea typeface="Times New Roman"/>
-                <a:cs typeface="Times New Roman"/>
-              </a:rPr>
-              <a:t>restartare</a:t>
-            </a:r>
-            <a:r>
-              <a:rPr lang="en-US" sz="1200" dirty="0">
-                <a:latin typeface="Times New Roman"/>
-                <a:ea typeface="Times New Roman"/>
-                <a:cs typeface="Times New Roman"/>
-              </a:rPr>
-              <a:t> a </a:t>
-            </a:r>
-            <a:r>
-              <a:rPr lang="en-US" sz="1200" dirty="0" err="1">
-                <a:latin typeface="Times New Roman"/>
-                <a:ea typeface="Times New Roman"/>
-                <a:cs typeface="Times New Roman"/>
-              </a:rPr>
-              <a:t>paginii</a:t>
-            </a:r>
-            <a:r>
-              <a:rPr lang="en-US" sz="1200" dirty="0">
-                <a:latin typeface="Times New Roman"/>
-                <a:ea typeface="Times New Roman"/>
-                <a:cs typeface="Times New Roman"/>
-              </a:rPr>
-              <a:t> ‘</a:t>
-            </a:r>
-            <a:r>
-              <a:rPr lang="en-US" sz="1200" dirty="0" err="1">
-                <a:latin typeface="Times New Roman"/>
-                <a:ea typeface="Times New Roman"/>
-                <a:cs typeface="Times New Roman"/>
-              </a:rPr>
-              <a:t>pycharm</a:t>
-            </a:r>
-            <a:r>
-              <a:rPr lang="en-US" sz="1200" dirty="0">
-                <a:latin typeface="Times New Roman"/>
-                <a:ea typeface="Times New Roman"/>
-                <a:cs typeface="Times New Roman"/>
-              </a:rPr>
-              <a:t>’ </a:t>
-            </a:r>
-            <a:r>
-              <a:rPr lang="en-US" sz="1200" dirty="0" err="1">
-                <a:latin typeface="Times New Roman"/>
-                <a:ea typeface="Times New Roman"/>
-                <a:cs typeface="Times New Roman"/>
-              </a:rPr>
-              <a:t>pentru</a:t>
-            </a:r>
-            <a:r>
-              <a:rPr lang="en-US" sz="1200" dirty="0">
-                <a:latin typeface="Times New Roman"/>
-                <a:ea typeface="Times New Roman"/>
-                <a:cs typeface="Times New Roman"/>
-              </a:rPr>
-              <a:t> a </a:t>
-            </a:r>
-            <a:r>
-              <a:rPr lang="en-US" sz="1200" dirty="0" err="1">
-                <a:latin typeface="Times New Roman"/>
-                <a:ea typeface="Times New Roman"/>
-                <a:cs typeface="Times New Roman"/>
-              </a:rPr>
-              <a:t>accesa</a:t>
-            </a:r>
-            <a:r>
-              <a:rPr lang="en-US" sz="1200" dirty="0">
-                <a:latin typeface="Times New Roman"/>
-                <a:ea typeface="Times New Roman"/>
-                <a:cs typeface="Times New Roman"/>
-              </a:rPr>
-              <a:t> </a:t>
-            </a:r>
-            <a:r>
-              <a:rPr lang="en-US" sz="1200" dirty="0" err="1">
-                <a:latin typeface="Times New Roman"/>
-                <a:ea typeface="Times New Roman"/>
-                <a:cs typeface="Times New Roman"/>
-              </a:rPr>
-              <a:t>librariile</a:t>
-            </a:r>
-            <a:r>
-              <a:rPr lang="en-US" sz="1200" dirty="0">
-                <a:latin typeface="Times New Roman"/>
-                <a:ea typeface="Times New Roman"/>
-                <a:cs typeface="Times New Roman"/>
-              </a:rPr>
-              <a:t> </a:t>
-            </a:r>
-            <a:r>
-              <a:rPr lang="en-US" sz="1200" dirty="0" err="1">
-                <a:latin typeface="Times New Roman"/>
-                <a:ea typeface="Times New Roman"/>
-                <a:cs typeface="Times New Roman"/>
-              </a:rPr>
-              <a:t>instalate</a:t>
-            </a:r>
-            <a:r>
-              <a:rPr lang="en-US" sz="1200" dirty="0">
-                <a:latin typeface="Times New Roman"/>
-                <a:ea typeface="Times New Roman"/>
-                <a:cs typeface="Times New Roman"/>
-              </a:rPr>
-              <a:t>: Selenium – ‘pip install selenium’; </a:t>
-            </a:r>
-            <a:r>
-              <a:rPr lang="en-US" sz="1200" dirty="0" err="1">
-                <a:latin typeface="Times New Roman"/>
-                <a:ea typeface="Times New Roman"/>
-                <a:cs typeface="Times New Roman"/>
-              </a:rPr>
-              <a:t>Unittest</a:t>
-            </a:r>
-            <a:r>
-              <a:rPr lang="en-US" sz="1200" dirty="0">
-                <a:latin typeface="Times New Roman"/>
-                <a:ea typeface="Times New Roman"/>
-                <a:cs typeface="Times New Roman"/>
-              </a:rPr>
-              <a:t> –  ‘pip install </a:t>
-            </a:r>
-            <a:r>
-              <a:rPr lang="en-US" sz="1200" dirty="0" err="1">
-                <a:latin typeface="Times New Roman"/>
-                <a:ea typeface="Times New Roman"/>
-                <a:cs typeface="Times New Roman"/>
-              </a:rPr>
-              <a:t>unittest</a:t>
-            </a:r>
-            <a:r>
-              <a:rPr lang="en-US" sz="1200" dirty="0">
-                <a:latin typeface="Times New Roman"/>
-                <a:ea typeface="Times New Roman"/>
-                <a:cs typeface="Times New Roman"/>
-              </a:rPr>
-              <a:t>’; </a:t>
-            </a:r>
-            <a:r>
-              <a:rPr lang="en-US" sz="1200" dirty="0" err="1">
-                <a:latin typeface="Times New Roman"/>
-                <a:ea typeface="Times New Roman"/>
-                <a:cs typeface="Times New Roman"/>
-              </a:rPr>
-              <a:t>HtmlTestRunner</a:t>
-            </a:r>
-            <a:r>
-              <a:rPr lang="en-US" sz="1200" dirty="0">
-                <a:latin typeface="Times New Roman"/>
-                <a:ea typeface="Times New Roman"/>
-                <a:cs typeface="Times New Roman"/>
-              </a:rPr>
-              <a:t> –  ‘pip install html-</a:t>
-            </a:r>
-            <a:r>
-              <a:rPr lang="en-US" sz="1200" dirty="0" err="1">
-                <a:latin typeface="Times New Roman"/>
-                <a:ea typeface="Times New Roman"/>
-                <a:cs typeface="Times New Roman"/>
-              </a:rPr>
-              <a:t>testRunner</a:t>
-            </a:r>
-            <a:r>
-              <a:rPr lang="en-US" sz="1200" dirty="0">
-                <a:latin typeface="Times New Roman"/>
-                <a:ea typeface="Times New Roman"/>
-                <a:cs typeface="Times New Roman"/>
-              </a:rPr>
-              <a:t>’.</a:t>
+              <a:t>.</a:t>
             </a:r>
           </a:p>
           <a:p>
@@ -27559,42 +28666,6 @@
       </p:grpSpPr>
       <p:sp>
         <p:nvSpPr>
-          <p:cNvPr id="7" name="Titre 6">
-            <a:extLst>
-              <a:ext uri="{FF2B5EF4-FFF2-40B4-BE49-F238E27FC236}">
-                <a16:creationId xmlns:a16="http://schemas.microsoft.com/office/drawing/2014/main" id="{51240370-A282-4B76-7EDC-66498607E3A8}"/>
-              </a:ext>
-            </a:extLst>
-          </p:cNvPr>
-          <p:cNvSpPr>
-            <a:spLocks noGrp="1"/>
-          </p:cNvSpPr>
-          <p:nvPr>
-            <p:ph type="title"/>
-          </p:nvPr>
-        </p:nvSpPr>
-        <p:spPr>
-          <a:xfrm>
-            <a:off x="715108" y="1320482"/>
-            <a:ext cx="3322371" cy="508318"/>
-          </a:xfrm>
-        </p:spPr>
-        <p:txBody>
-          <a:bodyPr>
-            <a:normAutofit fontScale="90000"/>
-          </a:bodyPr>
-          <a:lstStyle/>
-          <a:p>
-            <a:r>
-              <a:rPr lang="en-US" dirty="0" err="1"/>
-              <a:t>Selectorii</a:t>
-            </a:r>
-            <a:endParaRPr lang="en-US" dirty="0"/>
-          </a:p>
-        </p:txBody>
-      </p:sp>
-      <p:sp>
-        <p:nvSpPr>
           <p:cNvPr id="9" name="Espace réservé du texte 8">
             <a:extLst>
               <a:ext uri="{FF2B5EF4-FFF2-40B4-BE49-F238E27FC236}">
@@ -27611,12 +28682,14 @@
         </p:nvSpPr>
         <p:spPr>
           <a:xfrm>
-            <a:off x="715109" y="1992923"/>
-            <a:ext cx="3329354" cy="3990050"/>
+            <a:off x="715109" y="1320482"/>
+            <a:ext cx="3329354" cy="5324535"/>
           </a:xfrm>
         </p:spPr>
         <p:txBody>
-          <a:bodyPr/>
+          <a:bodyPr>
+            <a:normAutofit/>
+          </a:bodyPr>
           <a:lstStyle/>
           <a:p>
             <a:pPr>
@@ -27625,13 +28698,41 @@
               </a:lnSpc>
             </a:pPr>
             <a:r>
-              <a:rPr kumimoji="0" lang="en-US" altLang="en-US" sz="1600" b="0" u="none" strike="noStrike" cap="none" normalizeH="0" baseline="0" dirty="0" err="1">
-                <a:ln>
-                  <a:noFill/>
-                </a:ln>
+              <a:rPr lang="en-US" altLang="en-US" sz="1400" b="1" dirty="0">
                 <a:solidFill>
                   <a:schemeClr val="tx1"/>
                 </a:solidFill>
+                <a:latin typeface="Times New Roman" panose="02020603050405020304" pitchFamily="18" charset="0"/>
+                <a:cs typeface="Times New Roman" panose="02020603050405020304" pitchFamily="18" charset="0"/>
+              </a:rPr>
+              <a:t>SELECTORII</a:t>
+            </a:r>
+            <a:endParaRPr kumimoji="0" lang="en-US" altLang="en-US" sz="1400" b="1" u="none" strike="noStrike" cap="none" normalizeH="0" baseline="0" dirty="0">
+              <a:ln>
+                <a:noFill/>
+              </a:ln>
+              <a:solidFill>
+                <a:schemeClr val="tx1"/>
+              </a:solidFill>
+              <a:effectLst/>
+              <a:latin typeface="Times New Roman" panose="02020603050405020304" pitchFamily="18" charset="0"/>
+              <a:cs typeface="Times New Roman" panose="02020603050405020304" pitchFamily="18" charset="0"/>
+            </a:endParaRPr>
+          </a:p>
+          <a:p>
+            <a:pPr>
+              <a:lnSpc>
+                <a:spcPct val="150000"/>
+              </a:lnSpc>
+            </a:pPr>
+            <a:r>
+              <a:rPr kumimoji="0" lang="en-US" altLang="en-US" sz="1400" b="0" u="none" strike="noStrike" cap="none" normalizeH="0" baseline="0" dirty="0" err="1">
+                <a:ln>
+                  <a:noFill/>
+                </a:ln>
+                <a:solidFill>
+                  <a:schemeClr val="tx1"/>
+                </a:solidFill>
                 <a:effectLst/>
                 <a:latin typeface="Times New Roman" panose="02020603050405020304" pitchFamily="18" charset="0"/>
                 <a:cs typeface="Times New Roman" panose="02020603050405020304" pitchFamily="18" charset="0"/>
@@ -27639,7 +28740,7 @@
               <a:t>Pentru</a:t>
             </a:r>
             <a:r>
-              <a:rPr kumimoji="0" lang="en-US" altLang="en-US" sz="1600" b="0" u="none" strike="noStrike" cap="none" normalizeH="0" baseline="0" dirty="0">
+              <a:rPr kumimoji="0" lang="en-US" altLang="en-US" sz="1400" b="0" u="none" strike="noStrike" cap="none" normalizeH="0" baseline="0" dirty="0">
                 <a:ln>
                   <a:noFill/>
                 </a:ln>
@@ -27653,7 +28754,7 @@
               <a:t> </a:t>
             </a:r>
             <a:r>
-              <a:rPr kumimoji="0" lang="en-US" altLang="en-US" sz="1600" b="0" u="none" strike="noStrike" cap="none" normalizeH="0" baseline="0" dirty="0" err="1">
+              <a:rPr kumimoji="0" lang="en-US" altLang="en-US" sz="1400" b="0" u="none" strike="noStrike" cap="none" normalizeH="0" baseline="0" dirty="0" err="1">
                 <a:ln>
                   <a:noFill/>
                 </a:ln>
@@ -27667,7 +28768,7 @@
               <a:t>inceput</a:t>
             </a:r>
             <a:r>
-              <a:rPr kumimoji="0" lang="en-US" altLang="en-US" sz="1600" b="0" u="none" strike="noStrike" cap="none" normalizeH="0" baseline="0" dirty="0">
+              <a:rPr kumimoji="0" lang="en-US" altLang="en-US" sz="1400" b="0" u="none" strike="noStrike" cap="none" normalizeH="0" baseline="0" dirty="0">
                 <a:ln>
                   <a:noFill/>
                 </a:ln>
@@ -27681,7 +28782,7 @@
               <a:t> </a:t>
             </a:r>
             <a:r>
-              <a:rPr kumimoji="0" lang="en-US" altLang="en-US" sz="1600" b="0" u="none" strike="noStrike" cap="none" normalizeH="0" baseline="0" dirty="0" err="1">
+              <a:rPr kumimoji="0" lang="en-US" altLang="en-US" sz="1400" b="0" u="none" strike="noStrike" cap="none" normalizeH="0" baseline="0" dirty="0" err="1">
                 <a:ln>
                   <a:noFill/>
                 </a:ln>
@@ -27695,7 +28796,7 @@
               <a:t>vom</a:t>
             </a:r>
             <a:r>
-              <a:rPr kumimoji="0" lang="en-US" altLang="en-US" sz="1600" b="0" u="none" strike="noStrike" cap="none" normalizeH="0" baseline="0" dirty="0">
+              <a:rPr kumimoji="0" lang="en-US" altLang="en-US" sz="1400" b="0" u="none" strike="noStrike" cap="none" normalizeH="0" baseline="0" dirty="0">
                 <a:ln>
                   <a:noFill/>
                 </a:ln>
@@ -27709,7 +28810,7 @@
               <a:t> </a:t>
             </a:r>
             <a:r>
-              <a:rPr kumimoji="0" lang="en-US" altLang="en-US" sz="1600" b="0" u="none" strike="noStrike" cap="none" normalizeH="0" baseline="0" dirty="0" err="1">
+              <a:rPr kumimoji="0" lang="en-US" altLang="en-US" sz="1400" b="0" u="none" strike="noStrike" cap="none" normalizeH="0" baseline="0" dirty="0" err="1">
                 <a:ln>
                   <a:noFill/>
                 </a:ln>
@@ -27723,7 +28824,7 @@
               <a:t>instala</a:t>
             </a:r>
             <a:r>
-              <a:rPr kumimoji="0" lang="en-US" altLang="en-US" sz="1600" b="0" u="none" strike="noStrike" cap="none" normalizeH="0" baseline="0" dirty="0">
+              <a:rPr kumimoji="0" lang="en-US" altLang="en-US" sz="1400" b="0" u="none" strike="noStrike" cap="none" normalizeH="0" baseline="0" dirty="0">
                 <a:ln>
                   <a:noFill/>
                 </a:ln>
@@ -27737,7 +28838,7 @@
               <a:t> </a:t>
             </a:r>
             <a:r>
-              <a:rPr kumimoji="0" lang="en-US" altLang="en-US" sz="1600" b="0" u="none" strike="noStrike" cap="none" normalizeH="0" baseline="0" dirty="0" err="1">
+              <a:rPr kumimoji="0" lang="en-US" altLang="en-US" sz="1400" b="0" u="none" strike="noStrike" cap="none" normalizeH="0" baseline="0" dirty="0" err="1">
                 <a:ln>
                   <a:noFill/>
                 </a:ln>
@@ -27751,7 +28852,7 @@
               <a:t>libraria</a:t>
             </a:r>
             <a:r>
-              <a:rPr kumimoji="0" lang="en-US" altLang="en-US" sz="1600" b="0" u="none" strike="noStrike" cap="none" normalizeH="0" baseline="0" dirty="0">
+              <a:rPr kumimoji="0" lang="en-US" altLang="en-US" sz="1400" b="0" u="none" strike="noStrike" cap="none" normalizeH="0" baseline="0" dirty="0">
                 <a:ln>
                   <a:noFill/>
                 </a:ln>
@@ -27765,7 +28866,7 @@
               <a:t> selenium. In Terminal </a:t>
             </a:r>
             <a:r>
-              <a:rPr kumimoji="0" lang="en-US" altLang="en-US" sz="1600" b="0" u="none" strike="noStrike" cap="none" normalizeH="0" baseline="0" dirty="0" err="1">
+              <a:rPr kumimoji="0" lang="en-US" altLang="en-US" sz="1400" b="0" u="none" strike="noStrike" cap="none" normalizeH="0" baseline="0" dirty="0" err="1">
                 <a:ln>
                   <a:noFill/>
                 </a:ln>
@@ -27779,7 +28880,7 @@
               <a:t>scriem</a:t>
             </a:r>
             <a:r>
-              <a:rPr kumimoji="0" lang="en-US" altLang="en-US" sz="1600" b="0" u="none" strike="noStrike" cap="none" normalizeH="0" baseline="0" dirty="0">
+              <a:rPr kumimoji="0" lang="en-US" altLang="en-US" sz="1400" b="0" u="none" strike="noStrike" cap="none" normalizeH="0" baseline="0" dirty="0">
                 <a:ln>
                   <a:noFill/>
                 </a:ln>
@@ -27790,10 +28891,10 @@
                 <a:latin typeface="Times New Roman" panose="02020603050405020304" pitchFamily="18" charset="0"/>
                 <a:cs typeface="Times New Roman" panose="02020603050405020304" pitchFamily="18" charset="0"/>
               </a:rPr>
-              <a:t>: pip install </a:t>
-            </a:r>
-            <a:r>
-              <a:rPr kumimoji="0" lang="en-US" altLang="en-US" sz="1600" b="0" u="none" strike="noStrike" cap="none" normalizeH="0" baseline="0" dirty="0" err="1">
+              <a:t>: pip install selenium </a:t>
+            </a:r>
+            <a:r>
+              <a:rPr kumimoji="0" lang="en-US" altLang="en-US" sz="1400" b="0" u="none" strike="noStrike" cap="none" normalizeH="0" baseline="0" dirty="0" err="1">
                 <a:ln>
                   <a:noFill/>
                 </a:ln>
@@ -27804,10 +28905,38 @@
                 <a:latin typeface="Times New Roman" panose="02020603050405020304" pitchFamily="18" charset="0"/>
                 <a:cs typeface="Times New Roman" panose="02020603050405020304" pitchFamily="18" charset="0"/>
               </a:rPr>
+              <a:t>si</a:t>
+            </a:r>
+            <a:r>
+              <a:rPr kumimoji="0" lang="en-US" altLang="en-US" sz="1400" b="0" u="none" strike="noStrike" cap="none" normalizeH="0" baseline="0" dirty="0">
+                <a:ln>
+                  <a:noFill/>
+                </a:ln>
+                <a:solidFill>
+                  <a:schemeClr val="tx1"/>
+                </a:solidFill>
+                <a:effectLst/>
+                <a:latin typeface="Times New Roman" panose="02020603050405020304" pitchFamily="18" charset="0"/>
+                <a:cs typeface="Times New Roman" panose="02020603050405020304" pitchFamily="18" charset="0"/>
+              </a:rPr>
+              <a:t> pip install </a:t>
+            </a:r>
+            <a:r>
+              <a:rPr kumimoji="0" lang="en-US" altLang="en-US" sz="1400" b="0" u="none" strike="noStrike" cap="none" normalizeH="0" baseline="0" dirty="0" err="1">
+                <a:ln>
+                  <a:noFill/>
+                </a:ln>
+                <a:solidFill>
+                  <a:schemeClr val="tx1"/>
+                </a:solidFill>
+                <a:effectLst/>
+                <a:latin typeface="Times New Roman" panose="02020603050405020304" pitchFamily="18" charset="0"/>
+                <a:cs typeface="Times New Roman" panose="02020603050405020304" pitchFamily="18" charset="0"/>
+              </a:rPr>
               <a:t>webdriver</a:t>
             </a:r>
             <a:r>
-              <a:rPr kumimoji="0" lang="en-US" altLang="en-US" sz="1600" b="0" u="none" strike="noStrike" cap="none" normalizeH="0" baseline="0" dirty="0">
+              <a:rPr kumimoji="0" lang="en-US" altLang="en-US" sz="1400" b="0" u="none" strike="noStrike" cap="none" normalizeH="0" baseline="0" dirty="0">
                 <a:ln>
                   <a:noFill/>
                 </a:ln>
@@ -27818,10 +28947,10 @@
                 <a:latin typeface="Times New Roman" panose="02020603050405020304" pitchFamily="18" charset="0"/>
                 <a:cs typeface="Times New Roman" panose="02020603050405020304" pitchFamily="18" charset="0"/>
               </a:rPr>
-              <a:t>-manager </a:t>
-            </a:r>
-            <a:r>
-              <a:rPr kumimoji="0" lang="en-US" altLang="en-US" sz="1600" b="0" u="none" strike="noStrike" cap="none" normalizeH="0" baseline="0" dirty="0" err="1">
+              <a:t>-manager.</a:t>
+            </a:r>
+            <a:br>
+              <a:rPr kumimoji="0" lang="en-US" altLang="en-US" sz="1400" b="0" u="none" strike="noStrike" cap="none" normalizeH="0" baseline="0" dirty="0">
                 <a:ln>
                   <a:noFill/>
                 </a:ln>
@@ -27832,10 +28961,9 @@
                 <a:latin typeface="Times New Roman" panose="02020603050405020304" pitchFamily="18" charset="0"/>
                 <a:cs typeface="Times New Roman" panose="02020603050405020304" pitchFamily="18" charset="0"/>
               </a:rPr>
-              <a:t>si</a:t>
-            </a:r>
-            <a:r>
-              <a:rPr kumimoji="0" lang="en-US" altLang="en-US" sz="1600" b="0" u="none" strike="noStrike" cap="none" normalizeH="0" baseline="0" dirty="0">
+            </a:br>
+            <a:r>
+              <a:rPr kumimoji="0" lang="en-US" altLang="en-US" sz="1400" b="0" u="none" strike="noStrike" cap="none" normalizeH="0" baseline="0" dirty="0" err="1">
                 <a:ln>
                   <a:noFill/>
                 </a:ln>
@@ -27846,10 +28974,10 @@
                 <a:latin typeface="Times New Roman" panose="02020603050405020304" pitchFamily="18" charset="0"/>
                 <a:cs typeface="Times New Roman" panose="02020603050405020304" pitchFamily="18" charset="0"/>
               </a:rPr>
-              <a:t> pip install selenium</a:t>
-            </a:r>
-            <a:br>
-              <a:rPr kumimoji="0" lang="en-US" altLang="en-US" sz="1600" b="0" u="none" strike="noStrike" cap="none" normalizeH="0" baseline="0" dirty="0">
+              <a:t>Dupa</a:t>
+            </a:r>
+            <a:r>
+              <a:rPr kumimoji="0" lang="en-US" altLang="en-US" sz="1400" b="0" u="none" strike="noStrike" cap="none" normalizeH="0" baseline="0" dirty="0">
                 <a:ln>
                   <a:noFill/>
                 </a:ln>
@@ -27860,9 +28988,10 @@
                 <a:latin typeface="Times New Roman" panose="02020603050405020304" pitchFamily="18" charset="0"/>
                 <a:cs typeface="Times New Roman" panose="02020603050405020304" pitchFamily="18" charset="0"/>
               </a:rPr>
-            </a:br>
-            <a:r>
-              <a:rPr kumimoji="0" lang="en-US" altLang="en-US" sz="1600" b="0" u="none" strike="noStrike" cap="none" normalizeH="0" baseline="0" dirty="0">
+              <a:t> </a:t>
+            </a:r>
+            <a:r>
+              <a:rPr kumimoji="0" lang="en-US" altLang="en-US" sz="1400" b="0" u="none" strike="noStrike" cap="none" normalizeH="0" baseline="0" dirty="0" err="1">
                 <a:ln>
                   <a:noFill/>
                 </a:ln>
@@ -27873,10 +29002,10 @@
                 <a:latin typeface="Times New Roman" panose="02020603050405020304" pitchFamily="18" charset="0"/>
                 <a:cs typeface="Times New Roman" panose="02020603050405020304" pitchFamily="18" charset="0"/>
               </a:rPr>
-              <a:t>Daca nu </a:t>
-            </a:r>
-            <a:r>
-              <a:rPr kumimoji="0" lang="en-US" altLang="en-US" sz="1600" b="0" u="none" strike="noStrike" cap="none" normalizeH="0" baseline="0" dirty="0" err="1">
+              <a:t>ce</a:t>
+            </a:r>
+            <a:r>
+              <a:rPr kumimoji="0" lang="en-US" altLang="en-US" sz="1400" b="0" u="none" strike="noStrike" cap="none" normalizeH="0" baseline="0" dirty="0">
                 <a:ln>
                   <a:noFill/>
                 </a:ln>
@@ -27887,10 +29016,10 @@
                 <a:latin typeface="Times New Roman" panose="02020603050405020304" pitchFamily="18" charset="0"/>
                 <a:cs typeface="Times New Roman" panose="02020603050405020304" pitchFamily="18" charset="0"/>
               </a:rPr>
-              <a:t>reusim</a:t>
-            </a:r>
-            <a:r>
-              <a:rPr kumimoji="0" lang="en-US" altLang="en-US" sz="1600" b="0" u="none" strike="noStrike" cap="none" normalizeH="0" baseline="0" dirty="0">
+              <a:t> am </a:t>
+            </a:r>
+            <a:r>
+              <a:rPr kumimoji="0" lang="en-US" altLang="en-US" sz="1400" b="0" u="none" strike="noStrike" cap="none" normalizeH="0" baseline="0" dirty="0" err="1">
                 <a:ln>
                   <a:noFill/>
                 </a:ln>
@@ -27901,10 +29030,24 @@
                 <a:latin typeface="Times New Roman" panose="02020603050405020304" pitchFamily="18" charset="0"/>
                 <a:cs typeface="Times New Roman" panose="02020603050405020304" pitchFamily="18" charset="0"/>
               </a:rPr>
+              <a:t>instalat</a:t>
+            </a:r>
+            <a:r>
+              <a:rPr kumimoji="0" lang="en-US" altLang="en-US" sz="1400" b="0" u="none" strike="noStrike" cap="none" normalizeH="0" baseline="0" dirty="0">
+                <a:ln>
+                  <a:noFill/>
+                </a:ln>
+                <a:solidFill>
+                  <a:schemeClr val="tx1"/>
+                </a:solidFill>
+                <a:effectLst/>
+                <a:latin typeface="Times New Roman" panose="02020603050405020304" pitchFamily="18" charset="0"/>
+                <a:cs typeface="Times New Roman" panose="02020603050405020304" pitchFamily="18" charset="0"/>
+              </a:rPr>
               <a:t> </a:t>
             </a:r>
             <a:r>
-              <a:rPr kumimoji="0" lang="en-US" altLang="en-US" sz="1600" b="0" u="none" strike="noStrike" cap="none" normalizeH="0" baseline="0" dirty="0" err="1">
+              <a:rPr kumimoji="0" lang="en-US" altLang="en-US" sz="1400" b="0" u="none" strike="noStrike" cap="none" normalizeH="0" baseline="0" dirty="0" err="1">
                 <a:ln>
                   <a:noFill/>
                 </a:ln>
@@ -27915,10 +29058,178 @@
                 <a:latin typeface="Times New Roman" panose="02020603050405020304" pitchFamily="18" charset="0"/>
                 <a:cs typeface="Times New Roman" panose="02020603050405020304" pitchFamily="18" charset="0"/>
               </a:rPr>
+              <a:t>libraria</a:t>
+            </a:r>
+            <a:r>
+              <a:rPr kumimoji="0" lang="en-US" altLang="en-US" sz="1400" b="0" u="none" strike="noStrike" cap="none" normalizeH="0" baseline="0" dirty="0">
+                <a:ln>
+                  <a:noFill/>
+                </a:ln>
+                <a:solidFill>
+                  <a:schemeClr val="tx1"/>
+                </a:solidFill>
+                <a:effectLst/>
+                <a:latin typeface="Times New Roman" panose="02020603050405020304" pitchFamily="18" charset="0"/>
+                <a:cs typeface="Times New Roman" panose="02020603050405020304" pitchFamily="18" charset="0"/>
+              </a:rPr>
+              <a:t>, </a:t>
+            </a:r>
+            <a:r>
+              <a:rPr kumimoji="0" lang="en-US" altLang="en-US" sz="1400" b="0" u="none" strike="noStrike" cap="none" normalizeH="0" baseline="0" dirty="0" err="1">
+                <a:ln>
+                  <a:noFill/>
+                </a:ln>
+                <a:solidFill>
+                  <a:schemeClr val="tx1"/>
+                </a:solidFill>
+                <a:effectLst/>
+                <a:latin typeface="Times New Roman" panose="02020603050405020304" pitchFamily="18" charset="0"/>
+                <a:cs typeface="Times New Roman" panose="02020603050405020304" pitchFamily="18" charset="0"/>
+              </a:rPr>
+              <a:t>purcedem</a:t>
+            </a:r>
+            <a:r>
+              <a:rPr kumimoji="0" lang="en-US" altLang="en-US" sz="1400" b="0" u="none" strike="noStrike" cap="none" normalizeH="0" baseline="0" dirty="0">
+                <a:ln>
+                  <a:noFill/>
+                </a:ln>
+                <a:solidFill>
+                  <a:schemeClr val="tx1"/>
+                </a:solidFill>
+                <a:effectLst/>
+                <a:latin typeface="Times New Roman" panose="02020603050405020304" pitchFamily="18" charset="0"/>
+                <a:cs typeface="Times New Roman" panose="02020603050405020304" pitchFamily="18" charset="0"/>
+              </a:rPr>
+              <a:t> la </a:t>
+            </a:r>
+            <a:r>
+              <a:rPr kumimoji="0" lang="en-US" altLang="en-US" sz="1400" b="0" u="none" strike="noStrike" cap="none" normalizeH="0" baseline="0" dirty="0" err="1">
+                <a:ln>
+                  <a:noFill/>
+                </a:ln>
+                <a:solidFill>
+                  <a:schemeClr val="tx1"/>
+                </a:solidFill>
+                <a:effectLst/>
+                <a:latin typeface="Times New Roman" panose="02020603050405020304" pitchFamily="18" charset="0"/>
+                <a:cs typeface="Times New Roman" panose="02020603050405020304" pitchFamily="18" charset="0"/>
+              </a:rPr>
+              <a:t>cautarea</a:t>
+            </a:r>
+            <a:r>
+              <a:rPr kumimoji="0" lang="en-US" altLang="en-US" sz="1400" b="0" u="none" strike="noStrike" cap="none" normalizeH="0" baseline="0" dirty="0">
+                <a:ln>
+                  <a:noFill/>
+                </a:ln>
+                <a:solidFill>
+                  <a:schemeClr val="tx1"/>
+                </a:solidFill>
+                <a:effectLst/>
+                <a:latin typeface="Times New Roman" panose="02020603050405020304" pitchFamily="18" charset="0"/>
+                <a:cs typeface="Times New Roman" panose="02020603050405020304" pitchFamily="18" charset="0"/>
+              </a:rPr>
+              <a:t> </a:t>
+            </a:r>
+            <a:r>
+              <a:rPr kumimoji="0" lang="en-US" altLang="en-US" sz="1400" b="0" u="none" strike="noStrike" cap="none" normalizeH="0" baseline="0" dirty="0" err="1">
+                <a:ln>
+                  <a:noFill/>
+                </a:ln>
+                <a:solidFill>
+                  <a:schemeClr val="tx1"/>
+                </a:solidFill>
+                <a:effectLst/>
+                <a:latin typeface="Times New Roman" panose="02020603050405020304" pitchFamily="18" charset="0"/>
+                <a:cs typeface="Times New Roman" panose="02020603050405020304" pitchFamily="18" charset="0"/>
+              </a:rPr>
+              <a:t>selectorilor</a:t>
+            </a:r>
+            <a:r>
+              <a:rPr kumimoji="0" lang="en-US" altLang="en-US" sz="1400" b="0" u="none" strike="noStrike" cap="none" normalizeH="0" baseline="0" dirty="0">
+                <a:ln>
+                  <a:noFill/>
+                </a:ln>
+                <a:solidFill>
+                  <a:schemeClr val="tx1"/>
+                </a:solidFill>
+                <a:effectLst/>
+                <a:latin typeface="Times New Roman" panose="02020603050405020304" pitchFamily="18" charset="0"/>
+                <a:cs typeface="Times New Roman" panose="02020603050405020304" pitchFamily="18" charset="0"/>
+              </a:rPr>
+              <a:t> de pe </a:t>
+            </a:r>
+            <a:r>
+              <a:rPr kumimoji="0" lang="en-US" altLang="en-US" sz="1400" b="0" u="none" strike="noStrike" cap="none" normalizeH="0" baseline="0" dirty="0" err="1">
+                <a:ln>
+                  <a:noFill/>
+                </a:ln>
+                <a:solidFill>
+                  <a:schemeClr val="tx1"/>
+                </a:solidFill>
+                <a:effectLst/>
+                <a:latin typeface="Times New Roman" panose="02020603050405020304" pitchFamily="18" charset="0"/>
+                <a:cs typeface="Times New Roman" panose="02020603050405020304" pitchFamily="18" charset="0"/>
+              </a:rPr>
+              <a:t>pagina</a:t>
+            </a:r>
+            <a:r>
+              <a:rPr kumimoji="0" lang="en-US" altLang="en-US" sz="1400" b="0" u="none" strike="noStrike" cap="none" normalizeH="0" baseline="0" dirty="0">
+                <a:ln>
+                  <a:noFill/>
+                </a:ln>
+                <a:solidFill>
+                  <a:schemeClr val="tx1"/>
+                </a:solidFill>
+                <a:effectLst/>
+                <a:latin typeface="Times New Roman" panose="02020603050405020304" pitchFamily="18" charset="0"/>
+                <a:cs typeface="Times New Roman" panose="02020603050405020304" pitchFamily="18" charset="0"/>
+              </a:rPr>
+              <a:t> pe care </a:t>
+            </a:r>
+            <a:r>
+              <a:rPr kumimoji="0" lang="en-US" altLang="en-US" sz="1400" b="0" u="none" strike="noStrike" cap="none" normalizeH="0" baseline="0" dirty="0" err="1">
+                <a:ln>
+                  <a:noFill/>
+                </a:ln>
+                <a:solidFill>
+                  <a:schemeClr val="tx1"/>
+                </a:solidFill>
+                <a:effectLst/>
+                <a:latin typeface="Times New Roman" panose="02020603050405020304" pitchFamily="18" charset="0"/>
+                <a:cs typeface="Times New Roman" panose="02020603050405020304" pitchFamily="18" charset="0"/>
+              </a:rPr>
+              <a:t>vrem</a:t>
+            </a:r>
+            <a:r>
+              <a:rPr kumimoji="0" lang="en-US" altLang="en-US" sz="1400" b="0" u="none" strike="noStrike" cap="none" normalizeH="0" baseline="0" dirty="0">
+                <a:ln>
+                  <a:noFill/>
+                </a:ln>
+                <a:solidFill>
+                  <a:schemeClr val="tx1"/>
+                </a:solidFill>
+                <a:effectLst/>
+                <a:latin typeface="Times New Roman" panose="02020603050405020304" pitchFamily="18" charset="0"/>
+                <a:cs typeface="Times New Roman" panose="02020603050405020304" pitchFamily="18" charset="0"/>
+              </a:rPr>
+              <a:t> </a:t>
+            </a:r>
+            <a:r>
+              <a:rPr kumimoji="0" lang="en-US" altLang="en-US" sz="1400" b="0" u="none" strike="noStrike" cap="none" normalizeH="0" baseline="0" dirty="0" err="1">
+                <a:ln>
+                  <a:noFill/>
+                </a:ln>
+                <a:solidFill>
+                  <a:schemeClr val="tx1"/>
+                </a:solidFill>
+                <a:effectLst/>
+                <a:latin typeface="Times New Roman" panose="02020603050405020304" pitchFamily="18" charset="0"/>
+                <a:cs typeface="Times New Roman" panose="02020603050405020304" pitchFamily="18" charset="0"/>
+              </a:rPr>
               <a:t>sa</a:t>
             </a:r>
             <a:r>
-              <a:rPr kumimoji="0" lang="en-US" altLang="en-US" sz="1600" b="0" u="none" strike="noStrike" cap="none" normalizeH="0" baseline="0" dirty="0">
+              <a:rPr kumimoji="0" lang="en-US" altLang="en-US" sz="1400" b="0" u="none" strike="noStrike" cap="none" normalizeH="0" baseline="0" dirty="0">
                 <a:ln>
                   <a:noFill/>
                 </a:ln>
@@ -27929,10 +29240,100 @@
                 <a:latin typeface="Times New Roman" panose="02020603050405020304" pitchFamily="18" charset="0"/>
                 <a:cs typeface="Times New Roman" panose="02020603050405020304" pitchFamily="18" charset="0"/>
               </a:rPr>
+              <a:t> o </a:t>
+            </a:r>
+            <a:r>
+              <a:rPr kumimoji="0" lang="en-US" altLang="en-US" sz="1400" b="0" u="none" strike="noStrike" cap="none" normalizeH="0" baseline="0" dirty="0" err="1">
+                <a:ln>
+                  <a:noFill/>
+                </a:ln>
+                <a:solidFill>
+                  <a:schemeClr val="tx1"/>
+                </a:solidFill>
+                <a:effectLst/>
+                <a:latin typeface="Times New Roman" panose="02020603050405020304" pitchFamily="18" charset="0"/>
+                <a:cs typeface="Times New Roman" panose="02020603050405020304" pitchFamily="18" charset="0"/>
+              </a:rPr>
+              <a:t>testam</a:t>
+            </a:r>
+            <a:r>
+              <a:rPr lang="en-US" altLang="en-US" sz="1400" dirty="0">
+                <a:solidFill>
+                  <a:schemeClr val="tx1"/>
+                </a:solidFill>
+                <a:latin typeface="Times New Roman" panose="02020603050405020304" pitchFamily="18" charset="0"/>
+                <a:cs typeface="Times New Roman" panose="02020603050405020304" pitchFamily="18" charset="0"/>
+              </a:rPr>
+              <a:t>. </a:t>
+            </a:r>
+            <a:r>
+              <a:rPr lang="en-US" altLang="en-US" sz="1400" dirty="0" err="1">
+                <a:solidFill>
+                  <a:schemeClr val="tx1"/>
+                </a:solidFill>
+                <a:latin typeface="Times New Roman" panose="02020603050405020304" pitchFamily="18" charset="0"/>
+                <a:cs typeface="Times New Roman" panose="02020603050405020304" pitchFamily="18" charset="0"/>
+              </a:rPr>
+              <a:t>P</a:t>
+            </a:r>
+            <a:r>
+              <a:rPr kumimoji="0" lang="en-US" altLang="en-US" sz="1400" b="0" u="none" strike="noStrike" cap="none" normalizeH="0" baseline="0" dirty="0" err="1">
+                <a:ln>
+                  <a:noFill/>
+                </a:ln>
+                <a:solidFill>
+                  <a:schemeClr val="tx1"/>
+                </a:solidFill>
+                <a:effectLst/>
+                <a:latin typeface="Times New Roman" panose="02020603050405020304" pitchFamily="18" charset="0"/>
+                <a:cs typeface="Times New Roman" panose="02020603050405020304" pitchFamily="18" charset="0"/>
+              </a:rPr>
+              <a:t>entru</a:t>
+            </a:r>
+            <a:r>
+              <a:rPr kumimoji="0" lang="en-US" altLang="en-US" sz="1400" b="0" u="none" strike="noStrike" cap="none" normalizeH="0" baseline="0" dirty="0">
+                <a:ln>
+                  <a:noFill/>
+                </a:ln>
+                <a:solidFill>
+                  <a:schemeClr val="tx1"/>
+                </a:solidFill>
+                <a:effectLst/>
+                <a:latin typeface="Times New Roman" panose="02020603050405020304" pitchFamily="18" charset="0"/>
+                <a:cs typeface="Times New Roman" panose="02020603050405020304" pitchFamily="18" charset="0"/>
+              </a:rPr>
+              <a:t> a </a:t>
+            </a:r>
+            <a:r>
+              <a:rPr kumimoji="0" lang="en-US" altLang="en-US" sz="1400" b="0" u="none" strike="noStrike" cap="none" normalizeH="0" baseline="0" dirty="0" err="1">
+                <a:ln>
+                  <a:noFill/>
+                </a:ln>
+                <a:solidFill>
+                  <a:schemeClr val="tx1"/>
+                </a:solidFill>
+                <a:effectLst/>
+                <a:latin typeface="Times New Roman" panose="02020603050405020304" pitchFamily="18" charset="0"/>
+                <a:cs typeface="Times New Roman" panose="02020603050405020304" pitchFamily="18" charset="0"/>
+              </a:rPr>
+              <a:t>indentifica</a:t>
+            </a:r>
+            <a:r>
+              <a:rPr kumimoji="0" lang="en-US" altLang="en-US" sz="1400" b="0" u="none" strike="noStrike" cap="none" normalizeH="0" baseline="0" dirty="0">
+                <a:ln>
+                  <a:noFill/>
+                </a:ln>
+                <a:solidFill>
+                  <a:schemeClr val="tx1"/>
+                </a:solidFill>
+                <a:effectLst/>
+                <a:latin typeface="Times New Roman" panose="02020603050405020304" pitchFamily="18" charset="0"/>
+                <a:cs typeface="Times New Roman" panose="02020603050405020304" pitchFamily="18" charset="0"/>
+              </a:rPr>
               <a:t> </a:t>
             </a:r>
             <a:r>
-              <a:rPr kumimoji="0" lang="en-US" altLang="en-US" sz="1600" b="0" u="none" strike="noStrike" cap="none" normalizeH="0" baseline="0" dirty="0" err="1">
+              <a:rPr kumimoji="0" lang="en-US" altLang="en-US" sz="1400" b="0" u="none" strike="noStrike" cap="none" normalizeH="0" baseline="0" dirty="0" err="1">
                 <a:ln>
                   <a:noFill/>
                 </a:ln>
@@ -27943,10 +29344,10 @@
                 <a:latin typeface="Times New Roman" panose="02020603050405020304" pitchFamily="18" charset="0"/>
                 <a:cs typeface="Times New Roman" panose="02020603050405020304" pitchFamily="18" charset="0"/>
               </a:rPr>
-              <a:t>instalam</a:t>
-            </a:r>
-            <a:r>
-              <a:rPr kumimoji="0" lang="en-US" altLang="en-US" sz="1600" b="0" u="none" strike="noStrike" cap="none" normalizeH="0" baseline="0" dirty="0">
+              <a:t>elementele</a:t>
+            </a:r>
+            <a:r>
+              <a:rPr kumimoji="0" lang="en-US" altLang="en-US" sz="1400" b="0" u="none" strike="noStrike" cap="none" normalizeH="0" baseline="0" dirty="0">
                 <a:ln>
                   <a:noFill/>
                 </a:ln>
@@ -27960,7 +29361,7 @@
               <a:t>, </a:t>
             </a:r>
             <a:r>
-              <a:rPr kumimoji="0" lang="en-US" altLang="en-US" sz="1600" b="0" u="none" strike="noStrike" cap="none" normalizeH="0" baseline="0" dirty="0" err="1">
+              <a:rPr kumimoji="0" lang="en-US" altLang="en-US" sz="1400" b="0" u="none" strike="noStrike" cap="none" normalizeH="0" baseline="0" dirty="0" err="1">
                 <a:ln>
                   <a:noFill/>
                 </a:ln>
@@ -27971,10 +29372,10 @@
                 <a:latin typeface="Times New Roman" panose="02020603050405020304" pitchFamily="18" charset="0"/>
                 <a:cs typeface="Times New Roman" panose="02020603050405020304" pitchFamily="18" charset="0"/>
               </a:rPr>
-              <a:t>intram</a:t>
-            </a:r>
-            <a:r>
-              <a:rPr kumimoji="0" lang="en-US" altLang="en-US" sz="1600" b="0" u="none" strike="noStrike" cap="none" normalizeH="0" baseline="0" dirty="0">
+              <a:t>facem</a:t>
+            </a:r>
+            <a:r>
+              <a:rPr kumimoji="0" lang="en-US" altLang="en-US" sz="1400" b="0" u="none" strike="noStrike" cap="none" normalizeH="0" baseline="0" dirty="0">
                 <a:ln>
                   <a:noFill/>
                 </a:ln>
@@ -27985,10 +29386,10 @@
                 <a:latin typeface="Times New Roman" panose="02020603050405020304" pitchFamily="18" charset="0"/>
                 <a:cs typeface="Times New Roman" panose="02020603050405020304" pitchFamily="18" charset="0"/>
               </a:rPr>
-              <a:t> la Python Packages </a:t>
-            </a:r>
-            <a:r>
-              <a:rPr kumimoji="0" lang="en-US" altLang="en-US" sz="1600" b="0" u="none" strike="noStrike" cap="none" normalizeH="0" baseline="0" dirty="0" err="1">
+              <a:t> click </a:t>
+            </a:r>
+            <a:r>
+              <a:rPr kumimoji="0" lang="en-US" altLang="en-US" sz="1400" b="0" u="none" strike="noStrike" cap="none" normalizeH="0" baseline="0" dirty="0" err="1">
                 <a:ln>
                   <a:noFill/>
                 </a:ln>
@@ -27999,10 +29400,10 @@
                 <a:latin typeface="Times New Roman" panose="02020603050405020304" pitchFamily="18" charset="0"/>
                 <a:cs typeface="Times New Roman" panose="02020603050405020304" pitchFamily="18" charset="0"/>
               </a:rPr>
-              <a:t>si</a:t>
-            </a:r>
-            <a:r>
-              <a:rPr kumimoji="0" lang="en-US" altLang="en-US" sz="1600" b="0" u="none" strike="noStrike" cap="none" normalizeH="0" baseline="0" dirty="0">
+              <a:t>dreapta</a:t>
+            </a:r>
+            <a:r>
+              <a:rPr kumimoji="0" lang="en-US" altLang="en-US" sz="1400" b="0" u="none" strike="noStrike" cap="none" normalizeH="0" baseline="0" dirty="0">
                 <a:ln>
                   <a:noFill/>
                 </a:ln>
@@ -28013,121 +29414,173 @@
                 <a:latin typeface="Times New Roman" panose="02020603050405020304" pitchFamily="18" charset="0"/>
                 <a:cs typeface="Times New Roman" panose="02020603050405020304" pitchFamily="18" charset="0"/>
               </a:rPr>
+              <a:t> pe </a:t>
+            </a:r>
+            <a:r>
+              <a:rPr kumimoji="0" lang="en-US" altLang="en-US" sz="1400" b="0" u="none" strike="noStrike" cap="none" normalizeH="0" baseline="0" dirty="0" err="1">
+                <a:ln>
+                  <a:noFill/>
+                </a:ln>
+                <a:solidFill>
+                  <a:schemeClr val="tx1"/>
+                </a:solidFill>
+                <a:effectLst/>
+                <a:latin typeface="Times New Roman" panose="02020603050405020304" pitchFamily="18" charset="0"/>
+                <a:cs typeface="Times New Roman" panose="02020603050405020304" pitchFamily="18" charset="0"/>
+              </a:rPr>
+              <a:t>pagina</a:t>
+            </a:r>
+            <a:r>
+              <a:rPr lang="en-US" altLang="en-US" sz="1400" dirty="0">
+                <a:solidFill>
+                  <a:schemeClr val="tx1"/>
+                </a:solidFill>
+                <a:latin typeface="Times New Roman" panose="02020603050405020304" pitchFamily="18" charset="0"/>
+                <a:cs typeface="Times New Roman" panose="02020603050405020304" pitchFamily="18" charset="0"/>
+              </a:rPr>
+              <a:t>, </a:t>
+            </a:r>
+            <a:r>
+              <a:rPr lang="en-US" altLang="en-US" sz="1400" dirty="0" err="1">
+                <a:solidFill>
+                  <a:schemeClr val="tx1"/>
+                </a:solidFill>
+                <a:latin typeface="Times New Roman" panose="02020603050405020304" pitchFamily="18" charset="0"/>
+                <a:cs typeface="Times New Roman" panose="02020603050405020304" pitchFamily="18" charset="0"/>
+              </a:rPr>
+              <a:t>apoi</a:t>
+            </a:r>
+            <a:r>
+              <a:rPr lang="en-US" altLang="en-US" sz="1400" dirty="0">
+                <a:solidFill>
+                  <a:schemeClr val="tx1"/>
+                </a:solidFill>
+                <a:latin typeface="Times New Roman" panose="02020603050405020304" pitchFamily="18" charset="0"/>
+                <a:cs typeface="Times New Roman" panose="02020603050405020304" pitchFamily="18" charset="0"/>
+              </a:rPr>
+              <a:t> click pe inspect =&gt; ne duce direct la </a:t>
+            </a:r>
+            <a:r>
+              <a:rPr lang="en-US" altLang="en-US" sz="1400" dirty="0" err="1">
+                <a:solidFill>
+                  <a:schemeClr val="tx1"/>
+                </a:solidFill>
+                <a:latin typeface="Times New Roman" panose="02020603050405020304" pitchFamily="18" charset="0"/>
+                <a:cs typeface="Times New Roman" panose="02020603050405020304" pitchFamily="18" charset="0"/>
+              </a:rPr>
+              <a:t>pagina</a:t>
+            </a:r>
+            <a:r>
+              <a:rPr lang="en-US" altLang="en-US" sz="1400" dirty="0">
+                <a:solidFill>
+                  <a:schemeClr val="tx1"/>
+                </a:solidFill>
+                <a:latin typeface="Times New Roman" panose="02020603050405020304" pitchFamily="18" charset="0"/>
+                <a:cs typeface="Times New Roman" panose="02020603050405020304" pitchFamily="18" charset="0"/>
+              </a:rPr>
+              <a:t> html, de </a:t>
+            </a:r>
+            <a:r>
+              <a:rPr lang="en-US" altLang="en-US" sz="1400" dirty="0" err="1">
+                <a:solidFill>
+                  <a:schemeClr val="tx1"/>
+                </a:solidFill>
+                <a:latin typeface="Times New Roman" panose="02020603050405020304" pitchFamily="18" charset="0"/>
+                <a:cs typeface="Times New Roman" panose="02020603050405020304" pitchFamily="18" charset="0"/>
+              </a:rPr>
+              <a:t>unde</a:t>
+            </a:r>
+            <a:r>
+              <a:rPr lang="en-US" altLang="en-US" sz="1400" dirty="0">
+                <a:solidFill>
+                  <a:schemeClr val="tx1"/>
+                </a:solidFill>
+                <a:latin typeface="Times New Roman" panose="02020603050405020304" pitchFamily="18" charset="0"/>
+                <a:cs typeface="Times New Roman" panose="02020603050405020304" pitchFamily="18" charset="0"/>
+              </a:rPr>
               <a:t> </a:t>
             </a:r>
             <a:r>
-              <a:rPr kumimoji="0" lang="en-US" altLang="en-US" sz="1600" b="0" u="none" strike="noStrike" cap="none" normalizeH="0" baseline="0" dirty="0" err="1">
-                <a:ln>
-                  <a:noFill/>
-                </a:ln>
+              <a:rPr lang="en-US" altLang="en-US" sz="1400" dirty="0" err="1">
                 <a:solidFill>
                   <a:schemeClr val="tx1"/>
                 </a:solidFill>
-                <a:effectLst/>
-                <a:latin typeface="Times New Roman" panose="02020603050405020304" pitchFamily="18" charset="0"/>
-                <a:cs typeface="Times New Roman" panose="02020603050405020304" pitchFamily="18" charset="0"/>
-              </a:rPr>
-              <a:t>scriem</a:t>
-            </a:r>
-            <a:r>
-              <a:rPr kumimoji="0" lang="en-US" altLang="en-US" sz="1600" b="0" u="none" strike="noStrike" cap="none" normalizeH="0" baseline="0" dirty="0">
-                <a:ln>
-                  <a:noFill/>
-                </a:ln>
+                <a:latin typeface="Times New Roman" panose="02020603050405020304" pitchFamily="18" charset="0"/>
+                <a:cs typeface="Times New Roman" panose="02020603050405020304" pitchFamily="18" charset="0"/>
+              </a:rPr>
+              <a:t>extragem</a:t>
+            </a:r>
+            <a:r>
+              <a:rPr lang="en-US" altLang="en-US" sz="1400" dirty="0">
                 <a:solidFill>
                   <a:schemeClr val="tx1"/>
                 </a:solidFill>
-                <a:effectLst/>
-                <a:latin typeface="Times New Roman" panose="02020603050405020304" pitchFamily="18" charset="0"/>
-                <a:cs typeface="Times New Roman" panose="02020603050405020304" pitchFamily="18" charset="0"/>
-              </a:rPr>
-              <a:t> in bara de </a:t>
-            </a:r>
-            <a:r>
-              <a:rPr kumimoji="0" lang="en-US" altLang="en-US" sz="1600" b="0" u="none" strike="noStrike" cap="none" normalizeH="0" baseline="0" dirty="0" err="1">
-                <a:ln>
-                  <a:noFill/>
-                </a:ln>
+                <a:latin typeface="Times New Roman" panose="02020603050405020304" pitchFamily="18" charset="0"/>
+                <a:cs typeface="Times New Roman" panose="02020603050405020304" pitchFamily="18" charset="0"/>
+              </a:rPr>
+              <a:t> </a:t>
+            </a:r>
+            <a:r>
+              <a:rPr lang="en-US" altLang="en-US" sz="1400" dirty="0" err="1">
                 <a:solidFill>
                   <a:schemeClr val="tx1"/>
                 </a:solidFill>
-                <a:effectLst/>
-                <a:latin typeface="Times New Roman" panose="02020603050405020304" pitchFamily="18" charset="0"/>
-                <a:cs typeface="Times New Roman" panose="02020603050405020304" pitchFamily="18" charset="0"/>
-              </a:rPr>
-              <a:t>cautare</a:t>
-            </a:r>
-            <a:r>
-              <a:rPr kumimoji="0" lang="en-US" altLang="en-US" sz="1600" b="0" u="none" strike="noStrike" cap="none" normalizeH="0" baseline="0" dirty="0">
-                <a:ln>
-                  <a:noFill/>
-                </a:ln>
+                <a:latin typeface="Times New Roman" panose="02020603050405020304" pitchFamily="18" charset="0"/>
+                <a:cs typeface="Times New Roman" panose="02020603050405020304" pitchFamily="18" charset="0"/>
+              </a:rPr>
+              <a:t>elementele</a:t>
+            </a:r>
+            <a:r>
+              <a:rPr lang="en-US" altLang="en-US" sz="1400" dirty="0">
                 <a:solidFill>
                   <a:schemeClr val="tx1"/>
                 </a:solidFill>
-                <a:effectLst/>
-                <a:latin typeface="Times New Roman" panose="02020603050405020304" pitchFamily="18" charset="0"/>
-                <a:cs typeface="Times New Roman" panose="02020603050405020304" pitchFamily="18" charset="0"/>
-              </a:rPr>
-              <a:t>: </a:t>
-            </a:r>
-            <a:r>
-              <a:rPr kumimoji="0" lang="en-US" altLang="en-US" sz="1600" b="0" u="none" strike="noStrike" cap="none" normalizeH="0" baseline="0" dirty="0" err="1">
-                <a:ln>
-                  <a:noFill/>
-                </a:ln>
+                <a:latin typeface="Times New Roman" panose="02020603050405020304" pitchFamily="18" charset="0"/>
+                <a:cs typeface="Times New Roman" panose="02020603050405020304" pitchFamily="18" charset="0"/>
+              </a:rPr>
+              <a:t> </a:t>
+            </a:r>
+            <a:r>
+              <a:rPr lang="en-US" altLang="en-US" sz="1400" dirty="0" err="1">
                 <a:solidFill>
                   <a:schemeClr val="tx1"/>
                 </a:solidFill>
-                <a:effectLst/>
-                <a:latin typeface="Times New Roman" panose="02020603050405020304" pitchFamily="18" charset="0"/>
-                <a:cs typeface="Times New Roman" panose="02020603050405020304" pitchFamily="18" charset="0"/>
-              </a:rPr>
-              <a:t>webdriver-menager</a:t>
-            </a:r>
-            <a:r>
-              <a:rPr kumimoji="0" lang="en-US" altLang="en-US" sz="1600" b="0" u="none" strike="noStrike" cap="none" normalizeH="0" baseline="0" dirty="0">
-                <a:ln>
-                  <a:noFill/>
-                </a:ln>
+                <a:latin typeface="Times New Roman" panose="02020603050405020304" pitchFamily="18" charset="0"/>
+                <a:cs typeface="Times New Roman" panose="02020603050405020304" pitchFamily="18" charset="0"/>
+              </a:rPr>
+              <a:t>ce</a:t>
+            </a:r>
+            <a:r>
+              <a:rPr lang="en-US" altLang="en-US" sz="1400" dirty="0">
                 <a:solidFill>
                   <a:schemeClr val="tx1"/>
                 </a:solidFill>
-                <a:effectLst/>
-                <a:latin typeface="Times New Roman" panose="02020603050405020304" pitchFamily="18" charset="0"/>
-                <a:cs typeface="Times New Roman" panose="02020603050405020304" pitchFamily="18" charset="0"/>
-              </a:rPr>
-              <a:t> </a:t>
-            </a:r>
-            <a:r>
-              <a:rPr kumimoji="0" lang="en-US" altLang="en-US" sz="1600" b="0" u="none" strike="noStrike" cap="none" normalizeH="0" baseline="0" dirty="0" err="1">
-                <a:ln>
-                  <a:noFill/>
-                </a:ln>
+                <a:latin typeface="Times New Roman" panose="02020603050405020304" pitchFamily="18" charset="0"/>
+                <a:cs typeface="Times New Roman" panose="02020603050405020304" pitchFamily="18" charset="0"/>
+              </a:rPr>
+              <a:t> ne </a:t>
+            </a:r>
+            <a:r>
+              <a:rPr lang="en-US" altLang="en-US" sz="1400" dirty="0" err="1">
                 <a:solidFill>
                   <a:schemeClr val="tx1"/>
                 </a:solidFill>
-                <a:effectLst/>
-                <a:latin typeface="Times New Roman" panose="02020603050405020304" pitchFamily="18" charset="0"/>
-                <a:cs typeface="Times New Roman" panose="02020603050405020304" pitchFamily="18" charset="0"/>
-              </a:rPr>
-              <a:t>si</a:t>
-            </a:r>
-            <a:r>
-              <a:rPr kumimoji="0" lang="en-US" altLang="en-US" sz="1600" b="0" u="none" strike="noStrike" cap="none" normalizeH="0" baseline="0" dirty="0">
-                <a:ln>
-                  <a:noFill/>
-                </a:ln>
+                <a:latin typeface="Times New Roman" panose="02020603050405020304" pitchFamily="18" charset="0"/>
+                <a:cs typeface="Times New Roman" panose="02020603050405020304" pitchFamily="18" charset="0"/>
+              </a:rPr>
+              <a:t>trebuie</a:t>
+            </a:r>
+            <a:r>
+              <a:rPr lang="en-US" altLang="en-US" sz="1400" dirty="0">
                 <a:solidFill>
                   <a:schemeClr val="tx1"/>
                 </a:solidFill>
-                <a:effectLst/>
-                <a:latin typeface="Times New Roman" panose="02020603050405020304" pitchFamily="18" charset="0"/>
-                <a:cs typeface="Times New Roman" panose="02020603050405020304" pitchFamily="18" charset="0"/>
-              </a:rPr>
-              <a:t> selenium.</a:t>
-            </a:r>
-            <a:endParaRPr lang="en-US" dirty="0">
+                <a:latin typeface="Times New Roman" panose="02020603050405020304" pitchFamily="18" charset="0"/>
+                <a:cs typeface="Times New Roman" panose="02020603050405020304" pitchFamily="18" charset="0"/>
+              </a:rPr>
+              <a:t>.</a:t>
+            </a:r>
+            <a:endParaRPr lang="en-US" sz="1400" dirty="0">
               <a:solidFill>
                 <a:schemeClr val="tx1"/>
               </a:solidFill>
@@ -28155,7 +29608,7 @@
         </p:nvSpPr>
         <p:spPr bwMode="auto">
           <a:xfrm>
-            <a:off x="4303493" y="1320482"/>
+            <a:off x="4296509" y="1320482"/>
             <a:ext cx="7702060" cy="5324535"/>
           </a:xfrm>
           <a:prstGeom prst="rect">
@@ -30685,64 +32138,6 @@
       </p:grpSpPr>
       <p:sp>
         <p:nvSpPr>
-          <p:cNvPr id="2" name="Titre 1">
-            <a:extLst>
-              <a:ext uri="{FF2B5EF4-FFF2-40B4-BE49-F238E27FC236}">
-                <a16:creationId xmlns:a16="http://schemas.microsoft.com/office/drawing/2014/main" id="{576BE3FD-96E6-8166-D599-1DFB0B1530FC}"/>
-              </a:ext>
-            </a:extLst>
-          </p:cNvPr>
-          <p:cNvSpPr>
-            <a:spLocks noGrp="1"/>
-          </p:cNvSpPr>
-          <p:nvPr>
-            <p:ph type="title"/>
-          </p:nvPr>
-        </p:nvSpPr>
-        <p:spPr>
-          <a:xfrm>
-            <a:off x="304799" y="1195753"/>
-            <a:ext cx="4126523" cy="587789"/>
-          </a:xfrm>
-        </p:spPr>
-        <p:txBody>
-          <a:bodyPr/>
-          <a:lstStyle/>
-          <a:p>
-            <a:pPr algn="ctr"/>
-            <a:r>
-              <a:rPr lang="en-US" dirty="0"/>
-              <a:t>Test  ‘</a:t>
-            </a:r>
-            <a:r>
-              <a:rPr lang="en-US" dirty="0" err="1"/>
-              <a:t>pagina</a:t>
-            </a:r>
-            <a:r>
-              <a:rPr lang="en-US" dirty="0"/>
-              <a:t> </a:t>
-            </a:r>
-            <a:r>
-              <a:rPr lang="en-US" dirty="0" err="1"/>
-              <a:t>ce</a:t>
-            </a:r>
-            <a:r>
-              <a:rPr lang="en-US" dirty="0"/>
-              <a:t> </a:t>
-            </a:r>
-            <a:r>
-              <a:rPr lang="en-US" dirty="0" err="1"/>
-              <a:t>merita</a:t>
-            </a:r>
-            <a:r>
-              <a:rPr lang="en-US" dirty="0"/>
-              <a:t>’</a:t>
-            </a:r>
-          </a:p>
-        </p:txBody>
-      </p:sp>
-      <p:sp>
-        <p:nvSpPr>
           <p:cNvPr id="4" name="Espace réservé du texte 3">
             <a:extLst>
               <a:ext uri="{FF2B5EF4-FFF2-40B4-BE49-F238E27FC236}">
@@ -30759,31 +32154,668 @@
         </p:nvSpPr>
         <p:spPr>
           <a:xfrm>
-            <a:off x="480646" y="1783542"/>
-            <a:ext cx="4290646" cy="4199431"/>
+            <a:off x="685801" y="1271587"/>
+            <a:ext cx="3368842" cy="5189371"/>
           </a:xfrm>
         </p:spPr>
         <p:txBody>
-          <a:bodyPr/>
+          <a:bodyPr>
+            <a:normAutofit/>
+          </a:bodyPr>
           <a:lstStyle/>
           <a:p>
-            <a:r>
-              <a:rPr lang="en-US" dirty="0" err="1"/>
-              <a:t>Testul</a:t>
-            </a:r>
-            <a:r>
-              <a:rPr lang="en-US" dirty="0"/>
-              <a:t> 1 –  </a:t>
+            <a:pPr>
+              <a:lnSpc>
+                <a:spcPct val="150000"/>
+              </a:lnSpc>
+            </a:pPr>
+            <a:r>
+              <a:rPr lang="en-US" sz="1400" b="1" dirty="0">
+                <a:latin typeface="Times New Roman" panose="02020603050405020304" pitchFamily="18" charset="0"/>
+                <a:cs typeface="Times New Roman" panose="02020603050405020304" pitchFamily="18" charset="0"/>
+              </a:rPr>
+              <a:t>TEST PAGINA: ‘CE MERITA’</a:t>
             </a:r>
           </a:p>
           <a:p>
-            <a:r>
-              <a:rPr lang="en-US" dirty="0" err="1"/>
+            <a:pPr>
+              <a:lnSpc>
+                <a:spcPct val="150000"/>
+              </a:lnSpc>
+            </a:pPr>
+            <a:r>
+              <a:rPr lang="en-US" sz="1400" dirty="0" err="1">
+                <a:latin typeface="Times New Roman" panose="02020603050405020304" pitchFamily="18" charset="0"/>
+                <a:cs typeface="Times New Roman" panose="02020603050405020304" pitchFamily="18" charset="0"/>
+              </a:rPr>
+              <a:t>Aici</a:t>
+            </a:r>
+            <a:r>
+              <a:rPr lang="en-US" sz="1400" dirty="0">
+                <a:latin typeface="Times New Roman" panose="02020603050405020304" pitchFamily="18" charset="0"/>
+                <a:cs typeface="Times New Roman" panose="02020603050405020304" pitchFamily="18" charset="0"/>
+              </a:rPr>
+              <a:t> </a:t>
+            </a:r>
+            <a:r>
+              <a:rPr lang="en-US" sz="1400" dirty="0" err="1">
+                <a:latin typeface="Times New Roman" panose="02020603050405020304" pitchFamily="18" charset="0"/>
+                <a:cs typeface="Times New Roman" panose="02020603050405020304" pitchFamily="18" charset="0"/>
+              </a:rPr>
+              <a:t>vom</a:t>
+            </a:r>
+            <a:r>
+              <a:rPr lang="en-US" sz="1400" dirty="0">
+                <a:latin typeface="Times New Roman" panose="02020603050405020304" pitchFamily="18" charset="0"/>
+                <a:cs typeface="Times New Roman" panose="02020603050405020304" pitchFamily="18" charset="0"/>
+              </a:rPr>
+              <a:t> </a:t>
+            </a:r>
+            <a:r>
+              <a:rPr lang="en-US" sz="1400" dirty="0" err="1">
+                <a:latin typeface="Times New Roman" panose="02020603050405020304" pitchFamily="18" charset="0"/>
+                <a:cs typeface="Times New Roman" panose="02020603050405020304" pitchFamily="18" charset="0"/>
+              </a:rPr>
+              <a:t>testa</a:t>
+            </a:r>
+            <a:r>
+              <a:rPr lang="en-US" sz="1400" dirty="0">
+                <a:latin typeface="Times New Roman" panose="02020603050405020304" pitchFamily="18" charset="0"/>
+                <a:cs typeface="Times New Roman" panose="02020603050405020304" pitchFamily="18" charset="0"/>
+              </a:rPr>
+              <a:t> </a:t>
+            </a:r>
+            <a:r>
+              <a:rPr lang="en-US" sz="1400" dirty="0" err="1">
+                <a:latin typeface="Times New Roman" panose="02020603050405020304" pitchFamily="18" charset="0"/>
+                <a:cs typeface="Times New Roman" panose="02020603050405020304" pitchFamily="18" charset="0"/>
+              </a:rPr>
+              <a:t>daca</a:t>
+            </a:r>
+            <a:r>
+              <a:rPr lang="en-US" sz="1400" dirty="0">
+                <a:latin typeface="Times New Roman" panose="02020603050405020304" pitchFamily="18" charset="0"/>
+                <a:cs typeface="Times New Roman" panose="02020603050405020304" pitchFamily="18" charset="0"/>
+              </a:rPr>
+              <a:t> </a:t>
+            </a:r>
+            <a:r>
+              <a:rPr lang="en-US" sz="1400" dirty="0" err="1">
+                <a:latin typeface="Times New Roman" panose="02020603050405020304" pitchFamily="18" charset="0"/>
+                <a:cs typeface="Times New Roman" panose="02020603050405020304" pitchFamily="18" charset="0"/>
+              </a:rPr>
+              <a:t>functioneaza</a:t>
+            </a:r>
+            <a:r>
+              <a:rPr lang="en-US" sz="1400" dirty="0">
+                <a:latin typeface="Times New Roman" panose="02020603050405020304" pitchFamily="18" charset="0"/>
+                <a:cs typeface="Times New Roman" panose="02020603050405020304" pitchFamily="18" charset="0"/>
+              </a:rPr>
+              <a:t> </a:t>
+            </a:r>
+            <a:r>
+              <a:rPr lang="en-US" sz="1400" dirty="0" err="1">
+                <a:latin typeface="Times New Roman" panose="02020603050405020304" pitchFamily="18" charset="0"/>
+                <a:cs typeface="Times New Roman" panose="02020603050405020304" pitchFamily="18" charset="0"/>
+              </a:rPr>
+              <a:t>optiunea</a:t>
+            </a:r>
+            <a:r>
+              <a:rPr lang="en-US" sz="1400" dirty="0">
+                <a:latin typeface="Times New Roman" panose="02020603050405020304" pitchFamily="18" charset="0"/>
+                <a:cs typeface="Times New Roman" panose="02020603050405020304" pitchFamily="18" charset="0"/>
+              </a:rPr>
+              <a:t> de </a:t>
+            </a:r>
+            <a:r>
+              <a:rPr lang="en-US" sz="1400" dirty="0" err="1">
+                <a:latin typeface="Times New Roman" panose="02020603050405020304" pitchFamily="18" charset="0"/>
+                <a:cs typeface="Times New Roman" panose="02020603050405020304" pitchFamily="18" charset="0"/>
+              </a:rPr>
+              <a:t>abonare</a:t>
+            </a:r>
+            <a:r>
+              <a:rPr lang="en-US" sz="1400" dirty="0">
+                <a:latin typeface="Times New Roman" panose="02020603050405020304" pitchFamily="18" charset="0"/>
+                <a:cs typeface="Times New Roman" panose="02020603050405020304" pitchFamily="18" charset="0"/>
+              </a:rPr>
+              <a:t> la </a:t>
+            </a:r>
+            <a:r>
+              <a:rPr lang="en-US" sz="1400" dirty="0" err="1">
+                <a:latin typeface="Times New Roman" panose="02020603050405020304" pitchFamily="18" charset="0"/>
+                <a:cs typeface="Times New Roman" panose="02020603050405020304" pitchFamily="18" charset="0"/>
+              </a:rPr>
+              <a:t>serviciile</a:t>
+            </a:r>
+            <a:r>
+              <a:rPr lang="en-US" sz="1400" dirty="0">
+                <a:latin typeface="Times New Roman" panose="02020603050405020304" pitchFamily="18" charset="0"/>
+                <a:cs typeface="Times New Roman" panose="02020603050405020304" pitchFamily="18" charset="0"/>
+              </a:rPr>
+              <a:t> </a:t>
+            </a:r>
+            <a:r>
+              <a:rPr lang="en-US" sz="1400" dirty="0" err="1">
+                <a:latin typeface="Times New Roman" panose="02020603050405020304" pitchFamily="18" charset="0"/>
+                <a:cs typeface="Times New Roman" panose="02020603050405020304" pitchFamily="18" charset="0"/>
+              </a:rPr>
+              <a:t>propuse</a:t>
+            </a:r>
+            <a:r>
+              <a:rPr lang="en-US" sz="1400" dirty="0">
+                <a:latin typeface="Times New Roman" panose="02020603050405020304" pitchFamily="18" charset="0"/>
+                <a:cs typeface="Times New Roman" panose="02020603050405020304" pitchFamily="18" charset="0"/>
+              </a:rPr>
+              <a:t> de website.</a:t>
+            </a:r>
+          </a:p>
+          <a:p>
+            <a:pPr>
+              <a:lnSpc>
+                <a:spcPct val="150000"/>
+              </a:lnSpc>
+            </a:pPr>
+            <a:r>
+              <a:rPr lang="en-US" sz="1400" dirty="0" err="1">
+                <a:latin typeface="Times New Roman" panose="02020603050405020304" pitchFamily="18" charset="0"/>
+                <a:cs typeface="Times New Roman" panose="02020603050405020304" pitchFamily="18" charset="0"/>
+              </a:rPr>
               <a:t>Testul</a:t>
             </a:r>
             <a:r>
-              <a:rPr lang="en-US" dirty="0"/>
+              <a:rPr lang="en-US" sz="1400" dirty="0">
+                <a:latin typeface="Times New Roman" panose="02020603050405020304" pitchFamily="18" charset="0"/>
+                <a:cs typeface="Times New Roman" panose="02020603050405020304" pitchFamily="18" charset="0"/>
+              </a:rPr>
+              <a:t> 1 –   </a:t>
+            </a:r>
+            <a:r>
+              <a:rPr lang="en-US" sz="1400" dirty="0" err="1">
+                <a:latin typeface="Times New Roman" panose="02020603050405020304" pitchFamily="18" charset="0"/>
+                <a:cs typeface="Times New Roman" panose="02020603050405020304" pitchFamily="18" charset="0"/>
+              </a:rPr>
+              <a:t>Testam</a:t>
+            </a:r>
+            <a:r>
+              <a:rPr lang="en-US" sz="1400" dirty="0">
+                <a:latin typeface="Times New Roman" panose="02020603050405020304" pitchFamily="18" charset="0"/>
+                <a:cs typeface="Times New Roman" panose="02020603050405020304" pitchFamily="18" charset="0"/>
+              </a:rPr>
+              <a:t> </a:t>
+            </a:r>
+            <a:r>
+              <a:rPr lang="en-US" sz="1400" dirty="0" err="1">
+                <a:latin typeface="Times New Roman" panose="02020603050405020304" pitchFamily="18" charset="0"/>
+                <a:cs typeface="Times New Roman" panose="02020603050405020304" pitchFamily="18" charset="0"/>
+              </a:rPr>
+              <a:t>daca</a:t>
+            </a:r>
+            <a:r>
+              <a:rPr lang="en-US" sz="1400" dirty="0">
+                <a:latin typeface="Times New Roman" panose="02020603050405020304" pitchFamily="18" charset="0"/>
+                <a:cs typeface="Times New Roman" panose="02020603050405020304" pitchFamily="18" charset="0"/>
+              </a:rPr>
+              <a:t> </a:t>
+            </a:r>
+            <a:r>
+              <a:rPr lang="en-US" sz="1400" dirty="0" err="1">
+                <a:latin typeface="Times New Roman" panose="02020603050405020304" pitchFamily="18" charset="0"/>
+                <a:cs typeface="Times New Roman" panose="02020603050405020304" pitchFamily="18" charset="0"/>
+              </a:rPr>
+              <a:t>putem</a:t>
+            </a:r>
+            <a:r>
+              <a:rPr lang="en-US" sz="1400" dirty="0">
+                <a:latin typeface="Times New Roman" panose="02020603050405020304" pitchFamily="18" charset="0"/>
+                <a:cs typeface="Times New Roman" panose="02020603050405020304" pitchFamily="18" charset="0"/>
+              </a:rPr>
+              <a:t> </a:t>
+            </a:r>
+            <a:r>
+              <a:rPr lang="en-US" sz="1400" dirty="0" err="1">
+                <a:latin typeface="Times New Roman" panose="02020603050405020304" pitchFamily="18" charset="0"/>
+                <a:cs typeface="Times New Roman" panose="02020603050405020304" pitchFamily="18" charset="0"/>
+              </a:rPr>
+              <a:t>sa</a:t>
+            </a:r>
+            <a:r>
+              <a:rPr lang="en-US" sz="1400" dirty="0">
+                <a:latin typeface="Times New Roman" panose="02020603050405020304" pitchFamily="18" charset="0"/>
+                <a:cs typeface="Times New Roman" panose="02020603050405020304" pitchFamily="18" charset="0"/>
+              </a:rPr>
+              <a:t> ne </a:t>
+            </a:r>
+            <a:r>
+              <a:rPr lang="en-US" sz="1400" dirty="0" err="1">
+                <a:latin typeface="Times New Roman" panose="02020603050405020304" pitchFamily="18" charset="0"/>
+                <a:cs typeface="Times New Roman" panose="02020603050405020304" pitchFamily="18" charset="0"/>
+              </a:rPr>
+              <a:t>abonam</a:t>
+            </a:r>
+            <a:r>
+              <a:rPr lang="en-US" sz="1400" dirty="0">
+                <a:latin typeface="Times New Roman" panose="02020603050405020304" pitchFamily="18" charset="0"/>
+                <a:cs typeface="Times New Roman" panose="02020603050405020304" pitchFamily="18" charset="0"/>
+              </a:rPr>
+              <a:t> cu email invalid.  </a:t>
+            </a:r>
+            <a:r>
+              <a:rPr lang="en-US" sz="1400" dirty="0" err="1">
+                <a:latin typeface="Times New Roman" panose="02020603050405020304" pitchFamily="18" charset="0"/>
+                <a:cs typeface="Times New Roman" panose="02020603050405020304" pitchFamily="18" charset="0"/>
+              </a:rPr>
+              <a:t>Observam</a:t>
+            </a:r>
+            <a:r>
+              <a:rPr lang="en-US" sz="1400" dirty="0">
+                <a:latin typeface="Times New Roman" panose="02020603050405020304" pitchFamily="18" charset="0"/>
+                <a:cs typeface="Times New Roman" panose="02020603050405020304" pitchFamily="18" charset="0"/>
+              </a:rPr>
+              <a:t> un bug: nu </a:t>
+            </a:r>
+            <a:r>
+              <a:rPr lang="en-US" sz="1400" dirty="0" err="1">
+                <a:latin typeface="Times New Roman" panose="02020603050405020304" pitchFamily="18" charset="0"/>
+                <a:cs typeface="Times New Roman" panose="02020603050405020304" pitchFamily="18" charset="0"/>
+              </a:rPr>
+              <a:t>ar</a:t>
+            </a:r>
+            <a:r>
+              <a:rPr lang="en-US" sz="1400" dirty="0">
+                <a:latin typeface="Times New Roman" panose="02020603050405020304" pitchFamily="18" charset="0"/>
+                <a:cs typeface="Times New Roman" panose="02020603050405020304" pitchFamily="18" charset="0"/>
+              </a:rPr>
+              <a:t> </a:t>
+            </a:r>
+            <a:r>
+              <a:rPr lang="en-US" sz="1400" dirty="0" err="1">
+                <a:latin typeface="Times New Roman" panose="02020603050405020304" pitchFamily="18" charset="0"/>
+                <a:cs typeface="Times New Roman" panose="02020603050405020304" pitchFamily="18" charset="0"/>
+              </a:rPr>
+              <a:t>trebui</a:t>
+            </a:r>
+            <a:r>
+              <a:rPr lang="en-US" sz="1400" dirty="0">
+                <a:latin typeface="Times New Roman" panose="02020603050405020304" pitchFamily="18" charset="0"/>
+                <a:cs typeface="Times New Roman" panose="02020603050405020304" pitchFamily="18" charset="0"/>
+              </a:rPr>
+              <a:t> </a:t>
+            </a:r>
+            <a:r>
+              <a:rPr lang="en-US" sz="1400" dirty="0" err="1">
+                <a:latin typeface="Times New Roman" panose="02020603050405020304" pitchFamily="18" charset="0"/>
+                <a:cs typeface="Times New Roman" panose="02020603050405020304" pitchFamily="18" charset="0"/>
+              </a:rPr>
+              <a:t>sa</a:t>
+            </a:r>
+            <a:r>
+              <a:rPr lang="en-US" sz="1400" dirty="0">
+                <a:latin typeface="Times New Roman" panose="02020603050405020304" pitchFamily="18" charset="0"/>
+                <a:cs typeface="Times New Roman" panose="02020603050405020304" pitchFamily="18" charset="0"/>
+              </a:rPr>
+              <a:t> </a:t>
+            </a:r>
+            <a:r>
+              <a:rPr lang="en-US" sz="1400" dirty="0" err="1">
+                <a:latin typeface="Times New Roman" panose="02020603050405020304" pitchFamily="18" charset="0"/>
+                <a:cs typeface="Times New Roman" panose="02020603050405020304" pitchFamily="18" charset="0"/>
+              </a:rPr>
+              <a:t>te</a:t>
+            </a:r>
+            <a:r>
+              <a:rPr lang="en-US" sz="1400" dirty="0">
+                <a:latin typeface="Times New Roman" panose="02020603050405020304" pitchFamily="18" charset="0"/>
+                <a:cs typeface="Times New Roman" panose="02020603050405020304" pitchFamily="18" charset="0"/>
+              </a:rPr>
+              <a:t> </a:t>
+            </a:r>
+            <a:r>
+              <a:rPr lang="en-US" sz="1400" dirty="0" err="1">
+                <a:latin typeface="Times New Roman" panose="02020603050405020304" pitchFamily="18" charset="0"/>
+                <a:cs typeface="Times New Roman" panose="02020603050405020304" pitchFamily="18" charset="0"/>
+              </a:rPr>
+              <a:t>abonez</a:t>
+            </a:r>
+            <a:r>
+              <a:rPr lang="en-US" sz="1400" dirty="0">
+                <a:latin typeface="Times New Roman" panose="02020603050405020304" pitchFamily="18" charset="0"/>
+                <a:cs typeface="Times New Roman" panose="02020603050405020304" pitchFamily="18" charset="0"/>
+              </a:rPr>
+              <a:t> cu un email invalid</a:t>
+            </a:r>
+          </a:p>
+          <a:p>
+            <a:pPr>
+              <a:lnSpc>
+                <a:spcPct val="150000"/>
+              </a:lnSpc>
+            </a:pPr>
+            <a:r>
+              <a:rPr lang="en-US" sz="1400" dirty="0" err="1">
+                <a:latin typeface="Times New Roman" panose="02020603050405020304" pitchFamily="18" charset="0"/>
+                <a:cs typeface="Times New Roman" panose="02020603050405020304" pitchFamily="18" charset="0"/>
+              </a:rPr>
+              <a:t>Testul</a:t>
+            </a:r>
+            <a:r>
+              <a:rPr lang="en-US" sz="1400" dirty="0">
+                <a:latin typeface="Times New Roman" panose="02020603050405020304" pitchFamily="18" charset="0"/>
+                <a:cs typeface="Times New Roman" panose="02020603050405020304" pitchFamily="18" charset="0"/>
+              </a:rPr>
               <a:t> 2 – </a:t>
+            </a:r>
+            <a:r>
+              <a:rPr lang="en-US" sz="1400" dirty="0" err="1">
+                <a:latin typeface="Times New Roman" panose="02020603050405020304" pitchFamily="18" charset="0"/>
+                <a:cs typeface="Times New Roman" panose="02020603050405020304" pitchFamily="18" charset="0"/>
+              </a:rPr>
+              <a:t>Testam</a:t>
+            </a:r>
+            <a:r>
+              <a:rPr lang="en-US" sz="1400" dirty="0">
+                <a:latin typeface="Times New Roman" panose="02020603050405020304" pitchFamily="18" charset="0"/>
+                <a:cs typeface="Times New Roman" panose="02020603050405020304" pitchFamily="18" charset="0"/>
+              </a:rPr>
+              <a:t> </a:t>
+            </a:r>
+            <a:r>
+              <a:rPr lang="en-US" sz="1400" dirty="0" err="1">
+                <a:latin typeface="Times New Roman" panose="02020603050405020304" pitchFamily="18" charset="0"/>
+                <a:cs typeface="Times New Roman" panose="02020603050405020304" pitchFamily="18" charset="0"/>
+              </a:rPr>
+              <a:t>daca</a:t>
+            </a:r>
+            <a:r>
+              <a:rPr lang="en-US" sz="1400" dirty="0">
+                <a:latin typeface="Times New Roman" panose="02020603050405020304" pitchFamily="18" charset="0"/>
+                <a:cs typeface="Times New Roman" panose="02020603050405020304" pitchFamily="18" charset="0"/>
+              </a:rPr>
+              <a:t> </a:t>
+            </a:r>
+            <a:r>
+              <a:rPr lang="en-US" sz="1400" dirty="0" err="1">
+                <a:latin typeface="Times New Roman" panose="02020603050405020304" pitchFamily="18" charset="0"/>
+                <a:cs typeface="Times New Roman" panose="02020603050405020304" pitchFamily="18" charset="0"/>
+              </a:rPr>
+              <a:t>putem</a:t>
+            </a:r>
+            <a:r>
+              <a:rPr lang="en-US" sz="1400" dirty="0">
+                <a:latin typeface="Times New Roman" panose="02020603050405020304" pitchFamily="18" charset="0"/>
+                <a:cs typeface="Times New Roman" panose="02020603050405020304" pitchFamily="18" charset="0"/>
+              </a:rPr>
+              <a:t> </a:t>
+            </a:r>
+            <a:r>
+              <a:rPr lang="en-US" sz="1400" dirty="0" err="1">
+                <a:latin typeface="Times New Roman" panose="02020603050405020304" pitchFamily="18" charset="0"/>
+                <a:cs typeface="Times New Roman" panose="02020603050405020304" pitchFamily="18" charset="0"/>
+              </a:rPr>
+              <a:t>sa</a:t>
+            </a:r>
+            <a:r>
+              <a:rPr lang="en-US" sz="1400" dirty="0">
+                <a:latin typeface="Times New Roman" panose="02020603050405020304" pitchFamily="18" charset="0"/>
+                <a:cs typeface="Times New Roman" panose="02020603050405020304" pitchFamily="18" charset="0"/>
+              </a:rPr>
+              <a:t> ne </a:t>
+            </a:r>
+            <a:r>
+              <a:rPr lang="en-US" sz="1400" dirty="0" err="1">
+                <a:latin typeface="Times New Roman" panose="02020603050405020304" pitchFamily="18" charset="0"/>
+                <a:cs typeface="Times New Roman" panose="02020603050405020304" pitchFamily="18" charset="0"/>
+              </a:rPr>
+              <a:t>abonam</a:t>
+            </a:r>
+            <a:r>
+              <a:rPr lang="en-US" sz="1400" dirty="0">
+                <a:latin typeface="Times New Roman" panose="02020603050405020304" pitchFamily="18" charset="0"/>
+                <a:cs typeface="Times New Roman" panose="02020603050405020304" pitchFamily="18" charset="0"/>
+              </a:rPr>
+              <a:t> cu email valid. </a:t>
+            </a:r>
+            <a:r>
+              <a:rPr lang="en-US" sz="1400" dirty="0" err="1">
+                <a:latin typeface="Times New Roman" panose="02020603050405020304" pitchFamily="18" charset="0"/>
+                <a:cs typeface="Times New Roman" panose="02020603050405020304" pitchFamily="18" charset="0"/>
+              </a:rPr>
+              <a:t>Observam</a:t>
+            </a:r>
+            <a:r>
+              <a:rPr lang="en-US" sz="1400" dirty="0">
+                <a:latin typeface="Times New Roman" panose="02020603050405020304" pitchFamily="18" charset="0"/>
+                <a:cs typeface="Times New Roman" panose="02020603050405020304" pitchFamily="18" charset="0"/>
+              </a:rPr>
+              <a:t> ca </a:t>
+            </a:r>
+            <a:r>
+              <a:rPr lang="en-US" sz="1400" dirty="0" err="1">
+                <a:latin typeface="Times New Roman" panose="02020603050405020304" pitchFamily="18" charset="0"/>
+                <a:cs typeface="Times New Roman" panose="02020603050405020304" pitchFamily="18" charset="0"/>
+              </a:rPr>
+              <a:t>putem</a:t>
+            </a:r>
+            <a:r>
+              <a:rPr lang="en-US" sz="1400" dirty="0">
+                <a:latin typeface="Times New Roman" panose="02020603050405020304" pitchFamily="18" charset="0"/>
+                <a:cs typeface="Times New Roman" panose="02020603050405020304" pitchFamily="18" charset="0"/>
+              </a:rPr>
+              <a:t> </a:t>
+            </a:r>
+            <a:r>
+              <a:rPr lang="en-US" sz="1400" dirty="0" err="1">
+                <a:latin typeface="Times New Roman" panose="02020603050405020304" pitchFamily="18" charset="0"/>
+                <a:cs typeface="Times New Roman" panose="02020603050405020304" pitchFamily="18" charset="0"/>
+              </a:rPr>
+              <a:t>sa</a:t>
+            </a:r>
+            <a:r>
+              <a:rPr lang="en-US" sz="1400" dirty="0">
+                <a:latin typeface="Times New Roman" panose="02020603050405020304" pitchFamily="18" charset="0"/>
+                <a:cs typeface="Times New Roman" panose="02020603050405020304" pitchFamily="18" charset="0"/>
+              </a:rPr>
+              <a:t> ne </a:t>
+            </a:r>
+            <a:r>
+              <a:rPr lang="en-US" sz="1400" dirty="0" err="1">
+                <a:latin typeface="Times New Roman" panose="02020603050405020304" pitchFamily="18" charset="0"/>
+                <a:cs typeface="Times New Roman" panose="02020603050405020304" pitchFamily="18" charset="0"/>
+              </a:rPr>
+              <a:t>abonam</a:t>
+            </a:r>
+            <a:r>
+              <a:rPr lang="en-US" sz="1400" dirty="0">
+                <a:latin typeface="Times New Roman" panose="02020603050405020304" pitchFamily="18" charset="0"/>
+                <a:cs typeface="Times New Roman" panose="02020603050405020304" pitchFamily="18" charset="0"/>
+              </a:rPr>
+              <a:t>, desi nu </a:t>
+            </a:r>
+            <a:r>
+              <a:rPr lang="en-US" sz="1400" dirty="0" err="1">
+                <a:latin typeface="Times New Roman" panose="02020603050405020304" pitchFamily="18" charset="0"/>
+                <a:cs typeface="Times New Roman" panose="02020603050405020304" pitchFamily="18" charset="0"/>
+              </a:rPr>
+              <a:t>primim</a:t>
+            </a:r>
+            <a:r>
+              <a:rPr lang="en-US" sz="1400" dirty="0">
+                <a:latin typeface="Times New Roman" panose="02020603050405020304" pitchFamily="18" charset="0"/>
+                <a:cs typeface="Times New Roman" panose="02020603050405020304" pitchFamily="18" charset="0"/>
+              </a:rPr>
+              <a:t> </a:t>
+            </a:r>
+            <a:r>
+              <a:rPr lang="en-US" sz="1400" dirty="0" err="1">
+                <a:latin typeface="Times New Roman" panose="02020603050405020304" pitchFamily="18" charset="0"/>
+                <a:cs typeface="Times New Roman" panose="02020603050405020304" pitchFamily="18" charset="0"/>
+              </a:rPr>
+              <a:t>nici</a:t>
+            </a:r>
+            <a:r>
+              <a:rPr lang="en-US" sz="1400" dirty="0">
+                <a:latin typeface="Times New Roman" panose="02020603050405020304" pitchFamily="18" charset="0"/>
+                <a:cs typeface="Times New Roman" panose="02020603050405020304" pitchFamily="18" charset="0"/>
+              </a:rPr>
+              <a:t> un email cu </a:t>
+            </a:r>
+            <a:r>
+              <a:rPr lang="en-US" sz="1400" dirty="0" err="1">
+                <a:latin typeface="Times New Roman" panose="02020603050405020304" pitchFamily="18" charset="0"/>
+                <a:cs typeface="Times New Roman" panose="02020603050405020304" pitchFamily="18" charset="0"/>
+              </a:rPr>
+              <a:t>confirmare</a:t>
+            </a:r>
+            <a:r>
+              <a:rPr lang="en-US" sz="1400" dirty="0">
+                <a:latin typeface="Times New Roman" panose="02020603050405020304" pitchFamily="18" charset="0"/>
+                <a:cs typeface="Times New Roman" panose="02020603050405020304" pitchFamily="18" charset="0"/>
+              </a:rPr>
+              <a:t>, </a:t>
+            </a:r>
+            <a:r>
+              <a:rPr lang="en-US" sz="1400" dirty="0" err="1">
+                <a:latin typeface="Times New Roman" panose="02020603050405020304" pitchFamily="18" charset="0"/>
+                <a:cs typeface="Times New Roman" panose="02020603050405020304" pitchFamily="18" charset="0"/>
+              </a:rPr>
+              <a:t>ceea</a:t>
+            </a:r>
+            <a:r>
+              <a:rPr lang="en-US" sz="1400" dirty="0">
+                <a:latin typeface="Times New Roman" panose="02020603050405020304" pitchFamily="18" charset="0"/>
+                <a:cs typeface="Times New Roman" panose="02020603050405020304" pitchFamily="18" charset="0"/>
+              </a:rPr>
+              <a:t> </a:t>
+            </a:r>
+            <a:r>
+              <a:rPr lang="en-US" sz="1400" dirty="0" err="1">
+                <a:latin typeface="Times New Roman" panose="02020603050405020304" pitchFamily="18" charset="0"/>
+                <a:cs typeface="Times New Roman" panose="02020603050405020304" pitchFamily="18" charset="0"/>
+              </a:rPr>
+              <a:t>ce</a:t>
+            </a:r>
+            <a:r>
+              <a:rPr lang="en-US" sz="1400" dirty="0">
+                <a:latin typeface="Times New Roman" panose="02020603050405020304" pitchFamily="18" charset="0"/>
+                <a:cs typeface="Times New Roman" panose="02020603050405020304" pitchFamily="18" charset="0"/>
+              </a:rPr>
+              <a:t> ne duce la </a:t>
+            </a:r>
+            <a:r>
+              <a:rPr lang="en-US" sz="1400" dirty="0" err="1">
+                <a:latin typeface="Times New Roman" panose="02020603050405020304" pitchFamily="18" charset="0"/>
+                <a:cs typeface="Times New Roman" panose="02020603050405020304" pitchFamily="18" charset="0"/>
+              </a:rPr>
+              <a:t>faptul</a:t>
+            </a:r>
+            <a:r>
+              <a:rPr lang="en-US" sz="1400" dirty="0">
+                <a:latin typeface="Times New Roman" panose="02020603050405020304" pitchFamily="18" charset="0"/>
+                <a:cs typeface="Times New Roman" panose="02020603050405020304" pitchFamily="18" charset="0"/>
+              </a:rPr>
+              <a:t> ca </a:t>
+            </a:r>
+            <a:r>
+              <a:rPr lang="en-US" sz="1400" dirty="0" err="1">
+                <a:latin typeface="Times New Roman" panose="02020603050405020304" pitchFamily="18" charset="0"/>
+                <a:cs typeface="Times New Roman" panose="02020603050405020304" pitchFamily="18" charset="0"/>
+              </a:rPr>
+              <a:t>exista</a:t>
+            </a:r>
+            <a:r>
+              <a:rPr lang="en-US" sz="1400" dirty="0">
+                <a:latin typeface="Times New Roman" panose="02020603050405020304" pitchFamily="18" charset="0"/>
+                <a:cs typeface="Times New Roman" panose="02020603050405020304" pitchFamily="18" charset="0"/>
+              </a:rPr>
+              <a:t> o </a:t>
+            </a:r>
+            <a:r>
+              <a:rPr lang="en-US" sz="1400" dirty="0" err="1">
+                <a:latin typeface="Times New Roman" panose="02020603050405020304" pitchFamily="18" charset="0"/>
+                <a:cs typeface="Times New Roman" panose="02020603050405020304" pitchFamily="18" charset="0"/>
+              </a:rPr>
+              <a:t>eroare</a:t>
+            </a:r>
+            <a:r>
+              <a:rPr lang="en-US" sz="1400" dirty="0">
+                <a:latin typeface="Times New Roman" panose="02020603050405020304" pitchFamily="18" charset="0"/>
+                <a:cs typeface="Times New Roman" panose="02020603050405020304" pitchFamily="18" charset="0"/>
+              </a:rPr>
+              <a:t> </a:t>
+            </a:r>
+            <a:r>
+              <a:rPr lang="en-US" sz="1400" dirty="0" err="1">
+                <a:latin typeface="Times New Roman" panose="02020603050405020304" pitchFamily="18" charset="0"/>
+                <a:cs typeface="Times New Roman" panose="02020603050405020304" pitchFamily="18" charset="0"/>
+              </a:rPr>
+              <a:t>intre</a:t>
+            </a:r>
+            <a:r>
+              <a:rPr lang="en-US" sz="1400" dirty="0">
+                <a:latin typeface="Times New Roman" panose="02020603050405020304" pitchFamily="18" charset="0"/>
+                <a:cs typeface="Times New Roman" panose="02020603050405020304" pitchFamily="18" charset="0"/>
+              </a:rPr>
+              <a:t> </a:t>
+            </a:r>
+            <a:r>
+              <a:rPr lang="en-US" sz="1400" dirty="0" err="1">
+                <a:latin typeface="Times New Roman" panose="02020603050405020304" pitchFamily="18" charset="0"/>
+                <a:cs typeface="Times New Roman" panose="02020603050405020304" pitchFamily="18" charset="0"/>
+              </a:rPr>
+              <a:t>comunicarea</a:t>
+            </a:r>
+            <a:r>
+              <a:rPr lang="en-US" sz="1400" dirty="0">
+                <a:latin typeface="Times New Roman" panose="02020603050405020304" pitchFamily="18" charset="0"/>
+                <a:cs typeface="Times New Roman" panose="02020603050405020304" pitchFamily="18" charset="0"/>
+              </a:rPr>
+              <a:t> site-</a:t>
+            </a:r>
+            <a:r>
+              <a:rPr lang="en-US" sz="1400" dirty="0" err="1">
+                <a:latin typeface="Times New Roman" panose="02020603050405020304" pitchFamily="18" charset="0"/>
+                <a:cs typeface="Times New Roman" panose="02020603050405020304" pitchFamily="18" charset="0"/>
+              </a:rPr>
+              <a:t>ului</a:t>
+            </a:r>
+            <a:r>
+              <a:rPr lang="en-US" sz="1400" dirty="0">
+                <a:latin typeface="Times New Roman" panose="02020603050405020304" pitchFamily="18" charset="0"/>
+                <a:cs typeface="Times New Roman" panose="02020603050405020304" pitchFamily="18" charset="0"/>
+              </a:rPr>
+              <a:t> cu </a:t>
+            </a:r>
+            <a:r>
+              <a:rPr lang="en-US" sz="1400" dirty="0" err="1">
+                <a:latin typeface="Times New Roman" panose="02020603050405020304" pitchFamily="18" charset="0"/>
+                <a:cs typeface="Times New Roman" panose="02020603050405020304" pitchFamily="18" charset="0"/>
+              </a:rPr>
+              <a:t>utilizatorul</a:t>
+            </a:r>
+            <a:endParaRPr lang="en-US" sz="1400" dirty="0">
+              <a:latin typeface="Times New Roman" panose="02020603050405020304" pitchFamily="18" charset="0"/>
+              <a:cs typeface="Times New Roman" panose="02020603050405020304" pitchFamily="18" charset="0"/>
+            </a:endParaRPr>
+          </a:p>
+          <a:p>
+            <a:pPr>
+              <a:lnSpc>
+                <a:spcPct val="150000"/>
+              </a:lnSpc>
+            </a:pPr>
+            <a:r>
+              <a:rPr lang="en-US" sz="1400" dirty="0" err="1">
+                <a:latin typeface="Times New Roman" panose="02020603050405020304" pitchFamily="18" charset="0"/>
+                <a:cs typeface="Times New Roman" panose="02020603050405020304" pitchFamily="18" charset="0"/>
+              </a:rPr>
+              <a:t>Testele</a:t>
+            </a:r>
+            <a:r>
+              <a:rPr lang="en-US" sz="1400" dirty="0">
+                <a:latin typeface="Times New Roman" panose="02020603050405020304" pitchFamily="18" charset="0"/>
+                <a:cs typeface="Times New Roman" panose="02020603050405020304" pitchFamily="18" charset="0"/>
+              </a:rPr>
+              <a:t> = PASS</a:t>
             </a:r>
           </a:p>
         </p:txBody>
@@ -30806,8 +32838,8 @@
         </p:nvSpPr>
         <p:spPr bwMode="auto">
           <a:xfrm>
-            <a:off x="4963162" y="1071801"/>
-            <a:ext cx="7228838" cy="5786199"/>
+            <a:off x="4247147" y="1315659"/>
+            <a:ext cx="7796464" cy="5478423"/>
           </a:xfrm>
           <a:prstGeom prst="rect">
             <a:avLst/>
@@ -34102,12 +36134,25 @@
                   <a:noFill/>
                 </a:ln>
                 <a:solidFill>
-                  <a:srgbClr val="A9B7C6"/>
-                </a:solidFill>
-                <a:effectLst/>
-                <a:latin typeface="Arial Unicode MS"/>
-              </a:rPr>
-              <a:t>time.sleep</a:t>
+                  <a:srgbClr val="94558D"/>
+                </a:solidFill>
+                <a:effectLst/>
+                <a:latin typeface="Arial Unicode MS"/>
+              </a:rPr>
+              <a:t>self</a:t>
+            </a:r>
+            <a:r>
+              <a:rPr kumimoji="0" lang="en-US" altLang="en-US" sz="1000" b="0" i="0" u="none" strike="noStrike" cap="none" normalizeH="0" baseline="0" dirty="0" err="1">
+                <a:ln>
+                  <a:noFill/>
+                </a:ln>
+                <a:solidFill>
+                  <a:srgbClr val="A9B7C6"/>
+                </a:solidFill>
+                <a:effectLst/>
+                <a:latin typeface="Arial Unicode MS"/>
+              </a:rPr>
+              <a:t>.assertEqual</a:t>
             </a:r>
             <a:r>
               <a:rPr kumimoji="0" lang="en-US" altLang="en-US" sz="1000" b="0" i="0" u="none" strike="noStrike" cap="none" normalizeH="0" baseline="0" dirty="0">
@@ -34123,30 +36168,69 @@
               <a:t>(</a:t>
             </a:r>
             <a:r>
-              <a:rPr kumimoji="0" lang="en-US" altLang="en-US" sz="1000" b="0" i="0" u="none" strike="noStrike" cap="none" normalizeH="0" baseline="0" dirty="0">
-                <a:ln>
-                  <a:noFill/>
-                </a:ln>
-                <a:solidFill>
-                  <a:srgbClr val="6897BB"/>
-                </a:solidFill>
-                <a:effectLst/>
-                <a:latin typeface="Arial Unicode MS"/>
-              </a:rPr>
-              <a:t>3</a:t>
-            </a:r>
-            <a:r>
-              <a:rPr kumimoji="0" lang="en-US" altLang="en-US" sz="1000" b="0" i="0" u="none" strike="noStrike" cap="none" normalizeH="0" baseline="0" dirty="0">
-                <a:ln>
-                  <a:noFill/>
-                </a:ln>
-                <a:solidFill>
-                  <a:srgbClr val="A9B7C6"/>
-                </a:solidFill>
-                <a:effectLst/>
-                <a:latin typeface="Arial Unicode MS"/>
-              </a:rPr>
-              <a:t>)</a:t>
+              <a:rPr kumimoji="0" lang="en-US" altLang="en-US" sz="1000" b="0" i="0" u="none" strike="noStrike" cap="none" normalizeH="0" baseline="0" dirty="0" err="1">
+                <a:ln>
+                  <a:noFill/>
+                </a:ln>
+                <a:solidFill>
+                  <a:srgbClr val="94558D"/>
+                </a:solidFill>
+                <a:effectLst/>
+                <a:latin typeface="Arial Unicode MS"/>
+              </a:rPr>
+              <a:t>self</a:t>
+            </a:r>
+            <a:r>
+              <a:rPr kumimoji="0" lang="en-US" altLang="en-US" sz="1000" b="0" i="0" u="none" strike="noStrike" cap="none" normalizeH="0" baseline="0" dirty="0" err="1">
+                <a:ln>
+                  <a:noFill/>
+                </a:ln>
+                <a:solidFill>
+                  <a:srgbClr val="A9B7C6"/>
+                </a:solidFill>
+                <a:effectLst/>
+                <a:latin typeface="Arial Unicode MS"/>
+              </a:rPr>
+              <a:t>.driver.find_element</a:t>
+            </a:r>
+            <a:r>
+              <a:rPr kumimoji="0" lang="en-US" altLang="en-US" sz="1000" b="0" i="0" u="none" strike="noStrike" cap="none" normalizeH="0" baseline="0" dirty="0">
+                <a:ln>
+                  <a:noFill/>
+                </a:ln>
+                <a:solidFill>
+                  <a:srgbClr val="A9B7C6"/>
+                </a:solidFill>
+                <a:effectLst/>
+                <a:latin typeface="Arial Unicode MS"/>
+              </a:rPr>
+              <a:t>(*</a:t>
+            </a:r>
+            <a:r>
+              <a:rPr kumimoji="0" lang="en-US" altLang="en-US" sz="1000" b="0" i="0" u="none" strike="noStrike" cap="none" normalizeH="0" baseline="0" dirty="0" err="1">
+                <a:ln>
+                  <a:noFill/>
+                </a:ln>
+                <a:solidFill>
+                  <a:srgbClr val="A9B7C6"/>
+                </a:solidFill>
+                <a:effectLst/>
+                <a:latin typeface="Arial Unicode MS"/>
+              </a:rPr>
+              <a:t>LocatorsCeMerita.MESAJ_DE_SUCCESS</a:t>
+            </a:r>
+            <a:r>
+              <a:rPr kumimoji="0" lang="en-US" altLang="en-US" sz="1000" b="0" i="0" u="none" strike="noStrike" cap="none" normalizeH="0" baseline="0" dirty="0">
+                <a:ln>
+                  <a:noFill/>
+                </a:ln>
+                <a:solidFill>
+                  <a:srgbClr val="A9B7C6"/>
+                </a:solidFill>
+                <a:effectLst/>
+                <a:latin typeface="Arial Unicode MS"/>
+              </a:rPr>
+              <a:t>).</a:t>
             </a:r>
             <a:br>
               <a:rPr kumimoji="0" lang="en-US" altLang="en-US" sz="1000" b="0" i="0" u="none" strike="noStrike" cap="none" normalizeH="0" baseline="0" dirty="0">
@@ -34171,135 +36255,6 @@
                 <a:effectLst/>
                 <a:latin typeface="Arial Unicode MS"/>
               </a:rPr>
-              <a:t>        </a:t>
-            </a:r>
-            <a:r>
-              <a:rPr kumimoji="0" lang="en-US" altLang="en-US" sz="1000" b="0" i="0" u="none" strike="noStrike" cap="none" normalizeH="0" baseline="0" dirty="0" err="1">
-                <a:ln>
-                  <a:noFill/>
-                </a:ln>
-                <a:solidFill>
-                  <a:srgbClr val="94558D"/>
-                </a:solidFill>
-                <a:effectLst/>
-                <a:latin typeface="Arial Unicode MS"/>
-              </a:rPr>
-              <a:t>self</a:t>
-            </a:r>
-            <a:r>
-              <a:rPr kumimoji="0" lang="en-US" altLang="en-US" sz="1000" b="0" i="0" u="none" strike="noStrike" cap="none" normalizeH="0" baseline="0" dirty="0" err="1">
-                <a:ln>
-                  <a:noFill/>
-                </a:ln>
-                <a:solidFill>
-                  <a:srgbClr val="A9B7C6"/>
-                </a:solidFill>
-                <a:effectLst/>
-                <a:latin typeface="Arial Unicode MS"/>
-              </a:rPr>
-              <a:t>.assertEqual</a:t>
-            </a:r>
-            <a:r>
-              <a:rPr kumimoji="0" lang="en-US" altLang="en-US" sz="1000" b="0" i="0" u="none" strike="noStrike" cap="none" normalizeH="0" baseline="0" dirty="0">
-                <a:ln>
-                  <a:noFill/>
-                </a:ln>
-                <a:solidFill>
-                  <a:srgbClr val="A9B7C6"/>
-                </a:solidFill>
-                <a:effectLst/>
-                <a:latin typeface="Arial Unicode MS"/>
-              </a:rPr>
-              <a:t>(</a:t>
-            </a:r>
-            <a:r>
-              <a:rPr kumimoji="0" lang="en-US" altLang="en-US" sz="1000" b="0" i="0" u="none" strike="noStrike" cap="none" normalizeH="0" baseline="0" dirty="0" err="1">
-                <a:ln>
-                  <a:noFill/>
-                </a:ln>
-                <a:solidFill>
-                  <a:srgbClr val="94558D"/>
-                </a:solidFill>
-                <a:effectLst/>
-                <a:latin typeface="Arial Unicode MS"/>
-              </a:rPr>
-              <a:t>self</a:t>
-            </a:r>
-            <a:r>
-              <a:rPr kumimoji="0" lang="en-US" altLang="en-US" sz="1000" b="0" i="0" u="none" strike="noStrike" cap="none" normalizeH="0" baseline="0" dirty="0" err="1">
-                <a:ln>
-                  <a:noFill/>
-                </a:ln>
-                <a:solidFill>
-                  <a:srgbClr val="A9B7C6"/>
-                </a:solidFill>
-                <a:effectLst/>
-                <a:latin typeface="Arial Unicode MS"/>
-              </a:rPr>
-              <a:t>.driver.find_element</a:t>
-            </a:r>
-            <a:r>
-              <a:rPr kumimoji="0" lang="en-US" altLang="en-US" sz="1000" b="0" i="0" u="none" strike="noStrike" cap="none" normalizeH="0" baseline="0" dirty="0">
-                <a:ln>
-                  <a:noFill/>
-                </a:ln>
-                <a:solidFill>
-                  <a:srgbClr val="A9B7C6"/>
-                </a:solidFill>
-                <a:effectLst/>
-                <a:latin typeface="Arial Unicode MS"/>
-              </a:rPr>
-              <a:t>(*</a:t>
-            </a:r>
-            <a:r>
-              <a:rPr kumimoji="0" lang="en-US" altLang="en-US" sz="1000" b="0" i="0" u="none" strike="noStrike" cap="none" normalizeH="0" baseline="0" dirty="0" err="1">
-                <a:ln>
-                  <a:noFill/>
-                </a:ln>
-                <a:solidFill>
-                  <a:srgbClr val="A9B7C6"/>
-                </a:solidFill>
-                <a:effectLst/>
-                <a:latin typeface="Arial Unicode MS"/>
-              </a:rPr>
-              <a:t>LocatorsCeMerita.MESAJ_DE_SUCCESS</a:t>
-            </a:r>
-            <a:r>
-              <a:rPr kumimoji="0" lang="en-US" altLang="en-US" sz="1000" b="0" i="0" u="none" strike="noStrike" cap="none" normalizeH="0" baseline="0" dirty="0">
-                <a:ln>
-                  <a:noFill/>
-                </a:ln>
-                <a:solidFill>
-                  <a:srgbClr val="A9B7C6"/>
-                </a:solidFill>
-                <a:effectLst/>
-                <a:latin typeface="Arial Unicode MS"/>
-              </a:rPr>
-              <a:t>).</a:t>
-            </a:r>
-            <a:br>
-              <a:rPr kumimoji="0" lang="en-US" altLang="en-US" sz="1000" b="0" i="0" u="none" strike="noStrike" cap="none" normalizeH="0" baseline="0" dirty="0">
-                <a:ln>
-                  <a:noFill/>
-                </a:ln>
-                <a:solidFill>
-                  <a:srgbClr val="A9B7C6"/>
-                </a:solidFill>
-                <a:effectLst/>
-                <a:latin typeface="Arial Unicode MS"/>
-              </a:rPr>
-            </a:br>
-            <a:r>
-              <a:rPr kumimoji="0" lang="en-US" altLang="en-US" sz="1000" b="0" i="0" u="none" strike="noStrike" cap="none" normalizeH="0" baseline="0" dirty="0">
-                <a:ln>
-                  <a:noFill/>
-                </a:ln>
-                <a:solidFill>
-                  <a:srgbClr val="A9B7C6"/>
-                </a:solidFill>
-                <a:effectLst/>
-                <a:latin typeface="Arial Unicode MS"/>
-              </a:rPr>
               <a:t>                         text</a:t>
             </a:r>
             <a:r>
@@ -34405,83 +36360,6 @@
                 <a:latin typeface="Arial Unicode MS"/>
               </a:rPr>
               <a:t> pe drum.'</a:t>
-            </a:r>
-            <a:r>
-              <a:rPr kumimoji="0" lang="en-US" altLang="en-US" sz="1000" b="0" i="0" u="none" strike="noStrike" cap="none" normalizeH="0" baseline="0" dirty="0">
-                <a:ln>
-                  <a:noFill/>
-                </a:ln>
-                <a:solidFill>
-                  <a:srgbClr val="A9B7C6"/>
-                </a:solidFill>
-                <a:effectLst/>
-                <a:latin typeface="Arial Unicode MS"/>
-              </a:rPr>
-              <a:t>)</a:t>
-            </a:r>
-            <a:br>
-              <a:rPr kumimoji="0" lang="en-US" altLang="en-US" sz="1000" b="0" i="0" u="none" strike="noStrike" cap="none" normalizeH="0" baseline="0" dirty="0">
-                <a:ln>
-                  <a:noFill/>
-                </a:ln>
-                <a:solidFill>
-                  <a:srgbClr val="A9B7C6"/>
-                </a:solidFill>
-                <a:effectLst/>
-                <a:latin typeface="Arial Unicode MS"/>
-              </a:rPr>
-            </a:br>
-            <a:r>
-              <a:rPr kumimoji="0" lang="en-US" altLang="en-US" sz="1000" b="0" i="0" u="none" strike="noStrike" cap="none" normalizeH="0" baseline="0" dirty="0">
-                <a:ln>
-                  <a:noFill/>
-                </a:ln>
-                <a:solidFill>
-                  <a:srgbClr val="A9B7C6"/>
-                </a:solidFill>
-                <a:effectLst/>
-                <a:latin typeface="Arial Unicode MS"/>
-              </a:rPr>
-              <a:t>        </a:t>
-            </a:r>
-            <a:r>
-              <a:rPr kumimoji="0" lang="en-US" altLang="en-US" sz="1000" b="0" i="0" u="none" strike="noStrike" cap="none" normalizeH="0" baseline="0" dirty="0" err="1">
-                <a:ln>
-                  <a:noFill/>
-                </a:ln>
-                <a:solidFill>
-                  <a:srgbClr val="A9B7C6"/>
-                </a:solidFill>
-                <a:effectLst/>
-                <a:latin typeface="Arial Unicode MS"/>
-              </a:rPr>
-              <a:t>time.sleep</a:t>
-            </a:r>
-            <a:r>
-              <a:rPr kumimoji="0" lang="en-US" altLang="en-US" sz="1000" b="0" i="0" u="none" strike="noStrike" cap="none" normalizeH="0" baseline="0" dirty="0">
-                <a:ln>
-                  <a:noFill/>
-                </a:ln>
-                <a:solidFill>
-                  <a:srgbClr val="A9B7C6"/>
-                </a:solidFill>
-                <a:effectLst/>
-                <a:latin typeface="Arial Unicode MS"/>
-              </a:rPr>
-              <a:t>(</a:t>
-            </a:r>
-            <a:r>
-              <a:rPr kumimoji="0" lang="en-US" altLang="en-US" sz="1000" b="0" i="0" u="none" strike="noStrike" cap="none" normalizeH="0" baseline="0" dirty="0">
-                <a:ln>
-                  <a:noFill/>
-                </a:ln>
-                <a:solidFill>
-                  <a:srgbClr val="6897BB"/>
-                </a:solidFill>
-                <a:effectLst/>
-                <a:latin typeface="Arial Unicode MS"/>
-              </a:rPr>
-              <a:t>3</a:t>
             </a:r>
             <a:r>
               <a:rPr kumimoji="0" lang="en-US" altLang="en-US" sz="1000" b="0" i="0" u="none" strike="noStrike" cap="none" normalizeH="0" baseline="0" dirty="0">
@@ -34541,41 +36419,6 @@
       </p:grpSpPr>
       <p:sp>
         <p:nvSpPr>
-          <p:cNvPr id="2" name="Titre 1">
-            <a:extLst>
-              <a:ext uri="{FF2B5EF4-FFF2-40B4-BE49-F238E27FC236}">
-                <a16:creationId xmlns:a16="http://schemas.microsoft.com/office/drawing/2014/main" id="{1A4A499C-1E34-1D85-BBED-3579B59BA9AC}"/>
-              </a:ext>
-            </a:extLst>
-          </p:cNvPr>
-          <p:cNvSpPr>
-            <a:spLocks noGrp="1"/>
-          </p:cNvSpPr>
-          <p:nvPr>
-            <p:ph type="title"/>
-          </p:nvPr>
-        </p:nvSpPr>
-        <p:spPr>
-          <a:xfrm>
-            <a:off x="633341" y="1521728"/>
-            <a:ext cx="3493182" cy="505729"/>
-          </a:xfrm>
-        </p:spPr>
-        <p:txBody>
-          <a:bodyPr>
-            <a:normAutofit fontScale="90000"/>
-          </a:bodyPr>
-          <a:lstStyle/>
-          <a:p>
-            <a:r>
-              <a:rPr lang="en-US" dirty="0"/>
-              <a:t>Test ‘contact page’</a:t>
-            </a:r>
-          </a:p>
-        </p:txBody>
-      </p:sp>
-      <p:sp>
-        <p:nvSpPr>
           <p:cNvPr id="4" name="Espace réservé du texte 3">
             <a:extLst>
               <a:ext uri="{FF2B5EF4-FFF2-40B4-BE49-F238E27FC236}">
@@ -34592,21 +36435,237 @@
         </p:nvSpPr>
         <p:spPr>
           <a:xfrm>
-            <a:off x="633341" y="2121878"/>
-            <a:ext cx="3762811" cy="2876356"/>
+            <a:off x="633342" y="1521728"/>
+            <a:ext cx="3397238" cy="3476506"/>
           </a:xfrm>
         </p:spPr>
         <p:txBody>
-          <a:bodyPr/>
+          <a:bodyPr>
+            <a:normAutofit/>
+          </a:bodyPr>
           <a:lstStyle/>
           <a:p>
-            <a:r>
-              <a:rPr lang="en-US" dirty="0" err="1"/>
+            <a:pPr>
+              <a:lnSpc>
+                <a:spcPct val="150000"/>
+              </a:lnSpc>
+            </a:pPr>
+            <a:r>
+              <a:rPr lang="en-US" sz="1400" b="1" dirty="0">
+                <a:latin typeface="Times New Roman" panose="02020603050405020304" pitchFamily="18" charset="0"/>
+                <a:cs typeface="Times New Roman" panose="02020603050405020304" pitchFamily="18" charset="0"/>
+              </a:rPr>
+              <a:t>TEST PAGINA: ‘CONTACT’</a:t>
+            </a:r>
+          </a:p>
+          <a:p>
+            <a:pPr>
+              <a:lnSpc>
+                <a:spcPct val="150000"/>
+              </a:lnSpc>
+            </a:pPr>
+            <a:r>
+              <a:rPr lang="en-US" sz="1400" dirty="0" err="1">
+                <a:latin typeface="Times New Roman" panose="02020603050405020304" pitchFamily="18" charset="0"/>
+                <a:cs typeface="Times New Roman" panose="02020603050405020304" pitchFamily="18" charset="0"/>
+              </a:rPr>
               <a:t>Testul</a:t>
             </a:r>
             <a:r>
-              <a:rPr lang="en-US" dirty="0"/>
-              <a:t> 3 – </a:t>
+              <a:rPr lang="en-US" sz="1400" dirty="0">
+                <a:latin typeface="Times New Roman" panose="02020603050405020304" pitchFamily="18" charset="0"/>
+                <a:cs typeface="Times New Roman" panose="02020603050405020304" pitchFamily="18" charset="0"/>
+              </a:rPr>
+              <a:t> 3 – In </a:t>
+            </a:r>
+            <a:r>
+              <a:rPr lang="en-US" sz="1400" dirty="0" err="1">
+                <a:latin typeface="Times New Roman" panose="02020603050405020304" pitchFamily="18" charset="0"/>
+                <a:cs typeface="Times New Roman" panose="02020603050405020304" pitchFamily="18" charset="0"/>
+              </a:rPr>
+              <a:t>acest</a:t>
+            </a:r>
+            <a:r>
+              <a:rPr lang="en-US" sz="1400" dirty="0">
+                <a:latin typeface="Times New Roman" panose="02020603050405020304" pitchFamily="18" charset="0"/>
+                <a:cs typeface="Times New Roman" panose="02020603050405020304" pitchFamily="18" charset="0"/>
+              </a:rPr>
+              <a:t> test </a:t>
+            </a:r>
+            <a:r>
+              <a:rPr lang="en-US" sz="1400" dirty="0" err="1">
+                <a:latin typeface="Times New Roman" panose="02020603050405020304" pitchFamily="18" charset="0"/>
+                <a:cs typeface="Times New Roman" panose="02020603050405020304" pitchFamily="18" charset="0"/>
+              </a:rPr>
+              <a:t>incercam</a:t>
+            </a:r>
+            <a:r>
+              <a:rPr lang="en-US" sz="1400" dirty="0">
+                <a:latin typeface="Times New Roman" panose="02020603050405020304" pitchFamily="18" charset="0"/>
+                <a:cs typeface="Times New Roman" panose="02020603050405020304" pitchFamily="18" charset="0"/>
+              </a:rPr>
+              <a:t> </a:t>
+            </a:r>
+            <a:r>
+              <a:rPr lang="en-US" sz="1400" dirty="0" err="1">
+                <a:latin typeface="Times New Roman" panose="02020603050405020304" pitchFamily="18" charset="0"/>
+                <a:cs typeface="Times New Roman" panose="02020603050405020304" pitchFamily="18" charset="0"/>
+              </a:rPr>
+              <a:t>sa</a:t>
+            </a:r>
+            <a:r>
+              <a:rPr lang="en-US" sz="1400" dirty="0">
+                <a:latin typeface="Times New Roman" panose="02020603050405020304" pitchFamily="18" charset="0"/>
+                <a:cs typeface="Times New Roman" panose="02020603050405020304" pitchFamily="18" charset="0"/>
+              </a:rPr>
+              <a:t> </a:t>
+            </a:r>
+            <a:r>
+              <a:rPr lang="en-US" sz="1400" dirty="0" err="1">
+                <a:latin typeface="Times New Roman" panose="02020603050405020304" pitchFamily="18" charset="0"/>
+                <a:cs typeface="Times New Roman" panose="02020603050405020304" pitchFamily="18" charset="0"/>
+              </a:rPr>
+              <a:t>observam</a:t>
+            </a:r>
+            <a:r>
+              <a:rPr lang="en-US" sz="1400" dirty="0">
+                <a:latin typeface="Times New Roman" panose="02020603050405020304" pitchFamily="18" charset="0"/>
+                <a:cs typeface="Times New Roman" panose="02020603050405020304" pitchFamily="18" charset="0"/>
+              </a:rPr>
+              <a:t>, </a:t>
+            </a:r>
+            <a:r>
+              <a:rPr lang="en-US" sz="1400" dirty="0" err="1">
+                <a:latin typeface="Times New Roman" panose="02020603050405020304" pitchFamily="18" charset="0"/>
+                <a:cs typeface="Times New Roman" panose="02020603050405020304" pitchFamily="18" charset="0"/>
+              </a:rPr>
+              <a:t>daca</a:t>
+            </a:r>
+            <a:r>
+              <a:rPr lang="en-US" sz="1400" dirty="0">
+                <a:latin typeface="Times New Roman" panose="02020603050405020304" pitchFamily="18" charset="0"/>
+                <a:cs typeface="Times New Roman" panose="02020603050405020304" pitchFamily="18" charset="0"/>
+              </a:rPr>
+              <a:t> </a:t>
+            </a:r>
+            <a:r>
+              <a:rPr lang="en-US" sz="1400" dirty="0" err="1">
+                <a:latin typeface="Times New Roman" panose="02020603050405020304" pitchFamily="18" charset="0"/>
+                <a:cs typeface="Times New Roman" panose="02020603050405020304" pitchFamily="18" charset="0"/>
+              </a:rPr>
+              <a:t>elementele</a:t>
+            </a:r>
+            <a:r>
+              <a:rPr lang="en-US" sz="1400" dirty="0">
+                <a:latin typeface="Times New Roman" panose="02020603050405020304" pitchFamily="18" charset="0"/>
+                <a:cs typeface="Times New Roman" panose="02020603050405020304" pitchFamily="18" charset="0"/>
+              </a:rPr>
+              <a:t> de contact sunt </a:t>
+            </a:r>
+            <a:r>
+              <a:rPr lang="en-US" sz="1400" dirty="0" err="1">
+                <a:latin typeface="Times New Roman" panose="02020603050405020304" pitchFamily="18" charset="0"/>
+                <a:cs typeface="Times New Roman" panose="02020603050405020304" pitchFamily="18" charset="0"/>
+              </a:rPr>
+              <a:t>accesibile</a:t>
+            </a:r>
+            <a:r>
+              <a:rPr lang="en-US" sz="1400" dirty="0">
+                <a:latin typeface="Times New Roman" panose="02020603050405020304" pitchFamily="18" charset="0"/>
+                <a:cs typeface="Times New Roman" panose="02020603050405020304" pitchFamily="18" charset="0"/>
+              </a:rPr>
+              <a:t> </a:t>
+            </a:r>
+            <a:r>
+              <a:rPr lang="en-US" sz="1400" dirty="0" err="1">
+                <a:latin typeface="Times New Roman" panose="02020603050405020304" pitchFamily="18" charset="0"/>
+                <a:cs typeface="Times New Roman" panose="02020603050405020304" pitchFamily="18" charset="0"/>
+              </a:rPr>
+              <a:t>si</a:t>
+            </a:r>
+            <a:r>
+              <a:rPr lang="en-US" sz="1400" dirty="0">
+                <a:latin typeface="Times New Roman" panose="02020603050405020304" pitchFamily="18" charset="0"/>
+                <a:cs typeface="Times New Roman" panose="02020603050405020304" pitchFamily="18" charset="0"/>
+              </a:rPr>
+              <a:t> se </a:t>
+            </a:r>
+            <a:r>
+              <a:rPr lang="en-US" sz="1400" dirty="0" err="1">
+                <a:latin typeface="Times New Roman" panose="02020603050405020304" pitchFamily="18" charset="0"/>
+                <a:cs typeface="Times New Roman" panose="02020603050405020304" pitchFamily="18" charset="0"/>
+              </a:rPr>
+              <a:t>poate</a:t>
+            </a:r>
+            <a:r>
+              <a:rPr lang="en-US" sz="1400" dirty="0">
+                <a:latin typeface="Times New Roman" panose="02020603050405020304" pitchFamily="18" charset="0"/>
+                <a:cs typeface="Times New Roman" panose="02020603050405020304" pitchFamily="18" charset="0"/>
+              </a:rPr>
+              <a:t> </a:t>
+            </a:r>
+            <a:r>
+              <a:rPr lang="en-US" sz="1400" dirty="0" err="1">
+                <a:latin typeface="Times New Roman" panose="02020603050405020304" pitchFamily="18" charset="0"/>
+                <a:cs typeface="Times New Roman" panose="02020603050405020304" pitchFamily="18" charset="0"/>
+              </a:rPr>
+              <a:t>trimite</a:t>
+            </a:r>
+            <a:r>
+              <a:rPr lang="en-US" sz="1400" dirty="0">
+                <a:latin typeface="Times New Roman" panose="02020603050405020304" pitchFamily="18" charset="0"/>
+                <a:cs typeface="Times New Roman" panose="02020603050405020304" pitchFamily="18" charset="0"/>
+              </a:rPr>
+              <a:t> un </a:t>
+            </a:r>
+            <a:r>
+              <a:rPr lang="en-US" sz="1400" dirty="0" err="1">
+                <a:latin typeface="Times New Roman" panose="02020603050405020304" pitchFamily="18" charset="0"/>
+                <a:cs typeface="Times New Roman" panose="02020603050405020304" pitchFamily="18" charset="0"/>
+              </a:rPr>
+              <a:t>mesaj</a:t>
+            </a:r>
+            <a:r>
+              <a:rPr lang="en-US" sz="1400" dirty="0">
+                <a:latin typeface="Times New Roman" panose="02020603050405020304" pitchFamily="18" charset="0"/>
+                <a:cs typeface="Times New Roman" panose="02020603050405020304" pitchFamily="18" charset="0"/>
+              </a:rPr>
+              <a:t> cu </a:t>
+            </a:r>
+            <a:r>
+              <a:rPr lang="en-US" sz="1400" dirty="0" err="1">
+                <a:latin typeface="Times New Roman" panose="02020603050405020304" pitchFamily="18" charset="0"/>
+                <a:cs typeface="Times New Roman" panose="02020603050405020304" pitchFamily="18" charset="0"/>
+              </a:rPr>
+              <a:t>succes</a:t>
+            </a:r>
+            <a:r>
+              <a:rPr lang="en-US" sz="1400" dirty="0">
+                <a:latin typeface="Times New Roman" panose="02020603050405020304" pitchFamily="18" charset="0"/>
+                <a:cs typeface="Times New Roman" panose="02020603050405020304" pitchFamily="18" charset="0"/>
+              </a:rPr>
+              <a:t>.</a:t>
+            </a:r>
+          </a:p>
+          <a:p>
+            <a:pPr>
+              <a:lnSpc>
+                <a:spcPct val="150000"/>
+              </a:lnSpc>
+            </a:pPr>
+            <a:r>
+              <a:rPr lang="en-US" sz="1400" dirty="0" err="1">
+                <a:latin typeface="Times New Roman" panose="02020603050405020304" pitchFamily="18" charset="0"/>
+                <a:cs typeface="Times New Roman" panose="02020603050405020304" pitchFamily="18" charset="0"/>
+              </a:rPr>
+              <a:t>Testul</a:t>
+            </a:r>
+            <a:r>
+              <a:rPr lang="en-US" sz="1400" dirty="0">
+                <a:latin typeface="Times New Roman" panose="02020603050405020304" pitchFamily="18" charset="0"/>
+                <a:cs typeface="Times New Roman" panose="02020603050405020304" pitchFamily="18" charset="0"/>
+              </a:rPr>
+              <a:t> = PASS</a:t>
             </a:r>
           </a:p>
         </p:txBody>
@@ -34629,8 +36688,8 @@
         </p:nvSpPr>
         <p:spPr bwMode="auto">
           <a:xfrm>
-            <a:off x="4677508" y="1521728"/>
-            <a:ext cx="7069018" cy="3293209"/>
+            <a:off x="4343400" y="1521728"/>
+            <a:ext cx="7403126" cy="3293209"/>
           </a:xfrm>
           <a:prstGeom prst="rect">
             <a:avLst/>
@@ -36574,56 +38633,6 @@
       </p:grpSpPr>
       <p:sp>
         <p:nvSpPr>
-          <p:cNvPr id="2" name="Titre 1">
-            <a:extLst>
-              <a:ext uri="{FF2B5EF4-FFF2-40B4-BE49-F238E27FC236}">
-                <a16:creationId xmlns:a16="http://schemas.microsoft.com/office/drawing/2014/main" id="{45264C19-9410-5ED9-2525-58E125F79F66}"/>
-              </a:ext>
-            </a:extLst>
-          </p:cNvPr>
-          <p:cNvSpPr>
-            <a:spLocks noGrp="1"/>
-          </p:cNvSpPr>
-          <p:nvPr>
-            <p:ph type="title"/>
-          </p:nvPr>
-        </p:nvSpPr>
-        <p:spPr>
-          <a:xfrm>
-            <a:off x="358677" y="1207477"/>
-            <a:ext cx="4185138" cy="552619"/>
-          </a:xfrm>
-        </p:spPr>
-        <p:txBody>
-          <a:bodyPr/>
-          <a:lstStyle/>
-          <a:p>
-            <a:pPr algn="ctr"/>
-            <a:r>
-              <a:rPr lang="en-US" dirty="0"/>
-              <a:t>Test ‘</a:t>
-            </a:r>
-            <a:r>
-              <a:rPr lang="en-US" dirty="0" err="1"/>
-              <a:t>pagina</a:t>
-            </a:r>
-            <a:r>
-              <a:rPr lang="en-US" dirty="0"/>
-              <a:t> </a:t>
-            </a:r>
-            <a:r>
-              <a:rPr lang="en-US" dirty="0" err="1"/>
-              <a:t>inregistrare</a:t>
-            </a:r>
-            <a:r>
-              <a:rPr lang="en-US" dirty="0"/>
-              <a:t>’</a:t>
-            </a:r>
-          </a:p>
-        </p:txBody>
-      </p:sp>
-      <p:sp>
-        <p:nvSpPr>
           <p:cNvPr id="4" name="Espace réservé du texte 3">
             <a:extLst>
               <a:ext uri="{FF2B5EF4-FFF2-40B4-BE49-F238E27FC236}">
@@ -36640,13 +38649,13 @@
         </p:nvSpPr>
         <p:spPr>
           <a:xfrm>
-            <a:off x="504092" y="1899138"/>
-            <a:ext cx="4039723" cy="3109351"/>
+            <a:off x="676275" y="1204912"/>
+            <a:ext cx="3318209" cy="5478423"/>
           </a:xfrm>
         </p:spPr>
         <p:txBody>
           <a:bodyPr>
-            <a:normAutofit fontScale="92500"/>
+            <a:normAutofit/>
           </a:bodyPr>
           <a:lstStyle/>
           <a:p>
@@ -36656,13 +38665,543 @@
               </a:lnSpc>
             </a:pPr>
             <a:r>
-              <a:rPr kumimoji="0" lang="en-US" altLang="en-US" sz="1600" b="0" i="0" u="none" strike="noStrike" cap="none" normalizeH="0" baseline="0" dirty="0" err="1">
-                <a:ln>
-                  <a:noFill/>
-                </a:ln>
+              <a:rPr lang="en-US" altLang="en-US" sz="1400" b="1" dirty="0">
                 <a:solidFill>
                   <a:schemeClr val="tx1"/>
                 </a:solidFill>
+                <a:latin typeface="Times New Roman" panose="02020603050405020304" pitchFamily="18" charset="0"/>
+                <a:cs typeface="Times New Roman" panose="02020603050405020304" pitchFamily="18" charset="0"/>
+              </a:rPr>
+              <a:t>TEST PAGINA: ‘INREGISTRARE’</a:t>
+            </a:r>
+          </a:p>
+          <a:p>
+            <a:pPr>
+              <a:lnSpc>
+                <a:spcPct val="150000"/>
+              </a:lnSpc>
+            </a:pPr>
+            <a:r>
+              <a:rPr lang="en-US" altLang="en-US" sz="1400" dirty="0" err="1">
+                <a:solidFill>
+                  <a:schemeClr val="tx1"/>
+                </a:solidFill>
+                <a:latin typeface="Times New Roman" panose="02020603050405020304" pitchFamily="18" charset="0"/>
+                <a:cs typeface="Times New Roman" panose="02020603050405020304" pitchFamily="18" charset="0"/>
+              </a:rPr>
+              <a:t>I</a:t>
+            </a:r>
+            <a:r>
+              <a:rPr kumimoji="0" lang="en-US" altLang="en-US" sz="1400" b="0" i="0" u="none" strike="noStrike" cap="none" normalizeH="0" baseline="0" dirty="0" err="1">
+                <a:ln>
+                  <a:noFill/>
+                </a:ln>
+                <a:solidFill>
+                  <a:schemeClr val="tx1"/>
+                </a:solidFill>
+                <a:effectLst/>
+                <a:latin typeface="Times New Roman" panose="02020603050405020304" pitchFamily="18" charset="0"/>
+                <a:cs typeface="Times New Roman" panose="02020603050405020304" pitchFamily="18" charset="0"/>
+              </a:rPr>
+              <a:t>ntram</a:t>
+            </a:r>
+            <a:r>
+              <a:rPr kumimoji="0" lang="en-US" altLang="en-US" sz="1400" b="0" i="0" u="none" strike="noStrike" cap="none" normalizeH="0" baseline="0" dirty="0">
+                <a:ln>
+                  <a:noFill/>
+                </a:ln>
+                <a:solidFill>
+                  <a:schemeClr val="tx1"/>
+                </a:solidFill>
+                <a:effectLst/>
+                <a:latin typeface="Times New Roman" panose="02020603050405020304" pitchFamily="18" charset="0"/>
+                <a:cs typeface="Times New Roman" panose="02020603050405020304" pitchFamily="18" charset="0"/>
+              </a:rPr>
+              <a:t> pe site, </a:t>
+            </a:r>
+            <a:r>
+              <a:rPr kumimoji="0" lang="en-US" altLang="en-US" sz="1400" b="0" i="0" u="none" strike="noStrike" cap="none" normalizeH="0" baseline="0" dirty="0" err="1">
+                <a:ln>
+                  <a:noFill/>
+                </a:ln>
+                <a:solidFill>
+                  <a:schemeClr val="tx1"/>
+                </a:solidFill>
+                <a:effectLst/>
+                <a:latin typeface="Times New Roman" panose="02020603050405020304" pitchFamily="18" charset="0"/>
+                <a:cs typeface="Times New Roman" panose="02020603050405020304" pitchFamily="18" charset="0"/>
+              </a:rPr>
+              <a:t>facem</a:t>
+            </a:r>
+            <a:r>
+              <a:rPr kumimoji="0" lang="en-US" altLang="en-US" sz="1400" b="0" i="0" u="none" strike="noStrike" cap="none" normalizeH="0" baseline="0" dirty="0">
+                <a:ln>
+                  <a:noFill/>
+                </a:ln>
+                <a:solidFill>
+                  <a:schemeClr val="tx1"/>
+                </a:solidFill>
+                <a:effectLst/>
+                <a:latin typeface="Times New Roman" panose="02020603050405020304" pitchFamily="18" charset="0"/>
+                <a:cs typeface="Times New Roman" panose="02020603050405020304" pitchFamily="18" charset="0"/>
+              </a:rPr>
+              <a:t> click pe </a:t>
+            </a:r>
+            <a:r>
+              <a:rPr kumimoji="0" lang="en-US" altLang="en-US" sz="1400" b="0" i="0" u="none" strike="noStrike" cap="none" normalizeH="0" baseline="0" dirty="0" err="1">
+                <a:ln>
+                  <a:noFill/>
+                </a:ln>
+                <a:solidFill>
+                  <a:schemeClr val="tx1"/>
+                </a:solidFill>
+                <a:effectLst/>
+                <a:latin typeface="Times New Roman" panose="02020603050405020304" pitchFamily="18" charset="0"/>
+                <a:cs typeface="Times New Roman" panose="02020603050405020304" pitchFamily="18" charset="0"/>
+              </a:rPr>
+              <a:t>inregistrare</a:t>
+            </a:r>
+            <a:r>
+              <a:rPr kumimoji="0" lang="en-US" altLang="en-US" sz="1400" b="0" i="0" u="none" strike="noStrike" cap="none" normalizeH="0" baseline="0" dirty="0">
+                <a:ln>
+                  <a:noFill/>
+                </a:ln>
+                <a:solidFill>
+                  <a:schemeClr val="tx1"/>
+                </a:solidFill>
+                <a:effectLst/>
+                <a:latin typeface="Times New Roman" panose="02020603050405020304" pitchFamily="18" charset="0"/>
+                <a:cs typeface="Times New Roman" panose="02020603050405020304" pitchFamily="18" charset="0"/>
+              </a:rPr>
+              <a:t>, </a:t>
+            </a:r>
+            <a:r>
+              <a:rPr kumimoji="0" lang="en-US" altLang="en-US" sz="1400" b="0" i="0" u="none" strike="noStrike" cap="none" normalizeH="0" baseline="0" dirty="0" err="1">
+                <a:ln>
+                  <a:noFill/>
+                </a:ln>
+                <a:solidFill>
+                  <a:schemeClr val="tx1"/>
+                </a:solidFill>
+                <a:effectLst/>
+                <a:latin typeface="Times New Roman" panose="02020603050405020304" pitchFamily="18" charset="0"/>
+                <a:cs typeface="Times New Roman" panose="02020603050405020304" pitchFamily="18" charset="0"/>
+              </a:rPr>
+              <a:t>si</a:t>
+            </a:r>
+            <a:r>
+              <a:rPr kumimoji="0" lang="en-US" altLang="en-US" sz="1400" b="0" i="0" u="none" strike="noStrike" cap="none" normalizeH="0" baseline="0" dirty="0">
+                <a:ln>
+                  <a:noFill/>
+                </a:ln>
+                <a:solidFill>
+                  <a:schemeClr val="tx1"/>
+                </a:solidFill>
+                <a:effectLst/>
+                <a:latin typeface="Times New Roman" panose="02020603050405020304" pitchFamily="18" charset="0"/>
+                <a:cs typeface="Times New Roman" panose="02020603050405020304" pitchFamily="18" charset="0"/>
+              </a:rPr>
+              <a:t> </a:t>
+            </a:r>
+            <a:r>
+              <a:rPr kumimoji="0" lang="en-US" altLang="en-US" sz="1400" b="0" i="0" u="none" strike="noStrike" cap="none" normalizeH="0" baseline="0" dirty="0" err="1">
+                <a:ln>
+                  <a:noFill/>
+                </a:ln>
+                <a:solidFill>
+                  <a:schemeClr val="tx1"/>
+                </a:solidFill>
+                <a:effectLst/>
+                <a:latin typeface="Times New Roman" panose="02020603050405020304" pitchFamily="18" charset="0"/>
+                <a:cs typeface="Times New Roman" panose="02020603050405020304" pitchFamily="18" charset="0"/>
+              </a:rPr>
+              <a:t>indetificam</a:t>
+            </a:r>
+            <a:r>
+              <a:rPr kumimoji="0" lang="en-US" altLang="en-US" sz="1400" b="0" i="0" u="none" strike="noStrike" cap="none" normalizeH="0" baseline="0" dirty="0">
+                <a:ln>
+                  <a:noFill/>
+                </a:ln>
+                <a:solidFill>
+                  <a:schemeClr val="tx1"/>
+                </a:solidFill>
+                <a:effectLst/>
+                <a:latin typeface="Times New Roman" panose="02020603050405020304" pitchFamily="18" charset="0"/>
+                <a:cs typeface="Times New Roman" panose="02020603050405020304" pitchFamily="18" charset="0"/>
+              </a:rPr>
+              <a:t> </a:t>
+            </a:r>
+            <a:r>
+              <a:rPr kumimoji="0" lang="en-US" altLang="en-US" sz="1400" b="0" i="0" u="none" strike="noStrike" cap="none" normalizeH="0" baseline="0" dirty="0" err="1">
+                <a:ln>
+                  <a:noFill/>
+                </a:ln>
+                <a:solidFill>
+                  <a:schemeClr val="tx1"/>
+                </a:solidFill>
+                <a:effectLst/>
+                <a:latin typeface="Times New Roman" panose="02020603050405020304" pitchFamily="18" charset="0"/>
+                <a:cs typeface="Times New Roman" panose="02020603050405020304" pitchFamily="18" charset="0"/>
+              </a:rPr>
+              <a:t>elementele</a:t>
+            </a:r>
+            <a:r>
+              <a:rPr kumimoji="0" lang="en-US" altLang="en-US" sz="1400" b="0" i="0" u="none" strike="noStrike" cap="none" normalizeH="0" baseline="0" dirty="0">
+                <a:ln>
+                  <a:noFill/>
+                </a:ln>
+                <a:solidFill>
+                  <a:schemeClr val="tx1"/>
+                </a:solidFill>
+                <a:effectLst/>
+                <a:latin typeface="Times New Roman" panose="02020603050405020304" pitchFamily="18" charset="0"/>
+                <a:cs typeface="Times New Roman" panose="02020603050405020304" pitchFamily="18" charset="0"/>
+              </a:rPr>
+              <a:t> de tip </a:t>
+            </a:r>
+            <a:r>
+              <a:rPr kumimoji="0" lang="en-US" altLang="en-US" sz="1400" b="0" i="0" u="none" strike="noStrike" cap="none" normalizeH="0" baseline="0" dirty="0" err="1">
+                <a:ln>
+                  <a:noFill/>
+                </a:ln>
+                <a:solidFill>
+                  <a:schemeClr val="tx1"/>
+                </a:solidFill>
+                <a:effectLst/>
+                <a:latin typeface="Times New Roman" panose="02020603050405020304" pitchFamily="18" charset="0"/>
+                <a:cs typeface="Times New Roman" panose="02020603050405020304" pitchFamily="18" charset="0"/>
+              </a:rPr>
+              <a:t>prenume</a:t>
+            </a:r>
+            <a:r>
+              <a:rPr kumimoji="0" lang="en-US" altLang="en-US" sz="1400" b="0" i="0" u="none" strike="noStrike" cap="none" normalizeH="0" baseline="0" dirty="0">
+                <a:ln>
+                  <a:noFill/>
+                </a:ln>
+                <a:solidFill>
+                  <a:schemeClr val="tx1"/>
+                </a:solidFill>
+                <a:effectLst/>
+                <a:latin typeface="Times New Roman" panose="02020603050405020304" pitchFamily="18" charset="0"/>
+                <a:cs typeface="Times New Roman" panose="02020603050405020304" pitchFamily="18" charset="0"/>
+              </a:rPr>
+              <a:t>, </a:t>
+            </a:r>
+            <a:r>
+              <a:rPr kumimoji="0" lang="en-US" altLang="en-US" sz="1400" b="0" i="0" u="none" strike="noStrike" cap="none" normalizeH="0" baseline="0" dirty="0" err="1">
+                <a:ln>
+                  <a:noFill/>
+                </a:ln>
+                <a:solidFill>
+                  <a:schemeClr val="tx1"/>
+                </a:solidFill>
+                <a:effectLst/>
+                <a:latin typeface="Times New Roman" panose="02020603050405020304" pitchFamily="18" charset="0"/>
+                <a:cs typeface="Times New Roman" panose="02020603050405020304" pitchFamily="18" charset="0"/>
+              </a:rPr>
+              <a:t>nume</a:t>
+            </a:r>
+            <a:r>
+              <a:rPr kumimoji="0" lang="en-US" altLang="en-US" sz="1400" b="0" i="0" u="none" strike="noStrike" cap="none" normalizeH="0" baseline="0" dirty="0">
+                <a:ln>
+                  <a:noFill/>
+                </a:ln>
+                <a:solidFill>
+                  <a:schemeClr val="tx1"/>
+                </a:solidFill>
+                <a:effectLst/>
+                <a:latin typeface="Times New Roman" panose="02020603050405020304" pitchFamily="18" charset="0"/>
+                <a:cs typeface="Times New Roman" panose="02020603050405020304" pitchFamily="18" charset="0"/>
+              </a:rPr>
+              <a:t>, username,</a:t>
+            </a:r>
+            <a:r>
+              <a:rPr lang="en-US" altLang="en-US" sz="1400" dirty="0">
+                <a:solidFill>
+                  <a:schemeClr val="tx1"/>
+                </a:solidFill>
+                <a:latin typeface="Times New Roman" panose="02020603050405020304" pitchFamily="18" charset="0"/>
+                <a:cs typeface="Times New Roman" panose="02020603050405020304" pitchFamily="18" charset="0"/>
+              </a:rPr>
+              <a:t> </a:t>
+            </a:r>
+            <a:r>
+              <a:rPr kumimoji="0" lang="en-US" altLang="en-US" sz="1400" b="0" i="0" u="none" strike="noStrike" cap="none" normalizeH="0" baseline="0" dirty="0">
+                <a:ln>
+                  <a:noFill/>
+                </a:ln>
+                <a:solidFill>
+                  <a:schemeClr val="tx1"/>
+                </a:solidFill>
+                <a:effectLst/>
+                <a:latin typeface="Times New Roman" panose="02020603050405020304" pitchFamily="18" charset="0"/>
+                <a:cs typeface="Times New Roman" panose="02020603050405020304" pitchFamily="18" charset="0"/>
+              </a:rPr>
+              <a:t>email, </a:t>
+            </a:r>
+            <a:r>
+              <a:rPr kumimoji="0" lang="en-US" altLang="en-US" sz="1400" b="0" i="0" u="none" strike="noStrike" cap="none" normalizeH="0" baseline="0" dirty="0" err="1">
+                <a:ln>
+                  <a:noFill/>
+                </a:ln>
+                <a:solidFill>
+                  <a:schemeClr val="tx1"/>
+                </a:solidFill>
+                <a:effectLst/>
+                <a:latin typeface="Times New Roman" panose="02020603050405020304" pitchFamily="18" charset="0"/>
+                <a:cs typeface="Times New Roman" panose="02020603050405020304" pitchFamily="18" charset="0"/>
+              </a:rPr>
+              <a:t>parola</a:t>
+            </a:r>
+            <a:r>
+              <a:rPr kumimoji="0" lang="en-US" altLang="en-US" sz="1400" b="0" i="0" u="none" strike="noStrike" cap="none" normalizeH="0" baseline="0" dirty="0">
+                <a:ln>
+                  <a:noFill/>
+                </a:ln>
+                <a:solidFill>
+                  <a:schemeClr val="tx1"/>
+                </a:solidFill>
+                <a:effectLst/>
+                <a:latin typeface="Times New Roman" panose="02020603050405020304" pitchFamily="18" charset="0"/>
+                <a:cs typeface="Times New Roman" panose="02020603050405020304" pitchFamily="18" charset="0"/>
+              </a:rPr>
+              <a:t>, </a:t>
+            </a:r>
+            <a:r>
+              <a:rPr kumimoji="0" lang="en-US" altLang="en-US" sz="1400" b="0" i="0" u="none" strike="noStrike" cap="none" normalizeH="0" baseline="0" dirty="0" err="1">
+                <a:ln>
+                  <a:noFill/>
+                </a:ln>
+                <a:solidFill>
+                  <a:schemeClr val="tx1"/>
+                </a:solidFill>
+                <a:effectLst/>
+                <a:latin typeface="Times New Roman" panose="02020603050405020304" pitchFamily="18" charset="0"/>
+                <a:cs typeface="Times New Roman" panose="02020603050405020304" pitchFamily="18" charset="0"/>
+              </a:rPr>
+              <a:t>casuta</a:t>
+            </a:r>
+            <a:r>
+              <a:rPr kumimoji="0" lang="en-US" altLang="en-US" sz="1400" b="0" i="0" u="none" strike="noStrike" cap="none" normalizeH="0" baseline="0" dirty="0">
+                <a:ln>
+                  <a:noFill/>
+                </a:ln>
+                <a:solidFill>
+                  <a:schemeClr val="tx1"/>
+                </a:solidFill>
+                <a:effectLst/>
+                <a:latin typeface="Times New Roman" panose="02020603050405020304" pitchFamily="18" charset="0"/>
+                <a:cs typeface="Times New Roman" panose="02020603050405020304" pitchFamily="18" charset="0"/>
+              </a:rPr>
+              <a:t> </a:t>
+            </a:r>
+            <a:r>
+              <a:rPr kumimoji="0" lang="en-US" altLang="en-US" sz="1400" b="0" i="0" u="none" strike="noStrike" cap="none" normalizeH="0" baseline="0" dirty="0" err="1">
+                <a:ln>
+                  <a:noFill/>
+                </a:ln>
+                <a:solidFill>
+                  <a:schemeClr val="tx1"/>
+                </a:solidFill>
+                <a:effectLst/>
+                <a:latin typeface="Times New Roman" panose="02020603050405020304" pitchFamily="18" charset="0"/>
+                <a:cs typeface="Times New Roman" panose="02020603050405020304" pitchFamily="18" charset="0"/>
+              </a:rPr>
+              <a:t>termeni</a:t>
+            </a:r>
+            <a:r>
+              <a:rPr kumimoji="0" lang="en-US" altLang="en-US" sz="1400" b="0" i="0" u="none" strike="noStrike" cap="none" normalizeH="0" baseline="0" dirty="0">
+                <a:ln>
+                  <a:noFill/>
+                </a:ln>
+                <a:solidFill>
+                  <a:schemeClr val="tx1"/>
+                </a:solidFill>
+                <a:effectLst/>
+                <a:latin typeface="Times New Roman" panose="02020603050405020304" pitchFamily="18" charset="0"/>
+                <a:cs typeface="Times New Roman" panose="02020603050405020304" pitchFamily="18" charset="0"/>
+              </a:rPr>
+              <a:t> </a:t>
+            </a:r>
+            <a:r>
+              <a:rPr kumimoji="0" lang="en-US" altLang="en-US" sz="1400" b="0" i="0" u="none" strike="noStrike" cap="none" normalizeH="0" baseline="0" dirty="0" err="1">
+                <a:ln>
+                  <a:noFill/>
+                </a:ln>
+                <a:solidFill>
+                  <a:schemeClr val="tx1"/>
+                </a:solidFill>
+                <a:effectLst/>
+                <a:latin typeface="Times New Roman" panose="02020603050405020304" pitchFamily="18" charset="0"/>
+                <a:cs typeface="Times New Roman" panose="02020603050405020304" pitchFamily="18" charset="0"/>
+              </a:rPr>
+              <a:t>si</a:t>
+            </a:r>
+            <a:r>
+              <a:rPr kumimoji="0" lang="en-US" altLang="en-US" sz="1400" b="0" i="0" u="none" strike="noStrike" cap="none" normalizeH="0" baseline="0" dirty="0">
+                <a:ln>
+                  <a:noFill/>
+                </a:ln>
+                <a:solidFill>
+                  <a:schemeClr val="tx1"/>
+                </a:solidFill>
+                <a:effectLst/>
+                <a:latin typeface="Times New Roman" panose="02020603050405020304" pitchFamily="18" charset="0"/>
+                <a:cs typeface="Times New Roman" panose="02020603050405020304" pitchFamily="18" charset="0"/>
+              </a:rPr>
+              <a:t> </a:t>
+            </a:r>
+            <a:r>
+              <a:rPr kumimoji="0" lang="en-US" altLang="en-US" sz="1400" b="0" i="0" u="none" strike="noStrike" cap="none" normalizeH="0" baseline="0" dirty="0" err="1">
+                <a:ln>
+                  <a:noFill/>
+                </a:ln>
+                <a:solidFill>
+                  <a:schemeClr val="tx1"/>
+                </a:solidFill>
+                <a:effectLst/>
+                <a:latin typeface="Times New Roman" panose="02020603050405020304" pitchFamily="18" charset="0"/>
+                <a:cs typeface="Times New Roman" panose="02020603050405020304" pitchFamily="18" charset="0"/>
+              </a:rPr>
+              <a:t>conditi</a:t>
+            </a:r>
+            <a:r>
+              <a:rPr kumimoji="0" lang="en-US" altLang="en-US" sz="1400" b="0" i="0" u="none" strike="noStrike" cap="none" normalizeH="0" baseline="0" dirty="0">
+                <a:ln>
+                  <a:noFill/>
+                </a:ln>
+                <a:solidFill>
+                  <a:schemeClr val="tx1"/>
+                </a:solidFill>
+                <a:effectLst/>
+                <a:latin typeface="Times New Roman" panose="02020603050405020304" pitchFamily="18" charset="0"/>
+                <a:cs typeface="Times New Roman" panose="02020603050405020304" pitchFamily="18" charset="0"/>
+              </a:rPr>
+              <a:t>; </a:t>
+            </a:r>
+            <a:r>
+              <a:rPr kumimoji="0" lang="en-US" altLang="en-US" sz="1400" b="0" i="0" u="none" strike="noStrike" cap="none" normalizeH="0" baseline="0" dirty="0" err="1">
+                <a:ln>
+                  <a:noFill/>
+                </a:ln>
+                <a:solidFill>
+                  <a:schemeClr val="tx1"/>
+                </a:solidFill>
+                <a:effectLst/>
+                <a:latin typeface="Times New Roman" panose="02020603050405020304" pitchFamily="18" charset="0"/>
+                <a:cs typeface="Times New Roman" panose="02020603050405020304" pitchFamily="18" charset="0"/>
+              </a:rPr>
+              <a:t>si</a:t>
+            </a:r>
+            <a:r>
+              <a:rPr kumimoji="0" lang="en-US" altLang="en-US" sz="1400" b="0" i="0" u="none" strike="noStrike" cap="none" normalizeH="0" baseline="0" dirty="0">
+                <a:ln>
+                  <a:noFill/>
+                </a:ln>
+                <a:solidFill>
+                  <a:schemeClr val="tx1"/>
+                </a:solidFill>
+                <a:effectLst/>
+                <a:latin typeface="Times New Roman" panose="02020603050405020304" pitchFamily="18" charset="0"/>
+                <a:cs typeface="Times New Roman" panose="02020603050405020304" pitchFamily="18" charset="0"/>
+              </a:rPr>
+              <a:t> </a:t>
+            </a:r>
+            <a:r>
+              <a:rPr kumimoji="0" lang="en-US" altLang="en-US" sz="1400" b="0" i="0" u="none" strike="noStrike" cap="none" normalizeH="0" baseline="0" dirty="0" err="1">
+                <a:ln>
+                  <a:noFill/>
+                </a:ln>
+                <a:solidFill>
+                  <a:schemeClr val="tx1"/>
+                </a:solidFill>
+                <a:effectLst/>
+                <a:latin typeface="Times New Roman" panose="02020603050405020304" pitchFamily="18" charset="0"/>
+                <a:cs typeface="Times New Roman" panose="02020603050405020304" pitchFamily="18" charset="0"/>
+              </a:rPr>
+              <a:t>inseram</a:t>
+            </a:r>
+            <a:r>
+              <a:rPr kumimoji="0" lang="en-US" altLang="en-US" sz="1400" b="0" i="0" u="none" strike="noStrike" cap="none" normalizeH="0" baseline="0" dirty="0">
+                <a:ln>
+                  <a:noFill/>
+                </a:ln>
+                <a:solidFill>
+                  <a:schemeClr val="tx1"/>
+                </a:solidFill>
+                <a:effectLst/>
+                <a:latin typeface="Times New Roman" panose="02020603050405020304" pitchFamily="18" charset="0"/>
+                <a:cs typeface="Times New Roman" panose="02020603050405020304" pitchFamily="18" charset="0"/>
+              </a:rPr>
+              <a:t> </a:t>
+            </a:r>
+            <a:r>
+              <a:rPr kumimoji="0" lang="en-US" altLang="en-US" sz="1400" b="0" i="0" u="none" strike="noStrike" cap="none" normalizeH="0" baseline="0" dirty="0" err="1">
+                <a:ln>
+                  <a:noFill/>
+                </a:ln>
+                <a:solidFill>
+                  <a:schemeClr val="tx1"/>
+                </a:solidFill>
+                <a:effectLst/>
+                <a:latin typeface="Times New Roman" panose="02020603050405020304" pitchFamily="18" charset="0"/>
+                <a:cs typeface="Times New Roman" panose="02020603050405020304" pitchFamily="18" charset="0"/>
+              </a:rPr>
+              <a:t>valori</a:t>
+            </a:r>
+            <a:r>
+              <a:rPr kumimoji="0" lang="en-US" altLang="en-US" sz="1400" b="0" i="0" u="none" strike="noStrike" cap="none" normalizeH="0" baseline="0" dirty="0">
+                <a:ln>
+                  <a:noFill/>
+                </a:ln>
+                <a:solidFill>
+                  <a:schemeClr val="tx1"/>
+                </a:solidFill>
+                <a:effectLst/>
+                <a:latin typeface="Times New Roman" panose="02020603050405020304" pitchFamily="18" charset="0"/>
+                <a:cs typeface="Times New Roman" panose="02020603050405020304" pitchFamily="18" charset="0"/>
+              </a:rPr>
+              <a:t> </a:t>
+            </a:r>
+            <a:r>
+              <a:rPr kumimoji="0" lang="en-US" altLang="en-US" sz="1400" b="0" i="0" u="none" strike="noStrike" cap="none" normalizeH="0" baseline="0" dirty="0" err="1">
+                <a:ln>
+                  <a:noFill/>
+                </a:ln>
+                <a:solidFill>
+                  <a:schemeClr val="tx1"/>
+                </a:solidFill>
+                <a:effectLst/>
+                <a:latin typeface="Times New Roman" panose="02020603050405020304" pitchFamily="18" charset="0"/>
+                <a:cs typeface="Times New Roman" panose="02020603050405020304" pitchFamily="18" charset="0"/>
+              </a:rPr>
+              <a:t>corecte</a:t>
+            </a:r>
+            <a:r>
+              <a:rPr lang="en-US" altLang="en-US" sz="1400" dirty="0">
+                <a:solidFill>
+                  <a:schemeClr val="tx1"/>
+                </a:solidFill>
+                <a:latin typeface="Times New Roman" panose="02020603050405020304" pitchFamily="18" charset="0"/>
+                <a:cs typeface="Times New Roman" panose="02020603050405020304" pitchFamily="18" charset="0"/>
+              </a:rPr>
+              <a:t>.</a:t>
+            </a:r>
+          </a:p>
+          <a:p>
+            <a:pPr>
+              <a:lnSpc>
+                <a:spcPct val="150000"/>
+              </a:lnSpc>
+            </a:pPr>
+            <a:r>
+              <a:rPr kumimoji="0" lang="en-US" altLang="en-US" sz="1400" b="0" i="0" u="none" strike="noStrike" cap="none" normalizeH="0" baseline="0" dirty="0" err="1">
+                <a:ln>
+                  <a:noFill/>
+                </a:ln>
+                <a:solidFill>
+                  <a:schemeClr val="tx1"/>
+                </a:solidFill>
                 <a:effectLst/>
                 <a:latin typeface="Times New Roman" panose="02020603050405020304" pitchFamily="18" charset="0"/>
                 <a:cs typeface="Times New Roman" panose="02020603050405020304" pitchFamily="18" charset="0"/>
@@ -36670,83 +39209,287 @@
               <a:t>Testul</a:t>
             </a:r>
             <a:r>
-              <a:rPr kumimoji="0" lang="en-US" altLang="en-US" sz="1600" b="0" i="0" u="none" strike="noStrike" cap="none" normalizeH="0" baseline="0" dirty="0">
-                <a:ln>
-                  <a:noFill/>
-                </a:ln>
+              <a:rPr lang="en-US" altLang="en-US" sz="1400" dirty="0">
                 <a:solidFill>
                   <a:schemeClr val="tx1"/>
                 </a:solidFill>
-                <a:effectLst/>
                 <a:latin typeface="Times New Roman" panose="02020603050405020304" pitchFamily="18" charset="0"/>
                 <a:cs typeface="Times New Roman" panose="02020603050405020304" pitchFamily="18" charset="0"/>
               </a:rPr>
               <a:t> 4 – </a:t>
             </a:r>
             <a:r>
-              <a:rPr kumimoji="0" lang="en-US" altLang="en-US" sz="1600" b="0" i="0" u="none" strike="noStrike" cap="none" normalizeH="0" baseline="0" dirty="0" err="1">
-                <a:ln>
-                  <a:noFill/>
-                </a:ln>
+              <a:rPr lang="en-US" altLang="en-US" sz="1400" dirty="0" err="1">
                 <a:solidFill>
                   <a:schemeClr val="tx1"/>
                 </a:solidFill>
-                <a:effectLst/>
-                <a:latin typeface="Times New Roman" panose="02020603050405020304" pitchFamily="18" charset="0"/>
-                <a:cs typeface="Times New Roman" panose="02020603050405020304" pitchFamily="18" charset="0"/>
-              </a:rPr>
-              <a:t>intram</a:t>
-            </a:r>
-            <a:r>
-              <a:rPr kumimoji="0" lang="en-US" altLang="en-US" sz="1600" b="0" i="0" u="none" strike="noStrike" cap="none" normalizeH="0" baseline="0" dirty="0">
-                <a:ln>
-                  <a:noFill/>
-                </a:ln>
+                <a:latin typeface="Times New Roman" panose="02020603050405020304" pitchFamily="18" charset="0"/>
+                <a:cs typeface="Times New Roman" panose="02020603050405020304" pitchFamily="18" charset="0"/>
+              </a:rPr>
+              <a:t>Inseram</a:t>
+            </a:r>
+            <a:r>
+              <a:rPr lang="en-US" altLang="en-US" sz="1400" dirty="0">
                 <a:solidFill>
                   <a:schemeClr val="tx1"/>
                 </a:solidFill>
-                <a:effectLst/>
-                <a:latin typeface="Times New Roman" panose="02020603050405020304" pitchFamily="18" charset="0"/>
-                <a:cs typeface="Times New Roman" panose="02020603050405020304" pitchFamily="18" charset="0"/>
-              </a:rPr>
-              <a:t> pe site, </a:t>
-            </a:r>
-            <a:r>
-              <a:rPr kumimoji="0" lang="en-US" altLang="en-US" sz="1600" b="0" i="0" u="none" strike="noStrike" cap="none" normalizeH="0" baseline="0" dirty="0" err="1">
-                <a:ln>
-                  <a:noFill/>
-                </a:ln>
+                <a:latin typeface="Times New Roman" panose="02020603050405020304" pitchFamily="18" charset="0"/>
+                <a:cs typeface="Times New Roman" panose="02020603050405020304" pitchFamily="18" charset="0"/>
+              </a:rPr>
+              <a:t> </a:t>
+            </a:r>
+            <a:r>
+              <a:rPr lang="en-US" altLang="en-US" sz="1400" dirty="0" err="1">
                 <a:solidFill>
                   <a:schemeClr val="tx1"/>
                 </a:solidFill>
-                <a:effectLst/>
-                <a:latin typeface="Times New Roman" panose="02020603050405020304" pitchFamily="18" charset="0"/>
-                <a:cs typeface="Times New Roman" panose="02020603050405020304" pitchFamily="18" charset="0"/>
-              </a:rPr>
-              <a:t>facem</a:t>
-            </a:r>
-            <a:r>
-              <a:rPr kumimoji="0" lang="en-US" altLang="en-US" sz="1600" b="0" i="0" u="none" strike="noStrike" cap="none" normalizeH="0" baseline="0" dirty="0">
-                <a:ln>
-                  <a:noFill/>
-                </a:ln>
+                <a:latin typeface="Times New Roman" panose="02020603050405020304" pitchFamily="18" charset="0"/>
+                <a:cs typeface="Times New Roman" panose="02020603050405020304" pitchFamily="18" charset="0"/>
+              </a:rPr>
+              <a:t>valori</a:t>
+            </a:r>
+            <a:r>
+              <a:rPr lang="en-US" altLang="en-US" sz="1400" dirty="0">
                 <a:solidFill>
                   <a:schemeClr val="tx1"/>
                 </a:solidFill>
-                <a:effectLst/>
-                <a:latin typeface="Times New Roman" panose="02020603050405020304" pitchFamily="18" charset="0"/>
-                <a:cs typeface="Times New Roman" panose="02020603050405020304" pitchFamily="18" charset="0"/>
-              </a:rPr>
-              <a:t> click pe </a:t>
-            </a:r>
-            <a:r>
-              <a:rPr kumimoji="0" lang="en-US" altLang="en-US" sz="1600" b="0" i="0" u="none" strike="noStrike" cap="none" normalizeH="0" baseline="0" dirty="0" err="1">
-                <a:ln>
-                  <a:noFill/>
-                </a:ln>
+                <a:latin typeface="Times New Roman" panose="02020603050405020304" pitchFamily="18" charset="0"/>
+                <a:cs typeface="Times New Roman" panose="02020603050405020304" pitchFamily="18" charset="0"/>
+              </a:rPr>
+              <a:t> </a:t>
+            </a:r>
+            <a:r>
+              <a:rPr lang="en-US" altLang="en-US" sz="1400" dirty="0" err="1">
                 <a:solidFill>
                   <a:schemeClr val="tx1"/>
                 </a:solidFill>
+                <a:latin typeface="Times New Roman" panose="02020603050405020304" pitchFamily="18" charset="0"/>
+                <a:cs typeface="Times New Roman" panose="02020603050405020304" pitchFamily="18" charset="0"/>
+              </a:rPr>
+              <a:t>corecte</a:t>
+            </a:r>
+            <a:r>
+              <a:rPr lang="en-US" altLang="en-US" sz="1400" dirty="0">
+                <a:solidFill>
+                  <a:schemeClr val="tx1"/>
+                </a:solidFill>
+                <a:latin typeface="Times New Roman" panose="02020603050405020304" pitchFamily="18" charset="0"/>
+                <a:cs typeface="Times New Roman" panose="02020603050405020304" pitchFamily="18" charset="0"/>
+              </a:rPr>
+              <a:t>, </a:t>
+            </a:r>
+            <a:r>
+              <a:rPr lang="en-US" altLang="en-US" sz="1400" dirty="0" err="1">
+                <a:solidFill>
+                  <a:schemeClr val="tx1"/>
+                </a:solidFill>
+                <a:latin typeface="Times New Roman" panose="02020603050405020304" pitchFamily="18" charset="0"/>
+                <a:cs typeface="Times New Roman" panose="02020603050405020304" pitchFamily="18" charset="0"/>
+              </a:rPr>
+              <a:t>dar</a:t>
+            </a:r>
+            <a:r>
+              <a:rPr lang="en-US" altLang="en-US" sz="1400" dirty="0">
+                <a:solidFill>
+                  <a:schemeClr val="tx1"/>
+                </a:solidFill>
+                <a:latin typeface="Times New Roman" panose="02020603050405020304" pitchFamily="18" charset="0"/>
+                <a:cs typeface="Times New Roman" panose="02020603050405020304" pitchFamily="18" charset="0"/>
+              </a:rPr>
+              <a:t> in </a:t>
+            </a:r>
+            <a:r>
+              <a:rPr lang="en-US" altLang="en-US" sz="1400" dirty="0" err="1">
+                <a:solidFill>
+                  <a:schemeClr val="tx1"/>
+                </a:solidFill>
+                <a:latin typeface="Times New Roman" panose="02020603050405020304" pitchFamily="18" charset="0"/>
+                <a:cs typeface="Times New Roman" panose="02020603050405020304" pitchFamily="18" charset="0"/>
+              </a:rPr>
+              <a:t>casuta</a:t>
+            </a:r>
+            <a:r>
+              <a:rPr lang="en-US" altLang="en-US" sz="1400" dirty="0">
+                <a:solidFill>
+                  <a:schemeClr val="tx1"/>
+                </a:solidFill>
+                <a:latin typeface="Times New Roman" panose="02020603050405020304" pitchFamily="18" charset="0"/>
+                <a:cs typeface="Times New Roman" panose="02020603050405020304" pitchFamily="18" charset="0"/>
+              </a:rPr>
+              <a:t> </a:t>
+            </a:r>
+            <a:r>
+              <a:rPr kumimoji="0" lang="en-US" altLang="en-US" sz="1400" b="0" i="0" u="none" strike="noStrike" cap="none" normalizeH="0" baseline="0" dirty="0">
+                <a:ln>
+                  <a:noFill/>
+                </a:ln>
+                <a:solidFill>
+                  <a:schemeClr val="tx1"/>
+                </a:solidFill>
+                <a:effectLst/>
+                <a:latin typeface="Times New Roman" panose="02020603050405020304" pitchFamily="18" charset="0"/>
+                <a:cs typeface="Times New Roman" panose="02020603050405020304" pitchFamily="18" charset="0"/>
+              </a:rPr>
+              <a:t>email </a:t>
+            </a:r>
+            <a:r>
+              <a:rPr kumimoji="0" lang="en-US" altLang="en-US" sz="1400" b="0" i="0" u="none" strike="noStrike" cap="none" normalizeH="0" baseline="0" dirty="0" err="1">
+                <a:ln>
+                  <a:noFill/>
+                </a:ln>
+                <a:solidFill>
+                  <a:schemeClr val="tx1"/>
+                </a:solidFill>
+                <a:effectLst/>
+                <a:latin typeface="Times New Roman" panose="02020603050405020304" pitchFamily="18" charset="0"/>
+                <a:cs typeface="Times New Roman" panose="02020603050405020304" pitchFamily="18" charset="0"/>
+              </a:rPr>
+              <a:t>punem</a:t>
+            </a:r>
+            <a:r>
+              <a:rPr kumimoji="0" lang="en-US" altLang="en-US" sz="1400" b="0" i="0" u="none" strike="noStrike" cap="none" normalizeH="0" baseline="0" dirty="0">
+                <a:ln>
+                  <a:noFill/>
+                </a:ln>
+                <a:solidFill>
+                  <a:schemeClr val="tx1"/>
+                </a:solidFill>
+                <a:effectLst/>
+                <a:latin typeface="Times New Roman" panose="02020603050405020304" pitchFamily="18" charset="0"/>
+                <a:cs typeface="Times New Roman" panose="02020603050405020304" pitchFamily="18" charset="0"/>
+              </a:rPr>
+              <a:t> un email </a:t>
+            </a:r>
+            <a:r>
+              <a:rPr kumimoji="0" lang="en-US" altLang="en-US" sz="1400" b="0" i="0" u="none" strike="noStrike" cap="none" normalizeH="0" baseline="0" dirty="0" err="1">
+                <a:ln>
+                  <a:noFill/>
+                </a:ln>
+                <a:solidFill>
+                  <a:schemeClr val="tx1"/>
+                </a:solidFill>
+                <a:effectLst/>
+                <a:latin typeface="Times New Roman" panose="02020603050405020304" pitchFamily="18" charset="0"/>
+                <a:cs typeface="Times New Roman" panose="02020603050405020304" pitchFamily="18" charset="0"/>
+              </a:rPr>
+              <a:t>fara</a:t>
+            </a:r>
+            <a:r>
+              <a:rPr kumimoji="0" lang="en-US" altLang="en-US" sz="1400" b="0" i="0" u="none" strike="noStrike" cap="none" normalizeH="0" baseline="0" dirty="0">
+                <a:ln>
+                  <a:noFill/>
+                </a:ln>
+                <a:solidFill>
+                  <a:schemeClr val="tx1"/>
+                </a:solidFill>
+                <a:effectLst/>
+                <a:latin typeface="Times New Roman" panose="02020603050405020304" pitchFamily="18" charset="0"/>
+                <a:cs typeface="Times New Roman" panose="02020603050405020304" pitchFamily="18" charset="0"/>
+              </a:rPr>
+              <a:t> </a:t>
+            </a:r>
+            <a:r>
+              <a:rPr kumimoji="0" lang="en-US" altLang="en-US" sz="1400" b="0" i="0" u="none" strike="noStrike" cap="none" normalizeH="0" baseline="0" dirty="0" err="1">
+                <a:ln>
+                  <a:noFill/>
+                </a:ln>
+                <a:solidFill>
+                  <a:schemeClr val="tx1"/>
+                </a:solidFill>
+                <a:effectLst/>
+                <a:latin typeface="Times New Roman" panose="02020603050405020304" pitchFamily="18" charset="0"/>
+                <a:cs typeface="Times New Roman" panose="02020603050405020304" pitchFamily="18" charset="0"/>
+              </a:rPr>
+              <a:t>aron</a:t>
+            </a:r>
+            <a:r>
+              <a:rPr kumimoji="0" lang="en-US" altLang="en-US" sz="1400" b="0" i="0" u="none" strike="noStrike" cap="none" normalizeH="0" baseline="0" dirty="0">
+                <a:ln>
+                  <a:noFill/>
+                </a:ln>
+                <a:solidFill>
+                  <a:schemeClr val="tx1"/>
+                </a:solidFill>
+                <a:effectLst/>
+                <a:latin typeface="Times New Roman" panose="02020603050405020304" pitchFamily="18" charset="0"/>
+                <a:cs typeface="Times New Roman" panose="02020603050405020304" pitchFamily="18" charset="0"/>
+              </a:rPr>
+              <a:t>.</a:t>
+            </a:r>
+            <a:r>
+              <a:rPr lang="en-US" altLang="en-US" sz="1400" dirty="0">
+                <a:solidFill>
+                  <a:schemeClr val="tx1"/>
+                </a:solidFill>
+                <a:latin typeface="Times New Roman" panose="02020603050405020304" pitchFamily="18" charset="0"/>
+                <a:cs typeface="Times New Roman" panose="02020603050405020304" pitchFamily="18" charset="0"/>
+              </a:rPr>
+              <a:t> </a:t>
+            </a:r>
+            <a:r>
+              <a:rPr kumimoji="0" lang="en-US" altLang="en-US" sz="1400" b="0" i="0" u="none" strike="noStrike" cap="none" normalizeH="0" baseline="0" dirty="0" err="1">
+                <a:ln>
+                  <a:noFill/>
+                </a:ln>
+                <a:solidFill>
+                  <a:schemeClr val="tx1"/>
+                </a:solidFill>
+                <a:effectLst/>
+                <a:latin typeface="Times New Roman" panose="02020603050405020304" pitchFamily="18" charset="0"/>
+                <a:cs typeface="Times New Roman" panose="02020603050405020304" pitchFamily="18" charset="0"/>
+              </a:rPr>
+              <a:t>Apoi</a:t>
+            </a:r>
+            <a:r>
+              <a:rPr kumimoji="0" lang="en-US" altLang="en-US" sz="1400" b="0" i="0" u="none" strike="noStrike" cap="none" normalizeH="0" baseline="0" dirty="0">
+                <a:ln>
+                  <a:noFill/>
+                </a:ln>
+                <a:solidFill>
+                  <a:schemeClr val="tx1"/>
+                </a:solidFill>
+                <a:effectLst/>
+                <a:latin typeface="Times New Roman" panose="02020603050405020304" pitchFamily="18" charset="0"/>
+                <a:cs typeface="Times New Roman" panose="02020603050405020304" pitchFamily="18" charset="0"/>
+              </a:rPr>
+              <a:t> dam click pe </a:t>
+            </a:r>
+            <a:r>
+              <a:rPr kumimoji="0" lang="en-US" altLang="en-US" sz="1400" b="0" i="0" u="none" strike="noStrike" cap="none" normalizeH="0" baseline="0" dirty="0" err="1">
+                <a:ln>
+                  <a:noFill/>
+                </a:ln>
+                <a:solidFill>
+                  <a:schemeClr val="tx1"/>
+                </a:solidFill>
+                <a:effectLst/>
+                <a:latin typeface="Times New Roman" panose="02020603050405020304" pitchFamily="18" charset="0"/>
+                <a:cs typeface="Times New Roman" panose="02020603050405020304" pitchFamily="18" charset="0"/>
+              </a:rPr>
+              <a:t>butonul</a:t>
+            </a:r>
+            <a:r>
+              <a:rPr kumimoji="0" lang="en-US" altLang="en-US" sz="1400" b="0" i="0" u="none" strike="noStrike" cap="none" normalizeH="0" baseline="0" dirty="0">
+                <a:ln>
+                  <a:noFill/>
+                </a:ln>
+                <a:solidFill>
+                  <a:schemeClr val="tx1"/>
+                </a:solidFill>
+                <a:effectLst/>
+                <a:latin typeface="Times New Roman" panose="02020603050405020304" pitchFamily="18" charset="0"/>
+                <a:cs typeface="Times New Roman" panose="02020603050405020304" pitchFamily="18" charset="0"/>
+              </a:rPr>
+              <a:t> '</a:t>
+            </a:r>
+            <a:r>
+              <a:rPr kumimoji="0" lang="en-US" altLang="en-US" sz="1400" b="0" i="0" u="none" strike="noStrike" cap="none" normalizeH="0" baseline="0" dirty="0" err="1">
+                <a:ln>
+                  <a:noFill/>
+                </a:ln>
+                <a:solidFill>
+                  <a:schemeClr val="tx1"/>
+                </a:solidFill>
                 <a:effectLst/>
                 <a:latin typeface="Times New Roman" panose="02020603050405020304" pitchFamily="18" charset="0"/>
                 <a:cs typeface="Times New Roman" panose="02020603050405020304" pitchFamily="18" charset="0"/>
@@ -36754,7 +39497,7 @@
               <a:t>inregistrare</a:t>
             </a:r>
             <a:r>
-              <a:rPr kumimoji="0" lang="en-US" altLang="en-US" sz="1600" b="0" i="0" u="none" strike="noStrike" cap="none" normalizeH="0" baseline="0" dirty="0">
+              <a:rPr kumimoji="0" lang="en-US" altLang="en-US" sz="1400" b="0" i="0" u="none" strike="noStrike" cap="none" normalizeH="0" baseline="0" dirty="0">
                 <a:ln>
                   <a:noFill/>
                 </a:ln>
@@ -36765,10 +39508,10 @@
                 <a:latin typeface="Times New Roman" panose="02020603050405020304" pitchFamily="18" charset="0"/>
                 <a:cs typeface="Times New Roman" panose="02020603050405020304" pitchFamily="18" charset="0"/>
               </a:rPr>
-              <a:t>, </a:t>
-            </a:r>
-            <a:r>
-              <a:rPr kumimoji="0" lang="en-US" altLang="en-US" sz="1600" b="0" i="0" u="none" strike="noStrike" cap="none" normalizeH="0" baseline="0" dirty="0" err="1">
+              <a:t>' </a:t>
+            </a:r>
+            <a:r>
+              <a:rPr kumimoji="0" lang="en-US" altLang="en-US" sz="1400" b="0" i="0" u="none" strike="noStrike" cap="none" normalizeH="0" baseline="0" dirty="0" err="1">
                 <a:ln>
                   <a:noFill/>
                 </a:ln>
@@ -36782,7 +39525,7 @@
               <a:t>si</a:t>
             </a:r>
             <a:r>
-              <a:rPr kumimoji="0" lang="en-US" altLang="en-US" sz="1600" b="0" i="0" u="none" strike="noStrike" cap="none" normalizeH="0" baseline="0" dirty="0">
+              <a:rPr kumimoji="0" lang="en-US" altLang="en-US" sz="1400" b="0" i="0" u="none" strike="noStrike" cap="none" normalizeH="0" baseline="0" dirty="0">
                 <a:ln>
                   <a:noFill/>
                 </a:ln>
@@ -36796,7 +39539,7 @@
               <a:t> </a:t>
             </a:r>
             <a:r>
-              <a:rPr kumimoji="0" lang="en-US" altLang="en-US" sz="1600" b="0" i="0" u="none" strike="noStrike" cap="none" normalizeH="0" baseline="0" dirty="0" err="1">
+              <a:rPr kumimoji="0" lang="en-US" altLang="en-US" sz="1400" b="0" i="0" u="none" strike="noStrike" cap="none" normalizeH="0" baseline="0" dirty="0" err="1">
                 <a:ln>
                   <a:noFill/>
                 </a:ln>
@@ -36807,10 +39550,10 @@
                 <a:latin typeface="Times New Roman" panose="02020603050405020304" pitchFamily="18" charset="0"/>
                 <a:cs typeface="Times New Roman" panose="02020603050405020304" pitchFamily="18" charset="0"/>
               </a:rPr>
-              <a:t>indetificam</a:t>
-            </a:r>
-            <a:r>
-              <a:rPr kumimoji="0" lang="en-US" altLang="en-US" sz="1600" b="0" i="0" u="none" strike="noStrike" cap="none" normalizeH="0" baseline="0" dirty="0">
+              <a:t>verificam</a:t>
+            </a:r>
+            <a:r>
+              <a:rPr kumimoji="0" lang="en-US" altLang="en-US" sz="1400" b="0" i="0" u="none" strike="noStrike" cap="none" normalizeH="0" baseline="0" dirty="0">
                 <a:ln>
                   <a:noFill/>
                 </a:ln>
@@ -36821,10 +39564,38 @@
                 <a:latin typeface="Times New Roman" panose="02020603050405020304" pitchFamily="18" charset="0"/>
                 <a:cs typeface="Times New Roman" panose="02020603050405020304" pitchFamily="18" charset="0"/>
               </a:rPr>
+              <a:t> ca: se </a:t>
+            </a:r>
+            <a:r>
+              <a:rPr kumimoji="0" lang="en-US" altLang="en-US" sz="1400" b="0" i="0" u="none" strike="noStrike" cap="none" normalizeH="0" baseline="0" dirty="0" err="1">
+                <a:ln>
+                  <a:noFill/>
+                </a:ln>
+                <a:solidFill>
+                  <a:schemeClr val="tx1"/>
+                </a:solidFill>
+                <a:effectLst/>
+                <a:latin typeface="Times New Roman" panose="02020603050405020304" pitchFamily="18" charset="0"/>
+                <a:cs typeface="Times New Roman" panose="02020603050405020304" pitchFamily="18" charset="0"/>
+              </a:rPr>
+              <a:t>returneaza</a:t>
+            </a:r>
+            <a:r>
+              <a:rPr kumimoji="0" lang="en-US" altLang="en-US" sz="1400" b="0" i="0" u="none" strike="noStrike" cap="none" normalizeH="0" baseline="0" dirty="0">
+                <a:ln>
+                  <a:noFill/>
+                </a:ln>
+                <a:solidFill>
+                  <a:schemeClr val="tx1"/>
+                </a:solidFill>
+                <a:effectLst/>
+                <a:latin typeface="Times New Roman" panose="02020603050405020304" pitchFamily="18" charset="0"/>
+                <a:cs typeface="Times New Roman" panose="02020603050405020304" pitchFamily="18" charset="0"/>
+              </a:rPr>
               <a:t> </a:t>
             </a:r>
             <a:r>
-              <a:rPr kumimoji="0" lang="en-US" altLang="en-US" sz="1600" b="0" i="0" u="none" strike="noStrike" cap="none" normalizeH="0" baseline="0" dirty="0" err="1">
+              <a:rPr kumimoji="0" lang="en-US" altLang="en-US" sz="1400" b="0" i="0" u="none" strike="noStrike" cap="none" normalizeH="0" baseline="0" dirty="0" err="1">
                 <a:ln>
                   <a:noFill/>
                 </a:ln>
@@ -36835,10 +39606,10 @@
                 <a:latin typeface="Times New Roman" panose="02020603050405020304" pitchFamily="18" charset="0"/>
                 <a:cs typeface="Times New Roman" panose="02020603050405020304" pitchFamily="18" charset="0"/>
               </a:rPr>
-              <a:t>elementele</a:t>
-            </a:r>
-            <a:r>
-              <a:rPr kumimoji="0" lang="en-US" altLang="en-US" sz="1600" b="0" i="0" u="none" strike="noStrike" cap="none" normalizeH="0" baseline="0" dirty="0">
+              <a:t>eroarea</a:t>
+            </a:r>
+            <a:r>
+              <a:rPr kumimoji="0" lang="en-US" altLang="en-US" sz="1400" b="0" i="0" u="none" strike="noStrike" cap="none" normalizeH="0" baseline="0" dirty="0">
                 <a:ln>
                   <a:noFill/>
                 </a:ln>
@@ -36849,10 +39620,10 @@
                 <a:latin typeface="Times New Roman" panose="02020603050405020304" pitchFamily="18" charset="0"/>
                 <a:cs typeface="Times New Roman" panose="02020603050405020304" pitchFamily="18" charset="0"/>
               </a:rPr>
-              <a:t> de tip </a:t>
-            </a:r>
-            <a:r>
-              <a:rPr kumimoji="0" lang="en-US" altLang="en-US" sz="1600" b="0" i="0" u="none" strike="noStrike" cap="none" normalizeH="0" baseline="0" dirty="0" err="1">
+              <a:t> </a:t>
+            </a:r>
+            <a:r>
+              <a:rPr kumimoji="0" lang="en-US" altLang="en-US" sz="1400" b="0" i="0" u="none" strike="noStrike" cap="none" normalizeH="0" baseline="0" dirty="0" err="1">
                 <a:ln>
                   <a:noFill/>
                 </a:ln>
@@ -36863,659 +39634,9 @@
                 <a:latin typeface="Times New Roman" panose="02020603050405020304" pitchFamily="18" charset="0"/>
                 <a:cs typeface="Times New Roman" panose="02020603050405020304" pitchFamily="18" charset="0"/>
               </a:rPr>
-              <a:t>prenume</a:t>
-            </a:r>
-            <a:r>
-              <a:rPr kumimoji="0" lang="en-US" altLang="en-US" sz="1600" b="0" i="0" u="none" strike="noStrike" cap="none" normalizeH="0" baseline="0" dirty="0">
-                <a:ln>
-                  <a:noFill/>
-                </a:ln>
-                <a:solidFill>
-                  <a:schemeClr val="tx1"/>
-                </a:solidFill>
-                <a:effectLst/>
-                <a:latin typeface="Times New Roman" panose="02020603050405020304" pitchFamily="18" charset="0"/>
-                <a:cs typeface="Times New Roman" panose="02020603050405020304" pitchFamily="18" charset="0"/>
-              </a:rPr>
-              <a:t>, </a:t>
-            </a:r>
-            <a:r>
-              <a:rPr kumimoji="0" lang="en-US" altLang="en-US" sz="1600" b="0" i="0" u="none" strike="noStrike" cap="none" normalizeH="0" baseline="0" dirty="0" err="1">
-                <a:ln>
-                  <a:noFill/>
-                </a:ln>
-                <a:solidFill>
-                  <a:schemeClr val="tx1"/>
-                </a:solidFill>
-                <a:effectLst/>
-                <a:latin typeface="Times New Roman" panose="02020603050405020304" pitchFamily="18" charset="0"/>
-                <a:cs typeface="Times New Roman" panose="02020603050405020304" pitchFamily="18" charset="0"/>
-              </a:rPr>
-              <a:t>nume</a:t>
-            </a:r>
-            <a:r>
-              <a:rPr kumimoji="0" lang="en-US" altLang="en-US" sz="1600" b="0" i="0" u="none" strike="noStrike" cap="none" normalizeH="0" baseline="0" dirty="0">
-                <a:ln>
-                  <a:noFill/>
-                </a:ln>
-                <a:solidFill>
-                  <a:schemeClr val="tx1"/>
-                </a:solidFill>
-                <a:effectLst/>
-                <a:latin typeface="Times New Roman" panose="02020603050405020304" pitchFamily="18" charset="0"/>
-                <a:cs typeface="Times New Roman" panose="02020603050405020304" pitchFamily="18" charset="0"/>
-              </a:rPr>
-              <a:t>, username,</a:t>
-            </a:r>
-            <a:r>
-              <a:rPr lang="en-US" altLang="en-US" dirty="0">
-                <a:solidFill>
-                  <a:schemeClr val="tx1"/>
-                </a:solidFill>
-                <a:latin typeface="Times New Roman" panose="02020603050405020304" pitchFamily="18" charset="0"/>
-                <a:cs typeface="Times New Roman" panose="02020603050405020304" pitchFamily="18" charset="0"/>
-              </a:rPr>
-              <a:t> </a:t>
-            </a:r>
-            <a:r>
-              <a:rPr kumimoji="0" lang="en-US" altLang="en-US" sz="1600" b="0" i="0" u="none" strike="noStrike" cap="none" normalizeH="0" baseline="0" dirty="0">
-                <a:ln>
-                  <a:noFill/>
-                </a:ln>
-                <a:solidFill>
-                  <a:schemeClr val="tx1"/>
-                </a:solidFill>
-                <a:effectLst/>
-                <a:latin typeface="Times New Roman" panose="02020603050405020304" pitchFamily="18" charset="0"/>
-                <a:cs typeface="Times New Roman" panose="02020603050405020304" pitchFamily="18" charset="0"/>
-              </a:rPr>
-              <a:t>email, </a:t>
-            </a:r>
-            <a:r>
-              <a:rPr kumimoji="0" lang="en-US" altLang="en-US" sz="1600" b="0" i="0" u="none" strike="noStrike" cap="none" normalizeH="0" baseline="0" dirty="0" err="1">
-                <a:ln>
-                  <a:noFill/>
-                </a:ln>
-                <a:solidFill>
-                  <a:schemeClr val="tx1"/>
-                </a:solidFill>
-                <a:effectLst/>
-                <a:latin typeface="Times New Roman" panose="02020603050405020304" pitchFamily="18" charset="0"/>
-                <a:cs typeface="Times New Roman" panose="02020603050405020304" pitchFamily="18" charset="0"/>
-              </a:rPr>
-              <a:t>parola</a:t>
-            </a:r>
-            <a:r>
-              <a:rPr kumimoji="0" lang="en-US" altLang="en-US" sz="1600" b="0" i="0" u="none" strike="noStrike" cap="none" normalizeH="0" baseline="0" dirty="0">
-                <a:ln>
-                  <a:noFill/>
-                </a:ln>
-                <a:solidFill>
-                  <a:schemeClr val="tx1"/>
-                </a:solidFill>
-                <a:effectLst/>
-                <a:latin typeface="Times New Roman" panose="02020603050405020304" pitchFamily="18" charset="0"/>
-                <a:cs typeface="Times New Roman" panose="02020603050405020304" pitchFamily="18" charset="0"/>
-              </a:rPr>
-              <a:t>, </a:t>
-            </a:r>
-            <a:r>
-              <a:rPr kumimoji="0" lang="en-US" altLang="en-US" sz="1600" b="0" i="0" u="none" strike="noStrike" cap="none" normalizeH="0" baseline="0" dirty="0" err="1">
-                <a:ln>
-                  <a:noFill/>
-                </a:ln>
-                <a:solidFill>
-                  <a:schemeClr val="tx1"/>
-                </a:solidFill>
-                <a:effectLst/>
-                <a:latin typeface="Times New Roman" panose="02020603050405020304" pitchFamily="18" charset="0"/>
-                <a:cs typeface="Times New Roman" panose="02020603050405020304" pitchFamily="18" charset="0"/>
-              </a:rPr>
-              <a:t>casuta</a:t>
-            </a:r>
-            <a:r>
-              <a:rPr kumimoji="0" lang="en-US" altLang="en-US" sz="1600" b="0" i="0" u="none" strike="noStrike" cap="none" normalizeH="0" baseline="0" dirty="0">
-                <a:ln>
-                  <a:noFill/>
-                </a:ln>
-                <a:solidFill>
-                  <a:schemeClr val="tx1"/>
-                </a:solidFill>
-                <a:effectLst/>
-                <a:latin typeface="Times New Roman" panose="02020603050405020304" pitchFamily="18" charset="0"/>
-                <a:cs typeface="Times New Roman" panose="02020603050405020304" pitchFamily="18" charset="0"/>
-              </a:rPr>
-              <a:t> </a:t>
-            </a:r>
-            <a:r>
-              <a:rPr kumimoji="0" lang="en-US" altLang="en-US" sz="1600" b="0" i="0" u="none" strike="noStrike" cap="none" normalizeH="0" baseline="0" dirty="0" err="1">
-                <a:ln>
-                  <a:noFill/>
-                </a:ln>
-                <a:solidFill>
-                  <a:schemeClr val="tx1"/>
-                </a:solidFill>
-                <a:effectLst/>
-                <a:latin typeface="Times New Roman" panose="02020603050405020304" pitchFamily="18" charset="0"/>
-                <a:cs typeface="Times New Roman" panose="02020603050405020304" pitchFamily="18" charset="0"/>
-              </a:rPr>
-              <a:t>termeni</a:t>
-            </a:r>
-            <a:r>
-              <a:rPr kumimoji="0" lang="en-US" altLang="en-US" sz="1600" b="0" i="0" u="none" strike="noStrike" cap="none" normalizeH="0" baseline="0" dirty="0">
-                <a:ln>
-                  <a:noFill/>
-                </a:ln>
-                <a:solidFill>
-                  <a:schemeClr val="tx1"/>
-                </a:solidFill>
-                <a:effectLst/>
-                <a:latin typeface="Times New Roman" panose="02020603050405020304" pitchFamily="18" charset="0"/>
-                <a:cs typeface="Times New Roman" panose="02020603050405020304" pitchFamily="18" charset="0"/>
-              </a:rPr>
-              <a:t> </a:t>
-            </a:r>
-            <a:r>
-              <a:rPr kumimoji="0" lang="en-US" altLang="en-US" sz="1600" b="0" i="0" u="none" strike="noStrike" cap="none" normalizeH="0" baseline="0" dirty="0" err="1">
-                <a:ln>
-                  <a:noFill/>
-                </a:ln>
-                <a:solidFill>
-                  <a:schemeClr val="tx1"/>
-                </a:solidFill>
-                <a:effectLst/>
-                <a:latin typeface="Times New Roman" panose="02020603050405020304" pitchFamily="18" charset="0"/>
-                <a:cs typeface="Times New Roman" panose="02020603050405020304" pitchFamily="18" charset="0"/>
-              </a:rPr>
-              <a:t>si</a:t>
-            </a:r>
-            <a:r>
-              <a:rPr kumimoji="0" lang="en-US" altLang="en-US" sz="1600" b="0" i="0" u="none" strike="noStrike" cap="none" normalizeH="0" baseline="0" dirty="0">
-                <a:ln>
-                  <a:noFill/>
-                </a:ln>
-                <a:solidFill>
-                  <a:schemeClr val="tx1"/>
-                </a:solidFill>
-                <a:effectLst/>
-                <a:latin typeface="Times New Roman" panose="02020603050405020304" pitchFamily="18" charset="0"/>
-                <a:cs typeface="Times New Roman" panose="02020603050405020304" pitchFamily="18" charset="0"/>
-              </a:rPr>
-              <a:t> </a:t>
-            </a:r>
-            <a:r>
-              <a:rPr kumimoji="0" lang="en-US" altLang="en-US" sz="1600" b="0" i="0" u="none" strike="noStrike" cap="none" normalizeH="0" baseline="0" dirty="0" err="1">
-                <a:ln>
-                  <a:noFill/>
-                </a:ln>
-                <a:solidFill>
-                  <a:schemeClr val="tx1"/>
-                </a:solidFill>
-                <a:effectLst/>
-                <a:latin typeface="Times New Roman" panose="02020603050405020304" pitchFamily="18" charset="0"/>
-                <a:cs typeface="Times New Roman" panose="02020603050405020304" pitchFamily="18" charset="0"/>
-              </a:rPr>
-              <a:t>conditi</a:t>
-            </a:r>
-            <a:r>
-              <a:rPr kumimoji="0" lang="en-US" altLang="en-US" sz="1600" b="0" i="0" u="none" strike="noStrike" cap="none" normalizeH="0" baseline="0" dirty="0">
-                <a:ln>
-                  <a:noFill/>
-                </a:ln>
-                <a:solidFill>
-                  <a:schemeClr val="tx1"/>
-                </a:solidFill>
-                <a:effectLst/>
-                <a:latin typeface="Times New Roman" panose="02020603050405020304" pitchFamily="18" charset="0"/>
-                <a:cs typeface="Times New Roman" panose="02020603050405020304" pitchFamily="18" charset="0"/>
-              </a:rPr>
-              <a:t>; </a:t>
-            </a:r>
-            <a:r>
-              <a:rPr kumimoji="0" lang="en-US" altLang="en-US" sz="1600" b="0" i="0" u="none" strike="noStrike" cap="none" normalizeH="0" baseline="0" dirty="0" err="1">
-                <a:ln>
-                  <a:noFill/>
-                </a:ln>
-                <a:solidFill>
-                  <a:schemeClr val="tx1"/>
-                </a:solidFill>
-                <a:effectLst/>
-                <a:latin typeface="Times New Roman" panose="02020603050405020304" pitchFamily="18" charset="0"/>
-                <a:cs typeface="Times New Roman" panose="02020603050405020304" pitchFamily="18" charset="0"/>
-              </a:rPr>
-              <a:t>si</a:t>
-            </a:r>
-            <a:r>
-              <a:rPr kumimoji="0" lang="en-US" altLang="en-US" sz="1600" b="0" i="0" u="none" strike="noStrike" cap="none" normalizeH="0" baseline="0" dirty="0">
-                <a:ln>
-                  <a:noFill/>
-                </a:ln>
-                <a:solidFill>
-                  <a:schemeClr val="tx1"/>
-                </a:solidFill>
-                <a:effectLst/>
-                <a:latin typeface="Times New Roman" panose="02020603050405020304" pitchFamily="18" charset="0"/>
-                <a:cs typeface="Times New Roman" panose="02020603050405020304" pitchFamily="18" charset="0"/>
-              </a:rPr>
-              <a:t> </a:t>
-            </a:r>
-            <a:r>
-              <a:rPr kumimoji="0" lang="en-US" altLang="en-US" sz="1600" b="0" i="0" u="none" strike="noStrike" cap="none" normalizeH="0" baseline="0" dirty="0" err="1">
-                <a:ln>
-                  <a:noFill/>
-                </a:ln>
-                <a:solidFill>
-                  <a:schemeClr val="tx1"/>
-                </a:solidFill>
-                <a:effectLst/>
-                <a:latin typeface="Times New Roman" panose="02020603050405020304" pitchFamily="18" charset="0"/>
-                <a:cs typeface="Times New Roman" panose="02020603050405020304" pitchFamily="18" charset="0"/>
-              </a:rPr>
-              <a:t>inseram</a:t>
-            </a:r>
-            <a:r>
-              <a:rPr kumimoji="0" lang="en-US" altLang="en-US" sz="1600" b="0" i="0" u="none" strike="noStrike" cap="none" normalizeH="0" baseline="0" dirty="0">
-                <a:ln>
-                  <a:noFill/>
-                </a:ln>
-                <a:solidFill>
-                  <a:schemeClr val="tx1"/>
-                </a:solidFill>
-                <a:effectLst/>
-                <a:latin typeface="Times New Roman" panose="02020603050405020304" pitchFamily="18" charset="0"/>
-                <a:cs typeface="Times New Roman" panose="02020603050405020304" pitchFamily="18" charset="0"/>
-              </a:rPr>
-              <a:t> </a:t>
-            </a:r>
-            <a:r>
-              <a:rPr kumimoji="0" lang="en-US" altLang="en-US" sz="1600" b="0" i="0" u="none" strike="noStrike" cap="none" normalizeH="0" baseline="0" dirty="0" err="1">
-                <a:ln>
-                  <a:noFill/>
-                </a:ln>
-                <a:solidFill>
-                  <a:schemeClr val="tx1"/>
-                </a:solidFill>
-                <a:effectLst/>
-                <a:latin typeface="Times New Roman" panose="02020603050405020304" pitchFamily="18" charset="0"/>
-                <a:cs typeface="Times New Roman" panose="02020603050405020304" pitchFamily="18" charset="0"/>
-              </a:rPr>
-              <a:t>valori</a:t>
-            </a:r>
-            <a:r>
-              <a:rPr kumimoji="0" lang="en-US" altLang="en-US" sz="1600" b="0" i="0" u="none" strike="noStrike" cap="none" normalizeH="0" baseline="0" dirty="0">
-                <a:ln>
-                  <a:noFill/>
-                </a:ln>
-                <a:solidFill>
-                  <a:schemeClr val="tx1"/>
-                </a:solidFill>
-                <a:effectLst/>
-                <a:latin typeface="Times New Roman" panose="02020603050405020304" pitchFamily="18" charset="0"/>
-                <a:cs typeface="Times New Roman" panose="02020603050405020304" pitchFamily="18" charset="0"/>
-              </a:rPr>
-              <a:t> </a:t>
-            </a:r>
-            <a:r>
-              <a:rPr kumimoji="0" lang="en-US" altLang="en-US" sz="1600" b="0" i="0" u="none" strike="noStrike" cap="none" normalizeH="0" baseline="0" dirty="0" err="1">
-                <a:ln>
-                  <a:noFill/>
-                </a:ln>
-                <a:solidFill>
-                  <a:schemeClr val="tx1"/>
-                </a:solidFill>
-                <a:effectLst/>
-                <a:latin typeface="Times New Roman" panose="02020603050405020304" pitchFamily="18" charset="0"/>
-                <a:cs typeface="Times New Roman" panose="02020603050405020304" pitchFamily="18" charset="0"/>
-              </a:rPr>
-              <a:t>corecte</a:t>
-            </a:r>
-            <a:r>
-              <a:rPr kumimoji="0" lang="en-US" altLang="en-US" sz="1600" b="0" i="0" u="none" strike="noStrike" cap="none" normalizeH="0" baseline="0" dirty="0">
-                <a:ln>
-                  <a:noFill/>
-                </a:ln>
-                <a:solidFill>
-                  <a:schemeClr val="tx1"/>
-                </a:solidFill>
-                <a:effectLst/>
-                <a:latin typeface="Times New Roman" panose="02020603050405020304" pitchFamily="18" charset="0"/>
-                <a:cs typeface="Times New Roman" panose="02020603050405020304" pitchFamily="18" charset="0"/>
-              </a:rPr>
-              <a:t>, </a:t>
-            </a:r>
-            <a:r>
-              <a:rPr kumimoji="0" lang="en-US" altLang="en-US" sz="1600" b="0" i="0" u="none" strike="noStrike" cap="none" normalizeH="0" baseline="0" dirty="0" err="1">
-                <a:ln>
-                  <a:noFill/>
-                </a:ln>
-                <a:solidFill>
-                  <a:schemeClr val="tx1"/>
-                </a:solidFill>
-                <a:effectLst/>
-                <a:latin typeface="Times New Roman" panose="02020603050405020304" pitchFamily="18" charset="0"/>
-                <a:cs typeface="Times New Roman" panose="02020603050405020304" pitchFamily="18" charset="0"/>
-              </a:rPr>
-              <a:t>exceptie</a:t>
-            </a:r>
-            <a:r>
-              <a:rPr kumimoji="0" lang="en-US" altLang="en-US" sz="1600" b="0" i="0" u="none" strike="noStrike" cap="none" normalizeH="0" baseline="0" dirty="0">
-                <a:ln>
-                  <a:noFill/>
-                </a:ln>
-                <a:solidFill>
-                  <a:schemeClr val="tx1"/>
-                </a:solidFill>
-                <a:effectLst/>
-                <a:latin typeface="Times New Roman" panose="02020603050405020304" pitchFamily="18" charset="0"/>
-                <a:cs typeface="Times New Roman" panose="02020603050405020304" pitchFamily="18" charset="0"/>
-              </a:rPr>
-              <a:t> la email </a:t>
-            </a:r>
-            <a:r>
-              <a:rPr kumimoji="0" lang="en-US" altLang="en-US" sz="1600" b="0" i="0" u="none" strike="noStrike" cap="none" normalizeH="0" baseline="0" dirty="0" err="1">
-                <a:ln>
-                  <a:noFill/>
-                </a:ln>
-                <a:solidFill>
-                  <a:schemeClr val="tx1"/>
-                </a:solidFill>
-                <a:effectLst/>
-                <a:latin typeface="Times New Roman" panose="02020603050405020304" pitchFamily="18" charset="0"/>
-                <a:cs typeface="Times New Roman" panose="02020603050405020304" pitchFamily="18" charset="0"/>
-              </a:rPr>
-              <a:t>introducem</a:t>
-            </a:r>
-            <a:r>
-              <a:rPr kumimoji="0" lang="en-US" altLang="en-US" sz="1600" b="0" i="0" u="none" strike="noStrike" cap="none" normalizeH="0" baseline="0" dirty="0">
-                <a:ln>
-                  <a:noFill/>
-                </a:ln>
-                <a:solidFill>
-                  <a:schemeClr val="tx1"/>
-                </a:solidFill>
-                <a:effectLst/>
-                <a:latin typeface="Times New Roman" panose="02020603050405020304" pitchFamily="18" charset="0"/>
-                <a:cs typeface="Times New Roman" panose="02020603050405020304" pitchFamily="18" charset="0"/>
-              </a:rPr>
-              <a:t> email </a:t>
-            </a:r>
-            <a:r>
-              <a:rPr kumimoji="0" lang="en-US" altLang="en-US" sz="1600" b="0" i="0" u="none" strike="noStrike" cap="none" normalizeH="0" baseline="0" dirty="0" err="1">
-                <a:ln>
-                  <a:noFill/>
-                </a:ln>
-                <a:solidFill>
-                  <a:schemeClr val="tx1"/>
-                </a:solidFill>
-                <a:effectLst/>
-                <a:latin typeface="Times New Roman" panose="02020603050405020304" pitchFamily="18" charset="0"/>
-                <a:cs typeface="Times New Roman" panose="02020603050405020304" pitchFamily="18" charset="0"/>
-              </a:rPr>
-              <a:t>fara</a:t>
-            </a:r>
-            <a:r>
-              <a:rPr kumimoji="0" lang="en-US" altLang="en-US" sz="1600" b="0" i="0" u="none" strike="noStrike" cap="none" normalizeH="0" baseline="0" dirty="0">
-                <a:ln>
-                  <a:noFill/>
-                </a:ln>
-                <a:solidFill>
-                  <a:schemeClr val="tx1"/>
-                </a:solidFill>
-                <a:effectLst/>
-                <a:latin typeface="Times New Roman" panose="02020603050405020304" pitchFamily="18" charset="0"/>
-                <a:cs typeface="Times New Roman" panose="02020603050405020304" pitchFamily="18" charset="0"/>
-              </a:rPr>
-              <a:t> </a:t>
-            </a:r>
-            <a:r>
-              <a:rPr kumimoji="0" lang="en-US" altLang="en-US" sz="1600" b="0" i="0" u="none" strike="noStrike" cap="none" normalizeH="0" baseline="0" dirty="0" err="1">
-                <a:ln>
-                  <a:noFill/>
-                </a:ln>
-                <a:solidFill>
-                  <a:schemeClr val="tx1"/>
-                </a:solidFill>
-                <a:effectLst/>
-                <a:latin typeface="Times New Roman" panose="02020603050405020304" pitchFamily="18" charset="0"/>
-                <a:cs typeface="Times New Roman" panose="02020603050405020304" pitchFamily="18" charset="0"/>
-              </a:rPr>
-              <a:t>aron</a:t>
-            </a:r>
-            <a:r>
-              <a:rPr kumimoji="0" lang="en-US" altLang="en-US" sz="1600" b="0" i="0" u="none" strike="noStrike" cap="none" normalizeH="0" baseline="0" dirty="0">
-                <a:ln>
-                  <a:noFill/>
-                </a:ln>
-                <a:solidFill>
-                  <a:schemeClr val="tx1"/>
-                </a:solidFill>
-                <a:effectLst/>
-                <a:latin typeface="Times New Roman" panose="02020603050405020304" pitchFamily="18" charset="0"/>
-                <a:cs typeface="Times New Roman" panose="02020603050405020304" pitchFamily="18" charset="0"/>
-              </a:rPr>
-              <a:t>.</a:t>
-            </a:r>
-            <a:r>
-              <a:rPr lang="en-US" altLang="en-US" dirty="0">
-                <a:solidFill>
-                  <a:schemeClr val="tx1"/>
-                </a:solidFill>
-                <a:latin typeface="Times New Roman" panose="02020603050405020304" pitchFamily="18" charset="0"/>
-                <a:cs typeface="Times New Roman" panose="02020603050405020304" pitchFamily="18" charset="0"/>
-              </a:rPr>
-              <a:t> </a:t>
-            </a:r>
-            <a:r>
-              <a:rPr kumimoji="0" lang="en-US" altLang="en-US" sz="1600" b="0" i="0" u="none" strike="noStrike" cap="none" normalizeH="0" baseline="0" dirty="0" err="1">
-                <a:ln>
-                  <a:noFill/>
-                </a:ln>
-                <a:solidFill>
-                  <a:schemeClr val="tx1"/>
-                </a:solidFill>
-                <a:effectLst/>
-                <a:latin typeface="Times New Roman" panose="02020603050405020304" pitchFamily="18" charset="0"/>
-                <a:cs typeface="Times New Roman" panose="02020603050405020304" pitchFamily="18" charset="0"/>
-              </a:rPr>
-              <a:t>Apoi</a:t>
-            </a:r>
-            <a:r>
-              <a:rPr kumimoji="0" lang="en-US" altLang="en-US" sz="1600" b="0" i="0" u="none" strike="noStrike" cap="none" normalizeH="0" baseline="0" dirty="0">
-                <a:ln>
-                  <a:noFill/>
-                </a:ln>
-                <a:solidFill>
-                  <a:schemeClr val="tx1"/>
-                </a:solidFill>
-                <a:effectLst/>
-                <a:latin typeface="Times New Roman" panose="02020603050405020304" pitchFamily="18" charset="0"/>
-                <a:cs typeface="Times New Roman" panose="02020603050405020304" pitchFamily="18" charset="0"/>
-              </a:rPr>
-              <a:t> dam click pe </a:t>
-            </a:r>
-            <a:r>
-              <a:rPr kumimoji="0" lang="en-US" altLang="en-US" sz="1600" b="0" i="0" u="none" strike="noStrike" cap="none" normalizeH="0" baseline="0" dirty="0" err="1">
-                <a:ln>
-                  <a:noFill/>
-                </a:ln>
-                <a:solidFill>
-                  <a:schemeClr val="tx1"/>
-                </a:solidFill>
-                <a:effectLst/>
-                <a:latin typeface="Times New Roman" panose="02020603050405020304" pitchFamily="18" charset="0"/>
-                <a:cs typeface="Times New Roman" panose="02020603050405020304" pitchFamily="18" charset="0"/>
-              </a:rPr>
-              <a:t>butonul</a:t>
-            </a:r>
-            <a:r>
-              <a:rPr kumimoji="0" lang="en-US" altLang="en-US" sz="1600" b="0" i="0" u="none" strike="noStrike" cap="none" normalizeH="0" baseline="0" dirty="0">
-                <a:ln>
-                  <a:noFill/>
-                </a:ln>
-                <a:solidFill>
-                  <a:schemeClr val="tx1"/>
-                </a:solidFill>
-                <a:effectLst/>
-                <a:latin typeface="Times New Roman" panose="02020603050405020304" pitchFamily="18" charset="0"/>
-                <a:cs typeface="Times New Roman" panose="02020603050405020304" pitchFamily="18" charset="0"/>
-              </a:rPr>
-              <a:t> '</a:t>
-            </a:r>
-            <a:r>
-              <a:rPr kumimoji="0" lang="en-US" altLang="en-US" sz="1600" b="0" i="0" u="none" strike="noStrike" cap="none" normalizeH="0" baseline="0" dirty="0" err="1">
-                <a:ln>
-                  <a:noFill/>
-                </a:ln>
-                <a:solidFill>
-                  <a:schemeClr val="tx1"/>
-                </a:solidFill>
-                <a:effectLst/>
-                <a:latin typeface="Times New Roman" panose="02020603050405020304" pitchFamily="18" charset="0"/>
-                <a:cs typeface="Times New Roman" panose="02020603050405020304" pitchFamily="18" charset="0"/>
-              </a:rPr>
-              <a:t>inregistrare</a:t>
-            </a:r>
-            <a:r>
-              <a:rPr kumimoji="0" lang="en-US" altLang="en-US" sz="1600" b="0" i="0" u="none" strike="noStrike" cap="none" normalizeH="0" baseline="0" dirty="0">
-                <a:ln>
-                  <a:noFill/>
-                </a:ln>
-                <a:solidFill>
-                  <a:schemeClr val="tx1"/>
-                </a:solidFill>
-                <a:effectLst/>
-                <a:latin typeface="Times New Roman" panose="02020603050405020304" pitchFamily="18" charset="0"/>
-                <a:cs typeface="Times New Roman" panose="02020603050405020304" pitchFamily="18" charset="0"/>
-              </a:rPr>
-              <a:t>' </a:t>
-            </a:r>
-            <a:r>
-              <a:rPr kumimoji="0" lang="en-US" altLang="en-US" sz="1600" b="0" i="0" u="none" strike="noStrike" cap="none" normalizeH="0" baseline="0" dirty="0" err="1">
-                <a:ln>
-                  <a:noFill/>
-                </a:ln>
-                <a:solidFill>
-                  <a:schemeClr val="tx1"/>
-                </a:solidFill>
-                <a:effectLst/>
-                <a:latin typeface="Times New Roman" panose="02020603050405020304" pitchFamily="18" charset="0"/>
-                <a:cs typeface="Times New Roman" panose="02020603050405020304" pitchFamily="18" charset="0"/>
-              </a:rPr>
-              <a:t>si</a:t>
-            </a:r>
-            <a:r>
-              <a:rPr kumimoji="0" lang="en-US" altLang="en-US" sz="1600" b="0" i="0" u="none" strike="noStrike" cap="none" normalizeH="0" baseline="0" dirty="0">
-                <a:ln>
-                  <a:noFill/>
-                </a:ln>
-                <a:solidFill>
-                  <a:schemeClr val="tx1"/>
-                </a:solidFill>
-                <a:effectLst/>
-                <a:latin typeface="Times New Roman" panose="02020603050405020304" pitchFamily="18" charset="0"/>
-                <a:cs typeface="Times New Roman" panose="02020603050405020304" pitchFamily="18" charset="0"/>
-              </a:rPr>
-              <a:t> </a:t>
-            </a:r>
-            <a:r>
-              <a:rPr kumimoji="0" lang="en-US" altLang="en-US" sz="1600" b="0" i="0" u="none" strike="noStrike" cap="none" normalizeH="0" baseline="0" dirty="0" err="1">
-                <a:ln>
-                  <a:noFill/>
-                </a:ln>
-                <a:solidFill>
-                  <a:schemeClr val="tx1"/>
-                </a:solidFill>
-                <a:effectLst/>
-                <a:latin typeface="Times New Roman" panose="02020603050405020304" pitchFamily="18" charset="0"/>
-                <a:cs typeface="Times New Roman" panose="02020603050405020304" pitchFamily="18" charset="0"/>
-              </a:rPr>
-              <a:t>verificam</a:t>
-            </a:r>
-            <a:r>
-              <a:rPr kumimoji="0" lang="en-US" altLang="en-US" sz="1600" b="0" i="0" u="none" strike="noStrike" cap="none" normalizeH="0" baseline="0" dirty="0">
-                <a:ln>
-                  <a:noFill/>
-                </a:ln>
-                <a:solidFill>
-                  <a:schemeClr val="tx1"/>
-                </a:solidFill>
-                <a:effectLst/>
-                <a:latin typeface="Times New Roman" panose="02020603050405020304" pitchFamily="18" charset="0"/>
-                <a:cs typeface="Times New Roman" panose="02020603050405020304" pitchFamily="18" charset="0"/>
-              </a:rPr>
-              <a:t> ca: se </a:t>
-            </a:r>
-            <a:r>
-              <a:rPr kumimoji="0" lang="en-US" altLang="en-US" sz="1600" b="0" i="0" u="none" strike="noStrike" cap="none" normalizeH="0" baseline="0" dirty="0" err="1">
-                <a:ln>
-                  <a:noFill/>
-                </a:ln>
-                <a:solidFill>
-                  <a:schemeClr val="tx1"/>
-                </a:solidFill>
-                <a:effectLst/>
-                <a:latin typeface="Times New Roman" panose="02020603050405020304" pitchFamily="18" charset="0"/>
-                <a:cs typeface="Times New Roman" panose="02020603050405020304" pitchFamily="18" charset="0"/>
-              </a:rPr>
-              <a:t>returneaza</a:t>
-            </a:r>
-            <a:r>
-              <a:rPr kumimoji="0" lang="en-US" altLang="en-US" sz="1600" b="0" i="0" u="none" strike="noStrike" cap="none" normalizeH="0" baseline="0" dirty="0">
-                <a:ln>
-                  <a:noFill/>
-                </a:ln>
-                <a:solidFill>
-                  <a:schemeClr val="tx1"/>
-                </a:solidFill>
-                <a:effectLst/>
-                <a:latin typeface="Times New Roman" panose="02020603050405020304" pitchFamily="18" charset="0"/>
-                <a:cs typeface="Times New Roman" panose="02020603050405020304" pitchFamily="18" charset="0"/>
-              </a:rPr>
-              <a:t> </a:t>
-            </a:r>
-            <a:r>
-              <a:rPr kumimoji="0" lang="en-US" altLang="en-US" sz="1600" b="0" i="0" u="none" strike="noStrike" cap="none" normalizeH="0" baseline="0" dirty="0" err="1">
-                <a:ln>
-                  <a:noFill/>
-                </a:ln>
-                <a:solidFill>
-                  <a:schemeClr val="tx1"/>
-                </a:solidFill>
-                <a:effectLst/>
-                <a:latin typeface="Times New Roman" panose="02020603050405020304" pitchFamily="18" charset="0"/>
-                <a:cs typeface="Times New Roman" panose="02020603050405020304" pitchFamily="18" charset="0"/>
-              </a:rPr>
-              <a:t>eroarea</a:t>
-            </a:r>
-            <a:r>
-              <a:rPr kumimoji="0" lang="en-US" altLang="en-US" sz="1600" b="0" i="0" u="none" strike="noStrike" cap="none" normalizeH="0" baseline="0" dirty="0">
-                <a:ln>
-                  <a:noFill/>
-                </a:ln>
-                <a:solidFill>
-                  <a:schemeClr val="tx1"/>
-                </a:solidFill>
-                <a:effectLst/>
-                <a:latin typeface="Times New Roman" panose="02020603050405020304" pitchFamily="18" charset="0"/>
-                <a:cs typeface="Times New Roman" panose="02020603050405020304" pitchFamily="18" charset="0"/>
-              </a:rPr>
-              <a:t> </a:t>
-            </a:r>
-            <a:r>
-              <a:rPr kumimoji="0" lang="en-US" altLang="en-US" sz="1600" b="0" i="0" u="none" strike="noStrike" cap="none" normalizeH="0" baseline="0" dirty="0" err="1">
-                <a:ln>
-                  <a:noFill/>
-                </a:ln>
-                <a:solidFill>
-                  <a:schemeClr val="tx1"/>
-                </a:solidFill>
-                <a:effectLst/>
-                <a:latin typeface="Times New Roman" panose="02020603050405020304" pitchFamily="18" charset="0"/>
-                <a:cs typeface="Times New Roman" panose="02020603050405020304" pitchFamily="18" charset="0"/>
-              </a:rPr>
               <a:t>corecta</a:t>
             </a:r>
-            <a:endParaRPr kumimoji="0" lang="en-US" altLang="en-US" sz="1600" b="0" i="0" u="none" strike="noStrike" cap="none" normalizeH="0" baseline="0" dirty="0">
+            <a:endParaRPr kumimoji="0" lang="en-US" altLang="en-US" sz="1400" b="0" i="0" u="none" strike="noStrike" cap="none" normalizeH="0" baseline="0" dirty="0">
               <a:ln>
                 <a:noFill/>
               </a:ln>
@@ -37534,7 +39655,7 @@
               </a:lnSpc>
             </a:pPr>
             <a:r>
-              <a:rPr lang="en-US" dirty="0" err="1">
+              <a:rPr lang="en-US" sz="1400" dirty="0" err="1">
                 <a:solidFill>
                   <a:schemeClr val="tx1"/>
                 </a:solidFill>
@@ -37544,7 +39665,7 @@
               <a:t>Testul</a:t>
             </a:r>
             <a:r>
-              <a:rPr lang="en-US" dirty="0">
+              <a:rPr lang="en-US" sz="1400" dirty="0">
                 <a:solidFill>
                   <a:schemeClr val="tx1"/>
                 </a:solidFill>
@@ -37552,6 +39673,333 @@
                 <a:cs typeface="Times New Roman" panose="02020603050405020304" pitchFamily="18" charset="0"/>
               </a:rPr>
               <a:t> 5 – </a:t>
+            </a:r>
+            <a:r>
+              <a:rPr lang="en-US" sz="1400" dirty="0" err="1">
+                <a:solidFill>
+                  <a:schemeClr val="tx1"/>
+                </a:solidFill>
+                <a:latin typeface="Times New Roman" panose="02020603050405020304" pitchFamily="18" charset="0"/>
+                <a:cs typeface="Times New Roman" panose="02020603050405020304" pitchFamily="18" charset="0"/>
+              </a:rPr>
+              <a:t>Inseram</a:t>
+            </a:r>
+            <a:r>
+              <a:rPr lang="en-US" sz="1400" dirty="0">
+                <a:solidFill>
+                  <a:schemeClr val="tx1"/>
+                </a:solidFill>
+                <a:latin typeface="Times New Roman" panose="02020603050405020304" pitchFamily="18" charset="0"/>
+                <a:cs typeface="Times New Roman" panose="02020603050405020304" pitchFamily="18" charset="0"/>
+              </a:rPr>
+              <a:t> </a:t>
+            </a:r>
+            <a:r>
+              <a:rPr lang="en-US" sz="1400" dirty="0" err="1">
+                <a:solidFill>
+                  <a:schemeClr val="tx1"/>
+                </a:solidFill>
+                <a:latin typeface="Times New Roman" panose="02020603050405020304" pitchFamily="18" charset="0"/>
+                <a:cs typeface="Times New Roman" panose="02020603050405020304" pitchFamily="18" charset="0"/>
+              </a:rPr>
+              <a:t>valori</a:t>
+            </a:r>
+            <a:r>
+              <a:rPr lang="en-US" sz="1400" dirty="0">
+                <a:solidFill>
+                  <a:schemeClr val="tx1"/>
+                </a:solidFill>
+                <a:latin typeface="Times New Roman" panose="02020603050405020304" pitchFamily="18" charset="0"/>
+                <a:cs typeface="Times New Roman" panose="02020603050405020304" pitchFamily="18" charset="0"/>
+              </a:rPr>
+              <a:t> </a:t>
+            </a:r>
+            <a:r>
+              <a:rPr lang="en-US" sz="1400" dirty="0" err="1">
+                <a:solidFill>
+                  <a:schemeClr val="tx1"/>
+                </a:solidFill>
+                <a:latin typeface="Times New Roman" panose="02020603050405020304" pitchFamily="18" charset="0"/>
+                <a:cs typeface="Times New Roman" panose="02020603050405020304" pitchFamily="18" charset="0"/>
+              </a:rPr>
+              <a:t>corecte</a:t>
+            </a:r>
+            <a:r>
+              <a:rPr lang="en-US" sz="1400" dirty="0">
+                <a:solidFill>
+                  <a:schemeClr val="tx1"/>
+                </a:solidFill>
+                <a:latin typeface="Times New Roman" panose="02020603050405020304" pitchFamily="18" charset="0"/>
+                <a:cs typeface="Times New Roman" panose="02020603050405020304" pitchFamily="18" charset="0"/>
+              </a:rPr>
+              <a:t>, </a:t>
+            </a:r>
+            <a:r>
+              <a:rPr lang="en-US" sz="1400" dirty="0" err="1">
+                <a:solidFill>
+                  <a:schemeClr val="tx1"/>
+                </a:solidFill>
+                <a:latin typeface="Times New Roman" panose="02020603050405020304" pitchFamily="18" charset="0"/>
+                <a:cs typeface="Times New Roman" panose="02020603050405020304" pitchFamily="18" charset="0"/>
+              </a:rPr>
+              <a:t>insa</a:t>
+            </a:r>
+            <a:r>
+              <a:rPr lang="en-US" sz="1400" dirty="0">
+                <a:solidFill>
+                  <a:schemeClr val="tx1"/>
+                </a:solidFill>
+                <a:latin typeface="Times New Roman" panose="02020603050405020304" pitchFamily="18" charset="0"/>
+                <a:cs typeface="Times New Roman" panose="02020603050405020304" pitchFamily="18" charset="0"/>
+              </a:rPr>
+              <a:t> </a:t>
+            </a:r>
+            <a:r>
+              <a:rPr lang="en-US" sz="1400" dirty="0" err="1">
+                <a:solidFill>
+                  <a:schemeClr val="tx1"/>
+                </a:solidFill>
+                <a:latin typeface="Times New Roman" panose="02020603050405020304" pitchFamily="18" charset="0"/>
+                <a:cs typeface="Times New Roman" panose="02020603050405020304" pitchFamily="18" charset="0"/>
+              </a:rPr>
+              <a:t>elementul</a:t>
+            </a:r>
+            <a:r>
+              <a:rPr lang="en-US" sz="1400" dirty="0">
+                <a:solidFill>
+                  <a:schemeClr val="tx1"/>
+                </a:solidFill>
+                <a:latin typeface="Times New Roman" panose="02020603050405020304" pitchFamily="18" charset="0"/>
+                <a:cs typeface="Times New Roman" panose="02020603050405020304" pitchFamily="18" charset="0"/>
+              </a:rPr>
+              <a:t> </a:t>
+            </a:r>
+            <a:r>
+              <a:rPr lang="en-US" sz="1400" dirty="0" err="1">
+                <a:solidFill>
+                  <a:schemeClr val="tx1"/>
+                </a:solidFill>
+                <a:latin typeface="Times New Roman" panose="02020603050405020304" pitchFamily="18" charset="0"/>
+                <a:cs typeface="Times New Roman" panose="02020603050405020304" pitchFamily="18" charset="0"/>
+              </a:rPr>
+              <a:t>parola</a:t>
+            </a:r>
+            <a:r>
+              <a:rPr lang="en-US" sz="1400" dirty="0">
+                <a:solidFill>
+                  <a:schemeClr val="tx1"/>
+                </a:solidFill>
+                <a:latin typeface="Times New Roman" panose="02020603050405020304" pitchFamily="18" charset="0"/>
+                <a:cs typeface="Times New Roman" panose="02020603050405020304" pitchFamily="18" charset="0"/>
+              </a:rPr>
+              <a:t> </a:t>
+            </a:r>
+            <a:r>
+              <a:rPr lang="en-US" sz="1400" dirty="0" err="1">
+                <a:solidFill>
+                  <a:schemeClr val="tx1"/>
+                </a:solidFill>
+                <a:latin typeface="Times New Roman" panose="02020603050405020304" pitchFamily="18" charset="0"/>
+                <a:cs typeface="Times New Roman" panose="02020603050405020304" pitchFamily="18" charset="0"/>
+              </a:rPr>
+              <a:t>lasam</a:t>
+            </a:r>
+            <a:r>
+              <a:rPr lang="en-US" sz="1400" dirty="0">
+                <a:solidFill>
+                  <a:schemeClr val="tx1"/>
+                </a:solidFill>
+                <a:latin typeface="Times New Roman" panose="02020603050405020304" pitchFamily="18" charset="0"/>
+                <a:cs typeface="Times New Roman" panose="02020603050405020304" pitchFamily="18" charset="0"/>
+              </a:rPr>
+              <a:t> </a:t>
+            </a:r>
+            <a:r>
+              <a:rPr lang="en-US" sz="1400" dirty="0" err="1">
+                <a:solidFill>
+                  <a:schemeClr val="tx1"/>
+                </a:solidFill>
+                <a:latin typeface="Times New Roman" panose="02020603050405020304" pitchFamily="18" charset="0"/>
+                <a:cs typeface="Times New Roman" panose="02020603050405020304" pitchFamily="18" charset="0"/>
+              </a:rPr>
+              <a:t>gol</a:t>
+            </a:r>
+            <a:r>
+              <a:rPr lang="en-US" sz="1400" dirty="0">
+                <a:solidFill>
+                  <a:schemeClr val="tx1"/>
+                </a:solidFill>
+                <a:latin typeface="Times New Roman" panose="02020603050405020304" pitchFamily="18" charset="0"/>
+                <a:cs typeface="Times New Roman" panose="02020603050405020304" pitchFamily="18" charset="0"/>
+              </a:rPr>
+              <a:t> </a:t>
+            </a:r>
+            <a:r>
+              <a:rPr lang="en-US" sz="1400" dirty="0" err="1">
+                <a:solidFill>
+                  <a:schemeClr val="tx1"/>
+                </a:solidFill>
+                <a:latin typeface="Times New Roman" panose="02020603050405020304" pitchFamily="18" charset="0"/>
+                <a:cs typeface="Times New Roman" panose="02020603050405020304" pitchFamily="18" charset="0"/>
+              </a:rPr>
+              <a:t>si</a:t>
+            </a:r>
+            <a:r>
+              <a:rPr lang="en-US" sz="1400" dirty="0">
+                <a:solidFill>
+                  <a:schemeClr val="tx1"/>
+                </a:solidFill>
+                <a:latin typeface="Times New Roman" panose="02020603050405020304" pitchFamily="18" charset="0"/>
+                <a:cs typeface="Times New Roman" panose="02020603050405020304" pitchFamily="18" charset="0"/>
+              </a:rPr>
+              <a:t> </a:t>
+            </a:r>
+            <a:r>
+              <a:rPr lang="en-US" sz="1400" dirty="0" err="1">
+                <a:solidFill>
+                  <a:schemeClr val="tx1"/>
+                </a:solidFill>
+                <a:latin typeface="Times New Roman" panose="02020603050405020304" pitchFamily="18" charset="0"/>
+                <a:cs typeface="Times New Roman" panose="02020603050405020304" pitchFamily="18" charset="0"/>
+              </a:rPr>
+              <a:t>verificam</a:t>
+            </a:r>
+            <a:r>
+              <a:rPr lang="en-US" sz="1400" dirty="0">
+                <a:solidFill>
+                  <a:schemeClr val="tx1"/>
+                </a:solidFill>
+                <a:latin typeface="Times New Roman" panose="02020603050405020304" pitchFamily="18" charset="0"/>
+                <a:cs typeface="Times New Roman" panose="02020603050405020304" pitchFamily="18" charset="0"/>
+              </a:rPr>
+              <a:t> </a:t>
+            </a:r>
+            <a:r>
+              <a:rPr lang="en-US" sz="1400" dirty="0" err="1">
+                <a:solidFill>
+                  <a:schemeClr val="tx1"/>
+                </a:solidFill>
+                <a:latin typeface="Times New Roman" panose="02020603050405020304" pitchFamily="18" charset="0"/>
+                <a:cs typeface="Times New Roman" panose="02020603050405020304" pitchFamily="18" charset="0"/>
+              </a:rPr>
+              <a:t>daca</a:t>
+            </a:r>
+            <a:r>
+              <a:rPr lang="en-US" sz="1400" dirty="0">
+                <a:solidFill>
+                  <a:schemeClr val="tx1"/>
+                </a:solidFill>
+                <a:latin typeface="Times New Roman" panose="02020603050405020304" pitchFamily="18" charset="0"/>
+                <a:cs typeface="Times New Roman" panose="02020603050405020304" pitchFamily="18" charset="0"/>
+              </a:rPr>
+              <a:t> </a:t>
+            </a:r>
+            <a:r>
+              <a:rPr lang="en-US" sz="1400" dirty="0" err="1">
+                <a:solidFill>
+                  <a:schemeClr val="tx1"/>
+                </a:solidFill>
+                <a:latin typeface="Times New Roman" panose="02020603050405020304" pitchFamily="18" charset="0"/>
+                <a:cs typeface="Times New Roman" panose="02020603050405020304" pitchFamily="18" charset="0"/>
+              </a:rPr>
+              <a:t>avem</a:t>
+            </a:r>
+            <a:r>
+              <a:rPr lang="en-US" sz="1400" dirty="0">
+                <a:solidFill>
+                  <a:schemeClr val="tx1"/>
+                </a:solidFill>
+                <a:latin typeface="Times New Roman" panose="02020603050405020304" pitchFamily="18" charset="0"/>
+                <a:cs typeface="Times New Roman" panose="02020603050405020304" pitchFamily="18" charset="0"/>
+              </a:rPr>
+              <a:t> </a:t>
+            </a:r>
+            <a:r>
+              <a:rPr lang="en-US" sz="1400" dirty="0" err="1">
+                <a:solidFill>
+                  <a:schemeClr val="tx1"/>
+                </a:solidFill>
+                <a:latin typeface="Times New Roman" panose="02020603050405020304" pitchFamily="18" charset="0"/>
+                <a:cs typeface="Times New Roman" panose="02020603050405020304" pitchFamily="18" charset="0"/>
+              </a:rPr>
+              <a:t>mesajul</a:t>
+            </a:r>
+            <a:r>
+              <a:rPr lang="en-US" sz="1400" dirty="0">
+                <a:solidFill>
+                  <a:schemeClr val="tx1"/>
+                </a:solidFill>
+                <a:latin typeface="Times New Roman" panose="02020603050405020304" pitchFamily="18" charset="0"/>
+                <a:cs typeface="Times New Roman" panose="02020603050405020304" pitchFamily="18" charset="0"/>
+              </a:rPr>
+              <a:t> de </a:t>
+            </a:r>
+            <a:r>
+              <a:rPr lang="en-US" sz="1400" dirty="0" err="1">
+                <a:solidFill>
+                  <a:schemeClr val="tx1"/>
+                </a:solidFill>
+                <a:latin typeface="Times New Roman" panose="02020603050405020304" pitchFamily="18" charset="0"/>
+                <a:cs typeface="Times New Roman" panose="02020603050405020304" pitchFamily="18" charset="0"/>
+              </a:rPr>
+              <a:t>eroare</a:t>
+            </a:r>
+            <a:r>
+              <a:rPr lang="en-US" sz="1400" dirty="0">
+                <a:solidFill>
+                  <a:schemeClr val="tx1"/>
+                </a:solidFill>
+                <a:latin typeface="Times New Roman" panose="02020603050405020304" pitchFamily="18" charset="0"/>
+                <a:cs typeface="Times New Roman" panose="02020603050405020304" pitchFamily="18" charset="0"/>
+              </a:rPr>
+              <a:t> </a:t>
+            </a:r>
+            <a:r>
+              <a:rPr lang="en-US" sz="1400" dirty="0" err="1">
+                <a:solidFill>
+                  <a:schemeClr val="tx1"/>
+                </a:solidFill>
+                <a:latin typeface="Times New Roman" panose="02020603050405020304" pitchFamily="18" charset="0"/>
+                <a:cs typeface="Times New Roman" panose="02020603050405020304" pitchFamily="18" charset="0"/>
+              </a:rPr>
+              <a:t>corect</a:t>
+            </a:r>
+            <a:r>
+              <a:rPr lang="en-US" sz="1400" dirty="0">
+                <a:solidFill>
+                  <a:schemeClr val="tx1"/>
+                </a:solidFill>
+                <a:latin typeface="Times New Roman" panose="02020603050405020304" pitchFamily="18" charset="0"/>
+                <a:cs typeface="Times New Roman" panose="02020603050405020304" pitchFamily="18" charset="0"/>
+              </a:rPr>
+              <a:t>.</a:t>
+            </a:r>
+          </a:p>
+          <a:p>
+            <a:pPr>
+              <a:lnSpc>
+                <a:spcPct val="150000"/>
+              </a:lnSpc>
+            </a:pPr>
+            <a:r>
+              <a:rPr lang="en-US" sz="1400" dirty="0" err="1">
+                <a:solidFill>
+                  <a:schemeClr val="tx1"/>
+                </a:solidFill>
+                <a:latin typeface="Times New Roman" panose="02020603050405020304" pitchFamily="18" charset="0"/>
+                <a:cs typeface="Times New Roman" panose="02020603050405020304" pitchFamily="18" charset="0"/>
+              </a:rPr>
+              <a:t>Testele</a:t>
+            </a:r>
+            <a:r>
+              <a:rPr lang="en-US" sz="1400" dirty="0">
+                <a:solidFill>
+                  <a:schemeClr val="tx1"/>
+                </a:solidFill>
+                <a:latin typeface="Times New Roman" panose="02020603050405020304" pitchFamily="18" charset="0"/>
+                <a:cs typeface="Times New Roman" panose="02020603050405020304" pitchFamily="18" charset="0"/>
+              </a:rPr>
+              <a:t> = PASS</a:t>
             </a:r>
           </a:p>
         </p:txBody>
@@ -37574,8 +40022,8 @@
         </p:nvSpPr>
         <p:spPr bwMode="auto">
           <a:xfrm>
-            <a:off x="5064369" y="1071801"/>
-            <a:ext cx="7127631" cy="5786199"/>
+            <a:off x="4199021" y="1295356"/>
+            <a:ext cx="7836569" cy="5478423"/>
           </a:xfrm>
           <a:prstGeom prst="rect">
             <a:avLst/>
@@ -40940,83 +43388,6 @@
                 <a:latin typeface="Arial Unicode MS"/>
               </a:rPr>
               <a:t>'This Field is required!'</a:t>
-            </a:r>
-            <a:r>
-              <a:rPr kumimoji="0" lang="en-US" altLang="en-US" sz="1000" b="0" i="0" u="none" strike="noStrike" cap="none" normalizeH="0" baseline="0" dirty="0">
-                <a:ln>
-                  <a:noFill/>
-                </a:ln>
-                <a:solidFill>
-                  <a:srgbClr val="A9B7C6"/>
-                </a:solidFill>
-                <a:effectLst/>
-                <a:latin typeface="Arial Unicode MS"/>
-              </a:rPr>
-              <a:t>)</a:t>
-            </a:r>
-            <a:br>
-              <a:rPr kumimoji="0" lang="en-US" altLang="en-US" sz="1000" b="0" i="0" u="none" strike="noStrike" cap="none" normalizeH="0" baseline="0" dirty="0">
-                <a:ln>
-                  <a:noFill/>
-                </a:ln>
-                <a:solidFill>
-                  <a:srgbClr val="A9B7C6"/>
-                </a:solidFill>
-                <a:effectLst/>
-                <a:latin typeface="Arial Unicode MS"/>
-              </a:rPr>
-            </a:br>
-            <a:r>
-              <a:rPr kumimoji="0" lang="en-US" altLang="en-US" sz="1000" b="0" i="0" u="none" strike="noStrike" cap="none" normalizeH="0" baseline="0" dirty="0">
-                <a:ln>
-                  <a:noFill/>
-                </a:ln>
-                <a:solidFill>
-                  <a:srgbClr val="A9B7C6"/>
-                </a:solidFill>
-                <a:effectLst/>
-                <a:latin typeface="Arial Unicode MS"/>
-              </a:rPr>
-              <a:t>        </a:t>
-            </a:r>
-            <a:r>
-              <a:rPr kumimoji="0" lang="en-US" altLang="en-US" sz="1000" b="0" i="0" u="none" strike="noStrike" cap="none" normalizeH="0" baseline="0" dirty="0" err="1">
-                <a:ln>
-                  <a:noFill/>
-                </a:ln>
-                <a:solidFill>
-                  <a:srgbClr val="A9B7C6"/>
-                </a:solidFill>
-                <a:effectLst/>
-                <a:latin typeface="Arial Unicode MS"/>
-              </a:rPr>
-              <a:t>time.sleep</a:t>
-            </a:r>
-            <a:r>
-              <a:rPr kumimoji="0" lang="en-US" altLang="en-US" sz="1000" b="0" i="0" u="none" strike="noStrike" cap="none" normalizeH="0" baseline="0" dirty="0">
-                <a:ln>
-                  <a:noFill/>
-                </a:ln>
-                <a:solidFill>
-                  <a:srgbClr val="A9B7C6"/>
-                </a:solidFill>
-                <a:effectLst/>
-                <a:latin typeface="Arial Unicode MS"/>
-              </a:rPr>
-              <a:t>(</a:t>
-            </a:r>
-            <a:r>
-              <a:rPr kumimoji="0" lang="en-US" altLang="en-US" sz="1000" b="0" i="0" u="none" strike="noStrike" cap="none" normalizeH="0" baseline="0" dirty="0">
-                <a:ln>
-                  <a:noFill/>
-                </a:ln>
-                <a:solidFill>
-                  <a:srgbClr val="6897BB"/>
-                </a:solidFill>
-                <a:effectLst/>
-                <a:latin typeface="Arial Unicode MS"/>
-              </a:rPr>
-              <a:t>3</a:t>
             </a:r>
             <a:r>
               <a:rPr kumimoji="0" lang="en-US" altLang="en-US" sz="1000" b="0" i="0" u="none" strike="noStrike" cap="none" normalizeH="0" baseline="0" dirty="0">

--- a/PROIECT FINAL - GORODETCHI DAVID.pptx
+++ b/PROIECT FINAL - GORODETCHI DAVID.pptx
@@ -217,7 +217,7 @@
           <a:p>
             <a:fld id="{ECE55240-91AF-4248-BB6C-64FDE017B1F4}" type="datetimeFigureOut">
               <a:rPr lang="en-US" smtClean="0"/>
-              <a:t>5/9/2023</a:t>
+              <a:t>5/14/2023</a:t>
             </a:fld>
             <a:endParaRPr lang="en-US"/>
           </a:p>
@@ -348,7 +348,7 @@
           <a:p>
             <a:fld id="{0AF76C85-58D2-4542-8F2A-226C15F1FA28}" type="datetimeFigureOut">
               <a:rPr lang="en-US" smtClean="0"/>
-              <a:t>5/9/2023</a:t>
+              <a:t>5/14/2023</a:t>
             </a:fld>
             <a:endParaRPr lang="en-US"/>
           </a:p>
@@ -2800,7 +2800,7 @@
           <a:p>
             <a:fld id="{363DCB64-5090-461D-9AD2-20C99028C471}" type="datetimeFigureOut">
               <a:rPr lang="en-US" smtClean="0"/>
-              <a:t>5/9/2023</a:t>
+              <a:t>5/14/2023</a:t>
             </a:fld>
             <a:endParaRPr lang="en-US"/>
           </a:p>
@@ -20206,23 +20206,7 @@
                 <a:ea typeface="Times New Roman"/>
                 <a:cs typeface="Times New Roman"/>
               </a:rPr>
-              <a:t> </a:t>
-            </a:r>
-            <a:r>
-              <a:rPr lang="en-US" sz="1400" dirty="0" err="1">
-                <a:latin typeface="Times New Roman"/>
-                <a:ea typeface="Times New Roman"/>
-                <a:cs typeface="Times New Roman"/>
-              </a:rPr>
-              <a:t>unde</a:t>
-            </a:r>
-            <a:r>
-              <a:rPr lang="en-US" sz="1400" dirty="0">
-                <a:latin typeface="Times New Roman"/>
-                <a:ea typeface="Times New Roman"/>
-                <a:cs typeface="Times New Roman"/>
-              </a:rPr>
-              <a:t> sunt </a:t>
+              <a:t> unde sunt </a:t>
             </a:r>
             <a:r>
               <a:rPr lang="en-US" sz="1400" dirty="0" err="1">
@@ -25657,8 +25641,8 @@
         </p:nvSpPr>
         <p:spPr>
           <a:xfrm>
-            <a:off x="838199" y="1230923"/>
-            <a:ext cx="10515600" cy="5474677"/>
+            <a:off x="838199" y="1315845"/>
+            <a:ext cx="10515600" cy="4982308"/>
           </a:xfrm>
         </p:spPr>
         <p:txBody>
@@ -26005,11 +25989,14 @@
               </a:rPr>
               <a:t>uri</a:t>
             </a:r>
-            <a:endParaRPr lang="en-US" sz="1200" dirty="0">
-              <a:latin typeface="Times New Roman"/>
-              <a:ea typeface="Times New Roman"/>
-              <a:cs typeface="Times New Roman"/>
-            </a:endParaRPr>
+            <a:r>
+              <a:rPr lang="en-US" sz="1200" dirty="0">
+                <a:latin typeface="Times New Roman"/>
+                <a:ea typeface="Times New Roman"/>
+                <a:cs typeface="Times New Roman"/>
+              </a:rPr>
+              <a:t>.</a:t>
+            </a:r>
           </a:p>
           <a:p>
             <a:pPr>
@@ -26311,23 +26298,7 @@
                 <a:ea typeface="Times New Roman"/>
                 <a:cs typeface="Times New Roman"/>
               </a:rPr>
-              <a:t> de teste, </a:t>
-            </a:r>
-            <a:r>
-              <a:rPr lang="en-US" sz="1200" dirty="0" err="1">
-                <a:latin typeface="Times New Roman"/>
-                <a:ea typeface="Times New Roman"/>
-                <a:cs typeface="Times New Roman"/>
-              </a:rPr>
-              <a:t>unde</a:t>
-            </a:r>
-            <a:r>
-              <a:rPr lang="en-US" sz="1200" dirty="0">
-                <a:latin typeface="Times New Roman"/>
-                <a:ea typeface="Times New Roman"/>
-                <a:cs typeface="Times New Roman"/>
-              </a:rPr>
-              <a:t> </a:t>
+              <a:t> de teste, unde </a:t>
             </a:r>
             <a:r>
               <a:rPr lang="en-US" sz="1200" dirty="0" err="1">
@@ -27868,11 +27839,158 @@
               </a:rPr>
               <a:t>timp.</a:t>
             </a:r>
-            <a:endParaRPr lang="en-US" sz="1200" dirty="0">
-              <a:latin typeface="Times New Roman"/>
-              <a:ea typeface="Times New Roman"/>
-              <a:cs typeface="Times New Roman"/>
-            </a:endParaRPr>
+            <a:r>
+              <a:rPr lang="en-US" sz="1200" dirty="0">
+                <a:latin typeface="Times New Roman"/>
+                <a:ea typeface="Times New Roman"/>
+                <a:cs typeface="Times New Roman"/>
+              </a:rPr>
+              <a:t> </a:t>
+            </a:r>
+            <a:r>
+              <a:rPr lang="en-US" sz="1200" dirty="0" err="1">
+                <a:latin typeface="Times New Roman"/>
+                <a:ea typeface="Times New Roman"/>
+                <a:cs typeface="Times New Roman"/>
+              </a:rPr>
+              <a:t>Avantajele</a:t>
+            </a:r>
+            <a:r>
+              <a:rPr lang="en-US" sz="1200" dirty="0">
+                <a:latin typeface="Times New Roman"/>
+                <a:ea typeface="Times New Roman"/>
+                <a:cs typeface="Times New Roman"/>
+              </a:rPr>
+              <a:t> </a:t>
+            </a:r>
+            <a:r>
+              <a:rPr lang="en-US" sz="1200" dirty="0" err="1">
+                <a:latin typeface="Times New Roman"/>
+                <a:ea typeface="Times New Roman"/>
+                <a:cs typeface="Times New Roman"/>
+              </a:rPr>
+              <a:t>automatizarii</a:t>
+            </a:r>
+            <a:r>
+              <a:rPr lang="en-US" sz="1200" dirty="0">
+                <a:latin typeface="Times New Roman"/>
+                <a:ea typeface="Times New Roman"/>
+                <a:cs typeface="Times New Roman"/>
+              </a:rPr>
+              <a:t> sunt: </a:t>
+            </a:r>
+            <a:r>
+              <a:rPr lang="en-US" sz="1200" dirty="0" err="1">
+                <a:latin typeface="Times New Roman"/>
+                <a:ea typeface="Times New Roman"/>
+                <a:cs typeface="Times New Roman"/>
+              </a:rPr>
+              <a:t>testele</a:t>
+            </a:r>
+            <a:r>
+              <a:rPr lang="en-US" sz="1200" dirty="0">
+                <a:latin typeface="Times New Roman"/>
+                <a:ea typeface="Times New Roman"/>
+                <a:cs typeface="Times New Roman"/>
+              </a:rPr>
+              <a:t> sunt </a:t>
+            </a:r>
+            <a:r>
+              <a:rPr lang="en-US" sz="1200" dirty="0" err="1">
+                <a:latin typeface="Times New Roman"/>
+                <a:ea typeface="Times New Roman"/>
+                <a:cs typeface="Times New Roman"/>
+              </a:rPr>
+              <a:t>cuprinzatoare</a:t>
+            </a:r>
+            <a:r>
+              <a:rPr lang="en-US" sz="1200" dirty="0">
+                <a:latin typeface="Times New Roman"/>
+                <a:ea typeface="Times New Roman"/>
+                <a:cs typeface="Times New Roman"/>
+              </a:rPr>
+              <a:t> </a:t>
+            </a:r>
+            <a:r>
+              <a:rPr lang="en-US" sz="1200" dirty="0" err="1">
+                <a:latin typeface="Times New Roman"/>
+                <a:ea typeface="Times New Roman"/>
+                <a:cs typeface="Times New Roman"/>
+              </a:rPr>
+              <a:t>si</a:t>
+            </a:r>
+            <a:r>
+              <a:rPr lang="en-US" sz="1200" dirty="0">
+                <a:latin typeface="Times New Roman"/>
+                <a:ea typeface="Times New Roman"/>
+                <a:cs typeface="Times New Roman"/>
+              </a:rPr>
+              <a:t> pot fi </a:t>
+            </a:r>
+            <a:r>
+              <a:rPr lang="en-US" sz="1200" dirty="0" err="1">
+                <a:latin typeface="Times New Roman"/>
+                <a:ea typeface="Times New Roman"/>
+                <a:cs typeface="Times New Roman"/>
+              </a:rPr>
+              <a:t>reutilizate</a:t>
+            </a:r>
+            <a:r>
+              <a:rPr lang="en-US" sz="1200" dirty="0">
+                <a:latin typeface="Times New Roman"/>
+                <a:ea typeface="Times New Roman"/>
+                <a:cs typeface="Times New Roman"/>
+              </a:rPr>
+              <a:t> de </a:t>
+            </a:r>
+            <a:r>
+              <a:rPr lang="en-US" sz="1200" dirty="0" err="1">
+                <a:latin typeface="Times New Roman"/>
+                <a:ea typeface="Times New Roman"/>
+                <a:cs typeface="Times New Roman"/>
+              </a:rPr>
+              <a:t>ori</a:t>
+            </a:r>
+            <a:r>
+              <a:rPr lang="en-US" sz="1200" dirty="0">
+                <a:latin typeface="Times New Roman"/>
+                <a:ea typeface="Times New Roman"/>
+                <a:cs typeface="Times New Roman"/>
+              </a:rPr>
+              <a:t> de cate </a:t>
+            </a:r>
+            <a:r>
+              <a:rPr lang="en-US" sz="1200" dirty="0" err="1">
+                <a:latin typeface="Times New Roman"/>
+                <a:ea typeface="Times New Roman"/>
+                <a:cs typeface="Times New Roman"/>
+              </a:rPr>
+              <a:t>ori</a:t>
+            </a:r>
+            <a:r>
+              <a:rPr lang="en-US" sz="1200" dirty="0">
+                <a:latin typeface="Times New Roman"/>
+                <a:ea typeface="Times New Roman"/>
+                <a:cs typeface="Times New Roman"/>
+              </a:rPr>
+              <a:t> </a:t>
+            </a:r>
+            <a:r>
+              <a:rPr lang="en-US" sz="1200" dirty="0" err="1">
+                <a:latin typeface="Times New Roman"/>
+                <a:ea typeface="Times New Roman"/>
+                <a:cs typeface="Times New Roman"/>
+              </a:rPr>
+              <a:t>dorim</a:t>
+            </a:r>
+            <a:r>
+              <a:rPr lang="en-US" sz="1200" dirty="0">
+                <a:latin typeface="Times New Roman"/>
+                <a:ea typeface="Times New Roman"/>
+                <a:cs typeface="Times New Roman"/>
+              </a:rPr>
+              <a:t>.</a:t>
+            </a:r>
           </a:p>
           <a:p>
             <a:pPr>
@@ -27880,672 +27998,11 @@
                 <a:spcPct val="150000"/>
               </a:lnSpc>
             </a:pPr>
-            <a:r>
-              <a:rPr lang="en-US" sz="1200" dirty="0" err="1">
-                <a:latin typeface="Times New Roman"/>
-                <a:ea typeface="Times New Roman"/>
-                <a:cs typeface="Times New Roman"/>
-              </a:rPr>
-              <a:t>Pentru</a:t>
-            </a:r>
-            <a:r>
-              <a:rPr lang="en-US" sz="1200" dirty="0">
-                <a:latin typeface="Times New Roman"/>
-                <a:ea typeface="Times New Roman"/>
-                <a:cs typeface="Times New Roman"/>
-              </a:rPr>
-              <a:t> a </a:t>
-            </a:r>
-            <a:r>
-              <a:rPr lang="en-US" sz="1200" dirty="0" err="1">
-                <a:latin typeface="Times New Roman"/>
-                <a:ea typeface="Times New Roman"/>
-                <a:cs typeface="Times New Roman"/>
-              </a:rPr>
-              <a:t>folosi</a:t>
-            </a:r>
-            <a:r>
-              <a:rPr lang="en-US" sz="1200" dirty="0">
-                <a:latin typeface="Times New Roman"/>
-                <a:ea typeface="Times New Roman"/>
-                <a:cs typeface="Times New Roman"/>
-              </a:rPr>
-              <a:t> </a:t>
-            </a:r>
-            <a:r>
-              <a:rPr lang="en-US" sz="1200" dirty="0" err="1">
-                <a:latin typeface="Times New Roman"/>
-                <a:ea typeface="Times New Roman"/>
-                <a:cs typeface="Times New Roman"/>
-              </a:rPr>
-              <a:t>proiectul</a:t>
-            </a:r>
-            <a:r>
-              <a:rPr lang="en-US" sz="1200" dirty="0">
-                <a:latin typeface="Times New Roman"/>
-                <a:ea typeface="Times New Roman"/>
-                <a:cs typeface="Times New Roman"/>
-              </a:rPr>
-              <a:t> </a:t>
-            </a:r>
-            <a:r>
-              <a:rPr lang="en-US" sz="1200" dirty="0" err="1">
-                <a:latin typeface="Times New Roman"/>
-                <a:ea typeface="Times New Roman"/>
-                <a:cs typeface="Times New Roman"/>
-              </a:rPr>
-              <a:t>este</a:t>
-            </a:r>
-            <a:r>
-              <a:rPr lang="en-US" sz="1200" dirty="0">
-                <a:latin typeface="Times New Roman"/>
-                <a:ea typeface="Times New Roman"/>
-                <a:cs typeface="Times New Roman"/>
-              </a:rPr>
-              <a:t> </a:t>
-            </a:r>
-            <a:r>
-              <a:rPr lang="en-US" sz="1200" dirty="0" err="1">
-                <a:latin typeface="Times New Roman"/>
-                <a:ea typeface="Times New Roman"/>
-                <a:cs typeface="Times New Roman"/>
-              </a:rPr>
-              <a:t>nevoie</a:t>
-            </a:r>
-            <a:r>
-              <a:rPr lang="en-US" sz="1200" dirty="0">
-                <a:latin typeface="Times New Roman"/>
-                <a:ea typeface="Times New Roman"/>
-                <a:cs typeface="Times New Roman"/>
-              </a:rPr>
-              <a:t>  </a:t>
-            </a:r>
-            <a:r>
-              <a:rPr lang="en-US" sz="1200" dirty="0" err="1">
-                <a:latin typeface="Times New Roman"/>
-                <a:ea typeface="Times New Roman"/>
-                <a:cs typeface="Times New Roman"/>
-              </a:rPr>
-              <a:t>sa</a:t>
-            </a:r>
-            <a:r>
-              <a:rPr lang="en-US" sz="1200" dirty="0">
-                <a:latin typeface="Times New Roman"/>
-                <a:ea typeface="Times New Roman"/>
-                <a:cs typeface="Times New Roman"/>
-              </a:rPr>
-              <a:t> </a:t>
-            </a:r>
-            <a:r>
-              <a:rPr lang="en-US" sz="1200" dirty="0" err="1">
-                <a:latin typeface="Times New Roman"/>
-                <a:ea typeface="Times New Roman"/>
-                <a:cs typeface="Times New Roman"/>
-              </a:rPr>
-              <a:t>copiem</a:t>
-            </a:r>
-            <a:r>
-              <a:rPr lang="en-US" sz="1200" dirty="0">
-                <a:latin typeface="Times New Roman"/>
-                <a:ea typeface="Times New Roman"/>
-                <a:cs typeface="Times New Roman"/>
-              </a:rPr>
-              <a:t> </a:t>
-            </a:r>
-            <a:r>
-              <a:rPr lang="en-US" sz="1200" dirty="0" err="1">
-                <a:latin typeface="Times New Roman"/>
-                <a:ea typeface="Times New Roman"/>
-                <a:cs typeface="Times New Roman"/>
-              </a:rPr>
-              <a:t>repositorul</a:t>
-            </a:r>
-            <a:r>
-              <a:rPr lang="en-US" sz="1200" dirty="0">
-                <a:latin typeface="Times New Roman"/>
-                <a:ea typeface="Times New Roman"/>
-                <a:cs typeface="Times New Roman"/>
-              </a:rPr>
-              <a:t> pe </a:t>
-            </a:r>
-            <a:r>
-              <a:rPr lang="en-US" sz="1200" dirty="0" err="1">
-                <a:latin typeface="Times New Roman"/>
-                <a:ea typeface="Times New Roman"/>
-                <a:cs typeface="Times New Roman"/>
-              </a:rPr>
-              <a:t>localul</a:t>
-            </a:r>
-            <a:r>
-              <a:rPr lang="en-US" sz="1200" dirty="0">
-                <a:latin typeface="Times New Roman"/>
-                <a:ea typeface="Times New Roman"/>
-                <a:cs typeface="Times New Roman"/>
-              </a:rPr>
-              <a:t> </a:t>
-            </a:r>
-            <a:r>
-              <a:rPr lang="en-US" sz="1200" dirty="0" err="1">
-                <a:latin typeface="Times New Roman"/>
-                <a:ea typeface="Times New Roman"/>
-                <a:cs typeface="Times New Roman"/>
-              </a:rPr>
-              <a:t>nostru</a:t>
-            </a:r>
-            <a:r>
-              <a:rPr lang="en-US" sz="1200" dirty="0">
-                <a:latin typeface="Times New Roman"/>
-                <a:ea typeface="Times New Roman"/>
-                <a:cs typeface="Times New Roman"/>
-              </a:rPr>
-              <a:t>. </a:t>
-            </a:r>
-            <a:r>
-              <a:rPr lang="en-US" sz="1200" dirty="0" err="1">
-                <a:latin typeface="Times New Roman"/>
-                <a:ea typeface="Times New Roman"/>
-                <a:cs typeface="Times New Roman"/>
-              </a:rPr>
-              <a:t>Pentru</a:t>
-            </a:r>
-            <a:r>
-              <a:rPr lang="en-US" sz="1200" dirty="0">
-                <a:latin typeface="Times New Roman"/>
-                <a:ea typeface="Times New Roman"/>
-                <a:cs typeface="Times New Roman"/>
-              </a:rPr>
-              <a:t> </a:t>
-            </a:r>
-            <a:r>
-              <a:rPr lang="en-US" sz="1200" dirty="0" err="1">
-                <a:latin typeface="Times New Roman"/>
-                <a:ea typeface="Times New Roman"/>
-                <a:cs typeface="Times New Roman"/>
-              </a:rPr>
-              <a:t>aceasta</a:t>
-            </a:r>
-            <a:r>
-              <a:rPr lang="en-US" sz="1200" dirty="0">
-                <a:latin typeface="Times New Roman"/>
-                <a:ea typeface="Times New Roman"/>
-                <a:cs typeface="Times New Roman"/>
-              </a:rPr>
-              <a:t>, </a:t>
-            </a:r>
-            <a:r>
-              <a:rPr lang="en-US" sz="1200" dirty="0" err="1">
-                <a:latin typeface="Times New Roman"/>
-                <a:ea typeface="Times New Roman"/>
-                <a:cs typeface="Times New Roman"/>
-              </a:rPr>
-              <a:t>deschidem</a:t>
-            </a:r>
-            <a:r>
-              <a:rPr lang="en-US" sz="1200" dirty="0">
-                <a:latin typeface="Times New Roman"/>
-                <a:ea typeface="Times New Roman"/>
-                <a:cs typeface="Times New Roman"/>
-              </a:rPr>
-              <a:t> </a:t>
-            </a:r>
-            <a:r>
-              <a:rPr lang="en-US" sz="1200" dirty="0" err="1">
-                <a:latin typeface="Times New Roman"/>
-                <a:ea typeface="Times New Roman"/>
-                <a:cs typeface="Times New Roman"/>
-              </a:rPr>
-              <a:t>folderul</a:t>
-            </a:r>
-            <a:r>
-              <a:rPr lang="en-US" sz="1200" dirty="0">
-                <a:latin typeface="Times New Roman"/>
-                <a:ea typeface="Times New Roman"/>
-                <a:cs typeface="Times New Roman"/>
-              </a:rPr>
-              <a:t> </a:t>
-            </a:r>
-            <a:r>
-              <a:rPr lang="en-US" sz="1200" dirty="0" err="1">
-                <a:latin typeface="Times New Roman"/>
-                <a:ea typeface="Times New Roman"/>
-                <a:cs typeface="Times New Roman"/>
-              </a:rPr>
-              <a:t>nostru</a:t>
-            </a:r>
-            <a:r>
-              <a:rPr lang="en-US" sz="1200" dirty="0">
-                <a:latin typeface="Times New Roman"/>
-                <a:ea typeface="Times New Roman"/>
-                <a:cs typeface="Times New Roman"/>
-              </a:rPr>
-              <a:t> cu </a:t>
-            </a:r>
-            <a:r>
-              <a:rPr lang="en-US" sz="1200" dirty="0" err="1">
-                <a:latin typeface="Times New Roman"/>
-                <a:ea typeface="Times New Roman"/>
-                <a:cs typeface="Times New Roman"/>
-              </a:rPr>
-              <a:t>proiect</a:t>
-            </a:r>
-            <a:r>
-              <a:rPr lang="en-US" sz="1200" dirty="0">
-                <a:latin typeface="Times New Roman"/>
-                <a:ea typeface="Times New Roman"/>
-                <a:cs typeface="Times New Roman"/>
-              </a:rPr>
-              <a:t>, </a:t>
-            </a:r>
-            <a:r>
-              <a:rPr lang="en-US" sz="1200" dirty="0" err="1">
-                <a:latin typeface="Times New Roman"/>
-                <a:ea typeface="Times New Roman"/>
-                <a:cs typeface="Times New Roman"/>
-              </a:rPr>
-              <a:t>aici</a:t>
-            </a:r>
-            <a:r>
-              <a:rPr lang="en-US" sz="1200" dirty="0">
-                <a:latin typeface="Times New Roman"/>
-                <a:ea typeface="Times New Roman"/>
-                <a:cs typeface="Times New Roman"/>
-              </a:rPr>
-              <a:t> </a:t>
-            </a:r>
-            <a:r>
-              <a:rPr lang="en-US" sz="1200" dirty="0" err="1">
-                <a:latin typeface="Times New Roman"/>
-                <a:ea typeface="Times New Roman"/>
-                <a:cs typeface="Times New Roman"/>
-              </a:rPr>
-              <a:t>deschidem</a:t>
-            </a:r>
-            <a:r>
-              <a:rPr lang="en-US" sz="1200" dirty="0">
-                <a:latin typeface="Times New Roman"/>
-                <a:ea typeface="Times New Roman"/>
-                <a:cs typeface="Times New Roman"/>
-              </a:rPr>
-              <a:t> Git Bash Here, </a:t>
-            </a:r>
-            <a:r>
-              <a:rPr lang="en-US" sz="1200" dirty="0" err="1">
-                <a:latin typeface="Times New Roman"/>
-                <a:ea typeface="Times New Roman"/>
-                <a:cs typeface="Times New Roman"/>
-              </a:rPr>
-              <a:t>si</a:t>
-            </a:r>
-            <a:r>
-              <a:rPr lang="en-US" sz="1200" dirty="0">
-                <a:latin typeface="Times New Roman"/>
-                <a:ea typeface="Times New Roman"/>
-                <a:cs typeface="Times New Roman"/>
-              </a:rPr>
-              <a:t> </a:t>
-            </a:r>
-            <a:r>
-              <a:rPr lang="en-US" sz="1200" dirty="0" err="1">
-                <a:latin typeface="Times New Roman"/>
-                <a:ea typeface="Times New Roman"/>
-                <a:cs typeface="Times New Roman"/>
-              </a:rPr>
-              <a:t>scriem</a:t>
-            </a:r>
-            <a:r>
-              <a:rPr lang="en-US" sz="1200" dirty="0">
-                <a:latin typeface="Times New Roman"/>
-                <a:ea typeface="Times New Roman"/>
-                <a:cs typeface="Times New Roman"/>
-              </a:rPr>
-              <a:t>: ‘git clone </a:t>
-            </a:r>
-            <a:r>
-              <a:rPr lang="en-US" sz="1200" dirty="0">
-                <a:latin typeface="Times New Roman"/>
-                <a:ea typeface="Times New Roman"/>
-                <a:cs typeface="Times New Roman"/>
-                <a:hlinkClick r:id="rId3"/>
-              </a:rPr>
-              <a:t>https://github.com/godavid128/</a:t>
-            </a:r>
-            <a:r>
-              <a:rPr lang="en-US" sz="1200" dirty="0" err="1">
-                <a:latin typeface="Times New Roman"/>
-                <a:ea typeface="Times New Roman"/>
-                <a:cs typeface="Times New Roman"/>
-                <a:hlinkClick r:id="rId3"/>
-              </a:rPr>
-              <a:t>Test_Website_medtinker</a:t>
-            </a:r>
-            <a:r>
-              <a:rPr lang="en-US" sz="1200" dirty="0">
-                <a:latin typeface="Times New Roman"/>
-                <a:ea typeface="Times New Roman"/>
-                <a:cs typeface="Times New Roman"/>
-              </a:rPr>
-              <a:t>’. </a:t>
-            </a:r>
-            <a:r>
-              <a:rPr lang="en-US" sz="1200" dirty="0" err="1">
-                <a:latin typeface="Times New Roman"/>
-                <a:ea typeface="Times New Roman"/>
-                <a:cs typeface="Times New Roman"/>
-              </a:rPr>
-              <a:t>Apoi</a:t>
-            </a:r>
-            <a:r>
-              <a:rPr lang="en-US" sz="1200" dirty="0">
-                <a:latin typeface="Times New Roman"/>
-                <a:ea typeface="Times New Roman"/>
-                <a:cs typeface="Times New Roman"/>
-              </a:rPr>
-              <a:t> </a:t>
-            </a:r>
-            <a:r>
-              <a:rPr lang="en-US" sz="1200" dirty="0" err="1">
-                <a:latin typeface="Times New Roman"/>
-                <a:ea typeface="Times New Roman"/>
-                <a:cs typeface="Times New Roman"/>
-              </a:rPr>
-              <a:t>deschidem</a:t>
-            </a:r>
-            <a:r>
-              <a:rPr lang="en-US" sz="1200" dirty="0">
-                <a:latin typeface="Times New Roman"/>
-                <a:ea typeface="Times New Roman"/>
-                <a:cs typeface="Times New Roman"/>
-              </a:rPr>
-              <a:t> </a:t>
-            </a:r>
-            <a:r>
-              <a:rPr lang="en-US" sz="1200" dirty="0" err="1">
-                <a:latin typeface="Times New Roman"/>
-                <a:ea typeface="Times New Roman"/>
-                <a:cs typeface="Times New Roman"/>
-              </a:rPr>
-              <a:t>proiectul</a:t>
-            </a:r>
-            <a:r>
-              <a:rPr lang="en-US" sz="1200" dirty="0">
-                <a:latin typeface="Times New Roman"/>
-                <a:ea typeface="Times New Roman"/>
-                <a:cs typeface="Times New Roman"/>
-              </a:rPr>
-              <a:t> </a:t>
-            </a:r>
-            <a:r>
-              <a:rPr lang="en-US" sz="1200" dirty="0" err="1">
-                <a:latin typeface="Times New Roman"/>
-                <a:ea typeface="Times New Roman"/>
-                <a:cs typeface="Times New Roman"/>
-              </a:rPr>
-              <a:t>clonat</a:t>
-            </a:r>
-            <a:r>
-              <a:rPr lang="en-US" sz="1200" dirty="0">
-                <a:latin typeface="Times New Roman"/>
-                <a:ea typeface="Times New Roman"/>
-                <a:cs typeface="Times New Roman"/>
-              </a:rPr>
-              <a:t> in </a:t>
-            </a:r>
-            <a:r>
-              <a:rPr lang="en-US" sz="1200" dirty="0" err="1">
-                <a:latin typeface="Times New Roman"/>
-                <a:ea typeface="Times New Roman"/>
-                <a:cs typeface="Times New Roman"/>
-              </a:rPr>
-              <a:t>Pycharm</a:t>
-            </a:r>
-            <a:r>
-              <a:rPr lang="en-US" sz="1200" dirty="0">
-                <a:latin typeface="Times New Roman"/>
-                <a:ea typeface="Times New Roman"/>
-                <a:cs typeface="Times New Roman"/>
-              </a:rPr>
-              <a:t> </a:t>
-            </a:r>
-            <a:r>
-              <a:rPr lang="en-US" sz="1200" dirty="0" err="1">
-                <a:latin typeface="Times New Roman"/>
-                <a:ea typeface="Times New Roman"/>
-                <a:cs typeface="Times New Roman"/>
-              </a:rPr>
-              <a:t>si</a:t>
-            </a:r>
-            <a:r>
-              <a:rPr lang="en-US" sz="1200" dirty="0">
-                <a:latin typeface="Times New Roman"/>
-                <a:ea typeface="Times New Roman"/>
-                <a:cs typeface="Times New Roman"/>
-              </a:rPr>
-              <a:t> </a:t>
-            </a:r>
-            <a:r>
-              <a:rPr lang="en-US" sz="1200" dirty="0" err="1">
-                <a:latin typeface="Times New Roman"/>
-                <a:ea typeface="Times New Roman"/>
-                <a:cs typeface="Times New Roman"/>
-              </a:rPr>
-              <a:t>putem</a:t>
-            </a:r>
-            <a:r>
-              <a:rPr lang="en-US" sz="1200" dirty="0">
-                <a:latin typeface="Times New Roman"/>
-                <a:ea typeface="Times New Roman"/>
-                <a:cs typeface="Times New Roman"/>
-              </a:rPr>
-              <a:t> </a:t>
-            </a:r>
-            <a:r>
-              <a:rPr lang="en-US" sz="1200" dirty="0" err="1">
-                <a:latin typeface="Times New Roman"/>
-                <a:ea typeface="Times New Roman"/>
-                <a:cs typeface="Times New Roman"/>
-              </a:rPr>
-              <a:t>rula</a:t>
-            </a:r>
-            <a:r>
-              <a:rPr lang="en-US" sz="1200" dirty="0">
-                <a:latin typeface="Times New Roman"/>
-                <a:ea typeface="Times New Roman"/>
-                <a:cs typeface="Times New Roman"/>
-              </a:rPr>
-              <a:t> </a:t>
-            </a:r>
-            <a:r>
-              <a:rPr lang="en-US" sz="1200" dirty="0" err="1">
-                <a:latin typeface="Times New Roman"/>
-                <a:ea typeface="Times New Roman"/>
-                <a:cs typeface="Times New Roman"/>
-              </a:rPr>
-              <a:t>testele</a:t>
-            </a:r>
-            <a:r>
-              <a:rPr lang="en-US" sz="1200" dirty="0">
-                <a:latin typeface="Times New Roman"/>
-                <a:ea typeface="Times New Roman"/>
-                <a:cs typeface="Times New Roman"/>
-              </a:rPr>
-              <a:t> </a:t>
-            </a:r>
-            <a:r>
-              <a:rPr lang="en-US" sz="1200" dirty="0" err="1">
-                <a:latin typeface="Times New Roman"/>
-                <a:ea typeface="Times New Roman"/>
-                <a:cs typeface="Times New Roman"/>
-              </a:rPr>
-              <a:t>prin</a:t>
-            </a:r>
-            <a:r>
-              <a:rPr lang="en-US" sz="1200" dirty="0">
-                <a:latin typeface="Times New Roman"/>
-                <a:ea typeface="Times New Roman"/>
-                <a:cs typeface="Times New Roman"/>
-              </a:rPr>
-              <a:t> </a:t>
-            </a:r>
-            <a:r>
-              <a:rPr lang="en-US" sz="1200" dirty="0" err="1">
-                <a:latin typeface="Times New Roman"/>
-                <a:ea typeface="Times New Roman"/>
-                <a:cs typeface="Times New Roman"/>
-              </a:rPr>
-              <a:t>pagina</a:t>
-            </a:r>
-            <a:r>
-              <a:rPr lang="en-US" sz="1200" dirty="0">
-                <a:latin typeface="Times New Roman"/>
-                <a:ea typeface="Times New Roman"/>
-                <a:cs typeface="Times New Roman"/>
-              </a:rPr>
-              <a:t> ‘</a:t>
-            </a:r>
-            <a:r>
-              <a:rPr lang="en-US" sz="1200" dirty="0" err="1">
-                <a:latin typeface="Times New Roman"/>
-                <a:ea typeface="Times New Roman"/>
-                <a:cs typeface="Times New Roman"/>
-              </a:rPr>
-              <a:t>suite_de_teste_medtinker_ro</a:t>
-            </a:r>
-            <a:r>
-              <a:rPr lang="en-US" sz="1200" dirty="0">
-                <a:latin typeface="Times New Roman"/>
-                <a:ea typeface="Times New Roman"/>
-                <a:cs typeface="Times New Roman"/>
-              </a:rPr>
-              <a:t>’, </a:t>
-            </a:r>
-            <a:r>
-              <a:rPr lang="en-US" sz="1200" dirty="0" err="1">
-                <a:latin typeface="Times New Roman"/>
-                <a:ea typeface="Times New Roman"/>
-                <a:cs typeface="Times New Roman"/>
-              </a:rPr>
-              <a:t>unde</a:t>
-            </a:r>
-            <a:r>
-              <a:rPr lang="en-US" sz="1200" dirty="0">
-                <a:latin typeface="Times New Roman"/>
-                <a:ea typeface="Times New Roman"/>
-                <a:cs typeface="Times New Roman"/>
-              </a:rPr>
-              <a:t> in final se </a:t>
-            </a:r>
-            <a:r>
-              <a:rPr lang="en-US" sz="1200" dirty="0" err="1">
-                <a:latin typeface="Times New Roman"/>
-                <a:ea typeface="Times New Roman"/>
-                <a:cs typeface="Times New Roman"/>
-              </a:rPr>
-              <a:t>va</a:t>
-            </a:r>
-            <a:r>
-              <a:rPr lang="en-US" sz="1200" dirty="0">
-                <a:latin typeface="Times New Roman"/>
-                <a:ea typeface="Times New Roman"/>
-                <a:cs typeface="Times New Roman"/>
-              </a:rPr>
-              <a:t> genera un </a:t>
-            </a:r>
-            <a:r>
-              <a:rPr lang="en-US" sz="1200" dirty="0" err="1">
-                <a:latin typeface="Times New Roman"/>
-                <a:ea typeface="Times New Roman"/>
-                <a:cs typeface="Times New Roman"/>
-              </a:rPr>
-              <a:t>raport</a:t>
-            </a:r>
-            <a:r>
-              <a:rPr lang="en-US" sz="1200" dirty="0">
-                <a:latin typeface="Times New Roman"/>
-                <a:ea typeface="Times New Roman"/>
-                <a:cs typeface="Times New Roman"/>
-              </a:rPr>
-              <a:t> html, care </a:t>
-            </a:r>
-            <a:r>
-              <a:rPr lang="en-US" sz="1200" dirty="0" err="1">
-                <a:latin typeface="Times New Roman"/>
-                <a:ea typeface="Times New Roman"/>
-                <a:cs typeface="Times New Roman"/>
-              </a:rPr>
-              <a:t>poate</a:t>
-            </a:r>
-            <a:r>
-              <a:rPr lang="en-US" sz="1200" dirty="0">
-                <a:latin typeface="Times New Roman"/>
-                <a:ea typeface="Times New Roman"/>
-                <a:cs typeface="Times New Roman"/>
-              </a:rPr>
-              <a:t> fi </a:t>
-            </a:r>
-            <a:r>
-              <a:rPr lang="en-US" sz="1200" dirty="0" err="1">
-                <a:latin typeface="Times New Roman"/>
-                <a:ea typeface="Times New Roman"/>
-                <a:cs typeface="Times New Roman"/>
-              </a:rPr>
-              <a:t>accesat</a:t>
-            </a:r>
-            <a:r>
-              <a:rPr lang="en-US" sz="1200" dirty="0">
-                <a:latin typeface="Times New Roman"/>
-                <a:ea typeface="Times New Roman"/>
-                <a:cs typeface="Times New Roman"/>
-              </a:rPr>
-              <a:t> </a:t>
-            </a:r>
-            <a:r>
-              <a:rPr lang="en-US" sz="1200" dirty="0" err="1">
-                <a:latin typeface="Times New Roman"/>
-                <a:ea typeface="Times New Roman"/>
-                <a:cs typeface="Times New Roman"/>
-              </a:rPr>
-              <a:t>prin</a:t>
-            </a:r>
-            <a:r>
-              <a:rPr lang="en-US" sz="1200" dirty="0">
-                <a:latin typeface="Times New Roman"/>
-                <a:ea typeface="Times New Roman"/>
-                <a:cs typeface="Times New Roman"/>
-              </a:rPr>
-              <a:t> </a:t>
-            </a:r>
-            <a:r>
-              <a:rPr lang="en-US" sz="1200" dirty="0" err="1">
-                <a:latin typeface="Times New Roman"/>
-                <a:ea typeface="Times New Roman"/>
-                <a:cs typeface="Times New Roman"/>
-              </a:rPr>
-              <a:t>pagina</a:t>
-            </a:r>
-            <a:r>
-              <a:rPr lang="en-US" sz="1200" dirty="0">
-                <a:latin typeface="Times New Roman"/>
-                <a:ea typeface="Times New Roman"/>
-                <a:cs typeface="Times New Roman"/>
-              </a:rPr>
-              <a:t> web </a:t>
-            </a:r>
-            <a:r>
-              <a:rPr lang="en-US" sz="1200" dirty="0" err="1">
-                <a:latin typeface="Times New Roman"/>
-                <a:ea typeface="Times New Roman"/>
-                <a:cs typeface="Times New Roman"/>
-              </a:rPr>
-              <a:t>sau</a:t>
-            </a:r>
-            <a:r>
-              <a:rPr lang="en-US" sz="1200" dirty="0">
-                <a:latin typeface="Times New Roman"/>
-                <a:ea typeface="Times New Roman"/>
-                <a:cs typeface="Times New Roman"/>
-              </a:rPr>
-              <a:t> in python.</a:t>
-            </a:r>
+            <a:endParaRPr lang="en-US" sz="1200" dirty="0">
+              <a:latin typeface="Times New Roman"/>
+              <a:ea typeface="Times New Roman"/>
+              <a:cs typeface="Times New Roman"/>
+            </a:endParaRPr>
           </a:p>
         </p:txBody>
       </p:sp>
@@ -29478,27 +28935,7 @@
                 <a:latin typeface="Times New Roman" panose="02020603050405020304" pitchFamily="18" charset="0"/>
                 <a:cs typeface="Times New Roman" panose="02020603050405020304" pitchFamily="18" charset="0"/>
               </a:rPr>
-              <a:t> html, de </a:t>
-            </a:r>
-            <a:r>
-              <a:rPr lang="en-US" altLang="en-US" sz="1400" dirty="0" err="1">
-                <a:solidFill>
-                  <a:schemeClr val="tx1"/>
-                </a:solidFill>
-                <a:latin typeface="Times New Roman" panose="02020603050405020304" pitchFamily="18" charset="0"/>
-                <a:cs typeface="Times New Roman" panose="02020603050405020304" pitchFamily="18" charset="0"/>
-              </a:rPr>
-              <a:t>unde</a:t>
-            </a:r>
-            <a:r>
-              <a:rPr lang="en-US" altLang="en-US" sz="1400" dirty="0">
-                <a:solidFill>
-                  <a:schemeClr val="tx1"/>
-                </a:solidFill>
-                <a:latin typeface="Times New Roman" panose="02020603050405020304" pitchFamily="18" charset="0"/>
-                <a:cs typeface="Times New Roman" panose="02020603050405020304" pitchFamily="18" charset="0"/>
-              </a:rPr>
-              <a:t> </a:t>
+              <a:t> html, de unde </a:t>
             </a:r>
             <a:r>
               <a:rPr lang="en-US" altLang="en-US" sz="1400" dirty="0" err="1">

--- a/PROIECT FINAL - GORODETCHI DAVID.pptx
+++ b/PROIECT FINAL - GORODETCHI DAVID.pptx
@@ -217,7 +217,7 @@
           <a:p>
             <a:fld id="{ECE55240-91AF-4248-BB6C-64FDE017B1F4}" type="datetimeFigureOut">
               <a:rPr lang="en-US" smtClean="0"/>
-              <a:t>5/18/2023</a:t>
+              <a:t>5/19/2023</a:t>
             </a:fld>
             <a:endParaRPr lang="en-US"/>
           </a:p>
@@ -348,7 +348,7 @@
           <a:p>
             <a:fld id="{0AF76C85-58D2-4542-8F2A-226C15F1FA28}" type="datetimeFigureOut">
               <a:rPr lang="en-US" smtClean="0"/>
-              <a:t>5/18/2023</a:t>
+              <a:t>5/19/2023</a:t>
             </a:fld>
             <a:endParaRPr lang="en-US"/>
           </a:p>
@@ -2800,7 +2800,7 @@
           <a:p>
             <a:fld id="{363DCB64-5090-461D-9AD2-20C99028C471}" type="datetimeFigureOut">
               <a:rPr lang="en-US" smtClean="0"/>
-              <a:t>5/18/2023</a:t>
+              <a:t>5/19/2023</a:t>
             </a:fld>
             <a:endParaRPr lang="en-US"/>
           </a:p>
@@ -19091,7 +19091,7 @@
         <p:spPr>
           <a:xfrm rot="21600000">
             <a:off x="956399" y="1268344"/>
-            <a:ext cx="10515600" cy="5050394"/>
+            <a:ext cx="10515600" cy="5281312"/>
           </a:xfrm>
         </p:spPr>
         <p:txBody>
@@ -19241,7 +19241,7 @@
                 <a:ea typeface="Times New Roman"/>
                 <a:cs typeface="Times New Roman"/>
               </a:rPr>
-              <a:t>valoare</a:t>
+              <a:t>valoarea</a:t>
             </a:r>
             <a:r>
               <a:rPr lang="en-US" sz="1100" dirty="0">
@@ -19345,7 +19345,7 @@
                 <a:ea typeface="Times New Roman"/>
                 <a:cs typeface="Times New Roman"/>
               </a:rPr>
-              <a:t> e o </a:t>
+              <a:t>, sunt o </a:t>
             </a:r>
             <a:r>
               <a:rPr lang="en-US" sz="1100" dirty="0" err="1">
@@ -19827,7 +19827,7 @@
                 <a:ea typeface="Times New Roman"/>
                 <a:cs typeface="Times New Roman"/>
               </a:rPr>
-              <a:t> din ‘if’ </a:t>
+              <a:t> ‘if’ </a:t>
             </a:r>
             <a:r>
               <a:rPr lang="en-US" sz="1100" dirty="0" err="1">
@@ -20700,7 +20700,7 @@
                 <a:ea typeface="Times New Roman"/>
                 <a:cs typeface="Times New Roman"/>
               </a:rPr>
-              <a:t>reprezita</a:t>
+              <a:t>reprezinta</a:t>
             </a:r>
             <a:r>
               <a:rPr lang="en-US" sz="1100" dirty="0">
@@ -20716,7 +20716,7 @@
                 <a:ea typeface="Times New Roman"/>
                 <a:cs typeface="Times New Roman"/>
               </a:rPr>
-              <a:t>coloectie</a:t>
+              <a:t>colectie</a:t>
             </a:r>
             <a:r>
               <a:rPr lang="en-US" sz="1100" dirty="0">
@@ -20828,7 +20828,7 @@
                 <a:ea typeface="Times New Roman"/>
                 <a:cs typeface="Times New Roman"/>
               </a:rPr>
-              <a:t> ex: {1, 2, 3}; </a:t>
+              <a:t>, ex: {1, 2, 3}; </a:t>
             </a:r>
             <a:r>
               <a:rPr lang="en-US" sz="1100" b="0" dirty="0" err="1">
@@ -21164,7 +21164,7 @@
                 <a:ea typeface="Times New Roman"/>
                 <a:cs typeface="Times New Roman"/>
               </a:rPr>
-              <a:t>, ex:(1, 2, 3, 3)</a:t>
+              <a:t>, ex:(1, 2, 3, 3).</a:t>
             </a:r>
           </a:p>
           <a:p>
@@ -24124,7 +24124,23 @@
                 <a:ea typeface="Times New Roman"/>
                 <a:cs typeface="Times New Roman"/>
               </a:rPr>
-              <a:t>tehnicaAvantajul</a:t>
+              <a:t>tehnica</a:t>
+            </a:r>
+            <a:r>
+              <a:rPr lang="en-US" sz="1400" b="0" dirty="0">
+                <a:latin typeface="Times New Roman"/>
+                <a:ea typeface="Times New Roman"/>
+                <a:cs typeface="Times New Roman"/>
+              </a:rPr>
+              <a:t>. </a:t>
+            </a:r>
+            <a:r>
+              <a:rPr lang="en-US" sz="1400" b="0" dirty="0" err="1">
+                <a:latin typeface="Times New Roman"/>
+                <a:ea typeface="Times New Roman"/>
+                <a:cs typeface="Times New Roman"/>
+              </a:rPr>
+              <a:t>Avantajul</a:t>
             </a:r>
             <a:r>
               <a:rPr lang="en-US" sz="1400" b="0" dirty="0">
@@ -25365,7 +25381,7 @@
                 <a:ea typeface="Times New Roman"/>
                 <a:cs typeface="Times New Roman"/>
               </a:rPr>
-              <a:t> un </a:t>
+              <a:t> ca, un </a:t>
             </a:r>
             <a:r>
               <a:rPr lang="en-US" sz="1400" b="0" dirty="0" err="1">
